--- a/doc/Presentations/Results_Masks.pptx
+++ b/doc/Presentations/Results_Masks.pptx
@@ -10,8 +10,11 @@
     <p:sldId id="259" r:id="rId4"/>
     <p:sldId id="261" r:id="rId5"/>
     <p:sldId id="260" r:id="rId6"/>
-    <p:sldId id="262" r:id="rId7"/>
-    <p:sldId id="263" r:id="rId8"/>
+    <p:sldId id="266" r:id="rId7"/>
+    <p:sldId id="262" r:id="rId8"/>
+    <p:sldId id="265" r:id="rId9"/>
+    <p:sldId id="263" r:id="rId10"/>
+    <p:sldId id="264" r:id="rId11"/>
   </p:sldIdLst>
   <p:sldSz cx="12192000" cy="6858000"/>
   <p:notesSz cx="6858000" cy="9144000"/>
@@ -3018,6 +3021,227 @@
   <p:clrMapOvr>
     <a:masterClrMapping/>
   </p:clrMapOvr>
+  <p:timing>
+    <p:tnLst>
+      <p:par>
+        <p:cTn id="1" dur="indefinite" restart="never" nodeType="tmRoot"/>
+      </p:par>
+    </p:tnLst>
+  </p:timing>
+</p:sld>
+</file>
+
+<file path=ppt/slides/slide10.xml><?xml version="1.0" encoding="utf-8"?>
+<p:sld xmlns:a="http://schemas.openxmlformats.org/drawingml/2006/main" xmlns:r="http://schemas.openxmlformats.org/officeDocument/2006/relationships" xmlns:p="http://schemas.openxmlformats.org/presentationml/2006/main">
+  <p:cSld>
+    <p:spTree>
+      <p:nvGrpSpPr>
+        <p:cNvPr id="1" name=""/>
+        <p:cNvGrpSpPr/>
+        <p:nvPr/>
+      </p:nvGrpSpPr>
+      <p:grpSpPr>
+        <a:xfrm>
+          <a:off x="0" y="0"/>
+          <a:ext cx="0" cy="0"/>
+          <a:chOff x="0" y="0"/>
+          <a:chExt cx="0" cy="0"/>
+        </a:xfrm>
+      </p:grpSpPr>
+      <p:sp>
+        <p:nvSpPr>
+          <p:cNvPr id="2" name="Title 1"/>
+          <p:cNvSpPr>
+            <a:spLocks noGrp="1"/>
+          </p:cNvSpPr>
+          <p:nvPr>
+            <p:ph type="title"/>
+          </p:nvPr>
+        </p:nvSpPr>
+        <p:spPr/>
+        <p:txBody>
+          <a:bodyPr/>
+          <a:lstStyle/>
+          <a:p>
+            <a:pPr algn="ctr"/>
+            <a:r>
+              <a:rPr lang="en-US" dirty="0" smtClean="0"/>
+              <a:t>% of Zeros</a:t>
+            </a:r>
+            <a:endParaRPr lang="en-US" dirty="0"/>
+          </a:p>
+        </p:txBody>
+      </p:sp>
+      <p:sp>
+        <p:nvSpPr>
+          <p:cNvPr id="5" name="TextBox 4"/>
+          <p:cNvSpPr txBox="1"/>
+          <p:nvPr/>
+        </p:nvSpPr>
+        <p:spPr>
+          <a:xfrm>
+            <a:off x="953037" y="1390918"/>
+            <a:ext cx="4417453" cy="923330"/>
+          </a:xfrm>
+          <a:prstGeom prst="rect">
+            <a:avLst/>
+          </a:prstGeom>
+          <a:noFill/>
+        </p:spPr>
+        <p:txBody>
+          <a:bodyPr wrap="square" rtlCol="0">
+            <a:spAutoFit/>
+          </a:bodyPr>
+          <a:lstStyle/>
+          <a:p>
+            <a:pPr algn="ctr"/>
+            <a:r>
+              <a:rPr lang="en-US" b="1" dirty="0" smtClean="0"/>
+              <a:t>Uniform Filters</a:t>
+            </a:r>
+          </a:p>
+          <a:p>
+            <a:pPr algn="ctr"/>
+            <a:r>
+              <a:rPr lang="en-US" dirty="0" smtClean="0"/>
+              <a:t>operations saved: </a:t>
+            </a:r>
+            <a:r>
+              <a:rPr lang="en-US" b="1" dirty="0" smtClean="0"/>
+              <a:t>23.712%</a:t>
+            </a:r>
+          </a:p>
+          <a:p>
+            <a:pPr algn="ctr"/>
+            <a:r>
+              <a:rPr lang="en-US" dirty="0" smtClean="0"/>
+              <a:t>with accuracy of: </a:t>
+            </a:r>
+            <a:r>
+              <a:rPr lang="en-US" b="1" dirty="0" smtClean="0"/>
+              <a:t>90.1%</a:t>
+            </a:r>
+            <a:endParaRPr lang="en-US" b="1" dirty="0"/>
+          </a:p>
+        </p:txBody>
+      </p:sp>
+      <p:sp>
+        <p:nvSpPr>
+          <p:cNvPr id="7" name="TextBox 6"/>
+          <p:cNvSpPr txBox="1"/>
+          <p:nvPr/>
+        </p:nvSpPr>
+        <p:spPr>
+          <a:xfrm>
+            <a:off x="6447161" y="1390918"/>
+            <a:ext cx="4417453" cy="923330"/>
+          </a:xfrm>
+          <a:prstGeom prst="rect">
+            <a:avLst/>
+          </a:prstGeom>
+          <a:noFill/>
+        </p:spPr>
+        <p:txBody>
+          <a:bodyPr wrap="square" rtlCol="0">
+            <a:spAutoFit/>
+          </a:bodyPr>
+          <a:lstStyle/>
+          <a:p>
+            <a:pPr algn="ctr"/>
+            <a:r>
+              <a:rPr lang="en-US" b="1" dirty="0" smtClean="0"/>
+              <a:t>Uniform Layer</a:t>
+            </a:r>
+          </a:p>
+          <a:p>
+            <a:pPr algn="ctr"/>
+            <a:r>
+              <a:rPr lang="en-US" dirty="0" smtClean="0"/>
+              <a:t>operations saved: </a:t>
+            </a:r>
+            <a:r>
+              <a:rPr lang="en-US" b="1" dirty="0" smtClean="0"/>
+              <a:t>23.669%</a:t>
+            </a:r>
+          </a:p>
+          <a:p>
+            <a:pPr algn="ctr"/>
+            <a:r>
+              <a:rPr lang="en-US" dirty="0" smtClean="0"/>
+              <a:t>with accuracy of: </a:t>
+            </a:r>
+            <a:r>
+              <a:rPr lang="en-US" b="1" dirty="0" smtClean="0"/>
+              <a:t>90.1%</a:t>
+            </a:r>
+          </a:p>
+        </p:txBody>
+      </p:sp>
+      <p:pic>
+        <p:nvPicPr>
+          <p:cNvPr id="3" name="Picture 2"/>
+          <p:cNvPicPr>
+            <a:picLocks noChangeAspect="1"/>
+          </p:cNvPicPr>
+          <p:nvPr/>
+        </p:nvPicPr>
+        <p:blipFill>
+          <a:blip r:embed="rId2"/>
+          <a:stretch>
+            <a:fillRect/>
+          </a:stretch>
+        </p:blipFill>
+        <p:spPr>
+          <a:xfrm>
+            <a:off x="659293" y="2314246"/>
+            <a:ext cx="5004940" cy="3531405"/>
+          </a:xfrm>
+          <a:prstGeom prst="rect">
+            <a:avLst/>
+          </a:prstGeom>
+        </p:spPr>
+      </p:pic>
+      <p:pic>
+        <p:nvPicPr>
+          <p:cNvPr id="8" name="Picture 7"/>
+          <p:cNvPicPr>
+            <a:picLocks noChangeAspect="1"/>
+          </p:cNvPicPr>
+          <p:nvPr/>
+        </p:nvPicPr>
+        <p:blipFill>
+          <a:blip r:embed="rId2"/>
+          <a:stretch>
+            <a:fillRect/>
+          </a:stretch>
+        </p:blipFill>
+        <p:spPr>
+          <a:xfrm>
+            <a:off x="6153417" y="2314246"/>
+            <a:ext cx="5004940" cy="3531405"/>
+          </a:xfrm>
+          <a:prstGeom prst="rect">
+            <a:avLst/>
+          </a:prstGeom>
+        </p:spPr>
+      </p:pic>
+    </p:spTree>
+    <p:extLst>
+      <p:ext uri="{BB962C8B-B14F-4D97-AF65-F5344CB8AC3E}">
+        <p14:creationId xmlns:p14="http://schemas.microsoft.com/office/powerpoint/2010/main" val="3814312812"/>
+      </p:ext>
+    </p:extLst>
+  </p:cSld>
+  <p:clrMapOvr>
+    <a:masterClrMapping/>
+  </p:clrMapOvr>
+  <p:timing>
+    <p:tnLst>
+      <p:par>
+        <p:cTn id="1" dur="indefinite" restart="never" nodeType="tmRoot"/>
+      </p:par>
+    </p:tnLst>
+  </p:timing>
 </p:sld>
 </file>
 
@@ -6566,322 +6790,6 @@
           <a:chExt cx="0" cy="0"/>
         </a:xfrm>
       </p:grpSpPr>
-      <p:sp>
-        <p:nvSpPr>
-          <p:cNvPr id="4" name="Title 1"/>
-          <p:cNvSpPr>
-            <a:spLocks noGrp="1"/>
-          </p:cNvSpPr>
-          <p:nvPr>
-            <p:ph type="title"/>
-          </p:nvPr>
-        </p:nvSpPr>
-        <p:spPr>
-          <a:xfrm>
-            <a:off x="347730" y="365125"/>
-            <a:ext cx="11006070" cy="1325563"/>
-          </a:xfrm>
-        </p:spPr>
-        <p:txBody>
-          <a:bodyPr/>
-          <a:lstStyle/>
-          <a:p>
-            <a:r>
-              <a:rPr lang="en-US" dirty="0" smtClean="0"/>
-              <a:t>Uniform Filters Result – ResNet18, CIFAR10, PS2</a:t>
-            </a:r>
-            <a:endParaRPr lang="en-US" dirty="0"/>
-          </a:p>
-        </p:txBody>
-      </p:sp>
-      <p:pic>
-        <p:nvPicPr>
-          <p:cNvPr id="5" name="Picture 4"/>
-          <p:cNvPicPr>
-            <a:picLocks noChangeAspect="1"/>
-          </p:cNvPicPr>
-          <p:nvPr/>
-        </p:nvPicPr>
-        <p:blipFill>
-          <a:blip r:embed="rId2"/>
-          <a:stretch>
-            <a:fillRect/>
-          </a:stretch>
-        </p:blipFill>
-        <p:spPr>
-          <a:xfrm>
-            <a:off x="0" y="1371323"/>
-            <a:ext cx="3620325" cy="3213832"/>
-          </a:xfrm>
-          <a:prstGeom prst="rect">
-            <a:avLst/>
-          </a:prstGeom>
-        </p:spPr>
-      </p:pic>
-      <p:pic>
-        <p:nvPicPr>
-          <p:cNvPr id="6" name="Picture 5"/>
-          <p:cNvPicPr>
-            <a:picLocks noChangeAspect="1"/>
-          </p:cNvPicPr>
-          <p:nvPr/>
-        </p:nvPicPr>
-        <p:blipFill>
-          <a:blip r:embed="rId3"/>
-          <a:stretch>
-            <a:fillRect/>
-          </a:stretch>
-        </p:blipFill>
-        <p:spPr>
-          <a:xfrm>
-            <a:off x="-1" y="2079661"/>
-            <a:ext cx="3620325" cy="3213832"/>
-          </a:xfrm>
-          <a:prstGeom prst="rect">
-            <a:avLst/>
-          </a:prstGeom>
-        </p:spPr>
-      </p:pic>
-      <p:pic>
-        <p:nvPicPr>
-          <p:cNvPr id="7" name="Picture 6"/>
-          <p:cNvPicPr>
-            <a:picLocks noChangeAspect="1"/>
-          </p:cNvPicPr>
-          <p:nvPr/>
-        </p:nvPicPr>
-        <p:blipFill>
-          <a:blip r:embed="rId4"/>
-          <a:stretch>
-            <a:fillRect/>
-          </a:stretch>
-        </p:blipFill>
-        <p:spPr>
-          <a:xfrm>
-            <a:off x="-2" y="2787999"/>
-            <a:ext cx="3620325" cy="3213832"/>
-          </a:xfrm>
-          <a:prstGeom prst="rect">
-            <a:avLst/>
-          </a:prstGeom>
-        </p:spPr>
-      </p:pic>
-      <p:pic>
-        <p:nvPicPr>
-          <p:cNvPr id="8" name="Picture 7"/>
-          <p:cNvPicPr>
-            <a:picLocks noChangeAspect="1"/>
-          </p:cNvPicPr>
-          <p:nvPr/>
-        </p:nvPicPr>
-        <p:blipFill>
-          <a:blip r:embed="rId5"/>
-          <a:stretch>
-            <a:fillRect/>
-          </a:stretch>
-        </p:blipFill>
-        <p:spPr>
-          <a:xfrm>
-            <a:off x="-3" y="3496337"/>
-            <a:ext cx="3620325" cy="3213832"/>
-          </a:xfrm>
-          <a:prstGeom prst="rect">
-            <a:avLst/>
-          </a:prstGeom>
-        </p:spPr>
-      </p:pic>
-      <p:pic>
-        <p:nvPicPr>
-          <p:cNvPr id="9" name="Picture 8"/>
-          <p:cNvPicPr>
-            <a:picLocks noChangeAspect="1"/>
-          </p:cNvPicPr>
-          <p:nvPr/>
-        </p:nvPicPr>
-        <p:blipFill>
-          <a:blip r:embed="rId6"/>
-          <a:stretch>
-            <a:fillRect/>
-          </a:stretch>
-        </p:blipFill>
-        <p:spPr>
-          <a:xfrm>
-            <a:off x="-4" y="4075550"/>
-            <a:ext cx="3620325" cy="3213832"/>
-          </a:xfrm>
-          <a:prstGeom prst="rect">
-            <a:avLst/>
-          </a:prstGeom>
-        </p:spPr>
-      </p:pic>
-      <p:pic>
-        <p:nvPicPr>
-          <p:cNvPr id="10" name="Picture 9"/>
-          <p:cNvPicPr>
-            <a:picLocks noChangeAspect="1"/>
-          </p:cNvPicPr>
-          <p:nvPr/>
-        </p:nvPicPr>
-        <p:blipFill>
-          <a:blip r:embed="rId7"/>
-          <a:stretch>
-            <a:fillRect/>
-          </a:stretch>
-        </p:blipFill>
-        <p:spPr>
-          <a:xfrm>
-            <a:off x="3620321" y="1310208"/>
-            <a:ext cx="3671136" cy="3213832"/>
-          </a:xfrm>
-          <a:prstGeom prst="rect">
-            <a:avLst/>
-          </a:prstGeom>
-        </p:spPr>
-      </p:pic>
-      <p:pic>
-        <p:nvPicPr>
-          <p:cNvPr id="11" name="Picture 10"/>
-          <p:cNvPicPr>
-            <a:picLocks noChangeAspect="1"/>
-          </p:cNvPicPr>
-          <p:nvPr/>
-        </p:nvPicPr>
-        <p:blipFill>
-          <a:blip r:embed="rId8"/>
-          <a:stretch>
-            <a:fillRect/>
-          </a:stretch>
-        </p:blipFill>
-        <p:spPr>
-          <a:xfrm>
-            <a:off x="3620321" y="1908295"/>
-            <a:ext cx="3671136" cy="3213832"/>
-          </a:xfrm>
-          <a:prstGeom prst="rect">
-            <a:avLst/>
-          </a:prstGeom>
-        </p:spPr>
-      </p:pic>
-      <p:pic>
-        <p:nvPicPr>
-          <p:cNvPr id="12" name="Picture 11"/>
-          <p:cNvPicPr>
-            <a:picLocks noChangeAspect="1"/>
-          </p:cNvPicPr>
-          <p:nvPr/>
-        </p:nvPicPr>
-        <p:blipFill>
-          <a:blip r:embed="rId9"/>
-          <a:stretch>
-            <a:fillRect/>
-          </a:stretch>
-        </p:blipFill>
-        <p:spPr>
-          <a:xfrm>
-            <a:off x="3620321" y="2635771"/>
-            <a:ext cx="3671136" cy="3213832"/>
-          </a:xfrm>
-          <a:prstGeom prst="rect">
-            <a:avLst/>
-          </a:prstGeom>
-        </p:spPr>
-      </p:pic>
-      <p:pic>
-        <p:nvPicPr>
-          <p:cNvPr id="13" name="Picture 12"/>
-          <p:cNvPicPr>
-            <a:picLocks noChangeAspect="1"/>
-          </p:cNvPicPr>
-          <p:nvPr/>
-        </p:nvPicPr>
-        <p:blipFill>
-          <a:blip r:embed="rId10"/>
-          <a:stretch>
-            <a:fillRect/>
-          </a:stretch>
-        </p:blipFill>
-        <p:spPr>
-          <a:xfrm>
-            <a:off x="3719520" y="3280862"/>
-            <a:ext cx="3671136" cy="3213832"/>
-          </a:xfrm>
-          <a:prstGeom prst="rect">
-            <a:avLst/>
-          </a:prstGeom>
-        </p:spPr>
-      </p:pic>
-      <p:pic>
-        <p:nvPicPr>
-          <p:cNvPr id="14" name="Picture 13"/>
-          <p:cNvPicPr>
-            <a:picLocks noChangeAspect="1"/>
-          </p:cNvPicPr>
-          <p:nvPr/>
-        </p:nvPicPr>
-        <p:blipFill>
-          <a:blip r:embed="rId11"/>
-          <a:stretch>
-            <a:fillRect/>
-          </a:stretch>
-        </p:blipFill>
-        <p:spPr>
-          <a:xfrm>
-            <a:off x="7240642" y="1340766"/>
-            <a:ext cx="3620325" cy="3213832"/>
-          </a:xfrm>
-          <a:prstGeom prst="rect">
-            <a:avLst/>
-          </a:prstGeom>
-        </p:spPr>
-      </p:pic>
-      <p:pic>
-        <p:nvPicPr>
-          <p:cNvPr id="15" name="Picture 14"/>
-          <p:cNvPicPr>
-            <a:picLocks noChangeAspect="1"/>
-          </p:cNvPicPr>
-          <p:nvPr/>
-        </p:nvPicPr>
-        <p:blipFill>
-          <a:blip r:embed="rId12"/>
-          <a:stretch>
-            <a:fillRect/>
-          </a:stretch>
-        </p:blipFill>
-        <p:spPr>
-          <a:xfrm>
-            <a:off x="7278746" y="1914927"/>
-            <a:ext cx="3633028" cy="3213832"/>
-          </a:xfrm>
-          <a:prstGeom prst="rect">
-            <a:avLst/>
-          </a:prstGeom>
-        </p:spPr>
-      </p:pic>
-      <p:pic>
-        <p:nvPicPr>
-          <p:cNvPr id="16" name="Picture 15"/>
-          <p:cNvPicPr>
-            <a:picLocks noChangeAspect="1"/>
-          </p:cNvPicPr>
-          <p:nvPr/>
-        </p:nvPicPr>
-        <p:blipFill>
-          <a:blip r:embed="rId13"/>
-          <a:stretch>
-            <a:fillRect/>
-          </a:stretch>
-        </p:blipFill>
-        <p:spPr>
-          <a:xfrm>
-            <a:off x="7291457" y="2560018"/>
-            <a:ext cx="3633028" cy="3213832"/>
-          </a:xfrm>
-          <a:prstGeom prst="rect">
-            <a:avLst/>
-          </a:prstGeom>
-        </p:spPr>
-      </p:pic>
       <p:pic>
         <p:nvPicPr>
           <p:cNvPr id="17" name="Picture 16"/>
@@ -6891,121 +6799,59 @@
           <p:nvPr/>
         </p:nvPicPr>
         <p:blipFill>
-          <a:blip r:embed="rId14"/>
+          <a:blip r:embed="rId2">
+            <a:extLst>
+              <a:ext uri="{28A0092B-C50C-407E-A947-70E740481C1C}">
+                <a14:useLocalDpi xmlns:a14="http://schemas.microsoft.com/office/drawing/2010/main" val="0"/>
+              </a:ext>
+            </a:extLst>
+          </a:blip>
           <a:stretch>
             <a:fillRect/>
           </a:stretch>
         </p:blipFill>
         <p:spPr>
           <a:xfrm>
-            <a:off x="7241858" y="3428627"/>
-            <a:ext cx="3633028" cy="3213832"/>
+            <a:off x="461610" y="496551"/>
+            <a:ext cx="10296939" cy="6864626"/>
           </a:xfrm>
           <a:prstGeom prst="rect">
             <a:avLst/>
           </a:prstGeom>
         </p:spPr>
       </p:pic>
-      <p:pic>
-        <p:nvPicPr>
-          <p:cNvPr id="18" name="Picture 17"/>
-          <p:cNvPicPr>
-            <a:picLocks noChangeAspect="1"/>
-          </p:cNvPicPr>
-          <p:nvPr/>
-        </p:nvPicPr>
-        <p:blipFill>
-          <a:blip r:embed="rId15"/>
-          <a:stretch>
-            <a:fillRect/>
-          </a:stretch>
-        </p:blipFill>
-        <p:spPr>
-          <a:xfrm>
-            <a:off x="10822070" y="1321987"/>
-            <a:ext cx="3620325" cy="3213832"/>
-          </a:xfrm>
-          <a:prstGeom prst="rect">
-            <a:avLst/>
-          </a:prstGeom>
-        </p:spPr>
-      </p:pic>
-      <p:pic>
-        <p:nvPicPr>
-          <p:cNvPr id="19" name="Picture 18"/>
-          <p:cNvPicPr>
-            <a:picLocks noChangeAspect="1"/>
-          </p:cNvPicPr>
-          <p:nvPr/>
-        </p:nvPicPr>
-        <p:blipFill>
-          <a:blip r:embed="rId16"/>
-          <a:stretch>
-            <a:fillRect/>
-          </a:stretch>
-        </p:blipFill>
-        <p:spPr>
-          <a:xfrm>
-            <a:off x="10961373" y="2079661"/>
-            <a:ext cx="3620325" cy="3213832"/>
-          </a:xfrm>
-          <a:prstGeom prst="rect">
-            <a:avLst/>
-          </a:prstGeom>
-        </p:spPr>
-      </p:pic>
-      <p:pic>
-        <p:nvPicPr>
-          <p:cNvPr id="20" name="Picture 19"/>
-          <p:cNvPicPr>
-            <a:picLocks noChangeAspect="1"/>
-          </p:cNvPicPr>
-          <p:nvPr/>
-        </p:nvPicPr>
-        <p:blipFill>
-          <a:blip r:embed="rId17"/>
-          <a:stretch>
-            <a:fillRect/>
-          </a:stretch>
-        </p:blipFill>
-        <p:spPr>
-          <a:xfrm>
-            <a:off x="10961373" y="2938293"/>
-            <a:ext cx="3620325" cy="3213832"/>
-          </a:xfrm>
-          <a:prstGeom prst="rect">
-            <a:avLst/>
-          </a:prstGeom>
-        </p:spPr>
-      </p:pic>
-      <p:pic>
-        <p:nvPicPr>
-          <p:cNvPr id="21" name="Picture 20"/>
-          <p:cNvPicPr>
-            <a:picLocks noChangeAspect="1"/>
-          </p:cNvPicPr>
-          <p:nvPr/>
-        </p:nvPicPr>
-        <p:blipFill>
-          <a:blip r:embed="rId18"/>
-          <a:stretch>
-            <a:fillRect/>
-          </a:stretch>
-        </p:blipFill>
-        <p:spPr>
-          <a:xfrm>
-            <a:off x="10974084" y="3735717"/>
-            <a:ext cx="3620325" cy="3213832"/>
-          </a:xfrm>
-          <a:prstGeom prst="rect">
-            <a:avLst/>
-          </a:prstGeom>
-        </p:spPr>
-      </p:pic>
+      <p:sp>
+        <p:nvSpPr>
+          <p:cNvPr id="2" name="Title 1"/>
+          <p:cNvSpPr>
+            <a:spLocks noGrp="1"/>
+          </p:cNvSpPr>
+          <p:nvPr>
+            <p:ph type="title"/>
+          </p:nvPr>
+        </p:nvSpPr>
+        <p:spPr>
+          <a:xfrm>
+            <a:off x="461610" y="-166230"/>
+            <a:ext cx="10823222" cy="1325563"/>
+          </a:xfrm>
+        </p:spPr>
+        <p:txBody>
+          <a:bodyPr/>
+          <a:lstStyle/>
+          <a:p>
+            <a:r>
+              <a:rPr lang="en-US" dirty="0" smtClean="0"/>
+              <a:t>Uniform Layer Result – ResNet18, CIFAR10, PS2</a:t>
+            </a:r>
+            <a:endParaRPr lang="en-US" dirty="0"/>
+          </a:p>
+        </p:txBody>
+      </p:sp>
     </p:spTree>
     <p:extLst>
       <p:ext uri="{BB962C8B-B14F-4D97-AF65-F5344CB8AC3E}">
-        <p14:creationId xmlns:p14="http://schemas.microsoft.com/office/powerpoint/2010/main" val="1959521006"/>
+        <p14:creationId xmlns:p14="http://schemas.microsoft.com/office/powerpoint/2010/main" val="2362547906"/>
       </p:ext>
     </p:extLst>
   </p:cSld>
@@ -7041,6 +6887,479 @@
       </p:grpSpPr>
       <p:sp>
         <p:nvSpPr>
+          <p:cNvPr id="4" name="Title 1"/>
+          <p:cNvSpPr>
+            <a:spLocks noGrp="1"/>
+          </p:cNvSpPr>
+          <p:nvPr>
+            <p:ph type="title"/>
+          </p:nvPr>
+        </p:nvSpPr>
+        <p:spPr>
+          <a:xfrm>
+            <a:off x="347730" y="365125"/>
+            <a:ext cx="11006070" cy="1325563"/>
+          </a:xfrm>
+        </p:spPr>
+        <p:txBody>
+          <a:bodyPr/>
+          <a:lstStyle/>
+          <a:p>
+            <a:r>
+              <a:rPr lang="en-US" dirty="0" smtClean="0"/>
+              <a:t>Uniform Filters Result – ResNet18, CIFAR10, PS2</a:t>
+            </a:r>
+            <a:endParaRPr lang="en-US" dirty="0"/>
+          </a:p>
+        </p:txBody>
+      </p:sp>
+      <p:pic>
+        <p:nvPicPr>
+          <p:cNvPr id="5" name="Picture 4"/>
+          <p:cNvPicPr>
+            <a:picLocks noChangeAspect="1"/>
+          </p:cNvPicPr>
+          <p:nvPr/>
+        </p:nvPicPr>
+        <p:blipFill>
+          <a:blip r:embed="rId2"/>
+          <a:stretch>
+            <a:fillRect/>
+          </a:stretch>
+        </p:blipFill>
+        <p:spPr>
+          <a:xfrm>
+            <a:off x="0" y="1371323"/>
+            <a:ext cx="3620325" cy="3213832"/>
+          </a:xfrm>
+          <a:prstGeom prst="rect">
+            <a:avLst/>
+          </a:prstGeom>
+        </p:spPr>
+      </p:pic>
+      <p:pic>
+        <p:nvPicPr>
+          <p:cNvPr id="6" name="Picture 5"/>
+          <p:cNvPicPr>
+            <a:picLocks noChangeAspect="1"/>
+          </p:cNvPicPr>
+          <p:nvPr/>
+        </p:nvPicPr>
+        <p:blipFill>
+          <a:blip r:embed="rId3"/>
+          <a:stretch>
+            <a:fillRect/>
+          </a:stretch>
+        </p:blipFill>
+        <p:spPr>
+          <a:xfrm>
+            <a:off x="-1" y="2079661"/>
+            <a:ext cx="3620325" cy="3213832"/>
+          </a:xfrm>
+          <a:prstGeom prst="rect">
+            <a:avLst/>
+          </a:prstGeom>
+        </p:spPr>
+      </p:pic>
+      <p:pic>
+        <p:nvPicPr>
+          <p:cNvPr id="7" name="Picture 6"/>
+          <p:cNvPicPr>
+            <a:picLocks noChangeAspect="1"/>
+          </p:cNvPicPr>
+          <p:nvPr/>
+        </p:nvPicPr>
+        <p:blipFill>
+          <a:blip r:embed="rId4"/>
+          <a:stretch>
+            <a:fillRect/>
+          </a:stretch>
+        </p:blipFill>
+        <p:spPr>
+          <a:xfrm>
+            <a:off x="-2" y="2787999"/>
+            <a:ext cx="3620325" cy="3213832"/>
+          </a:xfrm>
+          <a:prstGeom prst="rect">
+            <a:avLst/>
+          </a:prstGeom>
+        </p:spPr>
+      </p:pic>
+      <p:pic>
+        <p:nvPicPr>
+          <p:cNvPr id="8" name="Picture 7"/>
+          <p:cNvPicPr>
+            <a:picLocks noChangeAspect="1"/>
+          </p:cNvPicPr>
+          <p:nvPr/>
+        </p:nvPicPr>
+        <p:blipFill>
+          <a:blip r:embed="rId5"/>
+          <a:stretch>
+            <a:fillRect/>
+          </a:stretch>
+        </p:blipFill>
+        <p:spPr>
+          <a:xfrm>
+            <a:off x="-3" y="3496337"/>
+            <a:ext cx="3620325" cy="3213832"/>
+          </a:xfrm>
+          <a:prstGeom prst="rect">
+            <a:avLst/>
+          </a:prstGeom>
+        </p:spPr>
+      </p:pic>
+      <p:pic>
+        <p:nvPicPr>
+          <p:cNvPr id="9" name="Picture 8"/>
+          <p:cNvPicPr>
+            <a:picLocks noChangeAspect="1"/>
+          </p:cNvPicPr>
+          <p:nvPr/>
+        </p:nvPicPr>
+        <p:blipFill>
+          <a:blip r:embed="rId6"/>
+          <a:stretch>
+            <a:fillRect/>
+          </a:stretch>
+        </p:blipFill>
+        <p:spPr>
+          <a:xfrm>
+            <a:off x="-4" y="4075550"/>
+            <a:ext cx="3620325" cy="3213832"/>
+          </a:xfrm>
+          <a:prstGeom prst="rect">
+            <a:avLst/>
+          </a:prstGeom>
+        </p:spPr>
+      </p:pic>
+      <p:pic>
+        <p:nvPicPr>
+          <p:cNvPr id="10" name="Picture 9"/>
+          <p:cNvPicPr>
+            <a:picLocks noChangeAspect="1"/>
+          </p:cNvPicPr>
+          <p:nvPr/>
+        </p:nvPicPr>
+        <p:blipFill>
+          <a:blip r:embed="rId7"/>
+          <a:stretch>
+            <a:fillRect/>
+          </a:stretch>
+        </p:blipFill>
+        <p:spPr>
+          <a:xfrm>
+            <a:off x="3620321" y="1310208"/>
+            <a:ext cx="3671136" cy="3213832"/>
+          </a:xfrm>
+          <a:prstGeom prst="rect">
+            <a:avLst/>
+          </a:prstGeom>
+        </p:spPr>
+      </p:pic>
+      <p:pic>
+        <p:nvPicPr>
+          <p:cNvPr id="11" name="Picture 10"/>
+          <p:cNvPicPr>
+            <a:picLocks noChangeAspect="1"/>
+          </p:cNvPicPr>
+          <p:nvPr/>
+        </p:nvPicPr>
+        <p:blipFill>
+          <a:blip r:embed="rId8"/>
+          <a:stretch>
+            <a:fillRect/>
+          </a:stretch>
+        </p:blipFill>
+        <p:spPr>
+          <a:xfrm>
+            <a:off x="3620321" y="1908295"/>
+            <a:ext cx="3671136" cy="3213832"/>
+          </a:xfrm>
+          <a:prstGeom prst="rect">
+            <a:avLst/>
+          </a:prstGeom>
+        </p:spPr>
+      </p:pic>
+      <p:pic>
+        <p:nvPicPr>
+          <p:cNvPr id="12" name="Picture 11"/>
+          <p:cNvPicPr>
+            <a:picLocks noChangeAspect="1"/>
+          </p:cNvPicPr>
+          <p:nvPr/>
+        </p:nvPicPr>
+        <p:blipFill>
+          <a:blip r:embed="rId9"/>
+          <a:stretch>
+            <a:fillRect/>
+          </a:stretch>
+        </p:blipFill>
+        <p:spPr>
+          <a:xfrm>
+            <a:off x="3620321" y="2635771"/>
+            <a:ext cx="3671136" cy="3213832"/>
+          </a:xfrm>
+          <a:prstGeom prst="rect">
+            <a:avLst/>
+          </a:prstGeom>
+        </p:spPr>
+      </p:pic>
+      <p:pic>
+        <p:nvPicPr>
+          <p:cNvPr id="13" name="Picture 12"/>
+          <p:cNvPicPr>
+            <a:picLocks noChangeAspect="1"/>
+          </p:cNvPicPr>
+          <p:nvPr/>
+        </p:nvPicPr>
+        <p:blipFill>
+          <a:blip r:embed="rId10"/>
+          <a:stretch>
+            <a:fillRect/>
+          </a:stretch>
+        </p:blipFill>
+        <p:spPr>
+          <a:xfrm>
+            <a:off x="3719520" y="3280862"/>
+            <a:ext cx="3671136" cy="3213832"/>
+          </a:xfrm>
+          <a:prstGeom prst="rect">
+            <a:avLst/>
+          </a:prstGeom>
+        </p:spPr>
+      </p:pic>
+      <p:pic>
+        <p:nvPicPr>
+          <p:cNvPr id="14" name="Picture 13"/>
+          <p:cNvPicPr>
+            <a:picLocks noChangeAspect="1"/>
+          </p:cNvPicPr>
+          <p:nvPr/>
+        </p:nvPicPr>
+        <p:blipFill>
+          <a:blip r:embed="rId11"/>
+          <a:stretch>
+            <a:fillRect/>
+          </a:stretch>
+        </p:blipFill>
+        <p:spPr>
+          <a:xfrm>
+            <a:off x="7240642" y="1340766"/>
+            <a:ext cx="3620325" cy="3213832"/>
+          </a:xfrm>
+          <a:prstGeom prst="rect">
+            <a:avLst/>
+          </a:prstGeom>
+        </p:spPr>
+      </p:pic>
+      <p:pic>
+        <p:nvPicPr>
+          <p:cNvPr id="15" name="Picture 14"/>
+          <p:cNvPicPr>
+            <a:picLocks noChangeAspect="1"/>
+          </p:cNvPicPr>
+          <p:nvPr/>
+        </p:nvPicPr>
+        <p:blipFill>
+          <a:blip r:embed="rId12"/>
+          <a:stretch>
+            <a:fillRect/>
+          </a:stretch>
+        </p:blipFill>
+        <p:spPr>
+          <a:xfrm>
+            <a:off x="7278746" y="1914927"/>
+            <a:ext cx="3633028" cy="3213832"/>
+          </a:xfrm>
+          <a:prstGeom prst="rect">
+            <a:avLst/>
+          </a:prstGeom>
+        </p:spPr>
+      </p:pic>
+      <p:pic>
+        <p:nvPicPr>
+          <p:cNvPr id="16" name="Picture 15"/>
+          <p:cNvPicPr>
+            <a:picLocks noChangeAspect="1"/>
+          </p:cNvPicPr>
+          <p:nvPr/>
+        </p:nvPicPr>
+        <p:blipFill>
+          <a:blip r:embed="rId13"/>
+          <a:stretch>
+            <a:fillRect/>
+          </a:stretch>
+        </p:blipFill>
+        <p:spPr>
+          <a:xfrm>
+            <a:off x="7291457" y="2560018"/>
+            <a:ext cx="3633028" cy="3213832"/>
+          </a:xfrm>
+          <a:prstGeom prst="rect">
+            <a:avLst/>
+          </a:prstGeom>
+        </p:spPr>
+      </p:pic>
+      <p:pic>
+        <p:nvPicPr>
+          <p:cNvPr id="17" name="Picture 16"/>
+          <p:cNvPicPr>
+            <a:picLocks noChangeAspect="1"/>
+          </p:cNvPicPr>
+          <p:nvPr/>
+        </p:nvPicPr>
+        <p:blipFill>
+          <a:blip r:embed="rId14"/>
+          <a:stretch>
+            <a:fillRect/>
+          </a:stretch>
+        </p:blipFill>
+        <p:spPr>
+          <a:xfrm>
+            <a:off x="7241858" y="3428627"/>
+            <a:ext cx="3633028" cy="3213832"/>
+          </a:xfrm>
+          <a:prstGeom prst="rect">
+            <a:avLst/>
+          </a:prstGeom>
+        </p:spPr>
+      </p:pic>
+      <p:pic>
+        <p:nvPicPr>
+          <p:cNvPr id="18" name="Picture 17"/>
+          <p:cNvPicPr>
+            <a:picLocks noChangeAspect="1"/>
+          </p:cNvPicPr>
+          <p:nvPr/>
+        </p:nvPicPr>
+        <p:blipFill>
+          <a:blip r:embed="rId15"/>
+          <a:stretch>
+            <a:fillRect/>
+          </a:stretch>
+        </p:blipFill>
+        <p:spPr>
+          <a:xfrm>
+            <a:off x="10822070" y="1321987"/>
+            <a:ext cx="3620325" cy="3213832"/>
+          </a:xfrm>
+          <a:prstGeom prst="rect">
+            <a:avLst/>
+          </a:prstGeom>
+        </p:spPr>
+      </p:pic>
+      <p:pic>
+        <p:nvPicPr>
+          <p:cNvPr id="19" name="Picture 18"/>
+          <p:cNvPicPr>
+            <a:picLocks noChangeAspect="1"/>
+          </p:cNvPicPr>
+          <p:nvPr/>
+        </p:nvPicPr>
+        <p:blipFill>
+          <a:blip r:embed="rId16"/>
+          <a:stretch>
+            <a:fillRect/>
+          </a:stretch>
+        </p:blipFill>
+        <p:spPr>
+          <a:xfrm>
+            <a:off x="10961373" y="2079661"/>
+            <a:ext cx="3620325" cy="3213832"/>
+          </a:xfrm>
+          <a:prstGeom prst="rect">
+            <a:avLst/>
+          </a:prstGeom>
+        </p:spPr>
+      </p:pic>
+      <p:pic>
+        <p:nvPicPr>
+          <p:cNvPr id="20" name="Picture 19"/>
+          <p:cNvPicPr>
+            <a:picLocks noChangeAspect="1"/>
+          </p:cNvPicPr>
+          <p:nvPr/>
+        </p:nvPicPr>
+        <p:blipFill>
+          <a:blip r:embed="rId17"/>
+          <a:stretch>
+            <a:fillRect/>
+          </a:stretch>
+        </p:blipFill>
+        <p:spPr>
+          <a:xfrm>
+            <a:off x="10961373" y="2938293"/>
+            <a:ext cx="3620325" cy="3213832"/>
+          </a:xfrm>
+          <a:prstGeom prst="rect">
+            <a:avLst/>
+          </a:prstGeom>
+        </p:spPr>
+      </p:pic>
+      <p:pic>
+        <p:nvPicPr>
+          <p:cNvPr id="21" name="Picture 20"/>
+          <p:cNvPicPr>
+            <a:picLocks noChangeAspect="1"/>
+          </p:cNvPicPr>
+          <p:nvPr/>
+        </p:nvPicPr>
+        <p:blipFill>
+          <a:blip r:embed="rId18"/>
+          <a:stretch>
+            <a:fillRect/>
+          </a:stretch>
+        </p:blipFill>
+        <p:spPr>
+          <a:xfrm>
+            <a:off x="10974084" y="3735717"/>
+            <a:ext cx="3620325" cy="3213832"/>
+          </a:xfrm>
+          <a:prstGeom prst="rect">
+            <a:avLst/>
+          </a:prstGeom>
+        </p:spPr>
+      </p:pic>
+    </p:spTree>
+    <p:extLst>
+      <p:ext uri="{BB962C8B-B14F-4D97-AF65-F5344CB8AC3E}">
+        <p14:creationId xmlns:p14="http://schemas.microsoft.com/office/powerpoint/2010/main" val="1959521006"/>
+      </p:ext>
+    </p:extLst>
+  </p:cSld>
+  <p:clrMapOvr>
+    <a:masterClrMapping/>
+  </p:clrMapOvr>
+  <p:timing>
+    <p:tnLst>
+      <p:par>
+        <p:cTn id="1" dur="indefinite" restart="never" nodeType="tmRoot"/>
+      </p:par>
+    </p:tnLst>
+  </p:timing>
+</p:sld>
+</file>
+
+<file path=ppt/slides/slide8.xml><?xml version="1.0" encoding="utf-8"?>
+<p:sld xmlns:a="http://schemas.openxmlformats.org/drawingml/2006/main" xmlns:r="http://schemas.openxmlformats.org/officeDocument/2006/relationships" xmlns:p="http://schemas.openxmlformats.org/presentationml/2006/main">
+  <p:cSld>
+    <p:spTree>
+      <p:nvGrpSpPr>
+        <p:cNvPr id="1" name=""/>
+        <p:cNvGrpSpPr/>
+        <p:nvPr/>
+      </p:nvGrpSpPr>
+      <p:grpSpPr>
+        <a:xfrm>
+          <a:off x="0" y="0"/>
+          <a:ext cx="0" cy="0"/>
+          <a:chOff x="0" y="0"/>
+          <a:chExt cx="0" cy="0"/>
+        </a:xfrm>
+      </p:grpSpPr>
+      <p:sp>
+        <p:nvSpPr>
           <p:cNvPr id="2" name="Title 1"/>
           <p:cNvSpPr>
             <a:spLocks noGrp="1"/>
@@ -7054,23 +7373,155 @@
           <a:bodyPr/>
           <a:lstStyle/>
           <a:p>
-            <a:pPr algn="ctr"/>
             <a:r>
               <a:rPr lang="en-US" dirty="0" smtClean="0"/>
-              <a:t>% of Zeros</a:t>
+              <a:t>Uniform Patch Result – ResNet18, CIFAR10, PS2, Channel 0</a:t>
             </a:r>
             <a:endParaRPr lang="en-US" dirty="0"/>
           </a:p>
         </p:txBody>
       </p:sp>
+      <p:pic>
+        <p:nvPicPr>
+          <p:cNvPr id="4" name="Picture 3"/>
+          <p:cNvPicPr>
+            <a:picLocks noChangeAspect="1"/>
+          </p:cNvPicPr>
+          <p:nvPr/>
+        </p:nvPicPr>
+        <p:blipFill>
+          <a:blip r:embed="rId2"/>
+          <a:stretch>
+            <a:fillRect/>
+          </a:stretch>
+        </p:blipFill>
+        <p:spPr>
+          <a:xfrm>
+            <a:off x="138840" y="1590264"/>
+            <a:ext cx="3620325" cy="3213832"/>
+          </a:xfrm>
+          <a:prstGeom prst="rect">
+            <a:avLst/>
+          </a:prstGeom>
+        </p:spPr>
+      </p:pic>
+      <p:pic>
+        <p:nvPicPr>
+          <p:cNvPr id="5" name="Picture 4"/>
+          <p:cNvPicPr>
+            <a:picLocks noChangeAspect="1"/>
+          </p:cNvPicPr>
+          <p:nvPr/>
+        </p:nvPicPr>
+        <p:blipFill>
+          <a:blip r:embed="rId3"/>
+          <a:stretch>
+            <a:fillRect/>
+          </a:stretch>
+        </p:blipFill>
+        <p:spPr>
+          <a:xfrm>
+            <a:off x="68687" y="1950873"/>
+            <a:ext cx="3620325" cy="3213832"/>
+          </a:xfrm>
+          <a:prstGeom prst="rect">
+            <a:avLst/>
+          </a:prstGeom>
+        </p:spPr>
+      </p:pic>
+      <p:pic>
+        <p:nvPicPr>
+          <p:cNvPr id="6" name="Picture 5"/>
+          <p:cNvPicPr>
+            <a:picLocks noChangeAspect="1"/>
+          </p:cNvPicPr>
+          <p:nvPr/>
+        </p:nvPicPr>
+        <p:blipFill>
+          <a:blip r:embed="rId4"/>
+          <a:stretch>
+            <a:fillRect/>
+          </a:stretch>
+        </p:blipFill>
+        <p:spPr>
+          <a:xfrm>
+            <a:off x="138840" y="2478906"/>
+            <a:ext cx="3620325" cy="3213832"/>
+          </a:xfrm>
+          <a:prstGeom prst="rect">
+            <a:avLst/>
+          </a:prstGeom>
+        </p:spPr>
+      </p:pic>
+      <p:pic>
+        <p:nvPicPr>
+          <p:cNvPr id="7" name="Picture 6"/>
+          <p:cNvPicPr>
+            <a:picLocks noChangeAspect="1"/>
+          </p:cNvPicPr>
+          <p:nvPr/>
+        </p:nvPicPr>
+        <p:blipFill>
+          <a:blip r:embed="rId5"/>
+          <a:stretch>
+            <a:fillRect/>
+          </a:stretch>
+        </p:blipFill>
+        <p:spPr>
+          <a:xfrm>
+            <a:off x="138840" y="3006939"/>
+            <a:ext cx="3620325" cy="3213832"/>
+          </a:xfrm>
+          <a:prstGeom prst="rect">
+            <a:avLst/>
+          </a:prstGeom>
+        </p:spPr>
+      </p:pic>
+    </p:spTree>
+    <p:extLst>
+      <p:ext uri="{BB962C8B-B14F-4D97-AF65-F5344CB8AC3E}">
+        <p14:creationId xmlns:p14="http://schemas.microsoft.com/office/powerpoint/2010/main" val="897459706"/>
+      </p:ext>
+    </p:extLst>
+  </p:cSld>
+  <p:clrMapOvr>
+    <a:masterClrMapping/>
+  </p:clrMapOvr>
+  <p:timing>
+    <p:tnLst>
+      <p:par>
+        <p:cTn id="1" dur="indefinite" restart="never" nodeType="tmRoot"/>
+      </p:par>
+    </p:tnLst>
+  </p:timing>
+</p:sld>
+</file>
+
+<file path=ppt/slides/slide9.xml><?xml version="1.0" encoding="utf-8"?>
+<p:sld xmlns:a="http://schemas.openxmlformats.org/drawingml/2006/main" xmlns:r="http://schemas.openxmlformats.org/officeDocument/2006/relationships" xmlns:p="http://schemas.openxmlformats.org/presentationml/2006/main">
+  <p:cSld>
+    <p:spTree>
+      <p:nvGrpSpPr>
+        <p:cNvPr id="1" name=""/>
+        <p:cNvGrpSpPr/>
+        <p:nvPr/>
+      </p:nvGrpSpPr>
+      <p:grpSpPr>
+        <a:xfrm>
+          <a:off x="0" y="0"/>
+          <a:ext cx="0" cy="0"/>
+          <a:chOff x="0" y="0"/>
+          <a:chExt cx="0" cy="0"/>
+        </a:xfrm>
+      </p:grpSpPr>
       <p:sp>
         <p:nvSpPr>
-          <p:cNvPr id="3" name="Content Placeholder 2"/>
+          <p:cNvPr id="2" name="Title 1"/>
           <p:cNvSpPr>
             <a:spLocks noGrp="1"/>
           </p:cNvSpPr>
           <p:nvPr>
-            <p:ph idx="1"/>
+            <p:ph type="title"/>
           </p:nvPr>
         </p:nvSpPr>
         <p:spPr/>
@@ -7078,7 +7529,165 @@
           <a:bodyPr/>
           <a:lstStyle/>
           <a:p>
-            <a:endParaRPr lang="en-US"/>
+            <a:pPr algn="ctr"/>
+            <a:r>
+              <a:rPr lang="en-US" dirty="0" smtClean="0"/>
+              <a:t>% of Zeros</a:t>
+            </a:r>
+            <a:endParaRPr lang="en-US" dirty="0"/>
+          </a:p>
+        </p:txBody>
+      </p:sp>
+      <p:pic>
+        <p:nvPicPr>
+          <p:cNvPr id="4" name="Picture 3"/>
+          <p:cNvPicPr>
+            <a:picLocks noChangeAspect="1"/>
+          </p:cNvPicPr>
+          <p:nvPr/>
+        </p:nvPicPr>
+        <p:blipFill>
+          <a:blip r:embed="rId2"/>
+          <a:stretch>
+            <a:fillRect/>
+          </a:stretch>
+        </p:blipFill>
+        <p:spPr>
+          <a:xfrm>
+            <a:off x="659293" y="2314248"/>
+            <a:ext cx="5004940" cy="3531405"/>
+          </a:xfrm>
+          <a:prstGeom prst="rect">
+            <a:avLst/>
+          </a:prstGeom>
+        </p:spPr>
+      </p:pic>
+      <p:sp>
+        <p:nvSpPr>
+          <p:cNvPr id="5" name="TextBox 4"/>
+          <p:cNvSpPr txBox="1"/>
+          <p:nvPr/>
+        </p:nvSpPr>
+        <p:spPr>
+          <a:xfrm>
+            <a:off x="953037" y="1390918"/>
+            <a:ext cx="4417453" cy="923330"/>
+          </a:xfrm>
+          <a:prstGeom prst="rect">
+            <a:avLst/>
+          </a:prstGeom>
+          <a:noFill/>
+        </p:spPr>
+        <p:txBody>
+          <a:bodyPr wrap="square" rtlCol="0">
+            <a:spAutoFit/>
+          </a:bodyPr>
+          <a:lstStyle/>
+          <a:p>
+            <a:pPr algn="ctr"/>
+            <a:r>
+              <a:rPr lang="en-US" b="1" dirty="0" smtClean="0"/>
+              <a:t>Max Granularity</a:t>
+            </a:r>
+          </a:p>
+          <a:p>
+            <a:pPr algn="ctr"/>
+            <a:r>
+              <a:rPr lang="en-US" dirty="0" smtClean="0"/>
+              <a:t>operations saved: </a:t>
+            </a:r>
+            <a:r>
+              <a:rPr lang="en-US" b="1" dirty="0" smtClean="0"/>
+              <a:t>23.243%</a:t>
+            </a:r>
+          </a:p>
+          <a:p>
+            <a:pPr algn="ctr"/>
+            <a:r>
+              <a:rPr lang="en-US" dirty="0" smtClean="0"/>
+              <a:t>with accuracy of: </a:t>
+            </a:r>
+            <a:r>
+              <a:rPr lang="en-US" b="1" dirty="0" smtClean="0"/>
+              <a:t>90.1%</a:t>
+            </a:r>
+            <a:endParaRPr lang="en-US" b="1" dirty="0"/>
+          </a:p>
+        </p:txBody>
+      </p:sp>
+      <p:pic>
+        <p:nvPicPr>
+          <p:cNvPr id="6" name="Picture 5"/>
+          <p:cNvPicPr>
+            <a:picLocks noChangeAspect="1"/>
+          </p:cNvPicPr>
+          <p:nvPr/>
+        </p:nvPicPr>
+        <p:blipFill>
+          <a:blip r:embed="rId3"/>
+          <a:stretch>
+            <a:fillRect/>
+          </a:stretch>
+        </p:blipFill>
+        <p:spPr>
+          <a:xfrm>
+            <a:off x="6153418" y="2314247"/>
+            <a:ext cx="5004940" cy="3531405"/>
+          </a:xfrm>
+          <a:prstGeom prst="rect">
+            <a:avLst/>
+          </a:prstGeom>
+        </p:spPr>
+      </p:pic>
+      <p:sp>
+        <p:nvSpPr>
+          <p:cNvPr id="7" name="TextBox 6"/>
+          <p:cNvSpPr txBox="1"/>
+          <p:nvPr/>
+        </p:nvSpPr>
+        <p:spPr>
+          <a:xfrm>
+            <a:off x="6447161" y="1390918"/>
+            <a:ext cx="4417453" cy="923330"/>
+          </a:xfrm>
+          <a:prstGeom prst="rect">
+            <a:avLst/>
+          </a:prstGeom>
+          <a:noFill/>
+        </p:spPr>
+        <p:txBody>
+          <a:bodyPr wrap="square" rtlCol="0">
+            <a:spAutoFit/>
+          </a:bodyPr>
+          <a:lstStyle/>
+          <a:p>
+            <a:pPr algn="ctr"/>
+            <a:r>
+              <a:rPr lang="en-US" b="1" dirty="0" smtClean="0"/>
+              <a:t>Uniform Patch</a:t>
+            </a:r>
+          </a:p>
+          <a:p>
+            <a:pPr algn="ctr"/>
+            <a:r>
+              <a:rPr lang="en-US" dirty="0" smtClean="0"/>
+              <a:t>operations saved: </a:t>
+            </a:r>
+            <a:r>
+              <a:rPr lang="en-US" b="1" dirty="0" smtClean="0"/>
+              <a:t>25.322%</a:t>
+            </a:r>
+          </a:p>
+          <a:p>
+            <a:pPr algn="ctr"/>
+            <a:r>
+              <a:rPr lang="en-US" dirty="0" smtClean="0"/>
+              <a:t>with accuracy of: </a:t>
+            </a:r>
+            <a:r>
+              <a:rPr lang="en-US" b="1" dirty="0" smtClean="0"/>
+              <a:t>90.5%</a:t>
+            </a:r>
           </a:p>
         </p:txBody>
       </p:sp>

--- a/doc/Presentations/Results_Masks.pptx
+++ b/doc/Presentations/Results_Masks.pptx
@@ -8,13 +8,19 @@
     <p:sldId id="256" r:id="rId2"/>
     <p:sldId id="257" r:id="rId3"/>
     <p:sldId id="259" r:id="rId4"/>
-    <p:sldId id="261" r:id="rId5"/>
-    <p:sldId id="260" r:id="rId6"/>
-    <p:sldId id="266" r:id="rId7"/>
-    <p:sldId id="262" r:id="rId8"/>
-    <p:sldId id="265" r:id="rId9"/>
-    <p:sldId id="263" r:id="rId10"/>
-    <p:sldId id="264" r:id="rId11"/>
+    <p:sldId id="272" r:id="rId5"/>
+    <p:sldId id="273" r:id="rId6"/>
+    <p:sldId id="274" r:id="rId7"/>
+    <p:sldId id="278" r:id="rId8"/>
+    <p:sldId id="275" r:id="rId9"/>
+    <p:sldId id="276" r:id="rId10"/>
+    <p:sldId id="277" r:id="rId11"/>
+    <p:sldId id="263" r:id="rId12"/>
+    <p:sldId id="264" r:id="rId13"/>
+    <p:sldId id="279" r:id="rId14"/>
+    <p:sldId id="280" r:id="rId15"/>
+    <p:sldId id="281" r:id="rId16"/>
+    <p:sldId id="262" r:id="rId17"/>
   </p:sldIdLst>
   <p:sldSz cx="12192000" cy="6858000"/>
   <p:notesSz cx="6858000" cy="9144000"/>
@@ -114,6 +120,3436 @@
     </a:lvl9pPr>
   </p:defaultTextStyle>
 </p:presentation>
+</file>
+
+<file path=ppt/charts/chart1.xml><?xml version="1.0" encoding="utf-8"?>
+<c:chartSpace xmlns:c="http://schemas.openxmlformats.org/drawingml/2006/chart" xmlns:a="http://schemas.openxmlformats.org/drawingml/2006/main" xmlns:r="http://schemas.openxmlformats.org/officeDocument/2006/relationships">
+  <c:date1904 val="0"/>
+  <c:lang val="en-US"/>
+  <c:roundedCorners val="0"/>
+  <mc:AlternateContent xmlns:mc="http://schemas.openxmlformats.org/markup-compatibility/2006">
+    <mc:Choice xmlns:c14="http://schemas.microsoft.com/office/drawing/2007/8/2/chart" Requires="c14">
+      <c14:style val="102"/>
+    </mc:Choice>
+    <mc:Fallback>
+      <c:style val="2"/>
+    </mc:Fallback>
+  </mc:AlternateContent>
+  <c:chart>
+    <c:title>
+      <c:tx>
+        <c:rich>
+          <a:bodyPr rot="0" spcFirstLastPara="1" vertOverflow="ellipsis" vert="horz" wrap="square" anchor="ctr" anchorCtr="1"/>
+          <a:lstStyle/>
+          <a:p>
+            <a:pPr>
+              <a:defRPr sz="2400" b="0" i="0" u="none" strike="noStrike" kern="1200" spc="0" baseline="0">
+                <a:solidFill>
+                  <a:schemeClr val="tx1">
+                    <a:lumMod val="65000"/>
+                    <a:lumOff val="35000"/>
+                  </a:schemeClr>
+                </a:solidFill>
+                <a:latin typeface="+mn-lt"/>
+                <a:ea typeface="+mn-ea"/>
+                <a:cs typeface="+mn-cs"/>
+              </a:defRPr>
+            </a:pPr>
+            <a:r>
+              <a:rPr lang="en-US" sz="2400"/>
+              <a:t>% of saved operations</a:t>
+            </a:r>
+            <a:r>
+              <a:rPr lang="en-US" sz="2400" baseline="0"/>
+              <a:t> </a:t>
+            </a:r>
+          </a:p>
+          <a:p>
+            <a:pPr>
+              <a:defRPr sz="2400"/>
+            </a:pPr>
+            <a:r>
+              <a:rPr lang="en-US" sz="2400" baseline="0"/>
+              <a:t>for each layer in the final mask</a:t>
+            </a:r>
+            <a:endParaRPr lang="en-US" sz="2400"/>
+          </a:p>
+        </c:rich>
+      </c:tx>
+      <c:layout/>
+      <c:overlay val="0"/>
+      <c:spPr>
+        <a:noFill/>
+        <a:ln>
+          <a:noFill/>
+        </a:ln>
+        <a:effectLst/>
+      </c:spPr>
+      <c:txPr>
+        <a:bodyPr rot="0" spcFirstLastPara="1" vertOverflow="ellipsis" vert="horz" wrap="square" anchor="ctr" anchorCtr="1"/>
+        <a:lstStyle/>
+        <a:p>
+          <a:pPr>
+            <a:defRPr sz="2400" b="0" i="0" u="none" strike="noStrike" kern="1200" spc="0" baseline="0">
+              <a:solidFill>
+                <a:schemeClr val="tx1">
+                  <a:lumMod val="65000"/>
+                  <a:lumOff val="35000"/>
+                </a:schemeClr>
+              </a:solidFill>
+              <a:latin typeface="+mn-lt"/>
+              <a:ea typeface="+mn-ea"/>
+              <a:cs typeface="+mn-cs"/>
+            </a:defRPr>
+          </a:pPr>
+          <a:endParaRPr lang="en-US"/>
+        </a:p>
+      </c:txPr>
+    </c:title>
+    <c:autoTitleDeleted val="0"/>
+    <c:plotArea>
+      <c:layout/>
+      <c:barChart>
+        <c:barDir val="col"/>
+        <c:grouping val="stacked"/>
+        <c:varyColors val="0"/>
+        <c:ser>
+          <c:idx val="0"/>
+          <c:order val="0"/>
+          <c:tx>
+            <c:strRef>
+              <c:f>'Uniform Layer'!$F$1</c:f>
+              <c:strCache>
+                <c:ptCount val="1"/>
+                <c:pt idx="0">
+                  <c:v>% saved in layer</c:v>
+                </c:pt>
+              </c:strCache>
+            </c:strRef>
+          </c:tx>
+          <c:spPr>
+            <a:solidFill>
+              <a:schemeClr val="accent1"/>
+            </a:solidFill>
+            <a:ln>
+              <a:noFill/>
+            </a:ln>
+            <a:effectLst/>
+          </c:spPr>
+          <c:invertIfNegative val="0"/>
+          <c:val>
+            <c:numRef>
+              <c:f>'Uniform Layer'!$F$2:$F$18</c:f>
+              <c:numCache>
+                <c:formatCode>General</c:formatCode>
+                <c:ptCount val="17"/>
+                <c:pt idx="0">
+                  <c:v>30.71</c:v>
+                </c:pt>
+                <c:pt idx="1">
+                  <c:v>21.63</c:v>
+                </c:pt>
+                <c:pt idx="2">
+                  <c:v>22.63</c:v>
+                </c:pt>
+                <c:pt idx="3">
+                  <c:v>23.34</c:v>
+                </c:pt>
+                <c:pt idx="4">
+                  <c:v>9.48</c:v>
+                </c:pt>
+                <c:pt idx="5">
+                  <c:v>23.75</c:v>
+                </c:pt>
+                <c:pt idx="6">
+                  <c:v>24.97</c:v>
+                </c:pt>
+                <c:pt idx="7">
+                  <c:v>35.549999999999997</c:v>
+                </c:pt>
+                <c:pt idx="8">
+                  <c:v>20.58</c:v>
+                </c:pt>
+                <c:pt idx="9">
+                  <c:v>26.38</c:v>
+                </c:pt>
+                <c:pt idx="10">
+                  <c:v>33.49</c:v>
+                </c:pt>
+                <c:pt idx="11">
+                  <c:v>36.159999999999997</c:v>
+                </c:pt>
+                <c:pt idx="12">
+                  <c:v>30.44</c:v>
+                </c:pt>
+                <c:pt idx="13">
+                  <c:v>25.59</c:v>
+                </c:pt>
+                <c:pt idx="14">
+                  <c:v>19.329999999999998</c:v>
+                </c:pt>
+                <c:pt idx="15">
+                  <c:v>21.18</c:v>
+                </c:pt>
+                <c:pt idx="16">
+                  <c:v>17.399999999999999</c:v>
+                </c:pt>
+              </c:numCache>
+            </c:numRef>
+          </c:val>
+        </c:ser>
+        <c:ser>
+          <c:idx val="1"/>
+          <c:order val="1"/>
+          <c:tx>
+            <c:strRef>
+              <c:f>'Uniform Layer'!$G$1</c:f>
+              <c:strCache>
+                <c:ptCount val="1"/>
+                <c:pt idx="0">
+                  <c:v>% saved in network</c:v>
+                </c:pt>
+              </c:strCache>
+            </c:strRef>
+          </c:tx>
+          <c:spPr>
+            <a:solidFill>
+              <a:schemeClr val="accent2"/>
+            </a:solidFill>
+            <a:ln>
+              <a:noFill/>
+            </a:ln>
+            <a:effectLst/>
+          </c:spPr>
+          <c:invertIfNegative val="0"/>
+          <c:val>
+            <c:numRef>
+              <c:f>'Uniform Layer'!$G$2:$G$18</c:f>
+              <c:numCache>
+                <c:formatCode>General</c:formatCode>
+                <c:ptCount val="17"/>
+                <c:pt idx="0">
+                  <c:v>3.61</c:v>
+                </c:pt>
+                <c:pt idx="1">
+                  <c:v>2.54</c:v>
+                </c:pt>
+                <c:pt idx="2">
+                  <c:v>2.66</c:v>
+                </c:pt>
+                <c:pt idx="3">
+                  <c:v>2.75</c:v>
+                </c:pt>
+                <c:pt idx="4">
+                  <c:v>1.1200000000000001</c:v>
+                </c:pt>
+                <c:pt idx="5">
+                  <c:v>1.4</c:v>
+                </c:pt>
+                <c:pt idx="6">
+                  <c:v>1.47</c:v>
+                </c:pt>
+                <c:pt idx="7">
+                  <c:v>2.09</c:v>
+                </c:pt>
+                <c:pt idx="8">
+                  <c:v>1.21</c:v>
+                </c:pt>
+                <c:pt idx="9">
+                  <c:v>0.78</c:v>
+                </c:pt>
+                <c:pt idx="10">
+                  <c:v>0.98</c:v>
+                </c:pt>
+                <c:pt idx="11">
+                  <c:v>1.06</c:v>
+                </c:pt>
+                <c:pt idx="12">
+                  <c:v>0.9</c:v>
+                </c:pt>
+                <c:pt idx="13">
+                  <c:v>0.38</c:v>
+                </c:pt>
+                <c:pt idx="14">
+                  <c:v>0.28000000000000003</c:v>
+                </c:pt>
+                <c:pt idx="15">
+                  <c:v>0.31</c:v>
+                </c:pt>
+                <c:pt idx="16">
+                  <c:v>0.26</c:v>
+                </c:pt>
+              </c:numCache>
+            </c:numRef>
+          </c:val>
+        </c:ser>
+        <c:dLbls>
+          <c:showLegendKey val="0"/>
+          <c:showVal val="0"/>
+          <c:showCatName val="0"/>
+          <c:showSerName val="0"/>
+          <c:showPercent val="0"/>
+          <c:showBubbleSize val="0"/>
+        </c:dLbls>
+        <c:gapWidth val="150"/>
+        <c:overlap val="100"/>
+        <c:axId val="462981792"/>
+        <c:axId val="462971992"/>
+      </c:barChart>
+      <c:catAx>
+        <c:axId val="462981792"/>
+        <c:scaling>
+          <c:orientation val="minMax"/>
+        </c:scaling>
+        <c:delete val="0"/>
+        <c:axPos val="b"/>
+        <c:title>
+          <c:tx>
+            <c:rich>
+              <a:bodyPr rot="0" spcFirstLastPara="1" vertOverflow="ellipsis" vert="horz" wrap="square" anchor="ctr" anchorCtr="1"/>
+              <a:lstStyle/>
+              <a:p>
+                <a:pPr>
+                  <a:defRPr sz="2000" b="0" i="0" u="none" strike="noStrike" kern="1200" baseline="0">
+                    <a:solidFill>
+                      <a:schemeClr val="tx1">
+                        <a:lumMod val="65000"/>
+                        <a:lumOff val="35000"/>
+                      </a:schemeClr>
+                    </a:solidFill>
+                    <a:latin typeface="+mn-lt"/>
+                    <a:ea typeface="+mn-ea"/>
+                    <a:cs typeface="+mn-cs"/>
+                  </a:defRPr>
+                </a:pPr>
+                <a:r>
+                  <a:rPr lang="en-US" sz="2000"/>
+                  <a:t>layer number</a:t>
+                </a:r>
+              </a:p>
+            </c:rich>
+          </c:tx>
+          <c:layout/>
+          <c:overlay val="0"/>
+          <c:spPr>
+            <a:noFill/>
+            <a:ln>
+              <a:noFill/>
+            </a:ln>
+            <a:effectLst/>
+          </c:spPr>
+          <c:txPr>
+            <a:bodyPr rot="0" spcFirstLastPara="1" vertOverflow="ellipsis" vert="horz" wrap="square" anchor="ctr" anchorCtr="1"/>
+            <a:lstStyle/>
+            <a:p>
+              <a:pPr>
+                <a:defRPr sz="2000" b="0" i="0" u="none" strike="noStrike" kern="1200" baseline="0">
+                  <a:solidFill>
+                    <a:schemeClr val="tx1">
+                      <a:lumMod val="65000"/>
+                      <a:lumOff val="35000"/>
+                    </a:schemeClr>
+                  </a:solidFill>
+                  <a:latin typeface="+mn-lt"/>
+                  <a:ea typeface="+mn-ea"/>
+                  <a:cs typeface="+mn-cs"/>
+                </a:defRPr>
+              </a:pPr>
+              <a:endParaRPr lang="en-US"/>
+            </a:p>
+          </c:txPr>
+        </c:title>
+        <c:majorTickMark val="none"/>
+        <c:minorTickMark val="none"/>
+        <c:tickLblPos val="nextTo"/>
+        <c:spPr>
+          <a:noFill/>
+          <a:ln w="9525" cap="flat" cmpd="sng" algn="ctr">
+            <a:solidFill>
+              <a:schemeClr val="tx1">
+                <a:lumMod val="15000"/>
+                <a:lumOff val="85000"/>
+              </a:schemeClr>
+            </a:solidFill>
+            <a:round/>
+          </a:ln>
+          <a:effectLst/>
+        </c:spPr>
+        <c:txPr>
+          <a:bodyPr rot="-60000000" spcFirstLastPara="1" vertOverflow="ellipsis" vert="horz" wrap="square" anchor="ctr" anchorCtr="1"/>
+          <a:lstStyle/>
+          <a:p>
+            <a:pPr>
+              <a:defRPr sz="900" b="0" i="0" u="none" strike="noStrike" kern="1200" baseline="0">
+                <a:solidFill>
+                  <a:schemeClr val="tx1">
+                    <a:lumMod val="65000"/>
+                    <a:lumOff val="35000"/>
+                  </a:schemeClr>
+                </a:solidFill>
+                <a:latin typeface="+mn-lt"/>
+                <a:ea typeface="+mn-ea"/>
+                <a:cs typeface="+mn-cs"/>
+              </a:defRPr>
+            </a:pPr>
+            <a:endParaRPr lang="en-US"/>
+          </a:p>
+        </c:txPr>
+        <c:crossAx val="462971992"/>
+        <c:crosses val="autoZero"/>
+        <c:auto val="1"/>
+        <c:lblAlgn val="ctr"/>
+        <c:lblOffset val="100"/>
+        <c:noMultiLvlLbl val="0"/>
+      </c:catAx>
+      <c:valAx>
+        <c:axId val="462971992"/>
+        <c:scaling>
+          <c:orientation val="minMax"/>
+        </c:scaling>
+        <c:delete val="0"/>
+        <c:axPos val="l"/>
+        <c:majorGridlines>
+          <c:spPr>
+            <a:ln w="9525" cap="flat" cmpd="sng" algn="ctr">
+              <a:solidFill>
+                <a:schemeClr val="tx1">
+                  <a:lumMod val="15000"/>
+                  <a:lumOff val="85000"/>
+                </a:schemeClr>
+              </a:solidFill>
+              <a:round/>
+            </a:ln>
+            <a:effectLst/>
+          </c:spPr>
+        </c:majorGridlines>
+        <c:title>
+          <c:tx>
+            <c:rich>
+              <a:bodyPr rot="-5400000" spcFirstLastPara="1" vertOverflow="ellipsis" vert="horz" wrap="square" anchor="ctr" anchorCtr="1"/>
+              <a:lstStyle/>
+              <a:p>
+                <a:pPr>
+                  <a:defRPr sz="2000" b="0" i="0" u="none" strike="noStrike" kern="1200" baseline="0">
+                    <a:solidFill>
+                      <a:schemeClr val="tx1">
+                        <a:lumMod val="65000"/>
+                        <a:lumOff val="35000"/>
+                      </a:schemeClr>
+                    </a:solidFill>
+                    <a:latin typeface="+mn-lt"/>
+                    <a:ea typeface="+mn-ea"/>
+                    <a:cs typeface="+mn-cs"/>
+                  </a:defRPr>
+                </a:pPr>
+                <a:r>
+                  <a:rPr lang="en-US" sz="2000"/>
+                  <a:t>operations saved [%]</a:t>
+                </a:r>
+              </a:p>
+            </c:rich>
+          </c:tx>
+          <c:layout/>
+          <c:overlay val="0"/>
+          <c:spPr>
+            <a:noFill/>
+            <a:ln>
+              <a:noFill/>
+            </a:ln>
+            <a:effectLst/>
+          </c:spPr>
+          <c:txPr>
+            <a:bodyPr rot="-5400000" spcFirstLastPara="1" vertOverflow="ellipsis" vert="horz" wrap="square" anchor="ctr" anchorCtr="1"/>
+            <a:lstStyle/>
+            <a:p>
+              <a:pPr>
+                <a:defRPr sz="2000" b="0" i="0" u="none" strike="noStrike" kern="1200" baseline="0">
+                  <a:solidFill>
+                    <a:schemeClr val="tx1">
+                      <a:lumMod val="65000"/>
+                      <a:lumOff val="35000"/>
+                    </a:schemeClr>
+                  </a:solidFill>
+                  <a:latin typeface="+mn-lt"/>
+                  <a:ea typeface="+mn-ea"/>
+                  <a:cs typeface="+mn-cs"/>
+                </a:defRPr>
+              </a:pPr>
+              <a:endParaRPr lang="en-US"/>
+            </a:p>
+          </c:txPr>
+        </c:title>
+        <c:numFmt formatCode="General" sourceLinked="1"/>
+        <c:majorTickMark val="none"/>
+        <c:minorTickMark val="none"/>
+        <c:tickLblPos val="nextTo"/>
+        <c:spPr>
+          <a:noFill/>
+          <a:ln>
+            <a:noFill/>
+          </a:ln>
+          <a:effectLst/>
+        </c:spPr>
+        <c:txPr>
+          <a:bodyPr rot="-60000000" spcFirstLastPara="1" vertOverflow="ellipsis" vert="horz" wrap="square" anchor="ctr" anchorCtr="1"/>
+          <a:lstStyle/>
+          <a:p>
+            <a:pPr>
+              <a:defRPr sz="2000" b="0" i="0" u="none" strike="noStrike" kern="1200" baseline="0">
+                <a:solidFill>
+                  <a:schemeClr val="tx1">
+                    <a:lumMod val="65000"/>
+                    <a:lumOff val="35000"/>
+                  </a:schemeClr>
+                </a:solidFill>
+                <a:latin typeface="+mn-lt"/>
+                <a:ea typeface="+mn-ea"/>
+                <a:cs typeface="+mn-cs"/>
+              </a:defRPr>
+            </a:pPr>
+            <a:endParaRPr lang="en-US"/>
+          </a:p>
+        </c:txPr>
+        <c:crossAx val="462981792"/>
+        <c:crosses val="autoZero"/>
+        <c:crossBetween val="between"/>
+      </c:valAx>
+      <c:dTable>
+        <c:showHorzBorder val="1"/>
+        <c:showVertBorder val="1"/>
+        <c:showOutline val="1"/>
+        <c:showKeys val="1"/>
+        <c:spPr>
+          <a:noFill/>
+          <a:ln w="9525" cap="flat" cmpd="sng" algn="ctr">
+            <a:solidFill>
+              <a:schemeClr val="tx1">
+                <a:lumMod val="15000"/>
+                <a:lumOff val="85000"/>
+              </a:schemeClr>
+            </a:solidFill>
+            <a:round/>
+          </a:ln>
+          <a:effectLst/>
+        </c:spPr>
+        <c:txPr>
+          <a:bodyPr rot="0" spcFirstLastPara="1" vertOverflow="ellipsis" vert="horz" wrap="square" anchor="ctr" anchorCtr="1"/>
+          <a:lstStyle/>
+          <a:p>
+            <a:pPr rtl="0">
+              <a:defRPr sz="2000" b="0" i="0" u="none" strike="noStrike" kern="1200" baseline="0">
+                <a:solidFill>
+                  <a:schemeClr val="tx1">
+                    <a:lumMod val="65000"/>
+                    <a:lumOff val="35000"/>
+                  </a:schemeClr>
+                </a:solidFill>
+                <a:latin typeface="+mn-lt"/>
+                <a:ea typeface="+mn-ea"/>
+                <a:cs typeface="+mn-cs"/>
+              </a:defRPr>
+            </a:pPr>
+            <a:endParaRPr lang="en-US"/>
+          </a:p>
+        </c:txPr>
+      </c:dTable>
+      <c:spPr>
+        <a:noFill/>
+        <a:ln>
+          <a:noFill/>
+        </a:ln>
+        <a:effectLst/>
+      </c:spPr>
+    </c:plotArea>
+    <c:plotVisOnly val="1"/>
+    <c:dispBlanksAs val="gap"/>
+    <c:showDLblsOverMax val="0"/>
+  </c:chart>
+  <c:spPr>
+    <a:noFill/>
+    <a:ln>
+      <a:noFill/>
+    </a:ln>
+    <a:effectLst/>
+  </c:spPr>
+  <c:txPr>
+    <a:bodyPr/>
+    <a:lstStyle/>
+    <a:p>
+      <a:pPr>
+        <a:defRPr/>
+      </a:pPr>
+      <a:endParaRPr lang="en-US"/>
+    </a:p>
+  </c:txPr>
+  <c:externalData r:id="rId3">
+    <c:autoUpdate val="0"/>
+  </c:externalData>
+</c:chartSpace>
+</file>
+
+<file path=ppt/charts/chart2.xml><?xml version="1.0" encoding="utf-8"?>
+<c:chartSpace xmlns:c="http://schemas.openxmlformats.org/drawingml/2006/chart" xmlns:a="http://schemas.openxmlformats.org/drawingml/2006/main" xmlns:r="http://schemas.openxmlformats.org/officeDocument/2006/relationships">
+  <c:date1904 val="0"/>
+  <c:lang val="en-US"/>
+  <c:roundedCorners val="0"/>
+  <mc:AlternateContent xmlns:mc="http://schemas.openxmlformats.org/markup-compatibility/2006">
+    <mc:Choice xmlns:c14="http://schemas.microsoft.com/office/drawing/2007/8/2/chart" Requires="c14">
+      <c14:style val="102"/>
+    </mc:Choice>
+    <mc:Fallback>
+      <c:style val="2"/>
+    </mc:Fallback>
+  </mc:AlternateContent>
+  <c:chart>
+    <c:title>
+      <c:tx>
+        <c:rich>
+          <a:bodyPr rot="0" spcFirstLastPara="1" vertOverflow="ellipsis" vert="horz" wrap="square" anchor="ctr" anchorCtr="1"/>
+          <a:lstStyle/>
+          <a:p>
+            <a:pPr>
+              <a:defRPr sz="2400" b="1" i="0" u="none" strike="noStrike" kern="1200" cap="all" spc="120" normalizeH="0" baseline="0">
+                <a:solidFill>
+                  <a:schemeClr val="tx1">
+                    <a:lumMod val="65000"/>
+                    <a:lumOff val="35000"/>
+                  </a:schemeClr>
+                </a:solidFill>
+                <a:latin typeface="+mn-lt"/>
+                <a:ea typeface="+mn-ea"/>
+                <a:cs typeface="+mn-cs"/>
+              </a:defRPr>
+            </a:pPr>
+            <a:r>
+              <a:rPr lang="en-US" sz="2400" b="0" i="0" baseline="0">
+                <a:effectLst/>
+              </a:rPr>
+              <a:t>% of saved operations </a:t>
+            </a:r>
+            <a:endParaRPr lang="en-US" sz="2400">
+              <a:effectLst/>
+            </a:endParaRPr>
+          </a:p>
+          <a:p>
+            <a:pPr>
+              <a:defRPr sz="2400"/>
+            </a:pPr>
+            <a:r>
+              <a:rPr lang="en-US" sz="2400" b="0" i="0" baseline="0">
+                <a:effectLst/>
+              </a:rPr>
+              <a:t>for each layer in the final mask</a:t>
+            </a:r>
+            <a:endParaRPr lang="en-US" sz="2400">
+              <a:effectLst/>
+            </a:endParaRPr>
+          </a:p>
+        </c:rich>
+      </c:tx>
+      <c:layout/>
+      <c:overlay val="0"/>
+      <c:spPr>
+        <a:noFill/>
+        <a:ln>
+          <a:noFill/>
+        </a:ln>
+        <a:effectLst/>
+      </c:spPr>
+      <c:txPr>
+        <a:bodyPr rot="0" spcFirstLastPara="1" vertOverflow="ellipsis" vert="horz" wrap="square" anchor="ctr" anchorCtr="1"/>
+        <a:lstStyle/>
+        <a:p>
+          <a:pPr>
+            <a:defRPr sz="2400" b="1" i="0" u="none" strike="noStrike" kern="1200" cap="all" spc="120" normalizeH="0" baseline="0">
+              <a:solidFill>
+                <a:schemeClr val="tx1">
+                  <a:lumMod val="65000"/>
+                  <a:lumOff val="35000"/>
+                </a:schemeClr>
+              </a:solidFill>
+              <a:latin typeface="+mn-lt"/>
+              <a:ea typeface="+mn-ea"/>
+              <a:cs typeface="+mn-cs"/>
+            </a:defRPr>
+          </a:pPr>
+          <a:endParaRPr lang="en-US"/>
+        </a:p>
+      </c:txPr>
+    </c:title>
+    <c:autoTitleDeleted val="0"/>
+    <c:plotArea>
+      <c:layout/>
+      <c:barChart>
+        <c:barDir val="col"/>
+        <c:grouping val="clustered"/>
+        <c:varyColors val="0"/>
+        <c:ser>
+          <c:idx val="0"/>
+          <c:order val="0"/>
+          <c:tx>
+            <c:strRef>
+              <c:f>'Uniform Layer'!$F$1</c:f>
+              <c:strCache>
+                <c:ptCount val="1"/>
+                <c:pt idx="0">
+                  <c:v>% saved in layer</c:v>
+                </c:pt>
+              </c:strCache>
+            </c:strRef>
+          </c:tx>
+          <c:spPr>
+            <a:solidFill>
+              <a:schemeClr val="accent1"/>
+            </a:solidFill>
+            <a:ln>
+              <a:noFill/>
+            </a:ln>
+            <a:effectLst/>
+          </c:spPr>
+          <c:invertIfNegative val="0"/>
+          <c:dLbls>
+            <c:spPr>
+              <a:noFill/>
+              <a:ln>
+                <a:noFill/>
+              </a:ln>
+              <a:effectLst/>
+            </c:spPr>
+            <c:txPr>
+              <a:bodyPr rot="-5400000" spcFirstLastPara="1" vertOverflow="clip" horzOverflow="clip" vert="horz" wrap="square" lIns="38100" tIns="19050" rIns="38100" bIns="19050" anchor="ctr" anchorCtr="1">
+                <a:spAutoFit/>
+              </a:bodyPr>
+              <a:lstStyle/>
+              <a:p>
+                <a:pPr>
+                  <a:defRPr sz="1600" b="0" i="0" u="none" strike="noStrike" kern="1200" baseline="0">
+                    <a:solidFill>
+                      <a:schemeClr val="tx1">
+                        <a:lumMod val="50000"/>
+                        <a:lumOff val="50000"/>
+                      </a:schemeClr>
+                    </a:solidFill>
+                    <a:latin typeface="+mn-lt"/>
+                    <a:ea typeface="+mn-ea"/>
+                    <a:cs typeface="+mn-cs"/>
+                  </a:defRPr>
+                </a:pPr>
+                <a:endParaRPr lang="en-US"/>
+              </a:p>
+            </c:txPr>
+            <c:dLblPos val="outEnd"/>
+            <c:showLegendKey val="0"/>
+            <c:showVal val="1"/>
+            <c:showCatName val="0"/>
+            <c:showSerName val="0"/>
+            <c:showPercent val="0"/>
+            <c:showBubbleSize val="0"/>
+            <c:showLeaderLines val="0"/>
+            <c:extLst>
+              <c:ext xmlns:c15="http://schemas.microsoft.com/office/drawing/2012/chart" uri="{CE6537A1-D6FC-4f65-9D91-7224C49458BB}">
+                <c15:layout/>
+                <c15:showLeaderLines val="1"/>
+                <c15:leaderLines>
+                  <c:spPr>
+                    <a:ln w="9525">
+                      <a:solidFill>
+                        <a:schemeClr val="tx1">
+                          <a:lumMod val="35000"/>
+                          <a:lumOff val="65000"/>
+                        </a:schemeClr>
+                      </a:solidFill>
+                    </a:ln>
+                    <a:effectLst/>
+                  </c:spPr>
+                </c15:leaderLines>
+              </c:ext>
+            </c:extLst>
+          </c:dLbls>
+          <c:val>
+            <c:numRef>
+              <c:f>'Uniform Layer'!$F$2:$F$18</c:f>
+              <c:numCache>
+                <c:formatCode>General</c:formatCode>
+                <c:ptCount val="17"/>
+                <c:pt idx="0">
+                  <c:v>30.71</c:v>
+                </c:pt>
+                <c:pt idx="1">
+                  <c:v>21.63</c:v>
+                </c:pt>
+                <c:pt idx="2">
+                  <c:v>22.63</c:v>
+                </c:pt>
+                <c:pt idx="3">
+                  <c:v>23.34</c:v>
+                </c:pt>
+                <c:pt idx="4">
+                  <c:v>9.48</c:v>
+                </c:pt>
+                <c:pt idx="5">
+                  <c:v>23.75</c:v>
+                </c:pt>
+                <c:pt idx="6">
+                  <c:v>24.97</c:v>
+                </c:pt>
+                <c:pt idx="7">
+                  <c:v>35.549999999999997</c:v>
+                </c:pt>
+                <c:pt idx="8">
+                  <c:v>20.58</c:v>
+                </c:pt>
+                <c:pt idx="9">
+                  <c:v>26.38</c:v>
+                </c:pt>
+                <c:pt idx="10">
+                  <c:v>33.49</c:v>
+                </c:pt>
+                <c:pt idx="11">
+                  <c:v>36.159999999999997</c:v>
+                </c:pt>
+                <c:pt idx="12">
+                  <c:v>30.44</c:v>
+                </c:pt>
+                <c:pt idx="13">
+                  <c:v>25.59</c:v>
+                </c:pt>
+                <c:pt idx="14">
+                  <c:v>19.329999999999998</c:v>
+                </c:pt>
+                <c:pt idx="15">
+                  <c:v>21.18</c:v>
+                </c:pt>
+                <c:pt idx="16">
+                  <c:v>17.399999999999999</c:v>
+                </c:pt>
+              </c:numCache>
+            </c:numRef>
+          </c:val>
+        </c:ser>
+        <c:ser>
+          <c:idx val="1"/>
+          <c:order val="1"/>
+          <c:tx>
+            <c:strRef>
+              <c:f>'Uniform Layer'!$G$1</c:f>
+              <c:strCache>
+                <c:ptCount val="1"/>
+                <c:pt idx="0">
+                  <c:v>% saved in network</c:v>
+                </c:pt>
+              </c:strCache>
+            </c:strRef>
+          </c:tx>
+          <c:spPr>
+            <a:solidFill>
+              <a:schemeClr val="accent2"/>
+            </a:solidFill>
+            <a:ln>
+              <a:noFill/>
+            </a:ln>
+            <a:effectLst/>
+          </c:spPr>
+          <c:invertIfNegative val="0"/>
+          <c:dLbls>
+            <c:spPr>
+              <a:noFill/>
+              <a:ln>
+                <a:noFill/>
+              </a:ln>
+              <a:effectLst/>
+            </c:spPr>
+            <c:txPr>
+              <a:bodyPr rot="-5400000" spcFirstLastPara="1" vertOverflow="clip" horzOverflow="clip" vert="horz" wrap="square" lIns="38100" tIns="19050" rIns="38100" bIns="19050" anchor="ctr" anchorCtr="1">
+                <a:spAutoFit/>
+              </a:bodyPr>
+              <a:lstStyle/>
+              <a:p>
+                <a:pPr>
+                  <a:defRPr sz="1600" b="0" i="0" u="none" strike="noStrike" kern="1200" baseline="0">
+                    <a:solidFill>
+                      <a:schemeClr val="tx1">
+                        <a:lumMod val="50000"/>
+                        <a:lumOff val="50000"/>
+                      </a:schemeClr>
+                    </a:solidFill>
+                    <a:latin typeface="+mn-lt"/>
+                    <a:ea typeface="+mn-ea"/>
+                    <a:cs typeface="+mn-cs"/>
+                  </a:defRPr>
+                </a:pPr>
+                <a:endParaRPr lang="en-US"/>
+              </a:p>
+            </c:txPr>
+            <c:dLblPos val="outEnd"/>
+            <c:showLegendKey val="0"/>
+            <c:showVal val="1"/>
+            <c:showCatName val="0"/>
+            <c:showSerName val="0"/>
+            <c:showPercent val="0"/>
+            <c:showBubbleSize val="0"/>
+            <c:showLeaderLines val="0"/>
+            <c:extLst>
+              <c:ext xmlns:c15="http://schemas.microsoft.com/office/drawing/2012/chart" uri="{CE6537A1-D6FC-4f65-9D91-7224C49458BB}">
+                <c15:layout/>
+                <c15:showLeaderLines val="1"/>
+                <c15:leaderLines>
+                  <c:spPr>
+                    <a:ln w="9525">
+                      <a:solidFill>
+                        <a:schemeClr val="tx1">
+                          <a:lumMod val="35000"/>
+                          <a:lumOff val="65000"/>
+                        </a:schemeClr>
+                      </a:solidFill>
+                    </a:ln>
+                    <a:effectLst/>
+                  </c:spPr>
+                </c15:leaderLines>
+              </c:ext>
+            </c:extLst>
+          </c:dLbls>
+          <c:val>
+            <c:numRef>
+              <c:f>'Uniform Layer'!$G$2:$G$18</c:f>
+              <c:numCache>
+                <c:formatCode>General</c:formatCode>
+                <c:ptCount val="17"/>
+                <c:pt idx="0">
+                  <c:v>3.61</c:v>
+                </c:pt>
+                <c:pt idx="1">
+                  <c:v>2.54</c:v>
+                </c:pt>
+                <c:pt idx="2">
+                  <c:v>2.66</c:v>
+                </c:pt>
+                <c:pt idx="3">
+                  <c:v>2.75</c:v>
+                </c:pt>
+                <c:pt idx="4">
+                  <c:v>1.1200000000000001</c:v>
+                </c:pt>
+                <c:pt idx="5">
+                  <c:v>1.4</c:v>
+                </c:pt>
+                <c:pt idx="6">
+                  <c:v>1.47</c:v>
+                </c:pt>
+                <c:pt idx="7">
+                  <c:v>2.09</c:v>
+                </c:pt>
+                <c:pt idx="8">
+                  <c:v>1.21</c:v>
+                </c:pt>
+                <c:pt idx="9">
+                  <c:v>0.78</c:v>
+                </c:pt>
+                <c:pt idx="10">
+                  <c:v>0.98</c:v>
+                </c:pt>
+                <c:pt idx="11">
+                  <c:v>1.06</c:v>
+                </c:pt>
+                <c:pt idx="12">
+                  <c:v>0.9</c:v>
+                </c:pt>
+                <c:pt idx="13">
+                  <c:v>0.38</c:v>
+                </c:pt>
+                <c:pt idx="14">
+                  <c:v>0.28000000000000003</c:v>
+                </c:pt>
+                <c:pt idx="15">
+                  <c:v>0.31</c:v>
+                </c:pt>
+                <c:pt idx="16">
+                  <c:v>0.26</c:v>
+                </c:pt>
+              </c:numCache>
+            </c:numRef>
+          </c:val>
+        </c:ser>
+        <c:dLbls>
+          <c:dLblPos val="outEnd"/>
+          <c:showLegendKey val="0"/>
+          <c:showVal val="1"/>
+          <c:showCatName val="0"/>
+          <c:showSerName val="0"/>
+          <c:showPercent val="0"/>
+          <c:showBubbleSize val="0"/>
+        </c:dLbls>
+        <c:gapWidth val="444"/>
+        <c:overlap val="-90"/>
+        <c:axId val="377503160"/>
+        <c:axId val="377500808"/>
+      </c:barChart>
+      <c:catAx>
+        <c:axId val="377503160"/>
+        <c:scaling>
+          <c:orientation val="minMax"/>
+        </c:scaling>
+        <c:delete val="0"/>
+        <c:axPos val="b"/>
+        <c:title>
+          <c:tx>
+            <c:rich>
+              <a:bodyPr rot="0" spcFirstLastPara="1" vertOverflow="ellipsis" vert="horz" wrap="square" anchor="ctr" anchorCtr="1"/>
+              <a:lstStyle/>
+              <a:p>
+                <a:pPr>
+                  <a:defRPr sz="1800" b="0" i="0" u="none" strike="noStrike" kern="1200" cap="all" baseline="0">
+                    <a:solidFill>
+                      <a:schemeClr val="tx1">
+                        <a:lumMod val="65000"/>
+                        <a:lumOff val="35000"/>
+                      </a:schemeClr>
+                    </a:solidFill>
+                    <a:latin typeface="+mn-lt"/>
+                    <a:ea typeface="+mn-ea"/>
+                    <a:cs typeface="+mn-cs"/>
+                  </a:defRPr>
+                </a:pPr>
+                <a:r>
+                  <a:rPr lang="en-US" sz="1800"/>
+                  <a:t>layer number</a:t>
+                </a:r>
+              </a:p>
+            </c:rich>
+          </c:tx>
+          <c:layout/>
+          <c:overlay val="0"/>
+          <c:spPr>
+            <a:noFill/>
+            <a:ln>
+              <a:noFill/>
+            </a:ln>
+            <a:effectLst/>
+          </c:spPr>
+          <c:txPr>
+            <a:bodyPr rot="0" spcFirstLastPara="1" vertOverflow="ellipsis" vert="horz" wrap="square" anchor="ctr" anchorCtr="1"/>
+            <a:lstStyle/>
+            <a:p>
+              <a:pPr>
+                <a:defRPr sz="1800" b="0" i="0" u="none" strike="noStrike" kern="1200" cap="all" baseline="0">
+                  <a:solidFill>
+                    <a:schemeClr val="tx1">
+                      <a:lumMod val="65000"/>
+                      <a:lumOff val="35000"/>
+                    </a:schemeClr>
+                  </a:solidFill>
+                  <a:latin typeface="+mn-lt"/>
+                  <a:ea typeface="+mn-ea"/>
+                  <a:cs typeface="+mn-cs"/>
+                </a:defRPr>
+              </a:pPr>
+              <a:endParaRPr lang="en-US"/>
+            </a:p>
+          </c:txPr>
+        </c:title>
+        <c:majorTickMark val="out"/>
+        <c:minorTickMark val="none"/>
+        <c:tickLblPos val="nextTo"/>
+        <c:spPr>
+          <a:noFill/>
+          <a:ln w="9525" cap="flat" cmpd="sng" algn="ctr">
+            <a:solidFill>
+              <a:schemeClr val="tx1">
+                <a:lumMod val="15000"/>
+                <a:lumOff val="85000"/>
+              </a:schemeClr>
+            </a:solidFill>
+            <a:round/>
+          </a:ln>
+          <a:effectLst/>
+        </c:spPr>
+        <c:txPr>
+          <a:bodyPr rot="-60000000" spcFirstLastPara="1" vertOverflow="ellipsis" vert="horz" wrap="square" anchor="ctr" anchorCtr="1"/>
+          <a:lstStyle/>
+          <a:p>
+            <a:pPr>
+              <a:defRPr sz="1600" b="0" i="0" u="none" strike="noStrike" kern="1200" cap="all" spc="120" normalizeH="0" baseline="0">
+                <a:solidFill>
+                  <a:schemeClr val="tx1">
+                    <a:lumMod val="65000"/>
+                    <a:lumOff val="35000"/>
+                  </a:schemeClr>
+                </a:solidFill>
+                <a:latin typeface="+mn-lt"/>
+                <a:ea typeface="+mn-ea"/>
+                <a:cs typeface="+mn-cs"/>
+              </a:defRPr>
+            </a:pPr>
+            <a:endParaRPr lang="en-US"/>
+          </a:p>
+        </c:txPr>
+        <c:crossAx val="377500808"/>
+        <c:crosses val="autoZero"/>
+        <c:auto val="1"/>
+        <c:lblAlgn val="ctr"/>
+        <c:lblOffset val="100"/>
+        <c:noMultiLvlLbl val="0"/>
+      </c:catAx>
+      <c:valAx>
+        <c:axId val="377500808"/>
+        <c:scaling>
+          <c:orientation val="minMax"/>
+        </c:scaling>
+        <c:delete val="0"/>
+        <c:axPos val="l"/>
+        <c:majorGridlines>
+          <c:spPr>
+            <a:ln w="9525" cap="flat" cmpd="sng" algn="ctr">
+              <a:solidFill>
+                <a:schemeClr val="tx1">
+                  <a:lumMod val="15000"/>
+                  <a:lumOff val="85000"/>
+                </a:schemeClr>
+              </a:solidFill>
+              <a:round/>
+            </a:ln>
+            <a:effectLst/>
+          </c:spPr>
+        </c:majorGridlines>
+        <c:title>
+          <c:tx>
+            <c:rich>
+              <a:bodyPr rot="-5400000" spcFirstLastPara="1" vertOverflow="ellipsis" vert="horz" wrap="square" anchor="ctr" anchorCtr="1"/>
+              <a:lstStyle/>
+              <a:p>
+                <a:pPr>
+                  <a:defRPr sz="1800" b="0" i="0" u="none" strike="noStrike" kern="1200" cap="all" baseline="0">
+                    <a:solidFill>
+                      <a:schemeClr val="tx1">
+                        <a:lumMod val="65000"/>
+                        <a:lumOff val="35000"/>
+                      </a:schemeClr>
+                    </a:solidFill>
+                    <a:latin typeface="+mn-lt"/>
+                    <a:ea typeface="+mn-ea"/>
+                    <a:cs typeface="+mn-cs"/>
+                  </a:defRPr>
+                </a:pPr>
+                <a:r>
+                  <a:rPr lang="en-US" sz="1800"/>
+                  <a:t>operations saved [%]</a:t>
+                </a:r>
+              </a:p>
+            </c:rich>
+          </c:tx>
+          <c:layout/>
+          <c:overlay val="0"/>
+          <c:spPr>
+            <a:noFill/>
+            <a:ln>
+              <a:noFill/>
+            </a:ln>
+            <a:effectLst/>
+          </c:spPr>
+          <c:txPr>
+            <a:bodyPr rot="-5400000" spcFirstLastPara="1" vertOverflow="ellipsis" vert="horz" wrap="square" anchor="ctr" anchorCtr="1"/>
+            <a:lstStyle/>
+            <a:p>
+              <a:pPr>
+                <a:defRPr sz="1800" b="0" i="0" u="none" strike="noStrike" kern="1200" cap="all" baseline="0">
+                  <a:solidFill>
+                    <a:schemeClr val="tx1">
+                      <a:lumMod val="65000"/>
+                      <a:lumOff val="35000"/>
+                    </a:schemeClr>
+                  </a:solidFill>
+                  <a:latin typeface="+mn-lt"/>
+                  <a:ea typeface="+mn-ea"/>
+                  <a:cs typeface="+mn-cs"/>
+                </a:defRPr>
+              </a:pPr>
+              <a:endParaRPr lang="en-US"/>
+            </a:p>
+          </c:txPr>
+        </c:title>
+        <c:numFmt formatCode="General" sourceLinked="1"/>
+        <c:majorTickMark val="out"/>
+        <c:minorTickMark val="none"/>
+        <c:tickLblPos val="nextTo"/>
+        <c:spPr>
+          <a:noFill/>
+          <a:ln w="9525" cap="flat" cmpd="sng" algn="ctr">
+            <a:solidFill>
+              <a:schemeClr val="dk1">
+                <a:lumMod val="15000"/>
+                <a:lumOff val="85000"/>
+              </a:schemeClr>
+            </a:solidFill>
+            <a:round/>
+          </a:ln>
+          <a:effectLst/>
+        </c:spPr>
+        <c:txPr>
+          <a:bodyPr rot="-60000000" spcFirstLastPara="1" vertOverflow="ellipsis" vert="horz" wrap="square" anchor="ctr" anchorCtr="1"/>
+          <a:lstStyle/>
+          <a:p>
+            <a:pPr>
+              <a:defRPr sz="1600" b="0" i="0" u="none" strike="noStrike" kern="1200" baseline="0">
+                <a:solidFill>
+                  <a:schemeClr val="tx1">
+                    <a:lumMod val="65000"/>
+                    <a:lumOff val="35000"/>
+                  </a:schemeClr>
+                </a:solidFill>
+                <a:latin typeface="+mn-lt"/>
+                <a:ea typeface="+mn-ea"/>
+                <a:cs typeface="+mn-cs"/>
+              </a:defRPr>
+            </a:pPr>
+            <a:endParaRPr lang="en-US"/>
+          </a:p>
+        </c:txPr>
+        <c:crossAx val="377503160"/>
+        <c:crosses val="autoZero"/>
+        <c:crossBetween val="between"/>
+      </c:valAx>
+      <c:spPr>
+        <a:noFill/>
+        <a:ln>
+          <a:noFill/>
+        </a:ln>
+        <a:effectLst/>
+      </c:spPr>
+    </c:plotArea>
+    <c:legend>
+      <c:legendPos val="t"/>
+      <c:layout/>
+      <c:overlay val="0"/>
+      <c:spPr>
+        <a:noFill/>
+        <a:ln>
+          <a:noFill/>
+        </a:ln>
+        <a:effectLst/>
+      </c:spPr>
+      <c:txPr>
+        <a:bodyPr rot="0" spcFirstLastPara="1" vertOverflow="ellipsis" vert="horz" wrap="square" anchor="ctr" anchorCtr="1"/>
+        <a:lstStyle/>
+        <a:p>
+          <a:pPr>
+            <a:defRPr sz="1800" b="0" i="0" u="none" strike="noStrike" kern="1200" baseline="0">
+              <a:solidFill>
+                <a:schemeClr val="tx1">
+                  <a:lumMod val="65000"/>
+                  <a:lumOff val="35000"/>
+                </a:schemeClr>
+              </a:solidFill>
+              <a:latin typeface="+mn-lt"/>
+              <a:ea typeface="+mn-ea"/>
+              <a:cs typeface="+mn-cs"/>
+            </a:defRPr>
+          </a:pPr>
+          <a:endParaRPr lang="en-US"/>
+        </a:p>
+      </c:txPr>
+    </c:legend>
+    <c:plotVisOnly val="1"/>
+    <c:dispBlanksAs val="gap"/>
+    <c:showDLblsOverMax val="0"/>
+  </c:chart>
+  <c:spPr>
+    <a:noFill/>
+    <a:ln>
+      <a:noFill/>
+    </a:ln>
+    <a:effectLst/>
+  </c:spPr>
+  <c:txPr>
+    <a:bodyPr/>
+    <a:lstStyle/>
+    <a:p>
+      <a:pPr>
+        <a:defRPr/>
+      </a:pPr>
+      <a:endParaRPr lang="en-US"/>
+    </a:p>
+  </c:txPr>
+  <c:externalData r:id="rId3">
+    <c:autoUpdate val="0"/>
+  </c:externalData>
+</c:chartSpace>
+</file>
+
+<file path=ppt/charts/chart3.xml><?xml version="1.0" encoding="utf-8"?>
+<c:chartSpace xmlns:c="http://schemas.openxmlformats.org/drawingml/2006/chart" xmlns:a="http://schemas.openxmlformats.org/drawingml/2006/main" xmlns:r="http://schemas.openxmlformats.org/officeDocument/2006/relationships">
+  <c:date1904 val="0"/>
+  <c:lang val="en-US"/>
+  <c:roundedCorners val="0"/>
+  <mc:AlternateContent xmlns:mc="http://schemas.openxmlformats.org/markup-compatibility/2006">
+    <mc:Choice xmlns:c14="http://schemas.microsoft.com/office/drawing/2007/8/2/chart" Requires="c14">
+      <c14:style val="102"/>
+    </mc:Choice>
+    <mc:Fallback>
+      <c:style val="2"/>
+    </mc:Fallback>
+  </mc:AlternateContent>
+  <c:chart>
+    <c:title>
+      <c:tx>
+        <c:rich>
+          <a:bodyPr rot="0" spcFirstLastPara="1" vertOverflow="ellipsis" vert="horz" wrap="square" anchor="ctr" anchorCtr="1"/>
+          <a:lstStyle/>
+          <a:p>
+            <a:pPr>
+              <a:defRPr sz="2400" b="1" i="0" u="none" strike="noStrike" kern="1200" cap="none" spc="0" normalizeH="0" baseline="0">
+                <a:solidFill>
+                  <a:schemeClr val="dk1">
+                    <a:lumMod val="50000"/>
+                    <a:lumOff val="50000"/>
+                  </a:schemeClr>
+                </a:solidFill>
+                <a:latin typeface="+mj-lt"/>
+                <a:ea typeface="+mj-ea"/>
+                <a:cs typeface="+mj-cs"/>
+              </a:defRPr>
+            </a:pPr>
+            <a:r>
+              <a:rPr lang="en-US" sz="2400" b="0" i="0" baseline="0">
+                <a:effectLst/>
+              </a:rPr>
+              <a:t>% of saved operations </a:t>
+            </a:r>
+            <a:endParaRPr lang="en-US" sz="2400">
+              <a:effectLst/>
+            </a:endParaRPr>
+          </a:p>
+          <a:p>
+            <a:pPr>
+              <a:defRPr sz="2400"/>
+            </a:pPr>
+            <a:r>
+              <a:rPr lang="en-US" sz="2400" b="0" i="0" baseline="0">
+                <a:effectLst/>
+              </a:rPr>
+              <a:t>for each layer in the final mask</a:t>
+            </a:r>
+            <a:endParaRPr lang="en-US" sz="2400">
+              <a:effectLst/>
+            </a:endParaRPr>
+          </a:p>
+        </c:rich>
+      </c:tx>
+      <c:layout/>
+      <c:overlay val="0"/>
+      <c:spPr>
+        <a:noFill/>
+        <a:ln>
+          <a:noFill/>
+        </a:ln>
+        <a:effectLst/>
+      </c:spPr>
+      <c:txPr>
+        <a:bodyPr rot="0" spcFirstLastPara="1" vertOverflow="ellipsis" vert="horz" wrap="square" anchor="ctr" anchorCtr="1"/>
+        <a:lstStyle/>
+        <a:p>
+          <a:pPr>
+            <a:defRPr sz="2400" b="1" i="0" u="none" strike="noStrike" kern="1200" cap="none" spc="0" normalizeH="0" baseline="0">
+              <a:solidFill>
+                <a:schemeClr val="dk1">
+                  <a:lumMod val="50000"/>
+                  <a:lumOff val="50000"/>
+                </a:schemeClr>
+              </a:solidFill>
+              <a:latin typeface="+mj-lt"/>
+              <a:ea typeface="+mj-ea"/>
+              <a:cs typeface="+mj-cs"/>
+            </a:defRPr>
+          </a:pPr>
+          <a:endParaRPr lang="en-US"/>
+        </a:p>
+      </c:txPr>
+    </c:title>
+    <c:autoTitleDeleted val="0"/>
+    <c:plotArea>
+      <c:layout/>
+      <c:barChart>
+        <c:barDir val="col"/>
+        <c:grouping val="clustered"/>
+        <c:varyColors val="0"/>
+        <c:ser>
+          <c:idx val="0"/>
+          <c:order val="0"/>
+          <c:tx>
+            <c:strRef>
+              <c:f>'Uniform Layer'!$G$1</c:f>
+              <c:strCache>
+                <c:ptCount val="1"/>
+                <c:pt idx="0">
+                  <c:v>% saved in network</c:v>
+                </c:pt>
+              </c:strCache>
+            </c:strRef>
+          </c:tx>
+          <c:spPr>
+            <a:solidFill>
+              <a:schemeClr val="accent1"/>
+            </a:solidFill>
+            <a:ln>
+              <a:noFill/>
+            </a:ln>
+            <a:effectLst/>
+          </c:spPr>
+          <c:invertIfNegative val="0"/>
+          <c:val>
+            <c:numRef>
+              <c:f>'Uniform Layer'!$G$2:$G$18</c:f>
+              <c:numCache>
+                <c:formatCode>General</c:formatCode>
+                <c:ptCount val="17"/>
+                <c:pt idx="0">
+                  <c:v>3.61</c:v>
+                </c:pt>
+                <c:pt idx="1">
+                  <c:v>2.54</c:v>
+                </c:pt>
+                <c:pt idx="2">
+                  <c:v>2.66</c:v>
+                </c:pt>
+                <c:pt idx="3">
+                  <c:v>2.75</c:v>
+                </c:pt>
+                <c:pt idx="4">
+                  <c:v>1.1200000000000001</c:v>
+                </c:pt>
+                <c:pt idx="5">
+                  <c:v>1.4</c:v>
+                </c:pt>
+                <c:pt idx="6">
+                  <c:v>1.47</c:v>
+                </c:pt>
+                <c:pt idx="7">
+                  <c:v>2.09</c:v>
+                </c:pt>
+                <c:pt idx="8">
+                  <c:v>1.21</c:v>
+                </c:pt>
+                <c:pt idx="9">
+                  <c:v>0.78</c:v>
+                </c:pt>
+                <c:pt idx="10">
+                  <c:v>0.98</c:v>
+                </c:pt>
+                <c:pt idx="11">
+                  <c:v>1.06</c:v>
+                </c:pt>
+                <c:pt idx="12">
+                  <c:v>0.9</c:v>
+                </c:pt>
+                <c:pt idx="13">
+                  <c:v>0.38</c:v>
+                </c:pt>
+                <c:pt idx="14">
+                  <c:v>0.28000000000000003</c:v>
+                </c:pt>
+                <c:pt idx="15">
+                  <c:v>0.31</c:v>
+                </c:pt>
+                <c:pt idx="16">
+                  <c:v>0.26</c:v>
+                </c:pt>
+              </c:numCache>
+            </c:numRef>
+          </c:val>
+        </c:ser>
+        <c:dLbls>
+          <c:showLegendKey val="0"/>
+          <c:showVal val="0"/>
+          <c:showCatName val="0"/>
+          <c:showSerName val="0"/>
+          <c:showPercent val="0"/>
+          <c:showBubbleSize val="0"/>
+        </c:dLbls>
+        <c:gapWidth val="267"/>
+        <c:overlap val="-43"/>
+        <c:axId val="470928544"/>
+        <c:axId val="470937168"/>
+      </c:barChart>
+      <c:catAx>
+        <c:axId val="470928544"/>
+        <c:scaling>
+          <c:orientation val="minMax"/>
+        </c:scaling>
+        <c:delete val="0"/>
+        <c:axPos val="b"/>
+        <c:majorGridlines>
+          <c:spPr>
+            <a:ln w="9525" cap="flat" cmpd="sng" algn="ctr">
+              <a:solidFill>
+                <a:schemeClr val="dk1">
+                  <a:lumMod val="15000"/>
+                  <a:lumOff val="85000"/>
+                </a:schemeClr>
+              </a:solidFill>
+              <a:round/>
+            </a:ln>
+            <a:effectLst/>
+          </c:spPr>
+        </c:majorGridlines>
+        <c:title>
+          <c:tx>
+            <c:rich>
+              <a:bodyPr rot="0" spcFirstLastPara="1" vertOverflow="ellipsis" vert="horz" wrap="square" anchor="ctr" anchorCtr="1"/>
+              <a:lstStyle/>
+              <a:p>
+                <a:pPr>
+                  <a:defRPr sz="2000" b="1" i="0" u="none" strike="noStrike" kern="1200" baseline="0">
+                    <a:solidFill>
+                      <a:schemeClr val="dk1">
+                        <a:lumMod val="65000"/>
+                        <a:lumOff val="35000"/>
+                      </a:schemeClr>
+                    </a:solidFill>
+                    <a:latin typeface="+mn-lt"/>
+                    <a:ea typeface="+mn-ea"/>
+                    <a:cs typeface="+mn-cs"/>
+                  </a:defRPr>
+                </a:pPr>
+                <a:r>
+                  <a:rPr lang="en-US" sz="2000"/>
+                  <a:t>layer number</a:t>
+                </a:r>
+              </a:p>
+            </c:rich>
+          </c:tx>
+          <c:layout/>
+          <c:overlay val="0"/>
+          <c:spPr>
+            <a:noFill/>
+            <a:ln>
+              <a:noFill/>
+            </a:ln>
+            <a:effectLst/>
+          </c:spPr>
+          <c:txPr>
+            <a:bodyPr rot="0" spcFirstLastPara="1" vertOverflow="ellipsis" vert="horz" wrap="square" anchor="ctr" anchorCtr="1"/>
+            <a:lstStyle/>
+            <a:p>
+              <a:pPr>
+                <a:defRPr sz="2000" b="1" i="0" u="none" strike="noStrike" kern="1200" baseline="0">
+                  <a:solidFill>
+                    <a:schemeClr val="dk1">
+                      <a:lumMod val="65000"/>
+                      <a:lumOff val="35000"/>
+                    </a:schemeClr>
+                  </a:solidFill>
+                  <a:latin typeface="+mn-lt"/>
+                  <a:ea typeface="+mn-ea"/>
+                  <a:cs typeface="+mn-cs"/>
+                </a:defRPr>
+              </a:pPr>
+              <a:endParaRPr lang="en-US"/>
+            </a:p>
+          </c:txPr>
+        </c:title>
+        <c:majorTickMark val="none"/>
+        <c:minorTickMark val="none"/>
+        <c:tickLblPos val="nextTo"/>
+        <c:spPr>
+          <a:noFill/>
+          <a:ln w="9525" cap="flat" cmpd="sng" algn="ctr">
+            <a:solidFill>
+              <a:schemeClr val="dk1">
+                <a:lumMod val="15000"/>
+                <a:lumOff val="85000"/>
+              </a:schemeClr>
+            </a:solidFill>
+            <a:round/>
+          </a:ln>
+          <a:effectLst/>
+        </c:spPr>
+        <c:txPr>
+          <a:bodyPr rot="-60000000" spcFirstLastPara="1" vertOverflow="ellipsis" vert="horz" wrap="square" anchor="ctr" anchorCtr="1"/>
+          <a:lstStyle/>
+          <a:p>
+            <a:pPr>
+              <a:defRPr sz="1800" b="0" i="0" u="none" strike="noStrike" kern="1200" cap="none" spc="0" normalizeH="0" baseline="0">
+                <a:solidFill>
+                  <a:schemeClr val="dk1">
+                    <a:lumMod val="65000"/>
+                    <a:lumOff val="35000"/>
+                  </a:schemeClr>
+                </a:solidFill>
+                <a:latin typeface="+mn-lt"/>
+                <a:ea typeface="+mn-ea"/>
+                <a:cs typeface="+mn-cs"/>
+              </a:defRPr>
+            </a:pPr>
+            <a:endParaRPr lang="en-US"/>
+          </a:p>
+        </c:txPr>
+        <c:crossAx val="470937168"/>
+        <c:crosses val="autoZero"/>
+        <c:auto val="1"/>
+        <c:lblAlgn val="ctr"/>
+        <c:lblOffset val="100"/>
+        <c:noMultiLvlLbl val="0"/>
+      </c:catAx>
+      <c:valAx>
+        <c:axId val="470937168"/>
+        <c:scaling>
+          <c:orientation val="minMax"/>
+        </c:scaling>
+        <c:delete val="0"/>
+        <c:axPos val="l"/>
+        <c:majorGridlines>
+          <c:spPr>
+            <a:ln w="9525" cap="flat" cmpd="sng" algn="ctr">
+              <a:solidFill>
+                <a:schemeClr val="dk1">
+                  <a:lumMod val="15000"/>
+                  <a:lumOff val="85000"/>
+                </a:schemeClr>
+              </a:solidFill>
+              <a:round/>
+            </a:ln>
+            <a:effectLst/>
+          </c:spPr>
+        </c:majorGridlines>
+        <c:title>
+          <c:tx>
+            <c:rich>
+              <a:bodyPr rot="-5400000" spcFirstLastPara="1" vertOverflow="ellipsis" vert="horz" wrap="square" anchor="ctr" anchorCtr="1"/>
+              <a:lstStyle/>
+              <a:p>
+                <a:pPr>
+                  <a:defRPr sz="2000" b="1" i="0" u="none" strike="noStrike" kern="1200" baseline="0">
+                    <a:solidFill>
+                      <a:schemeClr val="dk1">
+                        <a:lumMod val="65000"/>
+                        <a:lumOff val="35000"/>
+                      </a:schemeClr>
+                    </a:solidFill>
+                    <a:latin typeface="+mn-lt"/>
+                    <a:ea typeface="+mn-ea"/>
+                    <a:cs typeface="+mn-cs"/>
+                  </a:defRPr>
+                </a:pPr>
+                <a:r>
+                  <a:rPr lang="en-US" sz="2000"/>
+                  <a:t>operations saved [%]</a:t>
+                </a:r>
+              </a:p>
+            </c:rich>
+          </c:tx>
+          <c:layout/>
+          <c:overlay val="0"/>
+          <c:spPr>
+            <a:noFill/>
+            <a:ln>
+              <a:noFill/>
+            </a:ln>
+            <a:effectLst/>
+          </c:spPr>
+          <c:txPr>
+            <a:bodyPr rot="-5400000" spcFirstLastPara="1" vertOverflow="ellipsis" vert="horz" wrap="square" anchor="ctr" anchorCtr="1"/>
+            <a:lstStyle/>
+            <a:p>
+              <a:pPr>
+                <a:defRPr sz="2000" b="1" i="0" u="none" strike="noStrike" kern="1200" baseline="0">
+                  <a:solidFill>
+                    <a:schemeClr val="dk1">
+                      <a:lumMod val="65000"/>
+                      <a:lumOff val="35000"/>
+                    </a:schemeClr>
+                  </a:solidFill>
+                  <a:latin typeface="+mn-lt"/>
+                  <a:ea typeface="+mn-ea"/>
+                  <a:cs typeface="+mn-cs"/>
+                </a:defRPr>
+              </a:pPr>
+              <a:endParaRPr lang="en-US"/>
+            </a:p>
+          </c:txPr>
+        </c:title>
+        <c:numFmt formatCode="General" sourceLinked="1"/>
+        <c:majorTickMark val="none"/>
+        <c:minorTickMark val="none"/>
+        <c:tickLblPos val="nextTo"/>
+        <c:spPr>
+          <a:noFill/>
+          <a:ln>
+            <a:noFill/>
+          </a:ln>
+          <a:effectLst/>
+        </c:spPr>
+        <c:txPr>
+          <a:bodyPr rot="-60000000" spcFirstLastPara="1" vertOverflow="ellipsis" vert="horz" wrap="square" anchor="ctr" anchorCtr="1"/>
+          <a:lstStyle/>
+          <a:p>
+            <a:pPr>
+              <a:defRPr sz="1800" b="0" i="0" u="none" strike="noStrike" kern="1200" baseline="0">
+                <a:solidFill>
+                  <a:schemeClr val="dk1">
+                    <a:lumMod val="65000"/>
+                    <a:lumOff val="35000"/>
+                  </a:schemeClr>
+                </a:solidFill>
+                <a:latin typeface="+mn-lt"/>
+                <a:ea typeface="+mn-ea"/>
+                <a:cs typeface="+mn-cs"/>
+              </a:defRPr>
+            </a:pPr>
+            <a:endParaRPr lang="en-US"/>
+          </a:p>
+        </c:txPr>
+        <c:crossAx val="470928544"/>
+        <c:crosses val="autoZero"/>
+        <c:crossBetween val="between"/>
+      </c:valAx>
+      <c:spPr>
+        <a:pattFill prst="ltDnDiag">
+          <a:fgClr>
+            <a:schemeClr val="dk1">
+              <a:lumMod val="15000"/>
+              <a:lumOff val="85000"/>
+            </a:schemeClr>
+          </a:fgClr>
+          <a:bgClr>
+            <a:schemeClr val="lt1"/>
+          </a:bgClr>
+        </a:pattFill>
+        <a:ln>
+          <a:noFill/>
+        </a:ln>
+        <a:effectLst/>
+      </c:spPr>
+    </c:plotArea>
+    <c:plotVisOnly val="1"/>
+    <c:dispBlanksAs val="gap"/>
+    <c:showDLblsOverMax val="0"/>
+  </c:chart>
+  <c:spPr>
+    <a:solidFill>
+      <a:schemeClr val="lt1"/>
+    </a:solidFill>
+    <a:ln w="9525" cap="flat" cmpd="sng" algn="ctr">
+      <a:solidFill>
+        <a:schemeClr val="dk1">
+          <a:lumMod val="15000"/>
+          <a:lumOff val="85000"/>
+        </a:schemeClr>
+      </a:solidFill>
+      <a:round/>
+    </a:ln>
+    <a:effectLst/>
+  </c:spPr>
+  <c:txPr>
+    <a:bodyPr/>
+    <a:lstStyle/>
+    <a:p>
+      <a:pPr>
+        <a:defRPr/>
+      </a:pPr>
+      <a:endParaRPr lang="en-US"/>
+    </a:p>
+  </c:txPr>
+  <c:externalData r:id="rId3">
+    <c:autoUpdate val="0"/>
+  </c:externalData>
+</c:chartSpace>
+</file>
+
+<file path=ppt/charts/colors1.xml><?xml version="1.0" encoding="utf-8"?>
+<cs:colorStyle xmlns:cs="http://schemas.microsoft.com/office/drawing/2012/chartStyle" xmlns:a="http://schemas.openxmlformats.org/drawingml/2006/main" meth="cycle" id="10">
+  <a:schemeClr val="accent1"/>
+  <a:schemeClr val="accent2"/>
+  <a:schemeClr val="accent3"/>
+  <a:schemeClr val="accent4"/>
+  <a:schemeClr val="accent5"/>
+  <a:schemeClr val="accent6"/>
+  <cs:variation/>
+  <cs:variation>
+    <a:lumMod val="60000"/>
+  </cs:variation>
+  <cs:variation>
+    <a:lumMod val="80000"/>
+    <a:lumOff val="20000"/>
+  </cs:variation>
+  <cs:variation>
+    <a:lumMod val="80000"/>
+  </cs:variation>
+  <cs:variation>
+    <a:lumMod val="60000"/>
+    <a:lumOff val="40000"/>
+  </cs:variation>
+  <cs:variation>
+    <a:lumMod val="50000"/>
+  </cs:variation>
+  <cs:variation>
+    <a:lumMod val="70000"/>
+    <a:lumOff val="30000"/>
+  </cs:variation>
+  <cs:variation>
+    <a:lumMod val="70000"/>
+  </cs:variation>
+  <cs:variation>
+    <a:lumMod val="50000"/>
+    <a:lumOff val="50000"/>
+  </cs:variation>
+</cs:colorStyle>
+</file>
+
+<file path=ppt/charts/colors2.xml><?xml version="1.0" encoding="utf-8"?>
+<cs:colorStyle xmlns:cs="http://schemas.microsoft.com/office/drawing/2012/chartStyle" xmlns:a="http://schemas.openxmlformats.org/drawingml/2006/main" meth="cycle" id="10">
+  <a:schemeClr val="accent1"/>
+  <a:schemeClr val="accent2"/>
+  <a:schemeClr val="accent3"/>
+  <a:schemeClr val="accent4"/>
+  <a:schemeClr val="accent5"/>
+  <a:schemeClr val="accent6"/>
+  <cs:variation/>
+  <cs:variation>
+    <a:lumMod val="60000"/>
+  </cs:variation>
+  <cs:variation>
+    <a:lumMod val="80000"/>
+    <a:lumOff val="20000"/>
+  </cs:variation>
+  <cs:variation>
+    <a:lumMod val="80000"/>
+  </cs:variation>
+  <cs:variation>
+    <a:lumMod val="60000"/>
+    <a:lumOff val="40000"/>
+  </cs:variation>
+  <cs:variation>
+    <a:lumMod val="50000"/>
+  </cs:variation>
+  <cs:variation>
+    <a:lumMod val="70000"/>
+    <a:lumOff val="30000"/>
+  </cs:variation>
+  <cs:variation>
+    <a:lumMod val="70000"/>
+  </cs:variation>
+  <cs:variation>
+    <a:lumMod val="50000"/>
+    <a:lumOff val="50000"/>
+  </cs:variation>
+</cs:colorStyle>
+</file>
+
+<file path=ppt/charts/colors3.xml><?xml version="1.0" encoding="utf-8"?>
+<cs:colorStyle xmlns:cs="http://schemas.microsoft.com/office/drawing/2012/chartStyle" xmlns:a="http://schemas.openxmlformats.org/drawingml/2006/main" meth="cycle" id="10">
+  <a:schemeClr val="accent1"/>
+  <a:schemeClr val="accent2"/>
+  <a:schemeClr val="accent3"/>
+  <a:schemeClr val="accent4"/>
+  <a:schemeClr val="accent5"/>
+  <a:schemeClr val="accent6"/>
+  <cs:variation/>
+  <cs:variation>
+    <a:lumMod val="60000"/>
+  </cs:variation>
+  <cs:variation>
+    <a:lumMod val="80000"/>
+    <a:lumOff val="20000"/>
+  </cs:variation>
+  <cs:variation>
+    <a:lumMod val="80000"/>
+  </cs:variation>
+  <cs:variation>
+    <a:lumMod val="60000"/>
+    <a:lumOff val="40000"/>
+  </cs:variation>
+  <cs:variation>
+    <a:lumMod val="50000"/>
+  </cs:variation>
+  <cs:variation>
+    <a:lumMod val="70000"/>
+    <a:lumOff val="30000"/>
+  </cs:variation>
+  <cs:variation>
+    <a:lumMod val="70000"/>
+  </cs:variation>
+  <cs:variation>
+    <a:lumMod val="50000"/>
+    <a:lumOff val="50000"/>
+  </cs:variation>
+</cs:colorStyle>
+</file>
+
+<file path=ppt/charts/style1.xml><?xml version="1.0" encoding="utf-8"?>
+<cs:chartStyle xmlns:cs="http://schemas.microsoft.com/office/drawing/2012/chartStyle" xmlns:a="http://schemas.openxmlformats.org/drawingml/2006/main" id="297">
+  <cs:axisTitle>
+    <cs:lnRef idx="0"/>
+    <cs:fillRef idx="0"/>
+    <cs:effectRef idx="0"/>
+    <cs:fontRef idx="minor">
+      <a:schemeClr val="tx1">
+        <a:lumMod val="65000"/>
+        <a:lumOff val="35000"/>
+      </a:schemeClr>
+    </cs:fontRef>
+    <cs:defRPr sz="1000" kern="1200"/>
+  </cs:axisTitle>
+  <cs:categoryAxis>
+    <cs:lnRef idx="0"/>
+    <cs:fillRef idx="0"/>
+    <cs:effectRef idx="0"/>
+    <cs:fontRef idx="minor">
+      <a:schemeClr val="tx1">
+        <a:lumMod val="65000"/>
+        <a:lumOff val="35000"/>
+      </a:schemeClr>
+    </cs:fontRef>
+    <cs:spPr>
+      <a:ln w="9525" cap="flat" cmpd="sng" algn="ctr">
+        <a:solidFill>
+          <a:schemeClr val="tx1">
+            <a:lumMod val="15000"/>
+            <a:lumOff val="85000"/>
+          </a:schemeClr>
+        </a:solidFill>
+        <a:round/>
+      </a:ln>
+    </cs:spPr>
+    <cs:defRPr sz="900" kern="1200"/>
+  </cs:categoryAxis>
+  <cs:chartArea mods="allowNoFillOverride allowNoLineOverride">
+    <cs:lnRef idx="0"/>
+    <cs:fillRef idx="0"/>
+    <cs:effectRef idx="0"/>
+    <cs:fontRef idx="minor">
+      <a:schemeClr val="tx1"/>
+    </cs:fontRef>
+    <cs:spPr>
+      <a:solidFill>
+        <a:schemeClr val="bg1"/>
+      </a:solidFill>
+      <a:ln w="9525" cap="flat" cmpd="sng" algn="ctr">
+        <a:solidFill>
+          <a:schemeClr val="tx1">
+            <a:lumMod val="15000"/>
+            <a:lumOff val="85000"/>
+          </a:schemeClr>
+        </a:solidFill>
+        <a:round/>
+      </a:ln>
+    </cs:spPr>
+    <cs:defRPr sz="1000" kern="1200"/>
+  </cs:chartArea>
+  <cs:dataLabel>
+    <cs:lnRef idx="0"/>
+    <cs:fillRef idx="0"/>
+    <cs:effectRef idx="0"/>
+    <cs:fontRef idx="minor">
+      <a:schemeClr val="tx1">
+        <a:lumMod val="75000"/>
+        <a:lumOff val="25000"/>
+      </a:schemeClr>
+    </cs:fontRef>
+    <cs:defRPr sz="900" kern="1200"/>
+  </cs:dataLabel>
+  <cs:dataLabelCallout>
+    <cs:lnRef idx="0"/>
+    <cs:fillRef idx="0"/>
+    <cs:effectRef idx="0"/>
+    <cs:fontRef idx="minor">
+      <a:schemeClr val="dk1">
+        <a:lumMod val="65000"/>
+        <a:lumOff val="35000"/>
+      </a:schemeClr>
+    </cs:fontRef>
+    <cs:spPr>
+      <a:solidFill>
+        <a:schemeClr val="lt1"/>
+      </a:solidFill>
+      <a:ln>
+        <a:solidFill>
+          <a:schemeClr val="dk1">
+            <a:lumMod val="25000"/>
+            <a:lumOff val="75000"/>
+          </a:schemeClr>
+        </a:solidFill>
+      </a:ln>
+    </cs:spPr>
+    <cs:defRPr sz="900" kern="1200"/>
+    <cs:bodyPr rot="0" spcFirstLastPara="1" vertOverflow="clip" horzOverflow="clip" vert="horz" wrap="square" lIns="36576" tIns="18288" rIns="36576" bIns="18288" anchor="ctr" anchorCtr="1">
+      <a:spAutoFit/>
+    </cs:bodyPr>
+  </cs:dataLabelCallout>
+  <cs:dataPoint>
+    <cs:lnRef idx="0"/>
+    <cs:fillRef idx="1">
+      <cs:styleClr val="auto"/>
+    </cs:fillRef>
+    <cs:effectRef idx="0"/>
+    <cs:fontRef idx="minor">
+      <a:schemeClr val="tx1"/>
+    </cs:fontRef>
+  </cs:dataPoint>
+  <cs:dataPoint3D>
+    <cs:lnRef idx="0"/>
+    <cs:fillRef idx="1">
+      <cs:styleClr val="auto"/>
+    </cs:fillRef>
+    <cs:effectRef idx="0"/>
+    <cs:fontRef idx="minor">
+      <a:schemeClr val="tx1"/>
+    </cs:fontRef>
+  </cs:dataPoint3D>
+  <cs:dataPointLine>
+    <cs:lnRef idx="0">
+      <cs:styleClr val="auto"/>
+    </cs:lnRef>
+    <cs:fillRef idx="1"/>
+    <cs:effectRef idx="0"/>
+    <cs:fontRef idx="minor">
+      <a:schemeClr val="tx1"/>
+    </cs:fontRef>
+    <cs:spPr>
+      <a:ln w="28575" cap="rnd">
+        <a:solidFill>
+          <a:schemeClr val="phClr"/>
+        </a:solidFill>
+        <a:round/>
+      </a:ln>
+    </cs:spPr>
+  </cs:dataPointLine>
+  <cs:dataPointMarker>
+    <cs:lnRef idx="0">
+      <cs:styleClr val="auto"/>
+    </cs:lnRef>
+    <cs:fillRef idx="1">
+      <cs:styleClr val="auto"/>
+    </cs:fillRef>
+    <cs:effectRef idx="0"/>
+    <cs:fontRef idx="minor">
+      <a:schemeClr val="tx1"/>
+    </cs:fontRef>
+    <cs:spPr>
+      <a:ln w="9525">
+        <a:solidFill>
+          <a:schemeClr val="phClr"/>
+        </a:solidFill>
+      </a:ln>
+    </cs:spPr>
+  </cs:dataPointMarker>
+  <cs:dataPointMarkerLayout symbol="circle" size="5"/>
+  <cs:dataPointWireframe>
+    <cs:lnRef idx="0">
+      <cs:styleClr val="auto"/>
+    </cs:lnRef>
+    <cs:fillRef idx="1"/>
+    <cs:effectRef idx="0"/>
+    <cs:fontRef idx="minor">
+      <a:schemeClr val="tx1"/>
+    </cs:fontRef>
+    <cs:spPr>
+      <a:ln w="9525" cap="rnd">
+        <a:solidFill>
+          <a:schemeClr val="phClr"/>
+        </a:solidFill>
+        <a:round/>
+      </a:ln>
+    </cs:spPr>
+  </cs:dataPointWireframe>
+  <cs:dataTable>
+    <cs:lnRef idx="0"/>
+    <cs:fillRef idx="0"/>
+    <cs:effectRef idx="0"/>
+    <cs:fontRef idx="minor">
+      <a:schemeClr val="tx1">
+        <a:lumMod val="65000"/>
+        <a:lumOff val="35000"/>
+      </a:schemeClr>
+    </cs:fontRef>
+    <cs:spPr>
+      <a:noFill/>
+      <a:ln w="9525" cap="flat" cmpd="sng" algn="ctr">
+        <a:solidFill>
+          <a:schemeClr val="tx1">
+            <a:lumMod val="15000"/>
+            <a:lumOff val="85000"/>
+          </a:schemeClr>
+        </a:solidFill>
+        <a:round/>
+      </a:ln>
+    </cs:spPr>
+    <cs:defRPr sz="900" kern="1200"/>
+  </cs:dataTable>
+  <cs:downBar>
+    <cs:lnRef idx="0"/>
+    <cs:fillRef idx="0"/>
+    <cs:effectRef idx="0"/>
+    <cs:fontRef idx="minor">
+      <a:schemeClr val="tx1"/>
+    </cs:fontRef>
+    <cs:spPr>
+      <a:solidFill>
+        <a:schemeClr val="dk1">
+          <a:lumMod val="75000"/>
+          <a:lumOff val="25000"/>
+        </a:schemeClr>
+      </a:solidFill>
+      <a:ln w="9525" cap="flat" cmpd="sng" algn="ctr">
+        <a:solidFill>
+          <a:schemeClr val="tx1">
+            <a:lumMod val="65000"/>
+            <a:lumOff val="35000"/>
+          </a:schemeClr>
+        </a:solidFill>
+        <a:round/>
+      </a:ln>
+    </cs:spPr>
+  </cs:downBar>
+  <cs:dropLine>
+    <cs:lnRef idx="0"/>
+    <cs:fillRef idx="0"/>
+    <cs:effectRef idx="0"/>
+    <cs:fontRef idx="minor">
+      <a:schemeClr val="tx1"/>
+    </cs:fontRef>
+    <cs:spPr>
+      <a:ln w="9525" cap="flat" cmpd="sng" algn="ctr">
+        <a:solidFill>
+          <a:schemeClr val="tx1">
+            <a:lumMod val="35000"/>
+            <a:lumOff val="65000"/>
+          </a:schemeClr>
+        </a:solidFill>
+        <a:round/>
+      </a:ln>
+    </cs:spPr>
+  </cs:dropLine>
+  <cs:errorBar>
+    <cs:lnRef idx="0"/>
+    <cs:fillRef idx="0"/>
+    <cs:effectRef idx="0"/>
+    <cs:fontRef idx="minor">
+      <a:schemeClr val="tx1"/>
+    </cs:fontRef>
+    <cs:spPr>
+      <a:ln w="9525" cap="flat" cmpd="sng" algn="ctr">
+        <a:solidFill>
+          <a:schemeClr val="tx1">
+            <a:lumMod val="65000"/>
+            <a:lumOff val="35000"/>
+          </a:schemeClr>
+        </a:solidFill>
+        <a:round/>
+      </a:ln>
+    </cs:spPr>
+  </cs:errorBar>
+  <cs:floor>
+    <cs:lnRef idx="0"/>
+    <cs:fillRef idx="0"/>
+    <cs:effectRef idx="0"/>
+    <cs:fontRef idx="minor">
+      <a:schemeClr val="tx1"/>
+    </cs:fontRef>
+    <cs:spPr>
+      <a:noFill/>
+      <a:ln>
+        <a:noFill/>
+      </a:ln>
+    </cs:spPr>
+  </cs:floor>
+  <cs:gridlineMajor>
+    <cs:lnRef idx="0"/>
+    <cs:fillRef idx="0"/>
+    <cs:effectRef idx="0"/>
+    <cs:fontRef idx="minor">
+      <a:schemeClr val="tx1"/>
+    </cs:fontRef>
+    <cs:spPr>
+      <a:ln w="9525" cap="flat" cmpd="sng" algn="ctr">
+        <a:solidFill>
+          <a:schemeClr val="tx1">
+            <a:lumMod val="15000"/>
+            <a:lumOff val="85000"/>
+          </a:schemeClr>
+        </a:solidFill>
+        <a:round/>
+      </a:ln>
+    </cs:spPr>
+  </cs:gridlineMajor>
+  <cs:gridlineMinor>
+    <cs:lnRef idx="0"/>
+    <cs:fillRef idx="0"/>
+    <cs:effectRef idx="0"/>
+    <cs:fontRef idx="minor">
+      <a:schemeClr val="tx1"/>
+    </cs:fontRef>
+    <cs:spPr>
+      <a:ln w="9525" cap="flat" cmpd="sng" algn="ctr">
+        <a:solidFill>
+          <a:schemeClr val="tx1">
+            <a:lumMod val="5000"/>
+            <a:lumOff val="95000"/>
+          </a:schemeClr>
+        </a:solidFill>
+        <a:round/>
+      </a:ln>
+    </cs:spPr>
+  </cs:gridlineMinor>
+  <cs:hiLoLine>
+    <cs:lnRef idx="0"/>
+    <cs:fillRef idx="0"/>
+    <cs:effectRef idx="0"/>
+    <cs:fontRef idx="minor">
+      <a:schemeClr val="tx1"/>
+    </cs:fontRef>
+    <cs:spPr>
+      <a:ln w="9525" cap="flat" cmpd="sng" algn="ctr">
+        <a:solidFill>
+          <a:schemeClr val="tx1">
+            <a:lumMod val="50000"/>
+            <a:lumOff val="50000"/>
+          </a:schemeClr>
+        </a:solidFill>
+        <a:round/>
+      </a:ln>
+    </cs:spPr>
+  </cs:hiLoLine>
+  <cs:leaderLine>
+    <cs:lnRef idx="0"/>
+    <cs:fillRef idx="0"/>
+    <cs:effectRef idx="0"/>
+    <cs:fontRef idx="minor">
+      <a:schemeClr val="tx1"/>
+    </cs:fontRef>
+    <cs:spPr>
+      <a:ln w="9525" cap="flat" cmpd="sng" algn="ctr">
+        <a:solidFill>
+          <a:schemeClr val="tx1">
+            <a:lumMod val="35000"/>
+            <a:lumOff val="65000"/>
+          </a:schemeClr>
+        </a:solidFill>
+        <a:round/>
+      </a:ln>
+    </cs:spPr>
+  </cs:leaderLine>
+  <cs:legend>
+    <cs:lnRef idx="0"/>
+    <cs:fillRef idx="0"/>
+    <cs:effectRef idx="0"/>
+    <cs:fontRef idx="minor">
+      <a:schemeClr val="tx1">
+        <a:lumMod val="65000"/>
+        <a:lumOff val="35000"/>
+      </a:schemeClr>
+    </cs:fontRef>
+    <cs:defRPr sz="900" kern="1200"/>
+  </cs:legend>
+  <cs:plotArea mods="allowNoFillOverride allowNoLineOverride">
+    <cs:lnRef idx="0"/>
+    <cs:fillRef idx="0"/>
+    <cs:effectRef idx="0"/>
+    <cs:fontRef idx="minor">
+      <a:schemeClr val="tx1"/>
+    </cs:fontRef>
+  </cs:plotArea>
+  <cs:plotArea3D mods="allowNoFillOverride allowNoLineOverride">
+    <cs:lnRef idx="0"/>
+    <cs:fillRef idx="0"/>
+    <cs:effectRef idx="0"/>
+    <cs:fontRef idx="minor">
+      <a:schemeClr val="tx1"/>
+    </cs:fontRef>
+  </cs:plotArea3D>
+  <cs:seriesAxis>
+    <cs:lnRef idx="0"/>
+    <cs:fillRef idx="0"/>
+    <cs:effectRef idx="0"/>
+    <cs:fontRef idx="minor">
+      <a:schemeClr val="tx1">
+        <a:lumMod val="65000"/>
+        <a:lumOff val="35000"/>
+      </a:schemeClr>
+    </cs:fontRef>
+    <cs:defRPr sz="900" kern="1200"/>
+  </cs:seriesAxis>
+  <cs:seriesLine>
+    <cs:lnRef idx="0"/>
+    <cs:fillRef idx="0"/>
+    <cs:effectRef idx="0"/>
+    <cs:fontRef idx="minor">
+      <a:schemeClr val="tx1"/>
+    </cs:fontRef>
+    <cs:spPr>
+      <a:ln w="9525" cap="flat" cmpd="sng" algn="ctr">
+        <a:solidFill>
+          <a:schemeClr val="tx1">
+            <a:lumMod val="35000"/>
+            <a:lumOff val="65000"/>
+          </a:schemeClr>
+        </a:solidFill>
+        <a:round/>
+      </a:ln>
+    </cs:spPr>
+  </cs:seriesLine>
+  <cs:title>
+    <cs:lnRef idx="0"/>
+    <cs:fillRef idx="0"/>
+    <cs:effectRef idx="0"/>
+    <cs:fontRef idx="minor">
+      <a:schemeClr val="tx1">
+        <a:lumMod val="65000"/>
+        <a:lumOff val="35000"/>
+      </a:schemeClr>
+    </cs:fontRef>
+    <cs:defRPr sz="1400" b="0" kern="1200" spc="0" baseline="0"/>
+  </cs:title>
+  <cs:trendline>
+    <cs:lnRef idx="0">
+      <cs:styleClr val="auto"/>
+    </cs:lnRef>
+    <cs:fillRef idx="0"/>
+    <cs:effectRef idx="0"/>
+    <cs:fontRef idx="minor">
+      <a:schemeClr val="tx1"/>
+    </cs:fontRef>
+    <cs:spPr>
+      <a:ln w="19050" cap="rnd">
+        <a:solidFill>
+          <a:schemeClr val="phClr"/>
+        </a:solidFill>
+        <a:prstDash val="sysDot"/>
+      </a:ln>
+    </cs:spPr>
+  </cs:trendline>
+  <cs:trendlineLabel>
+    <cs:lnRef idx="0"/>
+    <cs:fillRef idx="0"/>
+    <cs:effectRef idx="0"/>
+    <cs:fontRef idx="minor">
+      <a:schemeClr val="tx1">
+        <a:lumMod val="65000"/>
+        <a:lumOff val="35000"/>
+      </a:schemeClr>
+    </cs:fontRef>
+    <cs:defRPr sz="900" kern="1200"/>
+  </cs:trendlineLabel>
+  <cs:upBar>
+    <cs:lnRef idx="0"/>
+    <cs:fillRef idx="0"/>
+    <cs:effectRef idx="0"/>
+    <cs:fontRef idx="minor">
+      <a:schemeClr val="tx1"/>
+    </cs:fontRef>
+    <cs:spPr>
+      <a:solidFill>
+        <a:schemeClr val="lt1"/>
+      </a:solidFill>
+      <a:ln w="9525" cap="flat" cmpd="sng" algn="ctr">
+        <a:solidFill>
+          <a:schemeClr val="tx1">
+            <a:lumMod val="65000"/>
+            <a:lumOff val="35000"/>
+          </a:schemeClr>
+        </a:solidFill>
+        <a:round/>
+      </a:ln>
+    </cs:spPr>
+  </cs:upBar>
+  <cs:valueAxis>
+    <cs:lnRef idx="0"/>
+    <cs:fillRef idx="0"/>
+    <cs:effectRef idx="0"/>
+    <cs:fontRef idx="minor">
+      <a:schemeClr val="tx1">
+        <a:lumMod val="65000"/>
+        <a:lumOff val="35000"/>
+      </a:schemeClr>
+    </cs:fontRef>
+    <cs:defRPr sz="900" kern="1200"/>
+  </cs:valueAxis>
+  <cs:wall>
+    <cs:lnRef idx="0"/>
+    <cs:fillRef idx="0"/>
+    <cs:effectRef idx="0"/>
+    <cs:fontRef idx="minor">
+      <a:schemeClr val="tx1"/>
+    </cs:fontRef>
+    <cs:spPr>
+      <a:noFill/>
+      <a:ln>
+        <a:noFill/>
+      </a:ln>
+    </cs:spPr>
+  </cs:wall>
+</cs:chartStyle>
+</file>
+
+<file path=ppt/charts/style2.xml><?xml version="1.0" encoding="utf-8"?>
+<cs:chartStyle xmlns:cs="http://schemas.microsoft.com/office/drawing/2012/chartStyle" xmlns:a="http://schemas.openxmlformats.org/drawingml/2006/main" id="202">
+  <cs:axisTitle>
+    <cs:lnRef idx="0"/>
+    <cs:fillRef idx="0"/>
+    <cs:effectRef idx="0"/>
+    <cs:fontRef idx="minor">
+      <a:schemeClr val="tx1">
+        <a:lumMod val="65000"/>
+        <a:lumOff val="35000"/>
+      </a:schemeClr>
+    </cs:fontRef>
+    <cs:defRPr sz="900" kern="1200" cap="all"/>
+  </cs:axisTitle>
+  <cs:categoryAxis>
+    <cs:lnRef idx="0"/>
+    <cs:fillRef idx="0"/>
+    <cs:effectRef idx="0"/>
+    <cs:fontRef idx="minor">
+      <a:schemeClr val="tx1">
+        <a:lumMod val="65000"/>
+        <a:lumOff val="35000"/>
+      </a:schemeClr>
+    </cs:fontRef>
+    <cs:spPr>
+      <a:ln w="9525" cap="flat" cmpd="sng" algn="ctr">
+        <a:solidFill>
+          <a:schemeClr val="tx1">
+            <a:lumMod val="15000"/>
+            <a:lumOff val="85000"/>
+          </a:schemeClr>
+        </a:solidFill>
+        <a:round/>
+      </a:ln>
+    </cs:spPr>
+    <cs:defRPr sz="800" kern="1200" cap="all" spc="120" normalizeH="0" baseline="0"/>
+  </cs:categoryAxis>
+  <cs:chartArea mods="allowNoFillOverride allowNoLineOverride">
+    <cs:lnRef idx="0"/>
+    <cs:fillRef idx="0"/>
+    <cs:effectRef idx="0"/>
+    <cs:fontRef idx="minor">
+      <a:schemeClr val="dk1"/>
+    </cs:fontRef>
+    <cs:spPr>
+      <a:solidFill>
+        <a:schemeClr val="lt1"/>
+      </a:solidFill>
+      <a:ln w="9525" cap="flat" cmpd="sng" algn="ctr">
+        <a:solidFill>
+          <a:schemeClr val="tx1">
+            <a:lumMod val="15000"/>
+            <a:lumOff val="85000"/>
+          </a:schemeClr>
+        </a:solidFill>
+        <a:round/>
+      </a:ln>
+    </cs:spPr>
+    <cs:defRPr sz="900" kern="1200"/>
+  </cs:chartArea>
+  <cs:dataLabel>
+    <cs:lnRef idx="0"/>
+    <cs:fillRef idx="0"/>
+    <cs:effectRef idx="0"/>
+    <cs:fontRef idx="minor">
+      <a:schemeClr val="tx1">
+        <a:lumMod val="50000"/>
+        <a:lumOff val="50000"/>
+      </a:schemeClr>
+    </cs:fontRef>
+    <cs:defRPr sz="800" b="0" i="0" u="none" strike="noStrike" kern="1200" baseline="0"/>
+    <cs:bodyPr rot="-5400000" spcFirstLastPara="1" vertOverflow="clip" horzOverflow="clip" vert="horz" wrap="square" lIns="38100" tIns="19050" rIns="38100" bIns="19050" anchor="ctr" anchorCtr="1">
+      <a:spAutoFit/>
+    </cs:bodyPr>
+  </cs:dataLabel>
+  <cs:dataLabelCallout>
+    <cs:lnRef idx="0"/>
+    <cs:fillRef idx="0"/>
+    <cs:effectRef idx="0"/>
+    <cs:fontRef idx="minor">
+      <a:schemeClr val="dk1">
+        <a:lumMod val="65000"/>
+        <a:lumOff val="35000"/>
+      </a:schemeClr>
+    </cs:fontRef>
+    <cs:spPr>
+      <a:solidFill>
+        <a:schemeClr val="lt1"/>
+      </a:solidFill>
+      <a:ln>
+        <a:solidFill>
+          <a:schemeClr val="dk1">
+            <a:lumMod val="25000"/>
+            <a:lumOff val="75000"/>
+          </a:schemeClr>
+        </a:solidFill>
+      </a:ln>
+    </cs:spPr>
+    <cs:defRPr sz="900" kern="1200"/>
+    <cs:bodyPr rot="0" spcFirstLastPara="1" vertOverflow="clip" horzOverflow="clip" vert="horz" wrap="square" lIns="36576" tIns="18288" rIns="36576" bIns="18288" anchor="ctr" anchorCtr="1">
+      <a:spAutoFit/>
+    </cs:bodyPr>
+  </cs:dataLabelCallout>
+  <cs:dataPoint>
+    <cs:lnRef idx="0"/>
+    <cs:fillRef idx="0">
+      <cs:styleClr val="auto"/>
+    </cs:fillRef>
+    <cs:effectRef idx="0"/>
+    <cs:fontRef idx="minor">
+      <a:schemeClr val="dk1"/>
+    </cs:fontRef>
+    <cs:spPr>
+      <a:solidFill>
+        <a:schemeClr val="phClr"/>
+      </a:solidFill>
+    </cs:spPr>
+  </cs:dataPoint>
+  <cs:dataPoint3D>
+    <cs:lnRef idx="0"/>
+    <cs:fillRef idx="0">
+      <cs:styleClr val="auto"/>
+    </cs:fillRef>
+    <cs:effectRef idx="0"/>
+    <cs:fontRef idx="minor">
+      <a:schemeClr val="dk1"/>
+    </cs:fontRef>
+    <cs:spPr>
+      <a:solidFill>
+        <a:schemeClr val="phClr"/>
+      </a:solidFill>
+    </cs:spPr>
+  </cs:dataPoint3D>
+  <cs:dataPointLine>
+    <cs:lnRef idx="0">
+      <cs:styleClr val="auto"/>
+    </cs:lnRef>
+    <cs:fillRef idx="0"/>
+    <cs:effectRef idx="0"/>
+    <cs:fontRef idx="minor">
+      <a:schemeClr val="dk1"/>
+    </cs:fontRef>
+    <cs:spPr>
+      <a:ln w="22225" cap="rnd">
+        <a:solidFill>
+          <a:schemeClr val="phClr"/>
+        </a:solidFill>
+        <a:round/>
+      </a:ln>
+    </cs:spPr>
+  </cs:dataPointLine>
+  <cs:dataPointMarker>
+    <cs:lnRef idx="0">
+      <cs:styleClr val="auto"/>
+    </cs:lnRef>
+    <cs:fillRef idx="0">
+      <cs:styleClr val="auto"/>
+    </cs:fillRef>
+    <cs:effectRef idx="0"/>
+    <cs:fontRef idx="minor">
+      <a:schemeClr val="dk1"/>
+    </cs:fontRef>
+    <cs:spPr>
+      <a:solidFill>
+        <a:schemeClr val="phClr"/>
+      </a:solidFill>
+      <a:ln w="9525">
+        <a:solidFill>
+          <a:schemeClr val="phClr"/>
+        </a:solidFill>
+        <a:round/>
+      </a:ln>
+    </cs:spPr>
+  </cs:dataPointMarker>
+  <cs:dataPointMarkerLayout size="6"/>
+  <cs:dataPointWireframe>
+    <cs:lnRef idx="0">
+      <cs:styleClr val="auto"/>
+    </cs:lnRef>
+    <cs:fillRef idx="0"/>
+    <cs:effectRef idx="0"/>
+    <cs:fontRef idx="minor">
+      <a:schemeClr val="dk1"/>
+    </cs:fontRef>
+    <cs:spPr>
+      <a:ln w="9525" cap="rnd">
+        <a:solidFill>
+          <a:schemeClr val="phClr"/>
+        </a:solidFill>
+        <a:round/>
+      </a:ln>
+    </cs:spPr>
+  </cs:dataPointWireframe>
+  <cs:dataTable>
+    <cs:lnRef idx="0"/>
+    <cs:fillRef idx="0"/>
+    <cs:effectRef idx="0"/>
+    <cs:fontRef idx="minor">
+      <a:schemeClr val="tx1">
+        <a:lumMod val="65000"/>
+        <a:lumOff val="35000"/>
+      </a:schemeClr>
+    </cs:fontRef>
+    <cs:spPr>
+      <a:ln w="9525">
+        <a:solidFill>
+          <a:schemeClr val="tx1">
+            <a:lumMod val="15000"/>
+            <a:lumOff val="85000"/>
+          </a:schemeClr>
+        </a:solidFill>
+      </a:ln>
+    </cs:spPr>
+    <cs:defRPr sz="900" kern="1200"/>
+  </cs:dataTable>
+  <cs:downBar>
+    <cs:lnRef idx="0"/>
+    <cs:fillRef idx="0"/>
+    <cs:effectRef idx="0"/>
+    <cs:fontRef idx="minor">
+      <a:schemeClr val="dk1"/>
+    </cs:fontRef>
+    <cs:spPr>
+      <a:solidFill>
+        <a:schemeClr val="dk1">
+          <a:lumMod val="75000"/>
+          <a:lumOff val="25000"/>
+        </a:schemeClr>
+      </a:solidFill>
+      <a:ln w="9525">
+        <a:solidFill>
+          <a:schemeClr val="tx1">
+            <a:lumMod val="15000"/>
+            <a:lumOff val="85000"/>
+          </a:schemeClr>
+        </a:solidFill>
+      </a:ln>
+    </cs:spPr>
+  </cs:downBar>
+  <cs:dropLine>
+    <cs:lnRef idx="0"/>
+    <cs:fillRef idx="0"/>
+    <cs:effectRef idx="0"/>
+    <cs:fontRef idx="minor">
+      <a:schemeClr val="dk1"/>
+    </cs:fontRef>
+    <cs:spPr>
+      <a:ln w="9525">
+        <a:solidFill>
+          <a:schemeClr val="tx1">
+            <a:lumMod val="35000"/>
+            <a:lumOff val="65000"/>
+          </a:schemeClr>
+        </a:solidFill>
+      </a:ln>
+    </cs:spPr>
+  </cs:dropLine>
+  <cs:errorBar>
+    <cs:lnRef idx="0"/>
+    <cs:fillRef idx="0"/>
+    <cs:effectRef idx="0"/>
+    <cs:fontRef idx="minor">
+      <a:schemeClr val="dk1"/>
+    </cs:fontRef>
+    <cs:spPr>
+      <a:ln w="9525">
+        <a:solidFill>
+          <a:schemeClr val="tx1">
+            <a:lumMod val="65000"/>
+            <a:lumOff val="35000"/>
+          </a:schemeClr>
+        </a:solidFill>
+        <a:round/>
+      </a:ln>
+    </cs:spPr>
+  </cs:errorBar>
+  <cs:floor>
+    <cs:lnRef idx="0"/>
+    <cs:fillRef idx="0"/>
+    <cs:effectRef idx="0"/>
+    <cs:fontRef idx="minor">
+      <a:schemeClr val="dk1"/>
+    </cs:fontRef>
+  </cs:floor>
+  <cs:gridlineMajor>
+    <cs:lnRef idx="0"/>
+    <cs:fillRef idx="0"/>
+    <cs:effectRef idx="0"/>
+    <cs:fontRef idx="minor">
+      <a:schemeClr val="dk1"/>
+    </cs:fontRef>
+    <cs:spPr>
+      <a:ln w="9525" cap="flat" cmpd="sng" algn="ctr">
+        <a:solidFill>
+          <a:schemeClr val="tx1">
+            <a:lumMod val="15000"/>
+            <a:lumOff val="85000"/>
+          </a:schemeClr>
+        </a:solidFill>
+        <a:round/>
+      </a:ln>
+    </cs:spPr>
+  </cs:gridlineMajor>
+  <cs:gridlineMinor>
+    <cs:lnRef idx="0"/>
+    <cs:fillRef idx="0"/>
+    <cs:effectRef idx="0"/>
+    <cs:fontRef idx="minor">
+      <a:schemeClr val="dk1"/>
+    </cs:fontRef>
+    <cs:spPr>
+      <a:ln>
+        <a:solidFill>
+          <a:schemeClr val="tx1">
+            <a:lumMod val="5000"/>
+            <a:lumOff val="95000"/>
+          </a:schemeClr>
+        </a:solidFill>
+      </a:ln>
+    </cs:spPr>
+  </cs:gridlineMinor>
+  <cs:hiLoLine>
+    <cs:lnRef idx="0"/>
+    <cs:fillRef idx="0"/>
+    <cs:effectRef idx="0"/>
+    <cs:fontRef idx="minor">
+      <a:schemeClr val="dk1"/>
+    </cs:fontRef>
+    <cs:spPr>
+      <a:ln w="9525">
+        <a:solidFill>
+          <a:schemeClr val="tx1">
+            <a:lumMod val="50000"/>
+            <a:lumOff val="50000"/>
+          </a:schemeClr>
+        </a:solidFill>
+      </a:ln>
+    </cs:spPr>
+  </cs:hiLoLine>
+  <cs:leaderLine>
+    <cs:lnRef idx="0"/>
+    <cs:fillRef idx="0"/>
+    <cs:effectRef idx="0"/>
+    <cs:fontRef idx="minor">
+      <a:schemeClr val="dk1"/>
+    </cs:fontRef>
+    <cs:spPr>
+      <a:ln w="9525">
+        <a:solidFill>
+          <a:schemeClr val="tx1">
+            <a:lumMod val="35000"/>
+            <a:lumOff val="65000"/>
+          </a:schemeClr>
+        </a:solidFill>
+      </a:ln>
+    </cs:spPr>
+  </cs:leaderLine>
+  <cs:legend>
+    <cs:lnRef idx="0"/>
+    <cs:fillRef idx="0"/>
+    <cs:effectRef idx="0"/>
+    <cs:fontRef idx="minor">
+      <a:schemeClr val="tx1">
+        <a:lumMod val="65000"/>
+        <a:lumOff val="35000"/>
+      </a:schemeClr>
+    </cs:fontRef>
+    <cs:defRPr sz="900" kern="1200"/>
+  </cs:legend>
+  <cs:plotArea mods="allowNoFillOverride allowNoLineOverride">
+    <cs:lnRef idx="0"/>
+    <cs:fillRef idx="0"/>
+    <cs:effectRef idx="0"/>
+    <cs:fontRef idx="minor">
+      <a:schemeClr val="dk1"/>
+    </cs:fontRef>
+  </cs:plotArea>
+  <cs:plotArea3D mods="allowNoFillOverride allowNoLineOverride">
+    <cs:lnRef idx="0"/>
+    <cs:fillRef idx="0"/>
+    <cs:effectRef idx="0"/>
+    <cs:fontRef idx="minor">
+      <a:schemeClr val="dk1"/>
+    </cs:fontRef>
+  </cs:plotArea3D>
+  <cs:seriesAxis>
+    <cs:lnRef idx="0"/>
+    <cs:fillRef idx="0"/>
+    <cs:effectRef idx="0"/>
+    <cs:fontRef idx="minor">
+      <a:schemeClr val="tx1">
+        <a:lumMod val="65000"/>
+        <a:lumOff val="35000"/>
+      </a:schemeClr>
+    </cs:fontRef>
+    <cs:spPr>
+      <a:ln w="9525" cap="flat" cmpd="sng" algn="ctr">
+        <a:solidFill>
+          <a:schemeClr val="tx1">
+            <a:lumMod val="15000"/>
+            <a:lumOff val="85000"/>
+          </a:schemeClr>
+        </a:solidFill>
+        <a:round/>
+      </a:ln>
+    </cs:spPr>
+    <cs:defRPr sz="900" kern="1200"/>
+  </cs:seriesAxis>
+  <cs:seriesLine>
+    <cs:lnRef idx="0"/>
+    <cs:fillRef idx="0"/>
+    <cs:effectRef idx="0"/>
+    <cs:fontRef idx="minor">
+      <a:schemeClr val="dk1"/>
+    </cs:fontRef>
+    <cs:spPr>
+      <a:ln w="9525">
+        <a:solidFill>
+          <a:schemeClr val="tx1">
+            <a:lumMod val="35000"/>
+            <a:lumOff val="65000"/>
+          </a:schemeClr>
+        </a:solidFill>
+        <a:round/>
+      </a:ln>
+    </cs:spPr>
+  </cs:seriesLine>
+  <cs:title>
+    <cs:lnRef idx="0"/>
+    <cs:fillRef idx="0"/>
+    <cs:effectRef idx="0"/>
+    <cs:fontRef idx="minor">
+      <a:schemeClr val="tx1">
+        <a:lumMod val="65000"/>
+        <a:lumOff val="35000"/>
+      </a:schemeClr>
+    </cs:fontRef>
+    <cs:defRPr sz="1600" b="1" kern="1200" cap="all" spc="120" normalizeH="0" baseline="0"/>
+  </cs:title>
+  <cs:trendline>
+    <cs:lnRef idx="0">
+      <cs:styleClr val="auto"/>
+    </cs:lnRef>
+    <cs:fillRef idx="0"/>
+    <cs:effectRef idx="0"/>
+    <cs:fontRef idx="minor">
+      <a:schemeClr val="dk1"/>
+    </cs:fontRef>
+    <cs:spPr>
+      <a:ln w="19050" cap="rnd">
+        <a:solidFill>
+          <a:schemeClr val="phClr"/>
+        </a:solidFill>
+        <a:prstDash val="sysDash"/>
+      </a:ln>
+    </cs:spPr>
+  </cs:trendline>
+  <cs:trendlineLabel>
+    <cs:lnRef idx="0"/>
+    <cs:fillRef idx="0"/>
+    <cs:effectRef idx="0"/>
+    <cs:fontRef idx="minor">
+      <a:schemeClr val="tx1">
+        <a:lumMod val="65000"/>
+        <a:lumOff val="35000"/>
+      </a:schemeClr>
+    </cs:fontRef>
+    <cs:defRPr sz="800" kern="1200"/>
+  </cs:trendlineLabel>
+  <cs:upBar>
+    <cs:lnRef idx="0"/>
+    <cs:fillRef idx="0"/>
+    <cs:effectRef idx="0"/>
+    <cs:fontRef idx="minor">
+      <a:schemeClr val="dk1"/>
+    </cs:fontRef>
+    <cs:spPr>
+      <a:solidFill>
+        <a:schemeClr val="lt1"/>
+      </a:solidFill>
+      <a:ln w="9525">
+        <a:solidFill>
+          <a:schemeClr val="tx1">
+            <a:lumMod val="65000"/>
+            <a:lumOff val="35000"/>
+          </a:schemeClr>
+        </a:solidFill>
+      </a:ln>
+    </cs:spPr>
+  </cs:upBar>
+  <cs:valueAxis>
+    <cs:lnRef idx="0"/>
+    <cs:fillRef idx="0"/>
+    <cs:effectRef idx="0"/>
+    <cs:fontRef idx="minor">
+      <a:schemeClr val="tx1">
+        <a:lumMod val="65000"/>
+        <a:lumOff val="35000"/>
+      </a:schemeClr>
+    </cs:fontRef>
+    <cs:spPr>
+      <a:ln w="9525" cap="flat" cmpd="sng" algn="ctr">
+        <a:solidFill>
+          <a:schemeClr val="dk1">
+            <a:lumMod val="15000"/>
+            <a:lumOff val="85000"/>
+          </a:schemeClr>
+        </a:solidFill>
+        <a:round/>
+      </a:ln>
+    </cs:spPr>
+    <cs:defRPr sz="900" kern="1200"/>
+  </cs:valueAxis>
+  <cs:wall>
+    <cs:lnRef idx="0"/>
+    <cs:fillRef idx="0"/>
+    <cs:effectRef idx="0"/>
+    <cs:fontRef idx="minor">
+      <a:schemeClr val="dk1"/>
+    </cs:fontRef>
+  </cs:wall>
+</cs:chartStyle>
+</file>
+
+<file path=ppt/charts/style3.xml><?xml version="1.0" encoding="utf-8"?>
+<cs:chartStyle xmlns:cs="http://schemas.microsoft.com/office/drawing/2012/chartStyle" xmlns:a="http://schemas.openxmlformats.org/drawingml/2006/main" id="208">
+  <cs:axisTitle>
+    <cs:lnRef idx="0"/>
+    <cs:fillRef idx="0"/>
+    <cs:effectRef idx="0"/>
+    <cs:fontRef idx="minor">
+      <a:schemeClr val="dk1">
+        <a:lumMod val="65000"/>
+        <a:lumOff val="35000"/>
+      </a:schemeClr>
+    </cs:fontRef>
+    <cs:defRPr sz="900" b="1" kern="1200"/>
+  </cs:axisTitle>
+  <cs:categoryAxis>
+    <cs:lnRef idx="0"/>
+    <cs:fillRef idx="0"/>
+    <cs:effectRef idx="0"/>
+    <cs:fontRef idx="minor">
+      <a:schemeClr val="dk1">
+        <a:lumMod val="65000"/>
+        <a:lumOff val="35000"/>
+      </a:schemeClr>
+    </cs:fontRef>
+    <cs:spPr>
+      <a:ln w="9525" cap="flat" cmpd="sng" algn="ctr">
+        <a:solidFill>
+          <a:schemeClr val="dk1">
+            <a:lumMod val="15000"/>
+            <a:lumOff val="85000"/>
+          </a:schemeClr>
+        </a:solidFill>
+        <a:round/>
+      </a:ln>
+    </cs:spPr>
+    <cs:defRPr sz="900" kern="1200" cap="none" spc="0" normalizeH="0" baseline="0"/>
+  </cs:categoryAxis>
+  <cs:chartArea>
+    <cs:lnRef idx="0"/>
+    <cs:fillRef idx="0"/>
+    <cs:effectRef idx="0"/>
+    <cs:fontRef idx="minor">
+      <a:schemeClr val="dk1"/>
+    </cs:fontRef>
+    <cs:spPr>
+      <a:solidFill>
+        <a:schemeClr val="lt1"/>
+      </a:solidFill>
+      <a:ln w="9525" cap="flat" cmpd="sng" algn="ctr">
+        <a:solidFill>
+          <a:schemeClr val="dk1">
+            <a:lumMod val="15000"/>
+            <a:lumOff val="85000"/>
+          </a:schemeClr>
+        </a:solidFill>
+        <a:round/>
+      </a:ln>
+    </cs:spPr>
+    <cs:defRPr sz="900" kern="1200"/>
+  </cs:chartArea>
+  <cs:dataLabel>
+    <cs:lnRef idx="0"/>
+    <cs:fillRef idx="0"/>
+    <cs:effectRef idx="0"/>
+    <cs:fontRef idx="minor">
+      <a:schemeClr val="dk1">
+        <a:lumMod val="75000"/>
+        <a:lumOff val="25000"/>
+      </a:schemeClr>
+    </cs:fontRef>
+    <cs:defRPr sz="900" kern="1200"/>
+  </cs:dataLabel>
+  <cs:dataLabelCallout>
+    <cs:lnRef idx="0"/>
+    <cs:fillRef idx="0"/>
+    <cs:effectRef idx="0"/>
+    <cs:fontRef idx="minor">
+      <a:schemeClr val="dk1">
+        <a:lumMod val="65000"/>
+        <a:lumOff val="35000"/>
+      </a:schemeClr>
+    </cs:fontRef>
+    <cs:spPr>
+      <a:solidFill>
+        <a:schemeClr val="lt1"/>
+      </a:solidFill>
+      <a:ln>
+        <a:solidFill>
+          <a:schemeClr val="dk1">
+            <a:lumMod val="25000"/>
+            <a:lumOff val="75000"/>
+          </a:schemeClr>
+        </a:solidFill>
+      </a:ln>
+    </cs:spPr>
+    <cs:defRPr sz="900" kern="1200"/>
+    <cs:bodyPr rot="0" spcFirstLastPara="1" vertOverflow="clip" horzOverflow="clip" vert="horz" wrap="square" lIns="36576" tIns="18288" rIns="36576" bIns="18288" anchor="ctr" anchorCtr="1">
+      <a:spAutoFit/>
+    </cs:bodyPr>
+  </cs:dataLabelCallout>
+  <cs:dataPoint>
+    <cs:lnRef idx="0"/>
+    <cs:fillRef idx="0">
+      <cs:styleClr val="auto"/>
+    </cs:fillRef>
+    <cs:effectRef idx="0"/>
+    <cs:fontRef idx="minor">
+      <a:schemeClr val="dk1"/>
+    </cs:fontRef>
+    <cs:spPr>
+      <a:solidFill>
+        <a:schemeClr val="phClr"/>
+      </a:solidFill>
+    </cs:spPr>
+  </cs:dataPoint>
+  <cs:dataPoint3D>
+    <cs:lnRef idx="0"/>
+    <cs:fillRef idx="0">
+      <cs:styleClr val="auto"/>
+    </cs:fillRef>
+    <cs:effectRef idx="0"/>
+    <cs:fontRef idx="minor">
+      <a:schemeClr val="dk1"/>
+    </cs:fontRef>
+    <cs:spPr>
+      <a:solidFill>
+        <a:schemeClr val="phClr"/>
+      </a:solidFill>
+    </cs:spPr>
+  </cs:dataPoint3D>
+  <cs:dataPointLine>
+    <cs:lnRef idx="0">
+      <cs:styleClr val="auto"/>
+    </cs:lnRef>
+    <cs:fillRef idx="0"/>
+    <cs:effectRef idx="0"/>
+    <cs:fontRef idx="minor">
+      <a:schemeClr val="dk1"/>
+    </cs:fontRef>
+    <cs:spPr>
+      <a:ln w="22225" cap="rnd">
+        <a:solidFill>
+          <a:schemeClr val="phClr"/>
+        </a:solidFill>
+        <a:round/>
+      </a:ln>
+    </cs:spPr>
+  </cs:dataPointLine>
+  <cs:dataPointMarker>
+    <cs:lnRef idx="0">
+      <cs:styleClr val="auto"/>
+    </cs:lnRef>
+    <cs:fillRef idx="0">
+      <cs:styleClr val="auto"/>
+    </cs:fillRef>
+    <cs:effectRef idx="0"/>
+    <cs:fontRef idx="minor">
+      <a:schemeClr val="dk1"/>
+    </cs:fontRef>
+    <cs:spPr>
+      <a:solidFill>
+        <a:schemeClr val="lt1"/>
+      </a:solidFill>
+      <a:ln w="15875">
+        <a:solidFill>
+          <a:schemeClr val="phClr"/>
+        </a:solidFill>
+        <a:round/>
+      </a:ln>
+    </cs:spPr>
+  </cs:dataPointMarker>
+  <cs:dataPointMarkerLayout symbol="circle" size="6"/>
+  <cs:dataPointWireframe>
+    <cs:lnRef idx="0">
+      <cs:styleClr val="auto"/>
+    </cs:lnRef>
+    <cs:fillRef idx="0"/>
+    <cs:effectRef idx="0"/>
+    <cs:fontRef idx="minor">
+      <a:schemeClr val="dk1"/>
+    </cs:fontRef>
+    <cs:spPr>
+      <a:ln w="9525" cap="rnd">
+        <a:solidFill>
+          <a:schemeClr val="phClr"/>
+        </a:solidFill>
+        <a:round/>
+      </a:ln>
+    </cs:spPr>
+  </cs:dataPointWireframe>
+  <cs:dataTable>
+    <cs:lnRef idx="0"/>
+    <cs:fillRef idx="0"/>
+    <cs:effectRef idx="0"/>
+    <cs:fontRef idx="minor">
+      <a:schemeClr val="dk1">
+        <a:lumMod val="65000"/>
+        <a:lumOff val="35000"/>
+      </a:schemeClr>
+    </cs:fontRef>
+    <cs:spPr>
+      <a:ln w="9525" cap="flat" cmpd="sng" algn="ctr">
+        <a:solidFill>
+          <a:schemeClr val="dk1">
+            <a:lumMod val="15000"/>
+            <a:lumOff val="85000"/>
+          </a:schemeClr>
+        </a:solidFill>
+        <a:round/>
+      </a:ln>
+    </cs:spPr>
+    <cs:defRPr sz="800" kern="1200"/>
+  </cs:dataTable>
+  <cs:downBar>
+    <cs:lnRef idx="0"/>
+    <cs:fillRef idx="0"/>
+    <cs:effectRef idx="0"/>
+    <cs:fontRef idx="minor">
+      <a:schemeClr val="dk1"/>
+    </cs:fontRef>
+    <cs:spPr>
+      <a:solidFill>
+        <a:schemeClr val="dk1">
+          <a:lumMod val="75000"/>
+          <a:lumOff val="25000"/>
+        </a:schemeClr>
+      </a:solidFill>
+      <a:ln w="9525" cap="flat" cmpd="sng" algn="ctr">
+        <a:solidFill>
+          <a:schemeClr val="dk1">
+            <a:lumMod val="50000"/>
+            <a:lumOff val="50000"/>
+          </a:schemeClr>
+        </a:solidFill>
+        <a:round/>
+      </a:ln>
+    </cs:spPr>
+  </cs:downBar>
+  <cs:dropLine>
+    <cs:lnRef idx="0"/>
+    <cs:fillRef idx="0"/>
+    <cs:effectRef idx="0"/>
+    <cs:fontRef idx="minor">
+      <a:schemeClr val="dk1"/>
+    </cs:fontRef>
+    <cs:spPr>
+      <a:ln w="9525" cap="flat" cmpd="sng" algn="ctr">
+        <a:solidFill>
+          <a:schemeClr val="dk1">
+            <a:lumMod val="35000"/>
+            <a:lumOff val="65000"/>
+          </a:schemeClr>
+        </a:solidFill>
+        <a:round/>
+      </a:ln>
+    </cs:spPr>
+  </cs:dropLine>
+  <cs:errorBar>
+    <cs:lnRef idx="0"/>
+    <cs:fillRef idx="0"/>
+    <cs:effectRef idx="0"/>
+    <cs:fontRef idx="minor">
+      <a:schemeClr val="dk1"/>
+    </cs:fontRef>
+    <cs:spPr>
+      <a:ln w="9525" cap="flat" cmpd="sng" algn="ctr">
+        <a:solidFill>
+          <a:schemeClr val="dk1">
+            <a:lumMod val="50000"/>
+            <a:lumOff val="50000"/>
+          </a:schemeClr>
+        </a:solidFill>
+        <a:round/>
+      </a:ln>
+    </cs:spPr>
+  </cs:errorBar>
+  <cs:floor>
+    <cs:lnRef idx="0"/>
+    <cs:fillRef idx="0"/>
+    <cs:effectRef idx="0"/>
+    <cs:fontRef idx="minor">
+      <a:schemeClr val="dk1"/>
+    </cs:fontRef>
+    <cs:spPr>
+      <a:pattFill prst="ltDnDiag">
+        <a:fgClr>
+          <a:schemeClr val="dk1">
+            <a:lumMod val="15000"/>
+            <a:lumOff val="85000"/>
+          </a:schemeClr>
+        </a:fgClr>
+        <a:bgClr>
+          <a:schemeClr val="lt1"/>
+        </a:bgClr>
+      </a:pattFill>
+    </cs:spPr>
+  </cs:floor>
+  <cs:gridlineMajor>
+    <cs:lnRef idx="0"/>
+    <cs:fillRef idx="0"/>
+    <cs:effectRef idx="0"/>
+    <cs:fontRef idx="minor">
+      <a:schemeClr val="dk1"/>
+    </cs:fontRef>
+    <cs:spPr>
+      <a:ln w="9525" cap="flat" cmpd="sng" algn="ctr">
+        <a:solidFill>
+          <a:schemeClr val="dk1">
+            <a:lumMod val="15000"/>
+            <a:lumOff val="85000"/>
+          </a:schemeClr>
+        </a:solidFill>
+        <a:round/>
+      </a:ln>
+    </cs:spPr>
+  </cs:gridlineMajor>
+  <cs:gridlineMinor>
+    <cs:lnRef idx="0"/>
+    <cs:fillRef idx="0"/>
+    <cs:effectRef idx="0"/>
+    <cs:fontRef idx="minor">
+      <a:schemeClr val="dk1"/>
+    </cs:fontRef>
+    <cs:spPr>
+      <a:ln w="9525" cap="flat" cmpd="sng" algn="ctr">
+        <a:solidFill>
+          <a:schemeClr val="dk1">
+            <a:lumMod val="5000"/>
+            <a:lumOff val="95000"/>
+          </a:schemeClr>
+        </a:solidFill>
+        <a:round/>
+      </a:ln>
+    </cs:spPr>
+  </cs:gridlineMinor>
+  <cs:hiLoLine>
+    <cs:lnRef idx="0"/>
+    <cs:fillRef idx="0"/>
+    <cs:effectRef idx="0"/>
+    <cs:fontRef idx="minor">
+      <a:schemeClr val="dk1"/>
+    </cs:fontRef>
+    <cs:spPr>
+      <a:ln w="9525" cap="flat" cmpd="sng" algn="ctr">
+        <a:solidFill>
+          <a:schemeClr val="dk1">
+            <a:lumMod val="35000"/>
+            <a:lumOff val="65000"/>
+          </a:schemeClr>
+        </a:solidFill>
+        <a:round/>
+      </a:ln>
+    </cs:spPr>
+  </cs:hiLoLine>
+  <cs:leaderLine>
+    <cs:lnRef idx="0"/>
+    <cs:fillRef idx="0"/>
+    <cs:effectRef idx="0"/>
+    <cs:fontRef idx="minor">
+      <a:schemeClr val="dk1"/>
+    </cs:fontRef>
+    <cs:spPr>
+      <a:ln w="9525" cap="flat" cmpd="sng" algn="ctr">
+        <a:solidFill>
+          <a:schemeClr val="dk1">
+            <a:lumMod val="35000"/>
+            <a:lumOff val="65000"/>
+          </a:schemeClr>
+        </a:solidFill>
+        <a:round/>
+      </a:ln>
+    </cs:spPr>
+  </cs:leaderLine>
+  <cs:legend>
+    <cs:lnRef idx="0"/>
+    <cs:fillRef idx="0"/>
+    <cs:effectRef idx="0"/>
+    <cs:fontRef idx="minor">
+      <a:schemeClr val="dk1">
+        <a:lumMod val="65000"/>
+        <a:lumOff val="35000"/>
+      </a:schemeClr>
+    </cs:fontRef>
+    <cs:defRPr sz="900" kern="1200"/>
+  </cs:legend>
+  <cs:plotArea>
+    <cs:lnRef idx="0"/>
+    <cs:fillRef idx="0"/>
+    <cs:effectRef idx="0"/>
+    <cs:fontRef idx="minor">
+      <a:schemeClr val="dk1"/>
+    </cs:fontRef>
+    <cs:spPr>
+      <a:pattFill prst="ltDnDiag">
+        <a:fgClr>
+          <a:schemeClr val="dk1">
+            <a:lumMod val="15000"/>
+            <a:lumOff val="85000"/>
+          </a:schemeClr>
+        </a:fgClr>
+        <a:bgClr>
+          <a:schemeClr val="lt1"/>
+        </a:bgClr>
+      </a:pattFill>
+    </cs:spPr>
+  </cs:plotArea>
+  <cs:plotArea3D>
+    <cs:lnRef idx="0"/>
+    <cs:fillRef idx="0"/>
+    <cs:effectRef idx="0"/>
+    <cs:fontRef idx="minor">
+      <a:schemeClr val="dk1"/>
+    </cs:fontRef>
+    <cs:spPr>
+      <a:solidFill>
+        <a:schemeClr val="lt1"/>
+      </a:solidFill>
+    </cs:spPr>
+  </cs:plotArea3D>
+  <cs:seriesAxis>
+    <cs:lnRef idx="0"/>
+    <cs:fillRef idx="0"/>
+    <cs:effectRef idx="0"/>
+    <cs:fontRef idx="minor">
+      <a:schemeClr val="dk1">
+        <a:lumMod val="65000"/>
+        <a:lumOff val="35000"/>
+      </a:schemeClr>
+    </cs:fontRef>
+    <cs:defRPr sz="900" kern="1200"/>
+  </cs:seriesAxis>
+  <cs:seriesLine>
+    <cs:lnRef idx="0"/>
+    <cs:fillRef idx="0"/>
+    <cs:effectRef idx="0"/>
+    <cs:fontRef idx="minor">
+      <a:schemeClr val="dk1"/>
+    </cs:fontRef>
+    <cs:spPr>
+      <a:ln w="9525" cap="flat" cmpd="sng" algn="ctr">
+        <a:solidFill>
+          <a:schemeClr val="dk1">
+            <a:lumMod val="35000"/>
+            <a:lumOff val="65000"/>
+          </a:schemeClr>
+        </a:solidFill>
+        <a:round/>
+      </a:ln>
+    </cs:spPr>
+  </cs:seriesLine>
+  <cs:title>
+    <cs:lnRef idx="0"/>
+    <cs:fillRef idx="0"/>
+    <cs:effectRef idx="0"/>
+    <cs:fontRef idx="major">
+      <a:schemeClr val="dk1">
+        <a:lumMod val="50000"/>
+        <a:lumOff val="50000"/>
+      </a:schemeClr>
+    </cs:fontRef>
+    <cs:defRPr sz="1600" b="1" kern="1200" cap="none" spc="0" normalizeH="0" baseline="0"/>
+  </cs:title>
+  <cs:trendline>
+    <cs:lnRef idx="0">
+      <cs:styleClr val="auto"/>
+    </cs:lnRef>
+    <cs:fillRef idx="0"/>
+    <cs:effectRef idx="0"/>
+    <cs:fontRef idx="minor">
+      <a:schemeClr val="dk1"/>
+    </cs:fontRef>
+    <cs:spPr>
+      <a:ln w="19050" cap="rnd">
+        <a:solidFill>
+          <a:schemeClr val="phClr"/>
+        </a:solidFill>
+      </a:ln>
+    </cs:spPr>
+  </cs:trendline>
+  <cs:trendlineLabel>
+    <cs:lnRef idx="0"/>
+    <cs:fillRef idx="0"/>
+    <cs:effectRef idx="0"/>
+    <cs:fontRef idx="minor">
+      <a:schemeClr val="dk1">
+        <a:lumMod val="65000"/>
+        <a:lumOff val="35000"/>
+      </a:schemeClr>
+    </cs:fontRef>
+    <cs:defRPr sz="900" kern="1200"/>
+  </cs:trendlineLabel>
+  <cs:upBar>
+    <cs:lnRef idx="0"/>
+    <cs:fillRef idx="0"/>
+    <cs:effectRef idx="0"/>
+    <cs:fontRef idx="minor">
+      <a:schemeClr val="dk1"/>
+    </cs:fontRef>
+    <cs:spPr>
+      <a:solidFill>
+        <a:schemeClr val="lt1"/>
+      </a:solidFill>
+      <a:ln w="9525" cap="flat" cmpd="sng" algn="ctr">
+        <a:solidFill>
+          <a:schemeClr val="dk1">
+            <a:lumMod val="50000"/>
+            <a:lumOff val="50000"/>
+          </a:schemeClr>
+        </a:solidFill>
+        <a:round/>
+      </a:ln>
+    </cs:spPr>
+  </cs:upBar>
+  <cs:valueAxis>
+    <cs:lnRef idx="0"/>
+    <cs:fillRef idx="0"/>
+    <cs:effectRef idx="0"/>
+    <cs:fontRef idx="minor">
+      <a:schemeClr val="dk1">
+        <a:lumMod val="65000"/>
+        <a:lumOff val="35000"/>
+      </a:schemeClr>
+    </cs:fontRef>
+    <cs:defRPr sz="900" kern="1200"/>
+  </cs:valueAxis>
+  <cs:wall>
+    <cs:lnRef idx="0"/>
+    <cs:fillRef idx="0"/>
+    <cs:effectRef idx="0"/>
+    <cs:fontRef idx="minor">
+      <a:schemeClr val="dk1"/>
+    </cs:fontRef>
+    <cs:spPr>
+      <a:pattFill prst="ltDnDiag">
+        <a:fgClr>
+          <a:schemeClr val="dk1">
+            <a:lumMod val="15000"/>
+            <a:lumOff val="85000"/>
+          </a:schemeClr>
+        </a:fgClr>
+        <a:bgClr>
+          <a:schemeClr val="lt1"/>
+        </a:bgClr>
+      </a:pattFill>
+    </cs:spPr>
+  </cs:wall>
+</cs:chartStyle>
 </file>
 
 <file path=ppt/slideLayouts/slideLayout1.xml><?xml version="1.0" encoding="utf-8"?>
@@ -2988,6 +6424,10 @@
           <a:bodyPr/>
           <a:lstStyle/>
           <a:p>
+            <a:r>
+              <a:rPr lang="en-US" smtClean="0"/>
+              <a:t>Final Masks</a:t>
+            </a:r>
             <a:endParaRPr lang="en-US"/>
           </a:p>
         </p:txBody>
@@ -3007,6 +6447,10 @@
           <a:bodyPr/>
           <a:lstStyle/>
           <a:p>
+            <a:r>
+              <a:rPr lang="en-US" smtClean="0"/>
+              <a:t>Presantation options</a:t>
+            </a:r>
             <a:endParaRPr lang="en-US"/>
           </a:p>
         </p:txBody>
@@ -3032,6 +6476,282 @@
 </file>
 
 <file path=ppt/slides/slide10.xml><?xml version="1.0" encoding="utf-8"?>
+<p:sld xmlns:a="http://schemas.openxmlformats.org/drawingml/2006/main" xmlns:r="http://schemas.openxmlformats.org/officeDocument/2006/relationships" xmlns:p="http://schemas.openxmlformats.org/presentationml/2006/main">
+  <p:cSld>
+    <p:spTree>
+      <p:nvGrpSpPr>
+        <p:cNvPr id="1" name=""/>
+        <p:cNvGrpSpPr/>
+        <p:nvPr/>
+      </p:nvGrpSpPr>
+      <p:grpSpPr>
+        <a:xfrm>
+          <a:off x="0" y="0"/>
+          <a:ext cx="0" cy="0"/>
+          <a:chOff x="0" y="0"/>
+          <a:chExt cx="0" cy="0"/>
+        </a:xfrm>
+      </p:grpSpPr>
+      <p:graphicFrame>
+        <p:nvGraphicFramePr>
+          <p:cNvPr id="4" name="Content Placeholder 3"/>
+          <p:cNvGraphicFramePr>
+            <a:graphicFrameLocks noGrp="1"/>
+          </p:cNvGraphicFramePr>
+          <p:nvPr>
+            <p:ph idx="1"/>
+            <p:extLst>
+              <p:ext uri="{D42A27DB-BD31-4B8C-83A1-F6EECF244321}">
+                <p14:modId xmlns:p14="http://schemas.microsoft.com/office/powerpoint/2010/main" val="3285679457"/>
+              </p:ext>
+            </p:extLst>
+          </p:nvPr>
+        </p:nvGraphicFramePr>
+        <p:xfrm>
+          <a:off x="838200" y="592428"/>
+          <a:ext cx="10515600" cy="5584535"/>
+        </p:xfrm>
+        <a:graphic>
+          <a:graphicData uri="http://schemas.openxmlformats.org/drawingml/2006/chart">
+            <c:chart xmlns:c="http://schemas.openxmlformats.org/drawingml/2006/chart" xmlns:r="http://schemas.openxmlformats.org/officeDocument/2006/relationships" r:id="rId2"/>
+          </a:graphicData>
+        </a:graphic>
+      </p:graphicFrame>
+    </p:spTree>
+    <p:extLst>
+      <p:ext uri="{BB962C8B-B14F-4D97-AF65-F5344CB8AC3E}">
+        <p14:creationId xmlns:p14="http://schemas.microsoft.com/office/powerpoint/2010/main" val="3491291647"/>
+      </p:ext>
+    </p:extLst>
+  </p:cSld>
+  <p:clrMapOvr>
+    <a:masterClrMapping/>
+  </p:clrMapOvr>
+  <p:timing>
+    <p:tnLst>
+      <p:par>
+        <p:cTn id="1" dur="indefinite" restart="never" nodeType="tmRoot"/>
+      </p:par>
+    </p:tnLst>
+  </p:timing>
+</p:sld>
+</file>
+
+<file path=ppt/slides/slide11.xml><?xml version="1.0" encoding="utf-8"?>
+<p:sld xmlns:a="http://schemas.openxmlformats.org/drawingml/2006/main" xmlns:r="http://schemas.openxmlformats.org/officeDocument/2006/relationships" xmlns:p="http://schemas.openxmlformats.org/presentationml/2006/main">
+  <p:cSld>
+    <p:spTree>
+      <p:nvGrpSpPr>
+        <p:cNvPr id="1" name=""/>
+        <p:cNvGrpSpPr/>
+        <p:nvPr/>
+      </p:nvGrpSpPr>
+      <p:grpSpPr>
+        <a:xfrm>
+          <a:off x="0" y="0"/>
+          <a:ext cx="0" cy="0"/>
+          <a:chOff x="0" y="0"/>
+          <a:chExt cx="0" cy="0"/>
+        </a:xfrm>
+      </p:grpSpPr>
+      <p:sp>
+        <p:nvSpPr>
+          <p:cNvPr id="2" name="Title 1"/>
+          <p:cNvSpPr>
+            <a:spLocks noGrp="1"/>
+          </p:cNvSpPr>
+          <p:nvPr>
+            <p:ph type="title"/>
+          </p:nvPr>
+        </p:nvSpPr>
+        <p:spPr/>
+        <p:txBody>
+          <a:bodyPr/>
+          <a:lstStyle/>
+          <a:p>
+            <a:pPr algn="ctr"/>
+            <a:r>
+              <a:rPr lang="en-US" dirty="0" smtClean="0"/>
+              <a:t>% of Zeros</a:t>
+            </a:r>
+            <a:endParaRPr lang="en-US" dirty="0"/>
+          </a:p>
+        </p:txBody>
+      </p:sp>
+      <p:pic>
+        <p:nvPicPr>
+          <p:cNvPr id="4" name="Picture 3"/>
+          <p:cNvPicPr>
+            <a:picLocks noChangeAspect="1"/>
+          </p:cNvPicPr>
+          <p:nvPr/>
+        </p:nvPicPr>
+        <p:blipFill>
+          <a:blip r:embed="rId2"/>
+          <a:stretch>
+            <a:fillRect/>
+          </a:stretch>
+        </p:blipFill>
+        <p:spPr>
+          <a:xfrm>
+            <a:off x="659293" y="2314248"/>
+            <a:ext cx="5004940" cy="3531405"/>
+          </a:xfrm>
+          <a:prstGeom prst="rect">
+            <a:avLst/>
+          </a:prstGeom>
+        </p:spPr>
+      </p:pic>
+      <p:sp>
+        <p:nvSpPr>
+          <p:cNvPr id="5" name="TextBox 4"/>
+          <p:cNvSpPr txBox="1"/>
+          <p:nvPr/>
+        </p:nvSpPr>
+        <p:spPr>
+          <a:xfrm>
+            <a:off x="953037" y="1390918"/>
+            <a:ext cx="4417453" cy="923330"/>
+          </a:xfrm>
+          <a:prstGeom prst="rect">
+            <a:avLst/>
+          </a:prstGeom>
+          <a:noFill/>
+        </p:spPr>
+        <p:txBody>
+          <a:bodyPr wrap="square" rtlCol="0">
+            <a:spAutoFit/>
+          </a:bodyPr>
+          <a:lstStyle/>
+          <a:p>
+            <a:pPr algn="ctr"/>
+            <a:r>
+              <a:rPr lang="en-US" b="1" dirty="0" smtClean="0"/>
+              <a:t>Max Granularity</a:t>
+            </a:r>
+          </a:p>
+          <a:p>
+            <a:pPr algn="ctr"/>
+            <a:r>
+              <a:rPr lang="en-US" dirty="0" smtClean="0"/>
+              <a:t>operations saved: </a:t>
+            </a:r>
+            <a:r>
+              <a:rPr lang="en-US" b="1" dirty="0" smtClean="0"/>
+              <a:t>23.243%</a:t>
+            </a:r>
+          </a:p>
+          <a:p>
+            <a:pPr algn="ctr"/>
+            <a:r>
+              <a:rPr lang="en-US" dirty="0" smtClean="0"/>
+              <a:t>with accuracy of: </a:t>
+            </a:r>
+            <a:r>
+              <a:rPr lang="en-US" b="1" dirty="0" smtClean="0"/>
+              <a:t>90.1%</a:t>
+            </a:r>
+            <a:endParaRPr lang="en-US" b="1" dirty="0"/>
+          </a:p>
+        </p:txBody>
+      </p:sp>
+      <p:pic>
+        <p:nvPicPr>
+          <p:cNvPr id="6" name="Picture 5"/>
+          <p:cNvPicPr>
+            <a:picLocks noChangeAspect="1"/>
+          </p:cNvPicPr>
+          <p:nvPr/>
+        </p:nvPicPr>
+        <p:blipFill>
+          <a:blip r:embed="rId3"/>
+          <a:stretch>
+            <a:fillRect/>
+          </a:stretch>
+        </p:blipFill>
+        <p:spPr>
+          <a:xfrm>
+            <a:off x="6153418" y="2314247"/>
+            <a:ext cx="5004940" cy="3531405"/>
+          </a:xfrm>
+          <a:prstGeom prst="rect">
+            <a:avLst/>
+          </a:prstGeom>
+        </p:spPr>
+      </p:pic>
+      <p:sp>
+        <p:nvSpPr>
+          <p:cNvPr id="7" name="TextBox 6"/>
+          <p:cNvSpPr txBox="1"/>
+          <p:nvPr/>
+        </p:nvSpPr>
+        <p:spPr>
+          <a:xfrm>
+            <a:off x="6447161" y="1390918"/>
+            <a:ext cx="4417453" cy="923330"/>
+          </a:xfrm>
+          <a:prstGeom prst="rect">
+            <a:avLst/>
+          </a:prstGeom>
+          <a:noFill/>
+        </p:spPr>
+        <p:txBody>
+          <a:bodyPr wrap="square" rtlCol="0">
+            <a:spAutoFit/>
+          </a:bodyPr>
+          <a:lstStyle/>
+          <a:p>
+            <a:pPr algn="ctr"/>
+            <a:r>
+              <a:rPr lang="en-US" b="1" dirty="0" smtClean="0"/>
+              <a:t>Uniform Patch</a:t>
+            </a:r>
+          </a:p>
+          <a:p>
+            <a:pPr algn="ctr"/>
+            <a:r>
+              <a:rPr lang="en-US" dirty="0" smtClean="0"/>
+              <a:t>operations saved: </a:t>
+            </a:r>
+            <a:r>
+              <a:rPr lang="en-US" b="1" dirty="0" smtClean="0"/>
+              <a:t>25.322%</a:t>
+            </a:r>
+          </a:p>
+          <a:p>
+            <a:pPr algn="ctr"/>
+            <a:r>
+              <a:rPr lang="en-US" dirty="0" smtClean="0"/>
+              <a:t>with accuracy of: </a:t>
+            </a:r>
+            <a:r>
+              <a:rPr lang="en-US" b="1" dirty="0" smtClean="0"/>
+              <a:t>90.5%</a:t>
+            </a:r>
+          </a:p>
+        </p:txBody>
+      </p:sp>
+    </p:spTree>
+    <p:extLst>
+      <p:ext uri="{BB962C8B-B14F-4D97-AF65-F5344CB8AC3E}">
+        <p14:creationId xmlns:p14="http://schemas.microsoft.com/office/powerpoint/2010/main" val="4217641498"/>
+      </p:ext>
+    </p:extLst>
+  </p:cSld>
+  <p:clrMapOvr>
+    <a:masterClrMapping/>
+  </p:clrMapOvr>
+  <p:timing>
+    <p:tnLst>
+      <p:par>
+        <p:cTn id="1" dur="indefinite" restart="never" nodeType="tmRoot"/>
+      </p:par>
+    </p:tnLst>
+  </p:timing>
+</p:sld>
+</file>
+
+<file path=ppt/slides/slide12.xml><?xml version="1.0" encoding="utf-8"?>
 <p:sld xmlns:a="http://schemas.openxmlformats.org/drawingml/2006/main" xmlns:r="http://schemas.openxmlformats.org/officeDocument/2006/relationships" xmlns:p="http://schemas.openxmlformats.org/presentationml/2006/main">
   <p:cSld>
     <p:spTree>
@@ -3229,6 +6949,796 @@
     <p:extLst>
       <p:ext uri="{BB962C8B-B14F-4D97-AF65-F5344CB8AC3E}">
         <p14:creationId xmlns:p14="http://schemas.microsoft.com/office/powerpoint/2010/main" val="3814312812"/>
+      </p:ext>
+    </p:extLst>
+  </p:cSld>
+  <p:clrMapOvr>
+    <a:masterClrMapping/>
+  </p:clrMapOvr>
+  <p:timing>
+    <p:tnLst>
+      <p:par>
+        <p:cTn id="1" dur="indefinite" restart="never" nodeType="tmRoot"/>
+      </p:par>
+    </p:tnLst>
+  </p:timing>
+</p:sld>
+</file>
+
+<file path=ppt/slides/slide13.xml><?xml version="1.0" encoding="utf-8"?>
+<p:sld xmlns:a="http://schemas.openxmlformats.org/drawingml/2006/main" xmlns:r="http://schemas.openxmlformats.org/officeDocument/2006/relationships" xmlns:p="http://schemas.openxmlformats.org/presentationml/2006/main">
+  <p:cSld>
+    <p:spTree>
+      <p:nvGrpSpPr>
+        <p:cNvPr id="1" name=""/>
+        <p:cNvGrpSpPr/>
+        <p:nvPr/>
+      </p:nvGrpSpPr>
+      <p:grpSpPr>
+        <a:xfrm>
+          <a:off x="0" y="0"/>
+          <a:ext cx="0" cy="0"/>
+          <a:chOff x="0" y="0"/>
+          <a:chExt cx="0" cy="0"/>
+        </a:xfrm>
+      </p:grpSpPr>
+      <p:pic>
+        <p:nvPicPr>
+          <p:cNvPr id="5" name="Content Placeholder 4"/>
+          <p:cNvPicPr>
+            <a:picLocks noGrp="1" noChangeAspect="1"/>
+          </p:cNvPicPr>
+          <p:nvPr>
+            <p:ph idx="1"/>
+          </p:nvPr>
+        </p:nvPicPr>
+        <p:blipFill>
+          <a:blip r:embed="rId2"/>
+          <a:stretch>
+            <a:fillRect/>
+          </a:stretch>
+        </p:blipFill>
+        <p:spPr>
+          <a:xfrm>
+            <a:off x="693962" y="1519238"/>
+            <a:ext cx="10659838" cy="10719615"/>
+          </a:xfrm>
+          <a:prstGeom prst="rect">
+            <a:avLst/>
+          </a:prstGeom>
+        </p:spPr>
+      </p:pic>
+      <p:sp>
+        <p:nvSpPr>
+          <p:cNvPr id="4" name="Title 1"/>
+          <p:cNvSpPr>
+            <a:spLocks noGrp="1"/>
+          </p:cNvSpPr>
+          <p:nvPr>
+            <p:ph type="title"/>
+          </p:nvPr>
+        </p:nvSpPr>
+        <p:spPr>
+          <a:xfrm>
+            <a:off x="838200" y="193675"/>
+            <a:ext cx="10515600" cy="1325563"/>
+          </a:xfrm>
+        </p:spPr>
+        <p:txBody>
+          <a:bodyPr/>
+          <a:lstStyle/>
+          <a:p>
+            <a:pPr algn="ctr"/>
+            <a:r>
+              <a:rPr lang="en-US" smtClean="0"/>
+              <a:t>Uniform Patch </a:t>
+            </a:r>
+            <a:r>
+              <a:rPr lang="en-US" dirty="0" smtClean="0"/>
+              <a:t>Result – ResNet18, CIFAR10</a:t>
+            </a:r>
+            <a:r>
+              <a:rPr lang="en-US" smtClean="0"/>
+              <a:t>, PS2, Layer: 0 </a:t>
+            </a:r>
+            <a:endParaRPr lang="en-US" dirty="0"/>
+          </a:p>
+        </p:txBody>
+      </p:sp>
+    </p:spTree>
+    <p:extLst>
+      <p:ext uri="{BB962C8B-B14F-4D97-AF65-F5344CB8AC3E}">
+        <p14:creationId xmlns:p14="http://schemas.microsoft.com/office/powerpoint/2010/main" val="3039905217"/>
+      </p:ext>
+    </p:extLst>
+  </p:cSld>
+  <p:clrMapOvr>
+    <a:masterClrMapping/>
+  </p:clrMapOvr>
+  <p:timing>
+    <p:tnLst>
+      <p:par>
+        <p:cTn id="1" dur="indefinite" restart="never" nodeType="tmRoot"/>
+      </p:par>
+    </p:tnLst>
+  </p:timing>
+</p:sld>
+</file>
+
+<file path=ppt/slides/slide14.xml><?xml version="1.0" encoding="utf-8"?>
+<p:sld xmlns:a="http://schemas.openxmlformats.org/drawingml/2006/main" xmlns:r="http://schemas.openxmlformats.org/officeDocument/2006/relationships" xmlns:p="http://schemas.openxmlformats.org/presentationml/2006/main">
+  <p:cSld>
+    <p:spTree>
+      <p:nvGrpSpPr>
+        <p:cNvPr id="1" name=""/>
+        <p:cNvGrpSpPr/>
+        <p:nvPr/>
+      </p:nvGrpSpPr>
+      <p:grpSpPr>
+        <a:xfrm>
+          <a:off x="0" y="0"/>
+          <a:ext cx="0" cy="0"/>
+          <a:chOff x="0" y="0"/>
+          <a:chExt cx="0" cy="0"/>
+        </a:xfrm>
+      </p:grpSpPr>
+      <p:sp>
+        <p:nvSpPr>
+          <p:cNvPr id="4" name="Title 1"/>
+          <p:cNvSpPr>
+            <a:spLocks noGrp="1"/>
+          </p:cNvSpPr>
+          <p:nvPr>
+            <p:ph type="title"/>
+          </p:nvPr>
+        </p:nvSpPr>
+        <p:spPr>
+          <a:xfrm>
+            <a:off x="838200" y="193675"/>
+            <a:ext cx="10515600" cy="1325563"/>
+          </a:xfrm>
+        </p:spPr>
+        <p:txBody>
+          <a:bodyPr/>
+          <a:lstStyle/>
+          <a:p>
+            <a:pPr algn="ctr"/>
+            <a:r>
+              <a:rPr lang="en-US" smtClean="0"/>
+              <a:t>Uniform Patch </a:t>
+            </a:r>
+            <a:r>
+              <a:rPr lang="en-US" dirty="0" smtClean="0"/>
+              <a:t>Result – ResNet18, CIFAR10</a:t>
+            </a:r>
+            <a:r>
+              <a:rPr lang="en-US" smtClean="0"/>
+              <a:t>, PS2, Layer: 4 </a:t>
+            </a:r>
+            <a:endParaRPr lang="en-US" dirty="0"/>
+          </a:p>
+        </p:txBody>
+      </p:sp>
+      <p:pic>
+        <p:nvPicPr>
+          <p:cNvPr id="3" name="Content Placeholder 2"/>
+          <p:cNvPicPr>
+            <a:picLocks noGrp="1" noChangeAspect="1"/>
+          </p:cNvPicPr>
+          <p:nvPr>
+            <p:ph idx="1"/>
+          </p:nvPr>
+        </p:nvPicPr>
+        <p:blipFill>
+          <a:blip r:embed="rId2"/>
+          <a:stretch>
+            <a:fillRect/>
+          </a:stretch>
+        </p:blipFill>
+        <p:spPr>
+          <a:xfrm>
+            <a:off x="3326662" y="1519238"/>
+            <a:ext cx="5308990" cy="5338762"/>
+          </a:xfrm>
+          <a:prstGeom prst="rect">
+            <a:avLst/>
+          </a:prstGeom>
+        </p:spPr>
+      </p:pic>
+    </p:spTree>
+    <p:extLst>
+      <p:ext uri="{BB962C8B-B14F-4D97-AF65-F5344CB8AC3E}">
+        <p14:creationId xmlns:p14="http://schemas.microsoft.com/office/powerpoint/2010/main" val="2522872840"/>
+      </p:ext>
+    </p:extLst>
+  </p:cSld>
+  <p:clrMapOvr>
+    <a:masterClrMapping/>
+  </p:clrMapOvr>
+  <p:timing>
+    <p:tnLst>
+      <p:par>
+        <p:cTn id="1" dur="indefinite" restart="never" nodeType="tmRoot"/>
+      </p:par>
+    </p:tnLst>
+  </p:timing>
+</p:sld>
+</file>
+
+<file path=ppt/slides/slide15.xml><?xml version="1.0" encoding="utf-8"?>
+<p:sld xmlns:a="http://schemas.openxmlformats.org/drawingml/2006/main" xmlns:r="http://schemas.openxmlformats.org/officeDocument/2006/relationships" xmlns:p="http://schemas.openxmlformats.org/presentationml/2006/main">
+  <p:cSld>
+    <p:spTree>
+      <p:nvGrpSpPr>
+        <p:cNvPr id="1" name=""/>
+        <p:cNvGrpSpPr/>
+        <p:nvPr/>
+      </p:nvGrpSpPr>
+      <p:grpSpPr>
+        <a:xfrm>
+          <a:off x="0" y="0"/>
+          <a:ext cx="0" cy="0"/>
+          <a:chOff x="0" y="0"/>
+          <a:chExt cx="0" cy="0"/>
+        </a:xfrm>
+      </p:grpSpPr>
+      <p:sp>
+        <p:nvSpPr>
+          <p:cNvPr id="4" name="Title 1"/>
+          <p:cNvSpPr>
+            <a:spLocks noGrp="1"/>
+          </p:cNvSpPr>
+          <p:nvPr>
+            <p:ph type="title"/>
+          </p:nvPr>
+        </p:nvSpPr>
+        <p:spPr>
+          <a:xfrm>
+            <a:off x="838200" y="193675"/>
+            <a:ext cx="10515600" cy="1325563"/>
+          </a:xfrm>
+        </p:spPr>
+        <p:txBody>
+          <a:bodyPr/>
+          <a:lstStyle/>
+          <a:p>
+            <a:pPr algn="ctr"/>
+            <a:r>
+              <a:rPr lang="en-US" smtClean="0"/>
+              <a:t>Uniform Patch </a:t>
+            </a:r>
+            <a:r>
+              <a:rPr lang="en-US" dirty="0" smtClean="0"/>
+              <a:t>Result – ResNet18, CIFAR10</a:t>
+            </a:r>
+            <a:r>
+              <a:rPr lang="en-US" smtClean="0"/>
+              <a:t>, PS2, Layer:7 </a:t>
+            </a:r>
+            <a:endParaRPr lang="en-US" dirty="0"/>
+          </a:p>
+        </p:txBody>
+      </p:sp>
+      <p:sp>
+        <p:nvSpPr>
+          <p:cNvPr id="2" name="Content Placeholder 1"/>
+          <p:cNvSpPr>
+            <a:spLocks noGrp="1"/>
+          </p:cNvSpPr>
+          <p:nvPr>
+            <p:ph idx="1"/>
+          </p:nvPr>
+        </p:nvSpPr>
+        <p:spPr/>
+        <p:txBody>
+          <a:bodyPr/>
+          <a:lstStyle/>
+          <a:p>
+            <a:endParaRPr lang="en-US"/>
+          </a:p>
+        </p:txBody>
+      </p:sp>
+      <p:pic>
+        <p:nvPicPr>
+          <p:cNvPr id="5" name="Picture 4"/>
+          <p:cNvPicPr>
+            <a:picLocks noChangeAspect="1"/>
+          </p:cNvPicPr>
+          <p:nvPr/>
+        </p:nvPicPr>
+        <p:blipFill>
+          <a:blip r:embed="rId2"/>
+          <a:stretch>
+            <a:fillRect/>
+          </a:stretch>
+        </p:blipFill>
+        <p:spPr>
+          <a:xfrm>
+            <a:off x="0" y="1723652"/>
+            <a:ext cx="12192000" cy="12152396"/>
+          </a:xfrm>
+          <a:prstGeom prst="rect">
+            <a:avLst/>
+          </a:prstGeom>
+        </p:spPr>
+      </p:pic>
+    </p:spTree>
+    <p:extLst>
+      <p:ext uri="{BB962C8B-B14F-4D97-AF65-F5344CB8AC3E}">
+        <p14:creationId xmlns:p14="http://schemas.microsoft.com/office/powerpoint/2010/main" val="1464881896"/>
+      </p:ext>
+    </p:extLst>
+  </p:cSld>
+  <p:clrMapOvr>
+    <a:masterClrMapping/>
+  </p:clrMapOvr>
+  <p:timing>
+    <p:tnLst>
+      <p:par>
+        <p:cTn id="1" dur="indefinite" restart="never" nodeType="tmRoot"/>
+      </p:par>
+    </p:tnLst>
+  </p:timing>
+</p:sld>
+</file>
+
+<file path=ppt/slides/slide16.xml><?xml version="1.0" encoding="utf-8"?>
+<p:sld xmlns:a="http://schemas.openxmlformats.org/drawingml/2006/main" xmlns:r="http://schemas.openxmlformats.org/officeDocument/2006/relationships" xmlns:p="http://schemas.openxmlformats.org/presentationml/2006/main">
+  <p:cSld>
+    <p:spTree>
+      <p:nvGrpSpPr>
+        <p:cNvPr id="1" name=""/>
+        <p:cNvGrpSpPr/>
+        <p:nvPr/>
+      </p:nvGrpSpPr>
+      <p:grpSpPr>
+        <a:xfrm>
+          <a:off x="0" y="0"/>
+          <a:ext cx="0" cy="0"/>
+          <a:chOff x="0" y="0"/>
+          <a:chExt cx="0" cy="0"/>
+        </a:xfrm>
+      </p:grpSpPr>
+      <p:sp>
+        <p:nvSpPr>
+          <p:cNvPr id="4" name="Title 1"/>
+          <p:cNvSpPr>
+            <a:spLocks noGrp="1"/>
+          </p:cNvSpPr>
+          <p:nvPr>
+            <p:ph type="title"/>
+          </p:nvPr>
+        </p:nvSpPr>
+        <p:spPr>
+          <a:xfrm>
+            <a:off x="347730" y="365125"/>
+            <a:ext cx="11006070" cy="1325563"/>
+          </a:xfrm>
+        </p:spPr>
+        <p:txBody>
+          <a:bodyPr/>
+          <a:lstStyle/>
+          <a:p>
+            <a:r>
+              <a:rPr lang="en-US" dirty="0" smtClean="0"/>
+              <a:t>Uniform Filters Result – ResNet18, CIFAR10, PS2</a:t>
+            </a:r>
+            <a:endParaRPr lang="en-US" dirty="0"/>
+          </a:p>
+        </p:txBody>
+      </p:sp>
+      <p:pic>
+        <p:nvPicPr>
+          <p:cNvPr id="5" name="Picture 4"/>
+          <p:cNvPicPr>
+            <a:picLocks noChangeAspect="1"/>
+          </p:cNvPicPr>
+          <p:nvPr/>
+        </p:nvPicPr>
+        <p:blipFill>
+          <a:blip r:embed="rId2"/>
+          <a:stretch>
+            <a:fillRect/>
+          </a:stretch>
+        </p:blipFill>
+        <p:spPr>
+          <a:xfrm>
+            <a:off x="0" y="1371323"/>
+            <a:ext cx="3620325" cy="3213832"/>
+          </a:xfrm>
+          <a:prstGeom prst="rect">
+            <a:avLst/>
+          </a:prstGeom>
+        </p:spPr>
+      </p:pic>
+      <p:pic>
+        <p:nvPicPr>
+          <p:cNvPr id="6" name="Picture 5"/>
+          <p:cNvPicPr>
+            <a:picLocks noChangeAspect="1"/>
+          </p:cNvPicPr>
+          <p:nvPr/>
+        </p:nvPicPr>
+        <p:blipFill>
+          <a:blip r:embed="rId3"/>
+          <a:stretch>
+            <a:fillRect/>
+          </a:stretch>
+        </p:blipFill>
+        <p:spPr>
+          <a:xfrm>
+            <a:off x="-1" y="2079661"/>
+            <a:ext cx="3620325" cy="3213832"/>
+          </a:xfrm>
+          <a:prstGeom prst="rect">
+            <a:avLst/>
+          </a:prstGeom>
+        </p:spPr>
+      </p:pic>
+      <p:pic>
+        <p:nvPicPr>
+          <p:cNvPr id="7" name="Picture 6"/>
+          <p:cNvPicPr>
+            <a:picLocks noChangeAspect="1"/>
+          </p:cNvPicPr>
+          <p:nvPr/>
+        </p:nvPicPr>
+        <p:blipFill>
+          <a:blip r:embed="rId4"/>
+          <a:stretch>
+            <a:fillRect/>
+          </a:stretch>
+        </p:blipFill>
+        <p:spPr>
+          <a:xfrm>
+            <a:off x="-2" y="2787999"/>
+            <a:ext cx="3620325" cy="3213832"/>
+          </a:xfrm>
+          <a:prstGeom prst="rect">
+            <a:avLst/>
+          </a:prstGeom>
+        </p:spPr>
+      </p:pic>
+      <p:pic>
+        <p:nvPicPr>
+          <p:cNvPr id="8" name="Picture 7"/>
+          <p:cNvPicPr>
+            <a:picLocks noChangeAspect="1"/>
+          </p:cNvPicPr>
+          <p:nvPr/>
+        </p:nvPicPr>
+        <p:blipFill>
+          <a:blip r:embed="rId5"/>
+          <a:stretch>
+            <a:fillRect/>
+          </a:stretch>
+        </p:blipFill>
+        <p:spPr>
+          <a:xfrm>
+            <a:off x="-3" y="3496337"/>
+            <a:ext cx="3620325" cy="3213832"/>
+          </a:xfrm>
+          <a:prstGeom prst="rect">
+            <a:avLst/>
+          </a:prstGeom>
+        </p:spPr>
+      </p:pic>
+      <p:pic>
+        <p:nvPicPr>
+          <p:cNvPr id="9" name="Picture 8"/>
+          <p:cNvPicPr>
+            <a:picLocks noChangeAspect="1"/>
+          </p:cNvPicPr>
+          <p:nvPr/>
+        </p:nvPicPr>
+        <p:blipFill>
+          <a:blip r:embed="rId6"/>
+          <a:stretch>
+            <a:fillRect/>
+          </a:stretch>
+        </p:blipFill>
+        <p:spPr>
+          <a:xfrm>
+            <a:off x="-4" y="4075550"/>
+            <a:ext cx="3620325" cy="3213832"/>
+          </a:xfrm>
+          <a:prstGeom prst="rect">
+            <a:avLst/>
+          </a:prstGeom>
+        </p:spPr>
+      </p:pic>
+      <p:pic>
+        <p:nvPicPr>
+          <p:cNvPr id="10" name="Picture 9"/>
+          <p:cNvPicPr>
+            <a:picLocks noChangeAspect="1"/>
+          </p:cNvPicPr>
+          <p:nvPr/>
+        </p:nvPicPr>
+        <p:blipFill>
+          <a:blip r:embed="rId7"/>
+          <a:stretch>
+            <a:fillRect/>
+          </a:stretch>
+        </p:blipFill>
+        <p:spPr>
+          <a:xfrm>
+            <a:off x="3620321" y="1310208"/>
+            <a:ext cx="3671136" cy="3213832"/>
+          </a:xfrm>
+          <a:prstGeom prst="rect">
+            <a:avLst/>
+          </a:prstGeom>
+        </p:spPr>
+      </p:pic>
+      <p:pic>
+        <p:nvPicPr>
+          <p:cNvPr id="11" name="Picture 10"/>
+          <p:cNvPicPr>
+            <a:picLocks noChangeAspect="1"/>
+          </p:cNvPicPr>
+          <p:nvPr/>
+        </p:nvPicPr>
+        <p:blipFill>
+          <a:blip r:embed="rId8"/>
+          <a:stretch>
+            <a:fillRect/>
+          </a:stretch>
+        </p:blipFill>
+        <p:spPr>
+          <a:xfrm>
+            <a:off x="3620321" y="1908295"/>
+            <a:ext cx="3671136" cy="3213832"/>
+          </a:xfrm>
+          <a:prstGeom prst="rect">
+            <a:avLst/>
+          </a:prstGeom>
+        </p:spPr>
+      </p:pic>
+      <p:pic>
+        <p:nvPicPr>
+          <p:cNvPr id="12" name="Picture 11"/>
+          <p:cNvPicPr>
+            <a:picLocks noChangeAspect="1"/>
+          </p:cNvPicPr>
+          <p:nvPr/>
+        </p:nvPicPr>
+        <p:blipFill>
+          <a:blip r:embed="rId9"/>
+          <a:stretch>
+            <a:fillRect/>
+          </a:stretch>
+        </p:blipFill>
+        <p:spPr>
+          <a:xfrm>
+            <a:off x="3620321" y="2635771"/>
+            <a:ext cx="3671136" cy="3213832"/>
+          </a:xfrm>
+          <a:prstGeom prst="rect">
+            <a:avLst/>
+          </a:prstGeom>
+        </p:spPr>
+      </p:pic>
+      <p:pic>
+        <p:nvPicPr>
+          <p:cNvPr id="13" name="Picture 12"/>
+          <p:cNvPicPr>
+            <a:picLocks noChangeAspect="1"/>
+          </p:cNvPicPr>
+          <p:nvPr/>
+        </p:nvPicPr>
+        <p:blipFill>
+          <a:blip r:embed="rId10"/>
+          <a:stretch>
+            <a:fillRect/>
+          </a:stretch>
+        </p:blipFill>
+        <p:spPr>
+          <a:xfrm>
+            <a:off x="3719520" y="3280862"/>
+            <a:ext cx="3671136" cy="3213832"/>
+          </a:xfrm>
+          <a:prstGeom prst="rect">
+            <a:avLst/>
+          </a:prstGeom>
+        </p:spPr>
+      </p:pic>
+      <p:pic>
+        <p:nvPicPr>
+          <p:cNvPr id="14" name="Picture 13"/>
+          <p:cNvPicPr>
+            <a:picLocks noChangeAspect="1"/>
+          </p:cNvPicPr>
+          <p:nvPr/>
+        </p:nvPicPr>
+        <p:blipFill>
+          <a:blip r:embed="rId11"/>
+          <a:stretch>
+            <a:fillRect/>
+          </a:stretch>
+        </p:blipFill>
+        <p:spPr>
+          <a:xfrm>
+            <a:off x="7240642" y="1340766"/>
+            <a:ext cx="3620325" cy="3213832"/>
+          </a:xfrm>
+          <a:prstGeom prst="rect">
+            <a:avLst/>
+          </a:prstGeom>
+        </p:spPr>
+      </p:pic>
+      <p:pic>
+        <p:nvPicPr>
+          <p:cNvPr id="15" name="Picture 14"/>
+          <p:cNvPicPr>
+            <a:picLocks noChangeAspect="1"/>
+          </p:cNvPicPr>
+          <p:nvPr/>
+        </p:nvPicPr>
+        <p:blipFill>
+          <a:blip r:embed="rId12"/>
+          <a:stretch>
+            <a:fillRect/>
+          </a:stretch>
+        </p:blipFill>
+        <p:spPr>
+          <a:xfrm>
+            <a:off x="7278746" y="1914927"/>
+            <a:ext cx="3633028" cy="3213832"/>
+          </a:xfrm>
+          <a:prstGeom prst="rect">
+            <a:avLst/>
+          </a:prstGeom>
+        </p:spPr>
+      </p:pic>
+      <p:pic>
+        <p:nvPicPr>
+          <p:cNvPr id="16" name="Picture 15"/>
+          <p:cNvPicPr>
+            <a:picLocks noChangeAspect="1"/>
+          </p:cNvPicPr>
+          <p:nvPr/>
+        </p:nvPicPr>
+        <p:blipFill>
+          <a:blip r:embed="rId13"/>
+          <a:stretch>
+            <a:fillRect/>
+          </a:stretch>
+        </p:blipFill>
+        <p:spPr>
+          <a:xfrm>
+            <a:off x="7291457" y="2560018"/>
+            <a:ext cx="3633028" cy="3213832"/>
+          </a:xfrm>
+          <a:prstGeom prst="rect">
+            <a:avLst/>
+          </a:prstGeom>
+        </p:spPr>
+      </p:pic>
+      <p:pic>
+        <p:nvPicPr>
+          <p:cNvPr id="17" name="Picture 16"/>
+          <p:cNvPicPr>
+            <a:picLocks noChangeAspect="1"/>
+          </p:cNvPicPr>
+          <p:nvPr/>
+        </p:nvPicPr>
+        <p:blipFill>
+          <a:blip r:embed="rId14"/>
+          <a:stretch>
+            <a:fillRect/>
+          </a:stretch>
+        </p:blipFill>
+        <p:spPr>
+          <a:xfrm>
+            <a:off x="7241858" y="3428627"/>
+            <a:ext cx="3633028" cy="3213832"/>
+          </a:xfrm>
+          <a:prstGeom prst="rect">
+            <a:avLst/>
+          </a:prstGeom>
+        </p:spPr>
+      </p:pic>
+      <p:pic>
+        <p:nvPicPr>
+          <p:cNvPr id="18" name="Picture 17"/>
+          <p:cNvPicPr>
+            <a:picLocks noChangeAspect="1"/>
+          </p:cNvPicPr>
+          <p:nvPr/>
+        </p:nvPicPr>
+        <p:blipFill>
+          <a:blip r:embed="rId15"/>
+          <a:stretch>
+            <a:fillRect/>
+          </a:stretch>
+        </p:blipFill>
+        <p:spPr>
+          <a:xfrm>
+            <a:off x="10822070" y="1321987"/>
+            <a:ext cx="3620325" cy="3213832"/>
+          </a:xfrm>
+          <a:prstGeom prst="rect">
+            <a:avLst/>
+          </a:prstGeom>
+        </p:spPr>
+      </p:pic>
+      <p:pic>
+        <p:nvPicPr>
+          <p:cNvPr id="19" name="Picture 18"/>
+          <p:cNvPicPr>
+            <a:picLocks noChangeAspect="1"/>
+          </p:cNvPicPr>
+          <p:nvPr/>
+        </p:nvPicPr>
+        <p:blipFill>
+          <a:blip r:embed="rId16"/>
+          <a:stretch>
+            <a:fillRect/>
+          </a:stretch>
+        </p:blipFill>
+        <p:spPr>
+          <a:xfrm>
+            <a:off x="10961373" y="2079661"/>
+            <a:ext cx="3620325" cy="3213832"/>
+          </a:xfrm>
+          <a:prstGeom prst="rect">
+            <a:avLst/>
+          </a:prstGeom>
+        </p:spPr>
+      </p:pic>
+      <p:pic>
+        <p:nvPicPr>
+          <p:cNvPr id="20" name="Picture 19"/>
+          <p:cNvPicPr>
+            <a:picLocks noChangeAspect="1"/>
+          </p:cNvPicPr>
+          <p:nvPr/>
+        </p:nvPicPr>
+        <p:blipFill>
+          <a:blip r:embed="rId17"/>
+          <a:stretch>
+            <a:fillRect/>
+          </a:stretch>
+        </p:blipFill>
+        <p:spPr>
+          <a:xfrm>
+            <a:off x="10961373" y="2938293"/>
+            <a:ext cx="3620325" cy="3213832"/>
+          </a:xfrm>
+          <a:prstGeom prst="rect">
+            <a:avLst/>
+          </a:prstGeom>
+        </p:spPr>
+      </p:pic>
+      <p:pic>
+        <p:nvPicPr>
+          <p:cNvPr id="21" name="Picture 20"/>
+          <p:cNvPicPr>
+            <a:picLocks noChangeAspect="1"/>
+          </p:cNvPicPr>
+          <p:nvPr/>
+        </p:nvPicPr>
+        <p:blipFill>
+          <a:blip r:embed="rId18"/>
+          <a:stretch>
+            <a:fillRect/>
+          </a:stretch>
+        </p:blipFill>
+        <p:spPr>
+          <a:xfrm>
+            <a:off x="10974084" y="3735717"/>
+            <a:ext cx="3620325" cy="3213832"/>
+          </a:xfrm>
+          <a:prstGeom prst="rect">
+            <a:avLst/>
+          </a:prstGeom>
+        </p:spPr>
+      </p:pic>
+    </p:spTree>
+    <p:extLst>
+      <p:ext uri="{BB962C8B-B14F-4D97-AF65-F5344CB8AC3E}">
+        <p14:creationId xmlns:p14="http://schemas.microsoft.com/office/powerpoint/2010/main" val="1959521006"/>
       </p:ext>
     </p:extLst>
   </p:cSld>
@@ -5796,7 +10306,7 @@
         </p:nvSpPr>
         <p:spPr>
           <a:xfrm>
-            <a:off x="461610" y="377658"/>
+            <a:off x="461610" y="-166230"/>
             <a:ext cx="10823222" cy="1325563"/>
           </a:xfrm>
         </p:spPr>
@@ -5812,448 +10322,34 @@
           </a:p>
         </p:txBody>
       </p:sp>
-      <p:grpSp>
-        <p:nvGrpSpPr>
-          <p:cNvPr id="16" name="Group 15"/>
-          <p:cNvGrpSpPr/>
+      <p:pic>
+        <p:nvPicPr>
+          <p:cNvPr id="4" name="Picture 3"/>
+          <p:cNvPicPr>
+            <a:picLocks noChangeAspect="1"/>
+          </p:cNvPicPr>
           <p:nvPr/>
-        </p:nvGrpSpPr>
-        <p:grpSpPr>
+        </p:nvPicPr>
+        <p:blipFill>
+          <a:blip r:embed="rId2"/>
+          <a:stretch>
+            <a:fillRect/>
+          </a:stretch>
+        </p:blipFill>
+        <p:spPr>
           <a:xfrm>
-            <a:off x="448409" y="1347255"/>
-            <a:ext cx="11174790" cy="11206133"/>
-            <a:chOff x="448409" y="1347255"/>
-            <a:chExt cx="11174790" cy="11206133"/>
+            <a:off x="1339403" y="840819"/>
+            <a:ext cx="8696179" cy="6017181"/>
           </a:xfrm>
-        </p:grpSpPr>
-        <p:pic>
-          <p:nvPicPr>
-            <p:cNvPr id="23" name="Picture 22"/>
-            <p:cNvPicPr>
-              <a:picLocks noChangeAspect="1"/>
-            </p:cNvPicPr>
-            <p:nvPr/>
-          </p:nvPicPr>
-          <p:blipFill>
-            <a:blip r:embed="rId2"/>
-            <a:stretch>
-              <a:fillRect/>
-            </a:stretch>
-          </p:blipFill>
-          <p:spPr>
-            <a:xfrm>
-              <a:off x="448409" y="8047044"/>
-              <a:ext cx="2862070" cy="2308226"/>
-            </a:xfrm>
-            <a:prstGeom prst="rect">
-              <a:avLst/>
-            </a:prstGeom>
-          </p:spPr>
-        </p:pic>
-        <p:pic>
-          <p:nvPicPr>
-            <p:cNvPr id="24" name="Picture 23"/>
-            <p:cNvPicPr>
-              <a:picLocks noChangeAspect="1"/>
-            </p:cNvPicPr>
-            <p:nvPr/>
-          </p:nvPicPr>
-          <p:blipFill>
-            <a:blip r:embed="rId3"/>
-            <a:stretch>
-              <a:fillRect/>
-            </a:stretch>
-          </p:blipFill>
-          <p:spPr>
-            <a:xfrm>
-              <a:off x="457686" y="10245162"/>
-              <a:ext cx="2862070" cy="2308226"/>
-            </a:xfrm>
-            <a:prstGeom prst="rect">
-              <a:avLst/>
-            </a:prstGeom>
-          </p:spPr>
-        </p:pic>
-        <p:pic>
-          <p:nvPicPr>
-            <p:cNvPr id="4" name="Picture 3"/>
-            <p:cNvPicPr>
-              <a:picLocks noChangeAspect="1"/>
-            </p:cNvPicPr>
-            <p:nvPr/>
-          </p:nvPicPr>
-          <p:blipFill>
-            <a:blip r:embed="rId4"/>
-            <a:stretch>
-              <a:fillRect/>
-            </a:stretch>
-          </p:blipFill>
-          <p:spPr>
-            <a:xfrm>
-              <a:off x="3280662" y="8360403"/>
-              <a:ext cx="2858273" cy="2448548"/>
-            </a:xfrm>
-            <a:prstGeom prst="rect">
-              <a:avLst/>
-            </a:prstGeom>
-          </p:spPr>
-        </p:pic>
-        <p:pic>
-          <p:nvPicPr>
-            <p:cNvPr id="9" name="Picture 8"/>
-            <p:cNvPicPr>
-              <a:picLocks noChangeAspect="1"/>
-            </p:cNvPicPr>
-            <p:nvPr/>
-          </p:nvPicPr>
-          <p:blipFill>
-            <a:blip r:embed="rId5"/>
-            <a:stretch>
-              <a:fillRect/>
-            </a:stretch>
-          </p:blipFill>
-          <p:spPr>
-            <a:xfrm>
-              <a:off x="6120381" y="8332141"/>
-              <a:ext cx="2650373" cy="2476810"/>
-            </a:xfrm>
-            <a:prstGeom prst="rect">
-              <a:avLst/>
-            </a:prstGeom>
-          </p:spPr>
-        </p:pic>
-        <p:grpSp>
-          <p:nvGrpSpPr>
-            <p:cNvPr id="3" name="Group 2"/>
-            <p:cNvGrpSpPr/>
-            <p:nvPr/>
-          </p:nvGrpSpPr>
-          <p:grpSpPr>
-            <a:xfrm>
-              <a:off x="457686" y="1347255"/>
-              <a:ext cx="11129920" cy="7153299"/>
-              <a:chOff x="457686" y="1347255"/>
-              <a:chExt cx="11129920" cy="7153299"/>
-            </a:xfrm>
-          </p:grpSpPr>
-          <p:pic>
-            <p:nvPicPr>
-              <p:cNvPr id="20" name="Picture 19"/>
-              <p:cNvPicPr>
-                <a:picLocks noChangeAspect="1"/>
-              </p:cNvPicPr>
-              <p:nvPr/>
-            </p:nvPicPr>
-            <p:blipFill>
-              <a:blip r:embed="rId6"/>
-              <a:stretch>
-                <a:fillRect/>
-              </a:stretch>
-            </p:blipFill>
-            <p:spPr>
-              <a:xfrm>
-                <a:off x="461610" y="1431547"/>
-                <a:ext cx="2862070" cy="2308226"/>
-              </a:xfrm>
-              <a:prstGeom prst="rect">
-                <a:avLst/>
-              </a:prstGeom>
-            </p:spPr>
-          </p:pic>
-          <p:pic>
-            <p:nvPicPr>
-              <p:cNvPr id="21" name="Picture 20"/>
-              <p:cNvPicPr>
-                <a:picLocks noChangeAspect="1"/>
-              </p:cNvPicPr>
-              <p:nvPr/>
-            </p:nvPicPr>
-            <p:blipFill>
-              <a:blip r:embed="rId7"/>
-              <a:stretch>
-                <a:fillRect/>
-              </a:stretch>
-            </p:blipFill>
-            <p:spPr>
-              <a:xfrm>
-                <a:off x="461610" y="3642917"/>
-                <a:ext cx="2862070" cy="2308226"/>
-              </a:xfrm>
-              <a:prstGeom prst="rect">
-                <a:avLst/>
-              </a:prstGeom>
-            </p:spPr>
-          </p:pic>
-          <p:pic>
-            <p:nvPicPr>
-              <p:cNvPr id="22" name="Picture 21"/>
-              <p:cNvPicPr>
-                <a:picLocks noChangeAspect="1"/>
-              </p:cNvPicPr>
-              <p:nvPr/>
-            </p:nvPicPr>
-            <p:blipFill>
-              <a:blip r:embed="rId8"/>
-              <a:stretch>
-                <a:fillRect/>
-              </a:stretch>
-            </p:blipFill>
-            <p:spPr>
-              <a:xfrm>
-                <a:off x="457686" y="5859243"/>
-                <a:ext cx="2862070" cy="2308226"/>
-              </a:xfrm>
-              <a:prstGeom prst="rect">
-                <a:avLst/>
-              </a:prstGeom>
-            </p:spPr>
-          </p:pic>
-          <p:pic>
-            <p:nvPicPr>
-              <p:cNvPr id="15" name="Picture 14"/>
-              <p:cNvPicPr>
-                <a:picLocks noChangeAspect="1"/>
-              </p:cNvPicPr>
-              <p:nvPr/>
-            </p:nvPicPr>
-            <p:blipFill>
-              <a:blip r:embed="rId9"/>
-              <a:stretch>
-                <a:fillRect/>
-              </a:stretch>
-            </p:blipFill>
-            <p:spPr>
-              <a:xfrm>
-                <a:off x="3270723" y="1379797"/>
-                <a:ext cx="2858273" cy="2448548"/>
-              </a:xfrm>
-              <a:prstGeom prst="rect">
-                <a:avLst/>
-              </a:prstGeom>
-            </p:spPr>
-          </p:pic>
-          <p:pic>
-            <p:nvPicPr>
-              <p:cNvPr id="14" name="Picture 13"/>
-              <p:cNvPicPr>
-                <a:picLocks noChangeAspect="1"/>
-              </p:cNvPicPr>
-              <p:nvPr/>
-            </p:nvPicPr>
-            <p:blipFill>
-              <a:blip r:embed="rId10"/>
-              <a:stretch>
-                <a:fillRect/>
-              </a:stretch>
-            </p:blipFill>
-            <p:spPr>
-              <a:xfrm>
-                <a:off x="3267589" y="3716456"/>
-                <a:ext cx="2858273" cy="2448548"/>
-              </a:xfrm>
-              <a:prstGeom prst="rect">
-                <a:avLst/>
-              </a:prstGeom>
-            </p:spPr>
-          </p:pic>
-          <p:pic>
-            <p:nvPicPr>
-              <p:cNvPr id="13" name="Picture 12"/>
-              <p:cNvPicPr>
-                <a:picLocks noChangeAspect="1"/>
-              </p:cNvPicPr>
-              <p:nvPr/>
-            </p:nvPicPr>
-            <p:blipFill>
-              <a:blip r:embed="rId11"/>
-              <a:stretch>
-                <a:fillRect/>
-              </a:stretch>
-            </p:blipFill>
-            <p:spPr>
-              <a:xfrm>
-                <a:off x="3267588" y="6023744"/>
-                <a:ext cx="2858273" cy="2448548"/>
-              </a:xfrm>
-              <a:prstGeom prst="rect">
-                <a:avLst/>
-              </a:prstGeom>
-            </p:spPr>
-          </p:pic>
-          <p:pic>
-            <p:nvPicPr>
-              <p:cNvPr id="12" name="Picture 11"/>
-              <p:cNvPicPr>
-                <a:picLocks noChangeAspect="1"/>
-              </p:cNvPicPr>
-              <p:nvPr/>
-            </p:nvPicPr>
-            <p:blipFill>
-              <a:blip r:embed="rId12"/>
-              <a:stretch>
-                <a:fillRect/>
-              </a:stretch>
-            </p:blipFill>
-            <p:spPr>
-              <a:xfrm>
-                <a:off x="6049194" y="1347255"/>
-                <a:ext cx="2641106" cy="2476810"/>
-              </a:xfrm>
-              <a:prstGeom prst="rect">
-                <a:avLst/>
-              </a:prstGeom>
-            </p:spPr>
-          </p:pic>
-          <p:pic>
-            <p:nvPicPr>
-              <p:cNvPr id="11" name="Picture 10"/>
-              <p:cNvPicPr>
-                <a:picLocks noChangeAspect="1"/>
-              </p:cNvPicPr>
-              <p:nvPr/>
-            </p:nvPicPr>
-            <p:blipFill>
-              <a:blip r:embed="rId13"/>
-              <a:stretch>
-                <a:fillRect/>
-              </a:stretch>
-            </p:blipFill>
-            <p:spPr>
-              <a:xfrm>
-                <a:off x="6080149" y="3688194"/>
-                <a:ext cx="2650373" cy="2476810"/>
-              </a:xfrm>
-              <a:prstGeom prst="rect">
-                <a:avLst/>
-              </a:prstGeom>
-            </p:spPr>
-          </p:pic>
-          <p:pic>
-            <p:nvPicPr>
-              <p:cNvPr id="10" name="Picture 9"/>
-              <p:cNvPicPr>
-                <a:picLocks noChangeAspect="1"/>
-              </p:cNvPicPr>
-              <p:nvPr/>
-            </p:nvPicPr>
-            <p:blipFill>
-              <a:blip r:embed="rId14"/>
-              <a:stretch>
-                <a:fillRect/>
-              </a:stretch>
-            </p:blipFill>
-            <p:spPr>
-              <a:xfrm>
-                <a:off x="6111104" y="6023744"/>
-                <a:ext cx="2650373" cy="2476810"/>
-              </a:xfrm>
-              <a:prstGeom prst="rect">
-                <a:avLst/>
-              </a:prstGeom>
-            </p:spPr>
-          </p:pic>
-          <p:pic>
-            <p:nvPicPr>
-              <p:cNvPr id="8" name="Picture 7"/>
-              <p:cNvPicPr>
-                <a:picLocks noChangeAspect="1"/>
-              </p:cNvPicPr>
-              <p:nvPr/>
-            </p:nvPicPr>
-            <p:blipFill>
-              <a:blip r:embed="rId15"/>
-              <a:stretch>
-                <a:fillRect/>
-              </a:stretch>
-            </p:blipFill>
-            <p:spPr>
-              <a:xfrm>
-                <a:off x="8654698" y="1368381"/>
-                <a:ext cx="2861722" cy="2438987"/>
-              </a:xfrm>
-              <a:prstGeom prst="rect">
-                <a:avLst/>
-              </a:prstGeom>
-            </p:spPr>
-          </p:pic>
-          <p:pic>
-            <p:nvPicPr>
-              <p:cNvPr id="7" name="Picture 6"/>
-              <p:cNvPicPr>
-                <a:picLocks noChangeAspect="1"/>
-              </p:cNvPicPr>
-              <p:nvPr/>
-            </p:nvPicPr>
-            <p:blipFill>
-              <a:blip r:embed="rId16"/>
-              <a:stretch>
-                <a:fillRect/>
-              </a:stretch>
-            </p:blipFill>
-            <p:spPr>
-              <a:xfrm>
-                <a:off x="8690291" y="3718782"/>
-                <a:ext cx="2861722" cy="2438987"/>
-              </a:xfrm>
-              <a:prstGeom prst="rect">
-                <a:avLst/>
-              </a:prstGeom>
-            </p:spPr>
-          </p:pic>
-          <p:pic>
-            <p:nvPicPr>
-              <p:cNvPr id="6" name="Picture 5"/>
-              <p:cNvPicPr>
-                <a:picLocks noChangeAspect="1"/>
-              </p:cNvPicPr>
-              <p:nvPr/>
-            </p:nvPicPr>
-            <p:blipFill>
-              <a:blip r:embed="rId17"/>
-              <a:stretch>
-                <a:fillRect/>
-              </a:stretch>
-            </p:blipFill>
-            <p:spPr>
-              <a:xfrm>
-                <a:off x="8725884" y="6051964"/>
-                <a:ext cx="2861722" cy="2438987"/>
-              </a:xfrm>
-              <a:prstGeom prst="rect">
-                <a:avLst/>
-              </a:prstGeom>
-            </p:spPr>
-          </p:pic>
-        </p:grpSp>
-        <p:pic>
-          <p:nvPicPr>
-            <p:cNvPr id="5" name="Picture 4"/>
-            <p:cNvPicPr>
-              <a:picLocks noChangeAspect="1"/>
-            </p:cNvPicPr>
-            <p:nvPr/>
-          </p:nvPicPr>
-          <p:blipFill>
-            <a:blip r:embed="rId18"/>
-            <a:stretch>
-              <a:fillRect/>
-            </a:stretch>
-          </p:blipFill>
-          <p:spPr>
-            <a:xfrm>
-              <a:off x="8761477" y="8402365"/>
-              <a:ext cx="2861722" cy="2438987"/>
-            </a:xfrm>
-            <a:prstGeom prst="rect">
-              <a:avLst/>
-            </a:prstGeom>
-          </p:spPr>
-        </p:pic>
-      </p:grpSp>
+          <a:prstGeom prst="rect">
+            <a:avLst/>
+          </a:prstGeom>
+        </p:spPr>
+      </p:pic>
     </p:spTree>
     <p:extLst>
       <p:ext uri="{BB962C8B-B14F-4D97-AF65-F5344CB8AC3E}">
-        <p14:creationId xmlns:p14="http://schemas.microsoft.com/office/powerpoint/2010/main" val="1211073402"/>
+        <p14:creationId xmlns:p14="http://schemas.microsoft.com/office/powerpoint/2010/main" val="1487831185"/>
       </p:ext>
     </p:extLst>
   </p:cSld>
@@ -6315,448 +10411,34 @@
           </a:p>
         </p:txBody>
       </p:sp>
-      <p:grpSp>
-        <p:nvGrpSpPr>
-          <p:cNvPr id="16" name="Group 15"/>
-          <p:cNvGrpSpPr/>
+      <p:pic>
+        <p:nvPicPr>
+          <p:cNvPr id="3" name="Picture 2"/>
+          <p:cNvPicPr>
+            <a:picLocks noChangeAspect="1"/>
+          </p:cNvPicPr>
           <p:nvPr/>
-        </p:nvGrpSpPr>
-        <p:grpSpPr>
+        </p:nvPicPr>
+        <p:blipFill>
+          <a:blip r:embed="rId2"/>
+          <a:stretch>
+            <a:fillRect/>
+          </a:stretch>
+        </p:blipFill>
+        <p:spPr>
           <a:xfrm>
-            <a:off x="1391478" y="1020418"/>
-            <a:ext cx="8963486" cy="5692016"/>
-            <a:chOff x="0" y="818222"/>
-            <a:chExt cx="14216583" cy="9594980"/>
+            <a:off x="1282985" y="798491"/>
+            <a:ext cx="8757352" cy="6059509"/>
           </a:xfrm>
-        </p:grpSpPr>
-        <p:grpSp>
-          <p:nvGrpSpPr>
-            <p:cNvPr id="3" name="Group 2"/>
-            <p:cNvGrpSpPr/>
-            <p:nvPr/>
-          </p:nvGrpSpPr>
-          <p:grpSpPr>
-            <a:xfrm>
-              <a:off x="0" y="818222"/>
-              <a:ext cx="14216583" cy="7223442"/>
-              <a:chOff x="0" y="818222"/>
-              <a:chExt cx="14216583" cy="7223442"/>
-            </a:xfrm>
-          </p:grpSpPr>
-          <p:pic>
-            <p:nvPicPr>
-              <p:cNvPr id="20" name="Picture 19"/>
-              <p:cNvPicPr>
-                <a:picLocks noChangeAspect="1"/>
-              </p:cNvPicPr>
-              <p:nvPr/>
-            </p:nvPicPr>
-            <p:blipFill>
-              <a:blip r:embed="rId2"/>
-              <a:stretch>
-                <a:fillRect/>
-              </a:stretch>
-            </p:blipFill>
-            <p:spPr>
-              <a:xfrm>
-                <a:off x="0" y="853058"/>
-                <a:ext cx="2862070" cy="2308226"/>
-              </a:xfrm>
-              <a:prstGeom prst="rect">
-                <a:avLst/>
-              </a:prstGeom>
-            </p:spPr>
-          </p:pic>
-          <p:pic>
-            <p:nvPicPr>
-              <p:cNvPr id="21" name="Picture 20"/>
-              <p:cNvPicPr>
-                <a:picLocks noChangeAspect="1"/>
-              </p:cNvPicPr>
-              <p:nvPr/>
-            </p:nvPicPr>
-            <p:blipFill>
-              <a:blip r:embed="rId3"/>
-              <a:stretch>
-                <a:fillRect/>
-              </a:stretch>
-            </p:blipFill>
-            <p:spPr>
-              <a:xfrm>
-                <a:off x="2780346" y="818222"/>
-                <a:ext cx="2862070" cy="2308226"/>
-              </a:xfrm>
-              <a:prstGeom prst="rect">
-                <a:avLst/>
-              </a:prstGeom>
-            </p:spPr>
-          </p:pic>
-          <p:pic>
-            <p:nvPicPr>
-              <p:cNvPr id="22" name="Picture 21"/>
-              <p:cNvPicPr>
-                <a:picLocks noChangeAspect="1"/>
-              </p:cNvPicPr>
-              <p:nvPr/>
-            </p:nvPicPr>
-            <p:blipFill>
-              <a:blip r:embed="rId4"/>
-              <a:stretch>
-                <a:fillRect/>
-              </a:stretch>
-            </p:blipFill>
-            <p:spPr>
-              <a:xfrm>
-                <a:off x="5629675" y="820484"/>
-                <a:ext cx="2862070" cy="2308226"/>
-              </a:xfrm>
-              <a:prstGeom prst="rect">
-                <a:avLst/>
-              </a:prstGeom>
-            </p:spPr>
-          </p:pic>
-          <p:pic>
-            <p:nvPicPr>
-              <p:cNvPr id="23" name="Picture 22"/>
-              <p:cNvPicPr>
-                <a:picLocks noChangeAspect="1"/>
-              </p:cNvPicPr>
-              <p:nvPr/>
-            </p:nvPicPr>
-            <p:blipFill>
-              <a:blip r:embed="rId5"/>
-              <a:stretch>
-                <a:fillRect/>
-              </a:stretch>
-            </p:blipFill>
-            <p:spPr>
-              <a:xfrm>
-                <a:off x="8479004" y="834221"/>
-                <a:ext cx="2862070" cy="2308226"/>
-              </a:xfrm>
-              <a:prstGeom prst="rect">
-                <a:avLst/>
-              </a:prstGeom>
-            </p:spPr>
-          </p:pic>
-          <p:pic>
-            <p:nvPicPr>
-              <p:cNvPr id="24" name="Picture 23"/>
-              <p:cNvPicPr>
-                <a:picLocks noChangeAspect="1"/>
-              </p:cNvPicPr>
-              <p:nvPr/>
-            </p:nvPicPr>
-            <p:blipFill>
-              <a:blip r:embed="rId6"/>
-              <a:stretch>
-                <a:fillRect/>
-              </a:stretch>
-            </p:blipFill>
-            <p:spPr>
-              <a:xfrm>
-                <a:off x="11354513" y="825302"/>
-                <a:ext cx="2862070" cy="2308226"/>
-              </a:xfrm>
-              <a:prstGeom prst="rect">
-                <a:avLst/>
-              </a:prstGeom>
-            </p:spPr>
-          </p:pic>
-          <p:pic>
-            <p:nvPicPr>
-              <p:cNvPr id="15" name="Picture 14"/>
-              <p:cNvPicPr>
-                <a:picLocks noChangeAspect="1"/>
-              </p:cNvPicPr>
-              <p:nvPr/>
-            </p:nvPicPr>
-            <p:blipFill>
-              <a:blip r:embed="rId7"/>
-              <a:stretch>
-                <a:fillRect/>
-              </a:stretch>
-            </p:blipFill>
-            <p:spPr>
-              <a:xfrm>
-                <a:off x="8435" y="3126448"/>
-                <a:ext cx="2858273" cy="2448548"/>
-              </a:xfrm>
-              <a:prstGeom prst="rect">
-                <a:avLst/>
-              </a:prstGeom>
-            </p:spPr>
-          </p:pic>
-          <p:pic>
-            <p:nvPicPr>
-              <p:cNvPr id="14" name="Picture 13"/>
-              <p:cNvPicPr>
-                <a:picLocks noChangeAspect="1"/>
-              </p:cNvPicPr>
-              <p:nvPr/>
-            </p:nvPicPr>
-            <p:blipFill>
-              <a:blip r:embed="rId8"/>
-              <a:stretch>
-                <a:fillRect/>
-              </a:stretch>
-            </p:blipFill>
-            <p:spPr>
-              <a:xfrm>
-                <a:off x="2869842" y="3142447"/>
-                <a:ext cx="2858273" cy="2448548"/>
-              </a:xfrm>
-              <a:prstGeom prst="rect">
-                <a:avLst/>
-              </a:prstGeom>
-            </p:spPr>
-          </p:pic>
-          <p:pic>
-            <p:nvPicPr>
-              <p:cNvPr id="13" name="Picture 12"/>
-              <p:cNvPicPr>
-                <a:picLocks noChangeAspect="1"/>
-              </p:cNvPicPr>
-              <p:nvPr/>
-            </p:nvPicPr>
-            <p:blipFill>
-              <a:blip r:embed="rId9"/>
-              <a:stretch>
-                <a:fillRect/>
-              </a:stretch>
-            </p:blipFill>
-            <p:spPr>
-              <a:xfrm>
-                <a:off x="5676211" y="3120817"/>
-                <a:ext cx="2858273" cy="2448548"/>
-              </a:xfrm>
-              <a:prstGeom prst="rect">
-                <a:avLst/>
-              </a:prstGeom>
-            </p:spPr>
-          </p:pic>
-          <p:pic>
-            <p:nvPicPr>
-              <p:cNvPr id="4" name="Picture 3"/>
-              <p:cNvPicPr>
-                <a:picLocks noChangeAspect="1"/>
-              </p:cNvPicPr>
-              <p:nvPr/>
-            </p:nvPicPr>
-            <p:blipFill>
-              <a:blip r:embed="rId10"/>
-              <a:stretch>
-                <a:fillRect/>
-              </a:stretch>
-            </p:blipFill>
-            <p:spPr>
-              <a:xfrm>
-                <a:off x="8424338" y="3142447"/>
-                <a:ext cx="2858273" cy="2448548"/>
-              </a:xfrm>
-              <a:prstGeom prst="rect">
-                <a:avLst/>
-              </a:prstGeom>
-            </p:spPr>
-          </p:pic>
-          <p:pic>
-            <p:nvPicPr>
-              <p:cNvPr id="12" name="Picture 11"/>
-              <p:cNvPicPr>
-                <a:picLocks noChangeAspect="1"/>
-              </p:cNvPicPr>
-              <p:nvPr/>
-            </p:nvPicPr>
-            <p:blipFill>
-              <a:blip r:embed="rId11"/>
-              <a:stretch>
-                <a:fillRect/>
-              </a:stretch>
-            </p:blipFill>
-            <p:spPr>
-              <a:xfrm>
-                <a:off x="113127" y="5504473"/>
-                <a:ext cx="2641106" cy="2476810"/>
-              </a:xfrm>
-              <a:prstGeom prst="rect">
-                <a:avLst/>
-              </a:prstGeom>
-            </p:spPr>
-          </p:pic>
-          <p:pic>
-            <p:nvPicPr>
-              <p:cNvPr id="11" name="Picture 10"/>
-              <p:cNvPicPr>
-                <a:picLocks noChangeAspect="1"/>
-              </p:cNvPicPr>
-              <p:nvPr/>
-            </p:nvPicPr>
-            <p:blipFill>
-              <a:blip r:embed="rId12"/>
-              <a:stretch>
-                <a:fillRect/>
-              </a:stretch>
-            </p:blipFill>
-            <p:spPr>
-              <a:xfrm>
-                <a:off x="2902927" y="5504473"/>
-                <a:ext cx="2650373" cy="2476810"/>
-              </a:xfrm>
-              <a:prstGeom prst="rect">
-                <a:avLst/>
-              </a:prstGeom>
-            </p:spPr>
-          </p:pic>
-          <p:pic>
-            <p:nvPicPr>
-              <p:cNvPr id="10" name="Picture 9"/>
-              <p:cNvPicPr>
-                <a:picLocks noChangeAspect="1"/>
-              </p:cNvPicPr>
-              <p:nvPr/>
-            </p:nvPicPr>
-            <p:blipFill>
-              <a:blip r:embed="rId13"/>
-              <a:stretch>
-                <a:fillRect/>
-              </a:stretch>
-            </p:blipFill>
-            <p:spPr>
-              <a:xfrm>
-                <a:off x="5715502" y="5547734"/>
-                <a:ext cx="2650373" cy="2476810"/>
-              </a:xfrm>
-              <a:prstGeom prst="rect">
-                <a:avLst/>
-              </a:prstGeom>
-            </p:spPr>
-          </p:pic>
-          <p:pic>
-            <p:nvPicPr>
-              <p:cNvPr id="9" name="Picture 8"/>
-              <p:cNvPicPr>
-                <a:picLocks noChangeAspect="1"/>
-              </p:cNvPicPr>
-              <p:nvPr/>
-            </p:nvPicPr>
-            <p:blipFill>
-              <a:blip r:embed="rId14"/>
-              <a:stretch>
-                <a:fillRect/>
-              </a:stretch>
-            </p:blipFill>
-            <p:spPr>
-              <a:xfrm>
-                <a:off x="8563716" y="5564854"/>
-                <a:ext cx="2650373" cy="2476810"/>
-              </a:xfrm>
-              <a:prstGeom prst="rect">
-                <a:avLst/>
-              </a:prstGeom>
-            </p:spPr>
-          </p:pic>
-        </p:grpSp>
-        <p:pic>
-          <p:nvPicPr>
-            <p:cNvPr id="8" name="Picture 7"/>
-            <p:cNvPicPr>
-              <a:picLocks noChangeAspect="1"/>
-            </p:cNvPicPr>
-            <p:nvPr/>
-          </p:nvPicPr>
-          <p:blipFill>
-            <a:blip r:embed="rId15"/>
-            <a:stretch>
-              <a:fillRect/>
-            </a:stretch>
-          </p:blipFill>
-          <p:spPr>
-            <a:xfrm>
-              <a:off x="167345" y="7939379"/>
-              <a:ext cx="2861722" cy="2438987"/>
-            </a:xfrm>
-            <a:prstGeom prst="rect">
-              <a:avLst/>
-            </a:prstGeom>
-          </p:spPr>
-        </p:pic>
-        <p:pic>
-          <p:nvPicPr>
-            <p:cNvPr id="7" name="Picture 6"/>
-            <p:cNvPicPr>
-              <a:picLocks noChangeAspect="1"/>
-            </p:cNvPicPr>
-            <p:nvPr/>
-          </p:nvPicPr>
-          <p:blipFill>
-            <a:blip r:embed="rId16"/>
-            <a:stretch>
-              <a:fillRect/>
-            </a:stretch>
-          </p:blipFill>
-          <p:spPr>
-            <a:xfrm>
-              <a:off x="2830086" y="7974215"/>
-              <a:ext cx="2861722" cy="2438987"/>
-            </a:xfrm>
-            <a:prstGeom prst="rect">
-              <a:avLst/>
-            </a:prstGeom>
-          </p:spPr>
-        </p:pic>
-        <p:pic>
-          <p:nvPicPr>
-            <p:cNvPr id="6" name="Picture 5"/>
-            <p:cNvPicPr>
-              <a:picLocks noChangeAspect="1"/>
-            </p:cNvPicPr>
-            <p:nvPr/>
-          </p:nvPicPr>
-          <p:blipFill>
-            <a:blip r:embed="rId17"/>
-            <a:stretch>
-              <a:fillRect/>
-            </a:stretch>
-          </p:blipFill>
-          <p:spPr>
-            <a:xfrm>
-              <a:off x="5630023" y="7968777"/>
-              <a:ext cx="2861722" cy="2438987"/>
-            </a:xfrm>
-            <a:prstGeom prst="rect">
-              <a:avLst/>
-            </a:prstGeom>
-          </p:spPr>
-        </p:pic>
-        <p:pic>
-          <p:nvPicPr>
-            <p:cNvPr id="5" name="Picture 4"/>
-            <p:cNvPicPr>
-              <a:picLocks noChangeAspect="1"/>
-            </p:cNvPicPr>
-            <p:nvPr/>
-          </p:nvPicPr>
-          <p:blipFill>
-            <a:blip r:embed="rId18"/>
-            <a:stretch>
-              <a:fillRect/>
-            </a:stretch>
-          </p:blipFill>
-          <p:spPr>
-            <a:xfrm>
-              <a:off x="8365875" y="7943892"/>
-              <a:ext cx="2861722" cy="2438987"/>
-            </a:xfrm>
-            <a:prstGeom prst="rect">
-              <a:avLst/>
-            </a:prstGeom>
-          </p:spPr>
-        </p:pic>
-      </p:grpSp>
+          <a:prstGeom prst="rect">
+            <a:avLst/>
+          </a:prstGeom>
+        </p:spPr>
+      </p:pic>
     </p:spTree>
     <p:extLst>
       <p:ext uri="{BB962C8B-B14F-4D97-AF65-F5344CB8AC3E}">
-        <p14:creationId xmlns:p14="http://schemas.microsoft.com/office/powerpoint/2010/main" val="61058957"/>
+        <p14:creationId xmlns:p14="http://schemas.microsoft.com/office/powerpoint/2010/main" val="3607192573"/>
       </p:ext>
     </p:extLst>
   </p:cSld>
@@ -6790,36 +10472,6 @@
           <a:chExt cx="0" cy="0"/>
         </a:xfrm>
       </p:grpSpPr>
-      <p:pic>
-        <p:nvPicPr>
-          <p:cNvPr id="17" name="Picture 16"/>
-          <p:cNvPicPr>
-            <a:picLocks noChangeAspect="1"/>
-          </p:cNvPicPr>
-          <p:nvPr/>
-        </p:nvPicPr>
-        <p:blipFill>
-          <a:blip r:embed="rId2">
-            <a:extLst>
-              <a:ext uri="{28A0092B-C50C-407E-A947-70E740481C1C}">
-                <a14:useLocalDpi xmlns:a14="http://schemas.microsoft.com/office/drawing/2010/main" val="0"/>
-              </a:ext>
-            </a:extLst>
-          </a:blip>
-          <a:stretch>
-            <a:fillRect/>
-          </a:stretch>
-        </p:blipFill>
-        <p:spPr>
-          <a:xfrm>
-            <a:off x="461610" y="496551"/>
-            <a:ext cx="10296939" cy="6864626"/>
-          </a:xfrm>
-          <a:prstGeom prst="rect">
-            <a:avLst/>
-          </a:prstGeom>
-        </p:spPr>
-      </p:pic>
       <p:sp>
         <p:nvSpPr>
           <p:cNvPr id="2" name="Title 1"/>
@@ -6848,10 +10500,34 @@
           </a:p>
         </p:txBody>
       </p:sp>
+      <p:pic>
+        <p:nvPicPr>
+          <p:cNvPr id="4" name="Picture 3"/>
+          <p:cNvPicPr>
+            <a:picLocks noChangeAspect="1"/>
+          </p:cNvPicPr>
+          <p:nvPr/>
+        </p:nvPicPr>
+        <p:blipFill>
+          <a:blip r:embed="rId2"/>
+          <a:stretch>
+            <a:fillRect/>
+          </a:stretch>
+        </p:blipFill>
+        <p:spPr>
+          <a:xfrm>
+            <a:off x="1404730" y="818895"/>
+            <a:ext cx="8708033" cy="6039105"/>
+          </a:xfrm>
+          <a:prstGeom prst="rect">
+            <a:avLst/>
+          </a:prstGeom>
+        </p:spPr>
+      </p:pic>
     </p:spTree>
     <p:extLst>
       <p:ext uri="{BB962C8B-B14F-4D97-AF65-F5344CB8AC3E}">
-        <p14:creationId xmlns:p14="http://schemas.microsoft.com/office/powerpoint/2010/main" val="2362547906"/>
+        <p14:creationId xmlns:p14="http://schemas.microsoft.com/office/powerpoint/2010/main" val="4027210829"/>
       </p:ext>
     </p:extLst>
   </p:cSld>
@@ -6887,7 +10563,7 @@
       </p:grpSpPr>
       <p:sp>
         <p:nvSpPr>
-          <p:cNvPr id="4" name="Title 1"/>
+          <p:cNvPr id="2" name="Title 1"/>
           <p:cNvSpPr>
             <a:spLocks noGrp="1"/>
           </p:cNvSpPr>
@@ -6897,8 +10573,8 @@
         </p:nvSpPr>
         <p:spPr>
           <a:xfrm>
-            <a:off x="347730" y="365125"/>
-            <a:ext cx="11006070" cy="1325563"/>
+            <a:off x="461610" y="-166230"/>
+            <a:ext cx="10823222" cy="1325563"/>
           </a:xfrm>
         </p:spPr>
         <p:txBody>
@@ -6907,7 +10583,7 @@
           <a:p>
             <a:r>
               <a:rPr lang="en-US" dirty="0" smtClean="0"/>
-              <a:t>Uniform Filters Result – ResNet18, CIFAR10, PS2</a:t>
+              <a:t>Uniform Layer Result – ResNet18, CIFAR10, PS2</a:t>
             </a:r>
             <a:endParaRPr lang="en-US" dirty="0"/>
           </a:p>
@@ -6929,392 +10605,8 @@
         </p:blipFill>
         <p:spPr>
           <a:xfrm>
-            <a:off x="0" y="1371323"/>
-            <a:ext cx="3620325" cy="3213832"/>
-          </a:xfrm>
-          <a:prstGeom prst="rect">
-            <a:avLst/>
-          </a:prstGeom>
-        </p:spPr>
-      </p:pic>
-      <p:pic>
-        <p:nvPicPr>
-          <p:cNvPr id="6" name="Picture 5"/>
-          <p:cNvPicPr>
-            <a:picLocks noChangeAspect="1"/>
-          </p:cNvPicPr>
-          <p:nvPr/>
-        </p:nvPicPr>
-        <p:blipFill>
-          <a:blip r:embed="rId3"/>
-          <a:stretch>
-            <a:fillRect/>
-          </a:stretch>
-        </p:blipFill>
-        <p:spPr>
-          <a:xfrm>
-            <a:off x="-1" y="2079661"/>
-            <a:ext cx="3620325" cy="3213832"/>
-          </a:xfrm>
-          <a:prstGeom prst="rect">
-            <a:avLst/>
-          </a:prstGeom>
-        </p:spPr>
-      </p:pic>
-      <p:pic>
-        <p:nvPicPr>
-          <p:cNvPr id="7" name="Picture 6"/>
-          <p:cNvPicPr>
-            <a:picLocks noChangeAspect="1"/>
-          </p:cNvPicPr>
-          <p:nvPr/>
-        </p:nvPicPr>
-        <p:blipFill>
-          <a:blip r:embed="rId4"/>
-          <a:stretch>
-            <a:fillRect/>
-          </a:stretch>
-        </p:blipFill>
-        <p:spPr>
-          <a:xfrm>
-            <a:off x="-2" y="2787999"/>
-            <a:ext cx="3620325" cy="3213832"/>
-          </a:xfrm>
-          <a:prstGeom prst="rect">
-            <a:avLst/>
-          </a:prstGeom>
-        </p:spPr>
-      </p:pic>
-      <p:pic>
-        <p:nvPicPr>
-          <p:cNvPr id="8" name="Picture 7"/>
-          <p:cNvPicPr>
-            <a:picLocks noChangeAspect="1"/>
-          </p:cNvPicPr>
-          <p:nvPr/>
-        </p:nvPicPr>
-        <p:blipFill>
-          <a:blip r:embed="rId5"/>
-          <a:stretch>
-            <a:fillRect/>
-          </a:stretch>
-        </p:blipFill>
-        <p:spPr>
-          <a:xfrm>
-            <a:off x="-3" y="3496337"/>
-            <a:ext cx="3620325" cy="3213832"/>
-          </a:xfrm>
-          <a:prstGeom prst="rect">
-            <a:avLst/>
-          </a:prstGeom>
-        </p:spPr>
-      </p:pic>
-      <p:pic>
-        <p:nvPicPr>
-          <p:cNvPr id="9" name="Picture 8"/>
-          <p:cNvPicPr>
-            <a:picLocks noChangeAspect="1"/>
-          </p:cNvPicPr>
-          <p:nvPr/>
-        </p:nvPicPr>
-        <p:blipFill>
-          <a:blip r:embed="rId6"/>
-          <a:stretch>
-            <a:fillRect/>
-          </a:stretch>
-        </p:blipFill>
-        <p:spPr>
-          <a:xfrm>
-            <a:off x="-4" y="4075550"/>
-            <a:ext cx="3620325" cy="3213832"/>
-          </a:xfrm>
-          <a:prstGeom prst="rect">
-            <a:avLst/>
-          </a:prstGeom>
-        </p:spPr>
-      </p:pic>
-      <p:pic>
-        <p:nvPicPr>
-          <p:cNvPr id="10" name="Picture 9"/>
-          <p:cNvPicPr>
-            <a:picLocks noChangeAspect="1"/>
-          </p:cNvPicPr>
-          <p:nvPr/>
-        </p:nvPicPr>
-        <p:blipFill>
-          <a:blip r:embed="rId7"/>
-          <a:stretch>
-            <a:fillRect/>
-          </a:stretch>
-        </p:blipFill>
-        <p:spPr>
-          <a:xfrm>
-            <a:off x="3620321" y="1310208"/>
-            <a:ext cx="3671136" cy="3213832"/>
-          </a:xfrm>
-          <a:prstGeom prst="rect">
-            <a:avLst/>
-          </a:prstGeom>
-        </p:spPr>
-      </p:pic>
-      <p:pic>
-        <p:nvPicPr>
-          <p:cNvPr id="11" name="Picture 10"/>
-          <p:cNvPicPr>
-            <a:picLocks noChangeAspect="1"/>
-          </p:cNvPicPr>
-          <p:nvPr/>
-        </p:nvPicPr>
-        <p:blipFill>
-          <a:blip r:embed="rId8"/>
-          <a:stretch>
-            <a:fillRect/>
-          </a:stretch>
-        </p:blipFill>
-        <p:spPr>
-          <a:xfrm>
-            <a:off x="3620321" y="1908295"/>
-            <a:ext cx="3671136" cy="3213832"/>
-          </a:xfrm>
-          <a:prstGeom prst="rect">
-            <a:avLst/>
-          </a:prstGeom>
-        </p:spPr>
-      </p:pic>
-      <p:pic>
-        <p:nvPicPr>
-          <p:cNvPr id="12" name="Picture 11"/>
-          <p:cNvPicPr>
-            <a:picLocks noChangeAspect="1"/>
-          </p:cNvPicPr>
-          <p:nvPr/>
-        </p:nvPicPr>
-        <p:blipFill>
-          <a:blip r:embed="rId9"/>
-          <a:stretch>
-            <a:fillRect/>
-          </a:stretch>
-        </p:blipFill>
-        <p:spPr>
-          <a:xfrm>
-            <a:off x="3620321" y="2635771"/>
-            <a:ext cx="3671136" cy="3213832"/>
-          </a:xfrm>
-          <a:prstGeom prst="rect">
-            <a:avLst/>
-          </a:prstGeom>
-        </p:spPr>
-      </p:pic>
-      <p:pic>
-        <p:nvPicPr>
-          <p:cNvPr id="13" name="Picture 12"/>
-          <p:cNvPicPr>
-            <a:picLocks noChangeAspect="1"/>
-          </p:cNvPicPr>
-          <p:nvPr/>
-        </p:nvPicPr>
-        <p:blipFill>
-          <a:blip r:embed="rId10"/>
-          <a:stretch>
-            <a:fillRect/>
-          </a:stretch>
-        </p:blipFill>
-        <p:spPr>
-          <a:xfrm>
-            <a:off x="3719520" y="3280862"/>
-            <a:ext cx="3671136" cy="3213832"/>
-          </a:xfrm>
-          <a:prstGeom prst="rect">
-            <a:avLst/>
-          </a:prstGeom>
-        </p:spPr>
-      </p:pic>
-      <p:pic>
-        <p:nvPicPr>
-          <p:cNvPr id="14" name="Picture 13"/>
-          <p:cNvPicPr>
-            <a:picLocks noChangeAspect="1"/>
-          </p:cNvPicPr>
-          <p:nvPr/>
-        </p:nvPicPr>
-        <p:blipFill>
-          <a:blip r:embed="rId11"/>
-          <a:stretch>
-            <a:fillRect/>
-          </a:stretch>
-        </p:blipFill>
-        <p:spPr>
-          <a:xfrm>
-            <a:off x="7240642" y="1340766"/>
-            <a:ext cx="3620325" cy="3213832"/>
-          </a:xfrm>
-          <a:prstGeom prst="rect">
-            <a:avLst/>
-          </a:prstGeom>
-        </p:spPr>
-      </p:pic>
-      <p:pic>
-        <p:nvPicPr>
-          <p:cNvPr id="15" name="Picture 14"/>
-          <p:cNvPicPr>
-            <a:picLocks noChangeAspect="1"/>
-          </p:cNvPicPr>
-          <p:nvPr/>
-        </p:nvPicPr>
-        <p:blipFill>
-          <a:blip r:embed="rId12"/>
-          <a:stretch>
-            <a:fillRect/>
-          </a:stretch>
-        </p:blipFill>
-        <p:spPr>
-          <a:xfrm>
-            <a:off x="7278746" y="1914927"/>
-            <a:ext cx="3633028" cy="3213832"/>
-          </a:xfrm>
-          <a:prstGeom prst="rect">
-            <a:avLst/>
-          </a:prstGeom>
-        </p:spPr>
-      </p:pic>
-      <p:pic>
-        <p:nvPicPr>
-          <p:cNvPr id="16" name="Picture 15"/>
-          <p:cNvPicPr>
-            <a:picLocks noChangeAspect="1"/>
-          </p:cNvPicPr>
-          <p:nvPr/>
-        </p:nvPicPr>
-        <p:blipFill>
-          <a:blip r:embed="rId13"/>
-          <a:stretch>
-            <a:fillRect/>
-          </a:stretch>
-        </p:blipFill>
-        <p:spPr>
-          <a:xfrm>
-            <a:off x="7291457" y="2560018"/>
-            <a:ext cx="3633028" cy="3213832"/>
-          </a:xfrm>
-          <a:prstGeom prst="rect">
-            <a:avLst/>
-          </a:prstGeom>
-        </p:spPr>
-      </p:pic>
-      <p:pic>
-        <p:nvPicPr>
-          <p:cNvPr id="17" name="Picture 16"/>
-          <p:cNvPicPr>
-            <a:picLocks noChangeAspect="1"/>
-          </p:cNvPicPr>
-          <p:nvPr/>
-        </p:nvPicPr>
-        <p:blipFill>
-          <a:blip r:embed="rId14"/>
-          <a:stretch>
-            <a:fillRect/>
-          </a:stretch>
-        </p:blipFill>
-        <p:spPr>
-          <a:xfrm>
-            <a:off x="7241858" y="3428627"/>
-            <a:ext cx="3633028" cy="3213832"/>
-          </a:xfrm>
-          <a:prstGeom prst="rect">
-            <a:avLst/>
-          </a:prstGeom>
-        </p:spPr>
-      </p:pic>
-      <p:pic>
-        <p:nvPicPr>
-          <p:cNvPr id="18" name="Picture 17"/>
-          <p:cNvPicPr>
-            <a:picLocks noChangeAspect="1"/>
-          </p:cNvPicPr>
-          <p:nvPr/>
-        </p:nvPicPr>
-        <p:blipFill>
-          <a:blip r:embed="rId15"/>
-          <a:stretch>
-            <a:fillRect/>
-          </a:stretch>
-        </p:blipFill>
-        <p:spPr>
-          <a:xfrm>
-            <a:off x="10822070" y="1321987"/>
-            <a:ext cx="3620325" cy="3213832"/>
-          </a:xfrm>
-          <a:prstGeom prst="rect">
-            <a:avLst/>
-          </a:prstGeom>
-        </p:spPr>
-      </p:pic>
-      <p:pic>
-        <p:nvPicPr>
-          <p:cNvPr id="19" name="Picture 18"/>
-          <p:cNvPicPr>
-            <a:picLocks noChangeAspect="1"/>
-          </p:cNvPicPr>
-          <p:nvPr/>
-        </p:nvPicPr>
-        <p:blipFill>
-          <a:blip r:embed="rId16"/>
-          <a:stretch>
-            <a:fillRect/>
-          </a:stretch>
-        </p:blipFill>
-        <p:spPr>
-          <a:xfrm>
-            <a:off x="10961373" y="2079661"/>
-            <a:ext cx="3620325" cy="3213832"/>
-          </a:xfrm>
-          <a:prstGeom prst="rect">
-            <a:avLst/>
-          </a:prstGeom>
-        </p:spPr>
-      </p:pic>
-      <p:pic>
-        <p:nvPicPr>
-          <p:cNvPr id="20" name="Picture 19"/>
-          <p:cNvPicPr>
-            <a:picLocks noChangeAspect="1"/>
-          </p:cNvPicPr>
-          <p:nvPr/>
-        </p:nvPicPr>
-        <p:blipFill>
-          <a:blip r:embed="rId17"/>
-          <a:stretch>
-            <a:fillRect/>
-          </a:stretch>
-        </p:blipFill>
-        <p:spPr>
-          <a:xfrm>
-            <a:off x="10961373" y="2938293"/>
-            <a:ext cx="3620325" cy="3213832"/>
-          </a:xfrm>
-          <a:prstGeom prst="rect">
-            <a:avLst/>
-          </a:prstGeom>
-        </p:spPr>
-      </p:pic>
-      <p:pic>
-        <p:nvPicPr>
-          <p:cNvPr id="21" name="Picture 20"/>
-          <p:cNvPicPr>
-            <a:picLocks noChangeAspect="1"/>
-          </p:cNvPicPr>
-          <p:nvPr/>
-        </p:nvPicPr>
-        <p:blipFill>
-          <a:blip r:embed="rId18"/>
-          <a:stretch>
-            <a:fillRect/>
-          </a:stretch>
-        </p:blipFill>
-        <p:spPr>
-          <a:xfrm>
-            <a:off x="10974084" y="3735717"/>
-            <a:ext cx="3620325" cy="3213832"/>
+            <a:off x="1938829" y="766600"/>
+            <a:ext cx="8260822" cy="6091400"/>
           </a:xfrm>
           <a:prstGeom prst="rect">
             <a:avLst/>
@@ -7324,7 +10616,7 @@
     </p:spTree>
     <p:extLst>
       <p:ext uri="{BB962C8B-B14F-4D97-AF65-F5344CB8AC3E}">
-        <p14:creationId xmlns:p14="http://schemas.microsoft.com/office/powerpoint/2010/main" val="1959521006"/>
+        <p14:creationId xmlns:p14="http://schemas.microsoft.com/office/powerpoint/2010/main" val="3148394210"/>
       </p:ext>
     </p:extLst>
   </p:cSld>
@@ -7373,114 +10665,39 @@
           <a:bodyPr/>
           <a:lstStyle/>
           <a:p>
-            <a:r>
-              <a:rPr lang="en-US" dirty="0" smtClean="0"/>
-              <a:t>Uniform Patch Result – ResNet18, CIFAR10, PS2, Channel 0</a:t>
-            </a:r>
-            <a:endParaRPr lang="en-US" dirty="0"/>
+            <a:endParaRPr lang="en-US"/>
           </a:p>
         </p:txBody>
       </p:sp>
-      <p:pic>
-        <p:nvPicPr>
-          <p:cNvPr id="4" name="Picture 3"/>
-          <p:cNvPicPr>
-            <a:picLocks noChangeAspect="1"/>
-          </p:cNvPicPr>
-          <p:nvPr/>
-        </p:nvPicPr>
-        <p:blipFill>
-          <a:blip r:embed="rId2"/>
-          <a:stretch>
-            <a:fillRect/>
-          </a:stretch>
-        </p:blipFill>
-        <p:spPr>
-          <a:xfrm>
-            <a:off x="138840" y="1590264"/>
-            <a:ext cx="3620325" cy="3213832"/>
-          </a:xfrm>
-          <a:prstGeom prst="rect">
-            <a:avLst/>
-          </a:prstGeom>
-        </p:spPr>
-      </p:pic>
-      <p:pic>
-        <p:nvPicPr>
-          <p:cNvPr id="5" name="Picture 4"/>
-          <p:cNvPicPr>
-            <a:picLocks noChangeAspect="1"/>
-          </p:cNvPicPr>
-          <p:nvPr/>
-        </p:nvPicPr>
-        <p:blipFill>
-          <a:blip r:embed="rId3"/>
-          <a:stretch>
-            <a:fillRect/>
-          </a:stretch>
-        </p:blipFill>
-        <p:spPr>
-          <a:xfrm>
-            <a:off x="68687" y="1950873"/>
-            <a:ext cx="3620325" cy="3213832"/>
-          </a:xfrm>
-          <a:prstGeom prst="rect">
-            <a:avLst/>
-          </a:prstGeom>
-        </p:spPr>
-      </p:pic>
-      <p:pic>
-        <p:nvPicPr>
-          <p:cNvPr id="6" name="Picture 5"/>
-          <p:cNvPicPr>
-            <a:picLocks noChangeAspect="1"/>
-          </p:cNvPicPr>
-          <p:nvPr/>
-        </p:nvPicPr>
-        <p:blipFill>
-          <a:blip r:embed="rId4"/>
-          <a:stretch>
-            <a:fillRect/>
-          </a:stretch>
-        </p:blipFill>
-        <p:spPr>
-          <a:xfrm>
-            <a:off x="138840" y="2478906"/>
-            <a:ext cx="3620325" cy="3213832"/>
-          </a:xfrm>
-          <a:prstGeom prst="rect">
-            <a:avLst/>
-          </a:prstGeom>
-        </p:spPr>
-      </p:pic>
-      <p:pic>
-        <p:nvPicPr>
-          <p:cNvPr id="7" name="Picture 6"/>
-          <p:cNvPicPr>
-            <a:picLocks noChangeAspect="1"/>
-          </p:cNvPicPr>
-          <p:nvPr/>
-        </p:nvPicPr>
-        <p:blipFill>
-          <a:blip r:embed="rId5"/>
-          <a:stretch>
-            <a:fillRect/>
-          </a:stretch>
-        </p:blipFill>
-        <p:spPr>
-          <a:xfrm>
-            <a:off x="138840" y="3006939"/>
-            <a:ext cx="3620325" cy="3213832"/>
-          </a:xfrm>
-          <a:prstGeom prst="rect">
-            <a:avLst/>
-          </a:prstGeom>
-        </p:spPr>
-      </p:pic>
+      <p:graphicFrame>
+        <p:nvGraphicFramePr>
+          <p:cNvPr id="4" name="Content Placeholder 3"/>
+          <p:cNvGraphicFramePr>
+            <a:graphicFrameLocks noGrp="1"/>
+          </p:cNvGraphicFramePr>
+          <p:nvPr>
+            <p:ph idx="1"/>
+            <p:extLst>
+              <p:ext uri="{D42A27DB-BD31-4B8C-83A1-F6EECF244321}">
+                <p14:modId xmlns:p14="http://schemas.microsoft.com/office/powerpoint/2010/main" val="3040925367"/>
+              </p:ext>
+            </p:extLst>
+          </p:nvPr>
+        </p:nvGraphicFramePr>
+        <p:xfrm>
+          <a:off x="838200" y="365125"/>
+          <a:ext cx="10515600" cy="5811838"/>
+        </p:xfrm>
+        <a:graphic>
+          <a:graphicData uri="http://schemas.openxmlformats.org/drawingml/2006/chart">
+            <c:chart xmlns:c="http://schemas.openxmlformats.org/drawingml/2006/chart" xmlns:r="http://schemas.openxmlformats.org/officeDocument/2006/relationships" r:id="rId2"/>
+          </a:graphicData>
+        </a:graphic>
+      </p:graphicFrame>
     </p:spTree>
     <p:extLst>
       <p:ext uri="{BB962C8B-B14F-4D97-AF65-F5344CB8AC3E}">
-        <p14:creationId xmlns:p14="http://schemas.microsoft.com/office/powerpoint/2010/main" val="897459706"/>
+        <p14:creationId xmlns:p14="http://schemas.microsoft.com/office/powerpoint/2010/main" val="4000903643"/>
       </p:ext>
     </p:extLst>
   </p:cSld>
@@ -7529,172 +10746,39 @@
           <a:bodyPr/>
           <a:lstStyle/>
           <a:p>
-            <a:pPr algn="ctr"/>
-            <a:r>
-              <a:rPr lang="en-US" dirty="0" smtClean="0"/>
-              <a:t>% of Zeros</a:t>
-            </a:r>
-            <a:endParaRPr lang="en-US" dirty="0"/>
+            <a:endParaRPr lang="en-US"/>
           </a:p>
         </p:txBody>
       </p:sp>
-      <p:pic>
-        <p:nvPicPr>
-          <p:cNvPr id="4" name="Picture 3"/>
-          <p:cNvPicPr>
-            <a:picLocks noChangeAspect="1"/>
-          </p:cNvPicPr>
-          <p:nvPr/>
-        </p:nvPicPr>
-        <p:blipFill>
-          <a:blip r:embed="rId2"/>
-          <a:stretch>
-            <a:fillRect/>
-          </a:stretch>
-        </p:blipFill>
-        <p:spPr>
-          <a:xfrm>
-            <a:off x="659293" y="2314248"/>
-            <a:ext cx="5004940" cy="3531405"/>
-          </a:xfrm>
-          <a:prstGeom prst="rect">
-            <a:avLst/>
-          </a:prstGeom>
-        </p:spPr>
-      </p:pic>
-      <p:sp>
-        <p:nvSpPr>
-          <p:cNvPr id="5" name="TextBox 4"/>
-          <p:cNvSpPr txBox="1"/>
-          <p:nvPr/>
-        </p:nvSpPr>
-        <p:spPr>
-          <a:xfrm>
-            <a:off x="953037" y="1390918"/>
-            <a:ext cx="4417453" cy="923330"/>
-          </a:xfrm>
-          <a:prstGeom prst="rect">
-            <a:avLst/>
-          </a:prstGeom>
-          <a:noFill/>
-        </p:spPr>
-        <p:txBody>
-          <a:bodyPr wrap="square" rtlCol="0">
-            <a:spAutoFit/>
-          </a:bodyPr>
-          <a:lstStyle/>
-          <a:p>
-            <a:pPr algn="ctr"/>
-            <a:r>
-              <a:rPr lang="en-US" b="1" dirty="0" smtClean="0"/>
-              <a:t>Max Granularity</a:t>
-            </a:r>
-          </a:p>
-          <a:p>
-            <a:pPr algn="ctr"/>
-            <a:r>
-              <a:rPr lang="en-US" dirty="0" smtClean="0"/>
-              <a:t>operations saved: </a:t>
-            </a:r>
-            <a:r>
-              <a:rPr lang="en-US" b="1" dirty="0" smtClean="0"/>
-              <a:t>23.243%</a:t>
-            </a:r>
-          </a:p>
-          <a:p>
-            <a:pPr algn="ctr"/>
-            <a:r>
-              <a:rPr lang="en-US" dirty="0" smtClean="0"/>
-              <a:t>with accuracy of: </a:t>
-            </a:r>
-            <a:r>
-              <a:rPr lang="en-US" b="1" dirty="0" smtClean="0"/>
-              <a:t>90.1%</a:t>
-            </a:r>
-            <a:endParaRPr lang="en-US" b="1" dirty="0"/>
-          </a:p>
-        </p:txBody>
-      </p:sp>
-      <p:pic>
-        <p:nvPicPr>
-          <p:cNvPr id="6" name="Picture 5"/>
-          <p:cNvPicPr>
-            <a:picLocks noChangeAspect="1"/>
-          </p:cNvPicPr>
-          <p:nvPr/>
-        </p:nvPicPr>
-        <p:blipFill>
-          <a:blip r:embed="rId3"/>
-          <a:stretch>
-            <a:fillRect/>
-          </a:stretch>
-        </p:blipFill>
-        <p:spPr>
-          <a:xfrm>
-            <a:off x="6153418" y="2314247"/>
-            <a:ext cx="5004940" cy="3531405"/>
-          </a:xfrm>
-          <a:prstGeom prst="rect">
-            <a:avLst/>
-          </a:prstGeom>
-        </p:spPr>
-      </p:pic>
-      <p:sp>
-        <p:nvSpPr>
-          <p:cNvPr id="7" name="TextBox 6"/>
-          <p:cNvSpPr txBox="1"/>
-          <p:nvPr/>
-        </p:nvSpPr>
-        <p:spPr>
-          <a:xfrm>
-            <a:off x="6447161" y="1390918"/>
-            <a:ext cx="4417453" cy="923330"/>
-          </a:xfrm>
-          <a:prstGeom prst="rect">
-            <a:avLst/>
-          </a:prstGeom>
-          <a:noFill/>
-        </p:spPr>
-        <p:txBody>
-          <a:bodyPr wrap="square" rtlCol="0">
-            <a:spAutoFit/>
-          </a:bodyPr>
-          <a:lstStyle/>
-          <a:p>
-            <a:pPr algn="ctr"/>
-            <a:r>
-              <a:rPr lang="en-US" b="1" dirty="0" smtClean="0"/>
-              <a:t>Uniform Patch</a:t>
-            </a:r>
-          </a:p>
-          <a:p>
-            <a:pPr algn="ctr"/>
-            <a:r>
-              <a:rPr lang="en-US" dirty="0" smtClean="0"/>
-              <a:t>operations saved: </a:t>
-            </a:r>
-            <a:r>
-              <a:rPr lang="en-US" b="1" dirty="0" smtClean="0"/>
-              <a:t>25.322%</a:t>
-            </a:r>
-          </a:p>
-          <a:p>
-            <a:pPr algn="ctr"/>
-            <a:r>
-              <a:rPr lang="en-US" dirty="0" smtClean="0"/>
-              <a:t>with accuracy of: </a:t>
-            </a:r>
-            <a:r>
-              <a:rPr lang="en-US" b="1" dirty="0" smtClean="0"/>
-              <a:t>90.5%</a:t>
-            </a:r>
-          </a:p>
-        </p:txBody>
-      </p:sp>
+      <p:graphicFrame>
+        <p:nvGraphicFramePr>
+          <p:cNvPr id="4" name="Content Placeholder 3"/>
+          <p:cNvGraphicFramePr>
+            <a:graphicFrameLocks noGrp="1"/>
+          </p:cNvGraphicFramePr>
+          <p:nvPr>
+            <p:ph idx="1"/>
+            <p:extLst>
+              <p:ext uri="{D42A27DB-BD31-4B8C-83A1-F6EECF244321}">
+                <p14:modId xmlns:p14="http://schemas.microsoft.com/office/powerpoint/2010/main" val="809505562"/>
+              </p:ext>
+            </p:extLst>
+          </p:nvPr>
+        </p:nvGraphicFramePr>
+        <p:xfrm>
+          <a:off x="838200" y="365125"/>
+          <a:ext cx="10515600" cy="5811838"/>
+        </p:xfrm>
+        <a:graphic>
+          <a:graphicData uri="http://schemas.openxmlformats.org/drawingml/2006/chart">
+            <c:chart xmlns:c="http://schemas.openxmlformats.org/drawingml/2006/chart" xmlns:r="http://schemas.openxmlformats.org/officeDocument/2006/relationships" r:id="rId2"/>
+          </a:graphicData>
+        </a:graphic>
+      </p:graphicFrame>
     </p:spTree>
     <p:extLst>
       <p:ext uri="{BB962C8B-B14F-4D97-AF65-F5344CB8AC3E}">
-        <p14:creationId xmlns:p14="http://schemas.microsoft.com/office/powerpoint/2010/main" val="4217641498"/>
+        <p14:creationId xmlns:p14="http://schemas.microsoft.com/office/powerpoint/2010/main" val="4215960480"/>
       </p:ext>
     </p:extLst>
   </p:cSld>

--- a/doc/Presentations/Results_Masks.pptx
+++ b/doc/Presentations/Results_Masks.pptx
@@ -6,21 +6,41 @@
   </p:sldMasterIdLst>
   <p:sldIdLst>
     <p:sldId id="256" r:id="rId2"/>
-    <p:sldId id="257" r:id="rId3"/>
+    <p:sldId id="282" r:id="rId3"/>
     <p:sldId id="259" r:id="rId4"/>
     <p:sldId id="272" r:id="rId5"/>
     <p:sldId id="273" r:id="rId6"/>
-    <p:sldId id="274" r:id="rId7"/>
-    <p:sldId id="278" r:id="rId8"/>
-    <p:sldId id="275" r:id="rId9"/>
-    <p:sldId id="276" r:id="rId10"/>
-    <p:sldId id="277" r:id="rId11"/>
-    <p:sldId id="263" r:id="rId12"/>
-    <p:sldId id="264" r:id="rId13"/>
-    <p:sldId id="279" r:id="rId14"/>
-    <p:sldId id="280" r:id="rId15"/>
-    <p:sldId id="281" r:id="rId16"/>
-    <p:sldId id="262" r:id="rId17"/>
+    <p:sldId id="278" r:id="rId7"/>
+    <p:sldId id="284" r:id="rId8"/>
+    <p:sldId id="283" r:id="rId9"/>
+    <p:sldId id="262" r:id="rId10"/>
+    <p:sldId id="285" r:id="rId11"/>
+    <p:sldId id="287" r:id="rId12"/>
+    <p:sldId id="286" r:id="rId13"/>
+    <p:sldId id="288" r:id="rId14"/>
+    <p:sldId id="291" r:id="rId15"/>
+    <p:sldId id="292" r:id="rId16"/>
+    <p:sldId id="295" r:id="rId17"/>
+    <p:sldId id="294" r:id="rId18"/>
+    <p:sldId id="293" r:id="rId19"/>
+    <p:sldId id="279" r:id="rId20"/>
+    <p:sldId id="281" r:id="rId21"/>
+    <p:sldId id="301" r:id="rId22"/>
+    <p:sldId id="296" r:id="rId23"/>
+    <p:sldId id="297" r:id="rId24"/>
+    <p:sldId id="300" r:id="rId25"/>
+    <p:sldId id="299" r:id="rId26"/>
+    <p:sldId id="298" r:id="rId27"/>
+    <p:sldId id="302" r:id="rId28"/>
+    <p:sldId id="303" r:id="rId29"/>
+    <p:sldId id="304" r:id="rId30"/>
+    <p:sldId id="289" r:id="rId31"/>
+    <p:sldId id="275" r:id="rId32"/>
+    <p:sldId id="276" r:id="rId33"/>
+    <p:sldId id="277" r:id="rId34"/>
+    <p:sldId id="290" r:id="rId35"/>
+    <p:sldId id="263" r:id="rId36"/>
+    <p:sldId id="264" r:id="rId37"/>
   </p:sldIdLst>
   <p:sldSz cx="12192000" cy="6858000"/>
   <p:notesSz cx="6858000" cy="9144000"/>
@@ -119,6 +139,11 @@
       </a:defRPr>
     </a:lvl9pPr>
   </p:defaultTextStyle>
+  <p:extLst>
+    <p:ext uri="{EFAFB233-063F-42B5-8137-9DF3F51BA10A}">
+      <p15:sldGuideLst xmlns:p15="http://schemas.microsoft.com/office/powerpoint/2012/main"/>
+    </p:ext>
+  </p:extLst>
 </p:presentation>
 </file>
 
@@ -393,11 +418,11 @@
         </c:dLbls>
         <c:gapWidth val="150"/>
         <c:overlap val="100"/>
-        <c:axId val="462981792"/>
-        <c:axId val="462971992"/>
+        <c:axId val="371960208"/>
+        <c:axId val="371961776"/>
       </c:barChart>
       <c:catAx>
-        <c:axId val="462981792"/>
+        <c:axId val="371960208"/>
         <c:scaling>
           <c:orientation val="minMax"/>
         </c:scaling>
@@ -495,7 +520,7 @@
             <a:endParaRPr lang="en-US"/>
           </a:p>
         </c:txPr>
-        <c:crossAx val="462971992"/>
+        <c:crossAx val="371961776"/>
         <c:crosses val="autoZero"/>
         <c:auto val="1"/>
         <c:lblAlgn val="ctr"/>
@@ -503,7 +528,7 @@
         <c:noMultiLvlLbl val="0"/>
       </c:catAx>
       <c:valAx>
-        <c:axId val="462971992"/>
+        <c:axId val="371961776"/>
         <c:scaling>
           <c:orientation val="minMax"/>
         </c:scaling>
@@ -610,7 +635,7 @@
             <a:endParaRPr lang="en-US"/>
           </a:p>
         </c:txPr>
-        <c:crossAx val="462981792"/>
+        <c:crossAx val="371960208"/>
         <c:crosses val="autoZero"/>
         <c:crossBetween val="between"/>
       </c:valAx>
@@ -1081,11 +1106,11 @@
         </c:dLbls>
         <c:gapWidth val="444"/>
         <c:overlap val="-90"/>
-        <c:axId val="377503160"/>
-        <c:axId val="377500808"/>
+        <c:axId val="371962952"/>
+        <c:axId val="371965696"/>
       </c:barChart>
       <c:catAx>
-        <c:axId val="377503160"/>
+        <c:axId val="371962952"/>
         <c:scaling>
           <c:orientation val="minMax"/>
         </c:scaling>
@@ -1183,7 +1208,7 @@
             <a:endParaRPr lang="en-US"/>
           </a:p>
         </c:txPr>
-        <c:crossAx val="377500808"/>
+        <c:crossAx val="371965696"/>
         <c:crosses val="autoZero"/>
         <c:auto val="1"/>
         <c:lblAlgn val="ctr"/>
@@ -1191,7 +1216,7 @@
         <c:noMultiLvlLbl val="0"/>
       </c:catAx>
       <c:valAx>
-        <c:axId val="377500808"/>
+        <c:axId val="371965696"/>
         <c:scaling>
           <c:orientation val="minMax"/>
         </c:scaling>
@@ -1304,7 +1329,7 @@
             <a:endParaRPr lang="en-US"/>
           </a:p>
         </c:txPr>
-        <c:crossAx val="377503160"/>
+        <c:crossAx val="371962952"/>
         <c:crosses val="autoZero"/>
         <c:crossBetween val="between"/>
       </c:valAx>
@@ -1566,11 +1591,11 @@
         </c:dLbls>
         <c:gapWidth val="267"/>
         <c:overlap val="-43"/>
-        <c:axId val="470928544"/>
-        <c:axId val="470937168"/>
+        <c:axId val="371960600"/>
+        <c:axId val="371966088"/>
       </c:barChart>
       <c:catAx>
-        <c:axId val="470928544"/>
+        <c:axId val="371960600"/>
         <c:scaling>
           <c:orientation val="minMax"/>
         </c:scaling>
@@ -1682,7 +1707,7 @@
             <a:endParaRPr lang="en-US"/>
           </a:p>
         </c:txPr>
-        <c:crossAx val="470937168"/>
+        <c:crossAx val="371966088"/>
         <c:crosses val="autoZero"/>
         <c:auto val="1"/>
         <c:lblAlgn val="ctr"/>
@@ -1690,7 +1715,7 @@
         <c:noMultiLvlLbl val="0"/>
       </c:catAx>
       <c:valAx>
-        <c:axId val="470937168"/>
+        <c:axId val="371966088"/>
         <c:scaling>
           <c:orientation val="minMax"/>
         </c:scaling>
@@ -1797,7 +1822,7 @@
             <a:endParaRPr lang="en-US"/>
           </a:p>
         </c:txPr>
-        <c:crossAx val="470928544"/>
+        <c:crossAx val="371960600"/>
         <c:crosses val="autoZero"/>
         <c:crossBetween val="between"/>
       </c:valAx>
@@ -3683,7 +3708,7 @@
           <a:p>
             <a:fld id="{59930261-C046-43C0-8EF3-09F944E535C2}" type="datetimeFigureOut">
               <a:rPr lang="en-US" smtClean="0"/>
-              <a:t>04-Mar-19</a:t>
+              <a:t>18-Mar-19</a:t>
             </a:fld>
             <a:endParaRPr lang="en-US"/>
           </a:p>
@@ -3853,7 +3878,7 @@
           <a:p>
             <a:fld id="{59930261-C046-43C0-8EF3-09F944E535C2}" type="datetimeFigureOut">
               <a:rPr lang="en-US" smtClean="0"/>
-              <a:t>04-Mar-19</a:t>
+              <a:t>18-Mar-19</a:t>
             </a:fld>
             <a:endParaRPr lang="en-US"/>
           </a:p>
@@ -4033,7 +4058,7 @@
           <a:p>
             <a:fld id="{59930261-C046-43C0-8EF3-09F944E535C2}" type="datetimeFigureOut">
               <a:rPr lang="en-US" smtClean="0"/>
-              <a:t>04-Mar-19</a:t>
+              <a:t>18-Mar-19</a:t>
             </a:fld>
             <a:endParaRPr lang="en-US"/>
           </a:p>
@@ -4203,7 +4228,7 @@
           <a:p>
             <a:fld id="{59930261-C046-43C0-8EF3-09F944E535C2}" type="datetimeFigureOut">
               <a:rPr lang="en-US" smtClean="0"/>
-              <a:t>04-Mar-19</a:t>
+              <a:t>18-Mar-19</a:t>
             </a:fld>
             <a:endParaRPr lang="en-US"/>
           </a:p>
@@ -4449,7 +4474,7 @@
           <a:p>
             <a:fld id="{59930261-C046-43C0-8EF3-09F944E535C2}" type="datetimeFigureOut">
               <a:rPr lang="en-US" smtClean="0"/>
-              <a:t>04-Mar-19</a:t>
+              <a:t>18-Mar-19</a:t>
             </a:fld>
             <a:endParaRPr lang="en-US"/>
           </a:p>
@@ -4681,7 +4706,7 @@
           <a:p>
             <a:fld id="{59930261-C046-43C0-8EF3-09F944E535C2}" type="datetimeFigureOut">
               <a:rPr lang="en-US" smtClean="0"/>
-              <a:t>04-Mar-19</a:t>
+              <a:t>18-Mar-19</a:t>
             </a:fld>
             <a:endParaRPr lang="en-US"/>
           </a:p>
@@ -5048,7 +5073,7 @@
           <a:p>
             <a:fld id="{59930261-C046-43C0-8EF3-09F944E535C2}" type="datetimeFigureOut">
               <a:rPr lang="en-US" smtClean="0"/>
-              <a:t>04-Mar-19</a:t>
+              <a:t>18-Mar-19</a:t>
             </a:fld>
             <a:endParaRPr lang="en-US"/>
           </a:p>
@@ -5166,7 +5191,7 @@
           <a:p>
             <a:fld id="{59930261-C046-43C0-8EF3-09F944E535C2}" type="datetimeFigureOut">
               <a:rPr lang="en-US" smtClean="0"/>
-              <a:t>04-Mar-19</a:t>
+              <a:t>18-Mar-19</a:t>
             </a:fld>
             <a:endParaRPr lang="en-US"/>
           </a:p>
@@ -5261,7 +5286,7 @@
           <a:p>
             <a:fld id="{59930261-C046-43C0-8EF3-09F944E535C2}" type="datetimeFigureOut">
               <a:rPr lang="en-US" smtClean="0"/>
-              <a:t>04-Mar-19</a:t>
+              <a:t>18-Mar-19</a:t>
             </a:fld>
             <a:endParaRPr lang="en-US"/>
           </a:p>
@@ -5538,7 +5563,7 @@
           <a:p>
             <a:fld id="{59930261-C046-43C0-8EF3-09F944E535C2}" type="datetimeFigureOut">
               <a:rPr lang="en-US" smtClean="0"/>
-              <a:t>04-Mar-19</a:t>
+              <a:t>18-Mar-19</a:t>
             </a:fld>
             <a:endParaRPr lang="en-US"/>
           </a:p>
@@ -5791,7 +5816,7 @@
           <a:p>
             <a:fld id="{59930261-C046-43C0-8EF3-09F944E535C2}" type="datetimeFigureOut">
               <a:rPr lang="en-US" smtClean="0"/>
-              <a:t>04-Mar-19</a:t>
+              <a:t>18-Mar-19</a:t>
             </a:fld>
             <a:endParaRPr lang="en-US"/>
           </a:p>
@@ -6004,7 +6029,7 @@
           <a:p>
             <a:fld id="{59930261-C046-43C0-8EF3-09F944E535C2}" type="datetimeFigureOut">
               <a:rPr lang="en-US" smtClean="0"/>
-              <a:t>04-Mar-19</a:t>
+              <a:t>18-Mar-19</a:t>
             </a:fld>
             <a:endParaRPr lang="en-US"/>
           </a:p>
@@ -6448,10 +6473,14 @@
           <a:lstStyle/>
           <a:p>
             <a:r>
-              <a:rPr lang="en-US" smtClean="0"/>
-              <a:t>Presantation options</a:t>
-            </a:r>
-            <a:endParaRPr lang="en-US"/>
+              <a:rPr lang="en-US" dirty="0" smtClean="0"/>
+              <a:t>Presentation </a:t>
+            </a:r>
+            <a:r>
+              <a:rPr lang="en-US" dirty="0" smtClean="0"/>
+              <a:t>options</a:t>
+            </a:r>
+            <a:endParaRPr lang="en-US" dirty="0"/>
           </a:p>
         </p:txBody>
       </p:sp>
@@ -6492,35 +6521,62 @@
           <a:chExt cx="0" cy="0"/>
         </a:xfrm>
       </p:grpSpPr>
-      <p:graphicFrame>
-        <p:nvGraphicFramePr>
-          <p:cNvPr id="4" name="Content Placeholder 3"/>
-          <p:cNvGraphicFramePr>
-            <a:graphicFrameLocks noGrp="1"/>
-          </p:cNvGraphicFramePr>
+      <p:sp>
+        <p:nvSpPr>
+          <p:cNvPr id="4" name="Title 1"/>
+          <p:cNvSpPr>
+            <a:spLocks noGrp="1"/>
+          </p:cNvSpPr>
           <p:nvPr>
-            <p:ph idx="1"/>
-            <p:extLst>
-              <p:ext uri="{D42A27DB-BD31-4B8C-83A1-F6EECF244321}">
-                <p14:modId xmlns:p14="http://schemas.microsoft.com/office/powerpoint/2010/main" val="3285679457"/>
-              </p:ext>
-            </p:extLst>
+            <p:ph type="title"/>
           </p:nvPr>
-        </p:nvGraphicFramePr>
-        <p:xfrm>
-          <a:off x="838200" y="592428"/>
-          <a:ext cx="10515600" cy="5584535"/>
-        </p:xfrm>
-        <a:graphic>
-          <a:graphicData uri="http://schemas.openxmlformats.org/drawingml/2006/chart">
-            <c:chart xmlns:c="http://schemas.openxmlformats.org/drawingml/2006/chart" xmlns:r="http://schemas.openxmlformats.org/officeDocument/2006/relationships" r:id="rId2"/>
-          </a:graphicData>
-        </a:graphic>
-      </p:graphicFrame>
+        </p:nvSpPr>
+        <p:spPr>
+          <a:xfrm>
+            <a:off x="347730" y="365125"/>
+            <a:ext cx="11006070" cy="1325563"/>
+          </a:xfrm>
+        </p:spPr>
+        <p:txBody>
+          <a:bodyPr/>
+          <a:lstStyle/>
+          <a:p>
+            <a:r>
+              <a:rPr lang="en-US" dirty="0" smtClean="0"/>
+              <a:t>Uniform Filters Result – ResNet18, CIFAR10, PS2</a:t>
+            </a:r>
+            <a:endParaRPr lang="en-US" dirty="0"/>
+          </a:p>
+        </p:txBody>
+      </p:sp>
+      <p:pic>
+        <p:nvPicPr>
+          <p:cNvPr id="2" name="Picture 1"/>
+          <p:cNvPicPr>
+            <a:picLocks noChangeAspect="1"/>
+          </p:cNvPicPr>
+          <p:nvPr/>
+        </p:nvPicPr>
+        <p:blipFill>
+          <a:blip r:embed="rId2"/>
+          <a:stretch>
+            <a:fillRect/>
+          </a:stretch>
+        </p:blipFill>
+        <p:spPr>
+          <a:xfrm>
+            <a:off x="2549480" y="1329715"/>
+            <a:ext cx="6602570" cy="5228880"/>
+          </a:xfrm>
+          <a:prstGeom prst="rect">
+            <a:avLst/>
+          </a:prstGeom>
+        </p:spPr>
+      </p:pic>
     </p:spTree>
     <p:extLst>
       <p:ext uri="{BB962C8B-B14F-4D97-AF65-F5344CB8AC3E}">
-        <p14:creationId xmlns:p14="http://schemas.microsoft.com/office/powerpoint/2010/main" val="3491291647"/>
+        <p14:creationId xmlns:p14="http://schemas.microsoft.com/office/powerpoint/2010/main" val="1269520693"/>
       </p:ext>
     </p:extLst>
   </p:cSld>
@@ -6556,7 +6612,7 @@
       </p:grpSpPr>
       <p:sp>
         <p:nvSpPr>
-          <p:cNvPr id="2" name="Title 1"/>
+          <p:cNvPr id="4" name="Title 1"/>
           <p:cNvSpPr>
             <a:spLocks noGrp="1"/>
           </p:cNvSpPr>
@@ -6564,15 +6620,19 @@
             <p:ph type="title"/>
           </p:nvPr>
         </p:nvSpPr>
-        <p:spPr/>
+        <p:spPr>
+          <a:xfrm>
+            <a:off x="347730" y="365125"/>
+            <a:ext cx="11006070" cy="1325563"/>
+          </a:xfrm>
+        </p:spPr>
         <p:txBody>
           <a:bodyPr/>
           <a:lstStyle/>
           <a:p>
-            <a:pPr algn="ctr"/>
             <a:r>
               <a:rPr lang="en-US" dirty="0" smtClean="0"/>
-              <a:t>% of Zeros</a:t>
+              <a:t>Uniform Filters Result – ResNet18, CIFAR10, PS2</a:t>
             </a:r>
             <a:endParaRPr lang="en-US" dirty="0"/>
           </a:p>
@@ -6580,7 +6640,7 @@
       </p:sp>
       <p:pic>
         <p:nvPicPr>
-          <p:cNvPr id="4" name="Picture 3"/>
+          <p:cNvPr id="2" name="Picture 1"/>
           <p:cNvPicPr>
             <a:picLocks noChangeAspect="1"/>
           </p:cNvPicPr>
@@ -6594,147 +6654,18 @@
         </p:blipFill>
         <p:spPr>
           <a:xfrm>
-            <a:off x="659293" y="2314248"/>
-            <a:ext cx="5004940" cy="3531405"/>
+            <a:off x="2523723" y="1399468"/>
+            <a:ext cx="6654084" cy="5269678"/>
           </a:xfrm>
           <a:prstGeom prst="rect">
             <a:avLst/>
           </a:prstGeom>
         </p:spPr>
       </p:pic>
-      <p:sp>
-        <p:nvSpPr>
-          <p:cNvPr id="5" name="TextBox 4"/>
-          <p:cNvSpPr txBox="1"/>
-          <p:nvPr/>
-        </p:nvSpPr>
-        <p:spPr>
-          <a:xfrm>
-            <a:off x="953037" y="1390918"/>
-            <a:ext cx="4417453" cy="923330"/>
-          </a:xfrm>
-          <a:prstGeom prst="rect">
-            <a:avLst/>
-          </a:prstGeom>
-          <a:noFill/>
-        </p:spPr>
-        <p:txBody>
-          <a:bodyPr wrap="square" rtlCol="0">
-            <a:spAutoFit/>
-          </a:bodyPr>
-          <a:lstStyle/>
-          <a:p>
-            <a:pPr algn="ctr"/>
-            <a:r>
-              <a:rPr lang="en-US" b="1" dirty="0" smtClean="0"/>
-              <a:t>Max Granularity</a:t>
-            </a:r>
-          </a:p>
-          <a:p>
-            <a:pPr algn="ctr"/>
-            <a:r>
-              <a:rPr lang="en-US" dirty="0" smtClean="0"/>
-              <a:t>operations saved: </a:t>
-            </a:r>
-            <a:r>
-              <a:rPr lang="en-US" b="1" dirty="0" smtClean="0"/>
-              <a:t>23.243%</a:t>
-            </a:r>
-          </a:p>
-          <a:p>
-            <a:pPr algn="ctr"/>
-            <a:r>
-              <a:rPr lang="en-US" dirty="0" smtClean="0"/>
-              <a:t>with accuracy of: </a:t>
-            </a:r>
-            <a:r>
-              <a:rPr lang="en-US" b="1" dirty="0" smtClean="0"/>
-              <a:t>90.1%</a:t>
-            </a:r>
-            <a:endParaRPr lang="en-US" b="1" dirty="0"/>
-          </a:p>
-        </p:txBody>
-      </p:sp>
-      <p:pic>
-        <p:nvPicPr>
-          <p:cNvPr id="6" name="Picture 5"/>
-          <p:cNvPicPr>
-            <a:picLocks noChangeAspect="1"/>
-          </p:cNvPicPr>
-          <p:nvPr/>
-        </p:nvPicPr>
-        <p:blipFill>
-          <a:blip r:embed="rId3"/>
-          <a:stretch>
-            <a:fillRect/>
-          </a:stretch>
-        </p:blipFill>
-        <p:spPr>
-          <a:xfrm>
-            <a:off x="6153418" y="2314247"/>
-            <a:ext cx="5004940" cy="3531405"/>
-          </a:xfrm>
-          <a:prstGeom prst="rect">
-            <a:avLst/>
-          </a:prstGeom>
-        </p:spPr>
-      </p:pic>
-      <p:sp>
-        <p:nvSpPr>
-          <p:cNvPr id="7" name="TextBox 6"/>
-          <p:cNvSpPr txBox="1"/>
-          <p:nvPr/>
-        </p:nvSpPr>
-        <p:spPr>
-          <a:xfrm>
-            <a:off x="6447161" y="1390918"/>
-            <a:ext cx="4417453" cy="923330"/>
-          </a:xfrm>
-          <a:prstGeom prst="rect">
-            <a:avLst/>
-          </a:prstGeom>
-          <a:noFill/>
-        </p:spPr>
-        <p:txBody>
-          <a:bodyPr wrap="square" rtlCol="0">
-            <a:spAutoFit/>
-          </a:bodyPr>
-          <a:lstStyle/>
-          <a:p>
-            <a:pPr algn="ctr"/>
-            <a:r>
-              <a:rPr lang="en-US" b="1" dirty="0" smtClean="0"/>
-              <a:t>Uniform Patch</a:t>
-            </a:r>
-          </a:p>
-          <a:p>
-            <a:pPr algn="ctr"/>
-            <a:r>
-              <a:rPr lang="en-US" dirty="0" smtClean="0"/>
-              <a:t>operations saved: </a:t>
-            </a:r>
-            <a:r>
-              <a:rPr lang="en-US" b="1" dirty="0" smtClean="0"/>
-              <a:t>25.322%</a:t>
-            </a:r>
-          </a:p>
-          <a:p>
-            <a:pPr algn="ctr"/>
-            <a:r>
-              <a:rPr lang="en-US" dirty="0" smtClean="0"/>
-              <a:t>with accuracy of: </a:t>
-            </a:r>
-            <a:r>
-              <a:rPr lang="en-US" b="1" dirty="0" smtClean="0"/>
-              <a:t>90.5%</a:t>
-            </a:r>
-          </a:p>
-        </p:txBody>
-      </p:sp>
     </p:spTree>
     <p:extLst>
       <p:ext uri="{BB962C8B-B14F-4D97-AF65-F5344CB8AC3E}">
-        <p14:creationId xmlns:p14="http://schemas.microsoft.com/office/powerpoint/2010/main" val="4217641498"/>
+        <p14:creationId xmlns:p14="http://schemas.microsoft.com/office/powerpoint/2010/main" val="3926970839"/>
       </p:ext>
     </p:extLst>
   </p:cSld>
@@ -6770,7 +6701,7 @@
       </p:grpSpPr>
       <p:sp>
         <p:nvSpPr>
-          <p:cNvPr id="2" name="Title 1"/>
+          <p:cNvPr id="4" name="Title 1"/>
           <p:cNvSpPr>
             <a:spLocks noGrp="1"/>
           </p:cNvSpPr>
@@ -6778,128 +6709,27 @@
             <p:ph type="title"/>
           </p:nvPr>
         </p:nvSpPr>
-        <p:spPr/>
+        <p:spPr>
+          <a:xfrm>
+            <a:off x="347730" y="365125"/>
+            <a:ext cx="11006070" cy="1325563"/>
+          </a:xfrm>
+        </p:spPr>
         <p:txBody>
           <a:bodyPr/>
           <a:lstStyle/>
           <a:p>
-            <a:pPr algn="ctr"/>
             <a:r>
               <a:rPr lang="en-US" dirty="0" smtClean="0"/>
-              <a:t>% of Zeros</a:t>
+              <a:t>Uniform Filters Result – ResNet18, CIFAR10, PS2</a:t>
             </a:r>
             <a:endParaRPr lang="en-US" dirty="0"/>
-          </a:p>
-        </p:txBody>
-      </p:sp>
-      <p:sp>
-        <p:nvSpPr>
-          <p:cNvPr id="5" name="TextBox 4"/>
-          <p:cNvSpPr txBox="1"/>
-          <p:nvPr/>
-        </p:nvSpPr>
-        <p:spPr>
-          <a:xfrm>
-            <a:off x="953037" y="1390918"/>
-            <a:ext cx="4417453" cy="923330"/>
-          </a:xfrm>
-          <a:prstGeom prst="rect">
-            <a:avLst/>
-          </a:prstGeom>
-          <a:noFill/>
-        </p:spPr>
-        <p:txBody>
-          <a:bodyPr wrap="square" rtlCol="0">
-            <a:spAutoFit/>
-          </a:bodyPr>
-          <a:lstStyle/>
-          <a:p>
-            <a:pPr algn="ctr"/>
-            <a:r>
-              <a:rPr lang="en-US" b="1" dirty="0" smtClean="0"/>
-              <a:t>Uniform Filters</a:t>
-            </a:r>
-          </a:p>
-          <a:p>
-            <a:pPr algn="ctr"/>
-            <a:r>
-              <a:rPr lang="en-US" dirty="0" smtClean="0"/>
-              <a:t>operations saved: </a:t>
-            </a:r>
-            <a:r>
-              <a:rPr lang="en-US" b="1" dirty="0" smtClean="0"/>
-              <a:t>23.712%</a:t>
-            </a:r>
-          </a:p>
-          <a:p>
-            <a:pPr algn="ctr"/>
-            <a:r>
-              <a:rPr lang="en-US" dirty="0" smtClean="0"/>
-              <a:t>with accuracy of: </a:t>
-            </a:r>
-            <a:r>
-              <a:rPr lang="en-US" b="1" dirty="0" smtClean="0"/>
-              <a:t>90.1%</a:t>
-            </a:r>
-            <a:endParaRPr lang="en-US" b="1" dirty="0"/>
-          </a:p>
-        </p:txBody>
-      </p:sp>
-      <p:sp>
-        <p:nvSpPr>
-          <p:cNvPr id="7" name="TextBox 6"/>
-          <p:cNvSpPr txBox="1"/>
-          <p:nvPr/>
-        </p:nvSpPr>
-        <p:spPr>
-          <a:xfrm>
-            <a:off x="6447161" y="1390918"/>
-            <a:ext cx="4417453" cy="923330"/>
-          </a:xfrm>
-          <a:prstGeom prst="rect">
-            <a:avLst/>
-          </a:prstGeom>
-          <a:noFill/>
-        </p:spPr>
-        <p:txBody>
-          <a:bodyPr wrap="square" rtlCol="0">
-            <a:spAutoFit/>
-          </a:bodyPr>
-          <a:lstStyle/>
-          <a:p>
-            <a:pPr algn="ctr"/>
-            <a:r>
-              <a:rPr lang="en-US" b="1" dirty="0" smtClean="0"/>
-              <a:t>Uniform Layer</a:t>
-            </a:r>
-          </a:p>
-          <a:p>
-            <a:pPr algn="ctr"/>
-            <a:r>
-              <a:rPr lang="en-US" dirty="0" smtClean="0"/>
-              <a:t>operations saved: </a:t>
-            </a:r>
-            <a:r>
-              <a:rPr lang="en-US" b="1" dirty="0" smtClean="0"/>
-              <a:t>23.669%</a:t>
-            </a:r>
-          </a:p>
-          <a:p>
-            <a:pPr algn="ctr"/>
-            <a:r>
-              <a:rPr lang="en-US" dirty="0" smtClean="0"/>
-              <a:t>with accuracy of: </a:t>
-            </a:r>
-            <a:r>
-              <a:rPr lang="en-US" b="1" dirty="0" smtClean="0"/>
-              <a:t>90.1%</a:t>
-            </a:r>
           </a:p>
         </p:txBody>
       </p:sp>
       <p:pic>
         <p:nvPicPr>
-          <p:cNvPr id="3" name="Picture 2"/>
+          <p:cNvPr id="2" name="Picture 1"/>
           <p:cNvPicPr>
             <a:picLocks noChangeAspect="1"/>
           </p:cNvPicPr>
@@ -6913,32 +6743,8 @@
         </p:blipFill>
         <p:spPr>
           <a:xfrm>
-            <a:off x="659293" y="2314246"/>
-            <a:ext cx="5004940" cy="3531405"/>
-          </a:xfrm>
-          <a:prstGeom prst="rect">
-            <a:avLst/>
-          </a:prstGeom>
-        </p:spPr>
-      </p:pic>
-      <p:pic>
-        <p:nvPicPr>
-          <p:cNvPr id="8" name="Picture 7"/>
-          <p:cNvPicPr>
-            <a:picLocks noChangeAspect="1"/>
-          </p:cNvPicPr>
-          <p:nvPr/>
-        </p:nvPicPr>
-        <p:blipFill>
-          <a:blip r:embed="rId2"/>
-          <a:stretch>
-            <a:fillRect/>
-          </a:stretch>
-        </p:blipFill>
-        <p:spPr>
-          <a:xfrm>
-            <a:off x="6153417" y="2314246"/>
-            <a:ext cx="5004940" cy="3531405"/>
+            <a:off x="2189410" y="1175734"/>
+            <a:ext cx="7684392" cy="5682266"/>
           </a:xfrm>
           <a:prstGeom prst="rect">
             <a:avLst/>
@@ -6948,7 +6754,7 @@
     </p:spTree>
     <p:extLst>
       <p:ext uri="{BB962C8B-B14F-4D97-AF65-F5344CB8AC3E}">
-        <p14:creationId xmlns:p14="http://schemas.microsoft.com/office/powerpoint/2010/main" val="3814312812"/>
+        <p14:creationId xmlns:p14="http://schemas.microsoft.com/office/powerpoint/2010/main" val="1765754276"/>
       </p:ext>
     </p:extLst>
   </p:cSld>
@@ -6982,32 +6788,6 @@
           <a:chExt cx="0" cy="0"/>
         </a:xfrm>
       </p:grpSpPr>
-      <p:pic>
-        <p:nvPicPr>
-          <p:cNvPr id="5" name="Content Placeholder 4"/>
-          <p:cNvPicPr>
-            <a:picLocks noGrp="1" noChangeAspect="1"/>
-          </p:cNvPicPr>
-          <p:nvPr>
-            <p:ph idx="1"/>
-          </p:nvPr>
-        </p:nvPicPr>
-        <p:blipFill>
-          <a:blip r:embed="rId2"/>
-          <a:stretch>
-            <a:fillRect/>
-          </a:stretch>
-        </p:blipFill>
-        <p:spPr>
-          <a:xfrm>
-            <a:off x="693962" y="1519238"/>
-            <a:ext cx="10659838" cy="10719615"/>
-          </a:xfrm>
-          <a:prstGeom prst="rect">
-            <a:avLst/>
-          </a:prstGeom>
-        </p:spPr>
-      </p:pic>
       <p:sp>
         <p:nvSpPr>
           <p:cNvPr id="4" name="Title 1"/>
@@ -7020,35 +6800,50 @@
         </p:nvSpPr>
         <p:spPr>
           <a:xfrm>
-            <a:off x="838200" y="193675"/>
-            <a:ext cx="10515600" cy="1325563"/>
+            <a:off x="347730" y="365125"/>
+            <a:ext cx="11006070" cy="1325563"/>
           </a:xfrm>
         </p:spPr>
         <p:txBody>
           <a:bodyPr/>
           <a:lstStyle/>
           <a:p>
-            <a:pPr algn="ctr"/>
-            <a:r>
-              <a:rPr lang="en-US" smtClean="0"/>
-              <a:t>Uniform Patch </a:t>
-            </a:r>
             <a:r>
               <a:rPr lang="en-US" dirty="0" smtClean="0"/>
-              <a:t>Result – ResNet18, CIFAR10</a:t>
-            </a:r>
-            <a:r>
-              <a:rPr lang="en-US" smtClean="0"/>
-              <a:t>, PS2, Layer: 0 </a:t>
+              <a:t>Uniform Filters Result – ResNet18, CIFAR10, PS2</a:t>
             </a:r>
             <a:endParaRPr lang="en-US" dirty="0"/>
           </a:p>
         </p:txBody>
       </p:sp>
+      <p:pic>
+        <p:nvPicPr>
+          <p:cNvPr id="2" name="Picture 1"/>
+          <p:cNvPicPr>
+            <a:picLocks noChangeAspect="1"/>
+          </p:cNvPicPr>
+          <p:nvPr/>
+        </p:nvPicPr>
+        <p:blipFill>
+          <a:blip r:embed="rId2"/>
+          <a:stretch>
+            <a:fillRect/>
+          </a:stretch>
+        </p:blipFill>
+        <p:spPr>
+          <a:xfrm>
+            <a:off x="2317662" y="1305825"/>
+            <a:ext cx="7066206" cy="5225144"/>
+          </a:xfrm>
+          <a:prstGeom prst="rect">
+            <a:avLst/>
+          </a:prstGeom>
+        </p:spPr>
+      </p:pic>
     </p:spTree>
     <p:extLst>
       <p:ext uri="{BB962C8B-B14F-4D97-AF65-F5344CB8AC3E}">
-        <p14:creationId xmlns:p14="http://schemas.microsoft.com/office/powerpoint/2010/main" val="3039905217"/>
+        <p14:creationId xmlns:p14="http://schemas.microsoft.com/office/powerpoint/2010/main" val="4065689126"/>
       </p:ext>
     </p:extLst>
   </p:cSld>
@@ -7084,84 +6879,56 @@
       </p:grpSpPr>
       <p:sp>
         <p:nvSpPr>
-          <p:cNvPr id="4" name="Title 1"/>
+          <p:cNvPr id="2" name="Title 1"/>
           <p:cNvSpPr>
             <a:spLocks noGrp="1"/>
           </p:cNvSpPr>
           <p:nvPr>
-            <p:ph type="title"/>
+            <p:ph type="ctrTitle"/>
           </p:nvPr>
         </p:nvSpPr>
-        <p:spPr>
-          <a:xfrm>
-            <a:off x="838200" y="193675"/>
-            <a:ext cx="10515600" cy="1325563"/>
-          </a:xfrm>
-        </p:spPr>
+        <p:spPr/>
         <p:txBody>
           <a:bodyPr/>
           <a:lstStyle/>
           <a:p>
-            <a:pPr algn="ctr"/>
-            <a:r>
-              <a:rPr lang="en-US" smtClean="0"/>
-              <a:t>Uniform Patch </a:t>
-            </a:r>
             <a:r>
               <a:rPr lang="en-US" dirty="0" smtClean="0"/>
-              <a:t>Result – ResNet18, CIFAR10</a:t>
-            </a:r>
-            <a:r>
-              <a:rPr lang="en-US" smtClean="0"/>
-              <a:t>, PS2, Layer: 4 </a:t>
+              <a:t>Uniform Patch</a:t>
             </a:r>
             <a:endParaRPr lang="en-US" dirty="0"/>
           </a:p>
         </p:txBody>
       </p:sp>
-      <p:pic>
-        <p:nvPicPr>
-          <p:cNvPr id="3" name="Content Placeholder 2"/>
-          <p:cNvPicPr>
-            <a:picLocks noGrp="1" noChangeAspect="1"/>
-          </p:cNvPicPr>
+      <p:sp>
+        <p:nvSpPr>
+          <p:cNvPr id="3" name="Subtitle 2"/>
+          <p:cNvSpPr>
+            <a:spLocks noGrp="1"/>
+          </p:cNvSpPr>
           <p:nvPr>
-            <p:ph idx="1"/>
+            <p:ph type="subTitle" idx="1"/>
           </p:nvPr>
-        </p:nvPicPr>
-        <p:blipFill>
-          <a:blip r:embed="rId2"/>
-          <a:stretch>
-            <a:fillRect/>
-          </a:stretch>
-        </p:blipFill>
-        <p:spPr>
-          <a:xfrm>
-            <a:off x="3326662" y="1519238"/>
-            <a:ext cx="5308990" cy="5338762"/>
-          </a:xfrm>
-          <a:prstGeom prst="rect">
-            <a:avLst/>
-          </a:prstGeom>
-        </p:spPr>
-      </p:pic>
+        </p:nvSpPr>
+        <p:spPr/>
+        <p:txBody>
+          <a:bodyPr/>
+          <a:lstStyle/>
+          <a:p>
+            <a:endParaRPr lang="en-US"/>
+          </a:p>
+        </p:txBody>
+      </p:sp>
     </p:spTree>
     <p:extLst>
       <p:ext uri="{BB962C8B-B14F-4D97-AF65-F5344CB8AC3E}">
-        <p14:creationId xmlns:p14="http://schemas.microsoft.com/office/powerpoint/2010/main" val="2522872840"/>
+        <p14:creationId xmlns:p14="http://schemas.microsoft.com/office/powerpoint/2010/main" val="434234989"/>
       </p:ext>
     </p:extLst>
   </p:cSld>
   <p:clrMapOvr>
     <a:masterClrMapping/>
   </p:clrMapOvr>
-  <p:timing>
-    <p:tnLst>
-      <p:par>
-        <p:cTn id="1" dur="indefinite" restart="never" nodeType="tmRoot"/>
-      </p:par>
-    </p:tnLst>
-  </p:timing>
 </p:sld>
 </file>
 
@@ -7194,8 +6961,8 @@
         </p:nvSpPr>
         <p:spPr>
           <a:xfrm>
-            <a:off x="838200" y="193675"/>
-            <a:ext cx="10515600" cy="1325563"/>
+            <a:off x="347730" y="365125"/>
+            <a:ext cx="11006070" cy="1325563"/>
           </a:xfrm>
         </p:spPr>
         <p:txBody>
@@ -7204,43 +6971,35 @@
           <a:p>
             <a:pPr algn="ctr"/>
             <a:r>
-              <a:rPr lang="en-US" smtClean="0"/>
-              <a:t>Uniform Patch </a:t>
-            </a:r>
-            <a:r>
               <a:rPr lang="en-US" dirty="0" smtClean="0"/>
-              <a:t>Result – ResNet18, CIFAR10</a:t>
-            </a:r>
-            <a:r>
-              <a:rPr lang="en-US" smtClean="0"/>
-              <a:t>, PS2, Layer:7 </a:t>
+              <a:t>Uniform </a:t>
+            </a:r>
+            <a:r>
+              <a:rPr lang="en-US" dirty="0" smtClean="0"/>
+              <a:t>Patch </a:t>
+            </a:r>
+            <a:r>
+              <a:rPr lang="en-US" dirty="0" smtClean="0"/>
+              <a:t>Result – ResNet18, CIFAR10, </a:t>
+            </a:r>
+            <a:r>
+              <a:rPr lang="en-US" dirty="0" smtClean="0"/>
+              <a:t>PS2</a:t>
+            </a:r>
+            <a:br>
+              <a:rPr lang="en-US" dirty="0" smtClean="0"/>
+            </a:br>
+            <a:r>
+              <a:rPr lang="en-US" dirty="0" smtClean="0"/>
+              <a:t>Channel 0 of each layer</a:t>
             </a:r>
             <a:endParaRPr lang="en-US" dirty="0"/>
-          </a:p>
-        </p:txBody>
-      </p:sp>
-      <p:sp>
-        <p:nvSpPr>
-          <p:cNvPr id="2" name="Content Placeholder 1"/>
-          <p:cNvSpPr>
-            <a:spLocks noGrp="1"/>
-          </p:cNvSpPr>
-          <p:nvPr>
-            <p:ph idx="1"/>
-          </p:nvPr>
-        </p:nvSpPr>
-        <p:spPr/>
-        <p:txBody>
-          <a:bodyPr/>
-          <a:lstStyle/>
-          <a:p>
-            <a:endParaRPr lang="en-US"/>
           </a:p>
         </p:txBody>
       </p:sp>
       <p:pic>
         <p:nvPicPr>
-          <p:cNvPr id="5" name="Picture 4"/>
+          <p:cNvPr id="3" name="Picture 2"/>
           <p:cNvPicPr>
             <a:picLocks noChangeAspect="1"/>
           </p:cNvPicPr>
@@ -7254,8 +7013,8 @@
         </p:blipFill>
         <p:spPr>
           <a:xfrm>
-            <a:off x="0" y="1723652"/>
-            <a:ext cx="12192000" cy="12152396"/>
+            <a:off x="2228045" y="1551080"/>
+            <a:ext cx="6705600" cy="5310476"/>
           </a:xfrm>
           <a:prstGeom prst="rect">
             <a:avLst/>
@@ -7265,7 +7024,7 @@
     </p:spTree>
     <p:extLst>
       <p:ext uri="{BB962C8B-B14F-4D97-AF65-F5344CB8AC3E}">
-        <p14:creationId xmlns:p14="http://schemas.microsoft.com/office/powerpoint/2010/main" val="1464881896"/>
+        <p14:creationId xmlns:p14="http://schemas.microsoft.com/office/powerpoint/2010/main" val="577245990"/>
       </p:ext>
     </p:extLst>
   </p:cSld>
@@ -7319,9 +7078,29 @@
           <a:bodyPr/>
           <a:lstStyle/>
           <a:p>
+            <a:pPr algn="ctr"/>
             <a:r>
               <a:rPr lang="en-US" dirty="0" smtClean="0"/>
-              <a:t>Uniform Filters Result – ResNet18, CIFAR10, PS2</a:t>
+              <a:t>Uniform </a:t>
+            </a:r>
+            <a:r>
+              <a:rPr lang="en-US" dirty="0" smtClean="0"/>
+              <a:t>Patch </a:t>
+            </a:r>
+            <a:r>
+              <a:rPr lang="en-US" dirty="0" smtClean="0"/>
+              <a:t>Result – ResNet18, CIFAR10, </a:t>
+            </a:r>
+            <a:r>
+              <a:rPr lang="en-US" dirty="0" smtClean="0"/>
+              <a:t>PS2</a:t>
+            </a:r>
+            <a:br>
+              <a:rPr lang="en-US" dirty="0" smtClean="0"/>
+            </a:br>
+            <a:r>
+              <a:rPr lang="en-US" dirty="0" smtClean="0"/>
+              <a:t>Channel 0 of each layer</a:t>
             </a:r>
             <a:endParaRPr lang="en-US" dirty="0"/>
           </a:p>
@@ -7329,7 +7108,7 @@
       </p:sp>
       <p:pic>
         <p:nvPicPr>
-          <p:cNvPr id="5" name="Picture 4"/>
+          <p:cNvPr id="2" name="Picture 1"/>
           <p:cNvPicPr>
             <a:picLocks noChangeAspect="1"/>
           </p:cNvPicPr>
@@ -7343,392 +7122,8 @@
         </p:blipFill>
         <p:spPr>
           <a:xfrm>
-            <a:off x="0" y="1371323"/>
-            <a:ext cx="3620325" cy="3213832"/>
-          </a:xfrm>
-          <a:prstGeom prst="rect">
-            <a:avLst/>
-          </a:prstGeom>
-        </p:spPr>
-      </p:pic>
-      <p:pic>
-        <p:nvPicPr>
-          <p:cNvPr id="6" name="Picture 5"/>
-          <p:cNvPicPr>
-            <a:picLocks noChangeAspect="1"/>
-          </p:cNvPicPr>
-          <p:nvPr/>
-        </p:nvPicPr>
-        <p:blipFill>
-          <a:blip r:embed="rId3"/>
-          <a:stretch>
-            <a:fillRect/>
-          </a:stretch>
-        </p:blipFill>
-        <p:spPr>
-          <a:xfrm>
-            <a:off x="-1" y="2079661"/>
-            <a:ext cx="3620325" cy="3213832"/>
-          </a:xfrm>
-          <a:prstGeom prst="rect">
-            <a:avLst/>
-          </a:prstGeom>
-        </p:spPr>
-      </p:pic>
-      <p:pic>
-        <p:nvPicPr>
-          <p:cNvPr id="7" name="Picture 6"/>
-          <p:cNvPicPr>
-            <a:picLocks noChangeAspect="1"/>
-          </p:cNvPicPr>
-          <p:nvPr/>
-        </p:nvPicPr>
-        <p:blipFill>
-          <a:blip r:embed="rId4"/>
-          <a:stretch>
-            <a:fillRect/>
-          </a:stretch>
-        </p:blipFill>
-        <p:spPr>
-          <a:xfrm>
-            <a:off x="-2" y="2787999"/>
-            <a:ext cx="3620325" cy="3213832"/>
-          </a:xfrm>
-          <a:prstGeom prst="rect">
-            <a:avLst/>
-          </a:prstGeom>
-        </p:spPr>
-      </p:pic>
-      <p:pic>
-        <p:nvPicPr>
-          <p:cNvPr id="8" name="Picture 7"/>
-          <p:cNvPicPr>
-            <a:picLocks noChangeAspect="1"/>
-          </p:cNvPicPr>
-          <p:nvPr/>
-        </p:nvPicPr>
-        <p:blipFill>
-          <a:blip r:embed="rId5"/>
-          <a:stretch>
-            <a:fillRect/>
-          </a:stretch>
-        </p:blipFill>
-        <p:spPr>
-          <a:xfrm>
-            <a:off x="-3" y="3496337"/>
-            <a:ext cx="3620325" cy="3213832"/>
-          </a:xfrm>
-          <a:prstGeom prst="rect">
-            <a:avLst/>
-          </a:prstGeom>
-        </p:spPr>
-      </p:pic>
-      <p:pic>
-        <p:nvPicPr>
-          <p:cNvPr id="9" name="Picture 8"/>
-          <p:cNvPicPr>
-            <a:picLocks noChangeAspect="1"/>
-          </p:cNvPicPr>
-          <p:nvPr/>
-        </p:nvPicPr>
-        <p:blipFill>
-          <a:blip r:embed="rId6"/>
-          <a:stretch>
-            <a:fillRect/>
-          </a:stretch>
-        </p:blipFill>
-        <p:spPr>
-          <a:xfrm>
-            <a:off x="-4" y="4075550"/>
-            <a:ext cx="3620325" cy="3213832"/>
-          </a:xfrm>
-          <a:prstGeom prst="rect">
-            <a:avLst/>
-          </a:prstGeom>
-        </p:spPr>
-      </p:pic>
-      <p:pic>
-        <p:nvPicPr>
-          <p:cNvPr id="10" name="Picture 9"/>
-          <p:cNvPicPr>
-            <a:picLocks noChangeAspect="1"/>
-          </p:cNvPicPr>
-          <p:nvPr/>
-        </p:nvPicPr>
-        <p:blipFill>
-          <a:blip r:embed="rId7"/>
-          <a:stretch>
-            <a:fillRect/>
-          </a:stretch>
-        </p:blipFill>
-        <p:spPr>
-          <a:xfrm>
-            <a:off x="3620321" y="1310208"/>
-            <a:ext cx="3671136" cy="3213832"/>
-          </a:xfrm>
-          <a:prstGeom prst="rect">
-            <a:avLst/>
-          </a:prstGeom>
-        </p:spPr>
-      </p:pic>
-      <p:pic>
-        <p:nvPicPr>
-          <p:cNvPr id="11" name="Picture 10"/>
-          <p:cNvPicPr>
-            <a:picLocks noChangeAspect="1"/>
-          </p:cNvPicPr>
-          <p:nvPr/>
-        </p:nvPicPr>
-        <p:blipFill>
-          <a:blip r:embed="rId8"/>
-          <a:stretch>
-            <a:fillRect/>
-          </a:stretch>
-        </p:blipFill>
-        <p:spPr>
-          <a:xfrm>
-            <a:off x="3620321" y="1908295"/>
-            <a:ext cx="3671136" cy="3213832"/>
-          </a:xfrm>
-          <a:prstGeom prst="rect">
-            <a:avLst/>
-          </a:prstGeom>
-        </p:spPr>
-      </p:pic>
-      <p:pic>
-        <p:nvPicPr>
-          <p:cNvPr id="12" name="Picture 11"/>
-          <p:cNvPicPr>
-            <a:picLocks noChangeAspect="1"/>
-          </p:cNvPicPr>
-          <p:nvPr/>
-        </p:nvPicPr>
-        <p:blipFill>
-          <a:blip r:embed="rId9"/>
-          <a:stretch>
-            <a:fillRect/>
-          </a:stretch>
-        </p:blipFill>
-        <p:spPr>
-          <a:xfrm>
-            <a:off x="3620321" y="2635771"/>
-            <a:ext cx="3671136" cy="3213832"/>
-          </a:xfrm>
-          <a:prstGeom prst="rect">
-            <a:avLst/>
-          </a:prstGeom>
-        </p:spPr>
-      </p:pic>
-      <p:pic>
-        <p:nvPicPr>
-          <p:cNvPr id="13" name="Picture 12"/>
-          <p:cNvPicPr>
-            <a:picLocks noChangeAspect="1"/>
-          </p:cNvPicPr>
-          <p:nvPr/>
-        </p:nvPicPr>
-        <p:blipFill>
-          <a:blip r:embed="rId10"/>
-          <a:stretch>
-            <a:fillRect/>
-          </a:stretch>
-        </p:blipFill>
-        <p:spPr>
-          <a:xfrm>
-            <a:off x="3719520" y="3280862"/>
-            <a:ext cx="3671136" cy="3213832"/>
-          </a:xfrm>
-          <a:prstGeom prst="rect">
-            <a:avLst/>
-          </a:prstGeom>
-        </p:spPr>
-      </p:pic>
-      <p:pic>
-        <p:nvPicPr>
-          <p:cNvPr id="14" name="Picture 13"/>
-          <p:cNvPicPr>
-            <a:picLocks noChangeAspect="1"/>
-          </p:cNvPicPr>
-          <p:nvPr/>
-        </p:nvPicPr>
-        <p:blipFill>
-          <a:blip r:embed="rId11"/>
-          <a:stretch>
-            <a:fillRect/>
-          </a:stretch>
-        </p:blipFill>
-        <p:spPr>
-          <a:xfrm>
-            <a:off x="7240642" y="1340766"/>
-            <a:ext cx="3620325" cy="3213832"/>
-          </a:xfrm>
-          <a:prstGeom prst="rect">
-            <a:avLst/>
-          </a:prstGeom>
-        </p:spPr>
-      </p:pic>
-      <p:pic>
-        <p:nvPicPr>
-          <p:cNvPr id="15" name="Picture 14"/>
-          <p:cNvPicPr>
-            <a:picLocks noChangeAspect="1"/>
-          </p:cNvPicPr>
-          <p:nvPr/>
-        </p:nvPicPr>
-        <p:blipFill>
-          <a:blip r:embed="rId12"/>
-          <a:stretch>
-            <a:fillRect/>
-          </a:stretch>
-        </p:blipFill>
-        <p:spPr>
-          <a:xfrm>
-            <a:off x="7278746" y="1914927"/>
-            <a:ext cx="3633028" cy="3213832"/>
-          </a:xfrm>
-          <a:prstGeom prst="rect">
-            <a:avLst/>
-          </a:prstGeom>
-        </p:spPr>
-      </p:pic>
-      <p:pic>
-        <p:nvPicPr>
-          <p:cNvPr id="16" name="Picture 15"/>
-          <p:cNvPicPr>
-            <a:picLocks noChangeAspect="1"/>
-          </p:cNvPicPr>
-          <p:nvPr/>
-        </p:nvPicPr>
-        <p:blipFill>
-          <a:blip r:embed="rId13"/>
-          <a:stretch>
-            <a:fillRect/>
-          </a:stretch>
-        </p:blipFill>
-        <p:spPr>
-          <a:xfrm>
-            <a:off x="7291457" y="2560018"/>
-            <a:ext cx="3633028" cy="3213832"/>
-          </a:xfrm>
-          <a:prstGeom prst="rect">
-            <a:avLst/>
-          </a:prstGeom>
-        </p:spPr>
-      </p:pic>
-      <p:pic>
-        <p:nvPicPr>
-          <p:cNvPr id="17" name="Picture 16"/>
-          <p:cNvPicPr>
-            <a:picLocks noChangeAspect="1"/>
-          </p:cNvPicPr>
-          <p:nvPr/>
-        </p:nvPicPr>
-        <p:blipFill>
-          <a:blip r:embed="rId14"/>
-          <a:stretch>
-            <a:fillRect/>
-          </a:stretch>
-        </p:blipFill>
-        <p:spPr>
-          <a:xfrm>
-            <a:off x="7241858" y="3428627"/>
-            <a:ext cx="3633028" cy="3213832"/>
-          </a:xfrm>
-          <a:prstGeom prst="rect">
-            <a:avLst/>
-          </a:prstGeom>
-        </p:spPr>
-      </p:pic>
-      <p:pic>
-        <p:nvPicPr>
-          <p:cNvPr id="18" name="Picture 17"/>
-          <p:cNvPicPr>
-            <a:picLocks noChangeAspect="1"/>
-          </p:cNvPicPr>
-          <p:nvPr/>
-        </p:nvPicPr>
-        <p:blipFill>
-          <a:blip r:embed="rId15"/>
-          <a:stretch>
-            <a:fillRect/>
-          </a:stretch>
-        </p:blipFill>
-        <p:spPr>
-          <a:xfrm>
-            <a:off x="10822070" y="1321987"/>
-            <a:ext cx="3620325" cy="3213832"/>
-          </a:xfrm>
-          <a:prstGeom prst="rect">
-            <a:avLst/>
-          </a:prstGeom>
-        </p:spPr>
-      </p:pic>
-      <p:pic>
-        <p:nvPicPr>
-          <p:cNvPr id="19" name="Picture 18"/>
-          <p:cNvPicPr>
-            <a:picLocks noChangeAspect="1"/>
-          </p:cNvPicPr>
-          <p:nvPr/>
-        </p:nvPicPr>
-        <p:blipFill>
-          <a:blip r:embed="rId16"/>
-          <a:stretch>
-            <a:fillRect/>
-          </a:stretch>
-        </p:blipFill>
-        <p:spPr>
-          <a:xfrm>
-            <a:off x="10961373" y="2079661"/>
-            <a:ext cx="3620325" cy="3213832"/>
-          </a:xfrm>
-          <a:prstGeom prst="rect">
-            <a:avLst/>
-          </a:prstGeom>
-        </p:spPr>
-      </p:pic>
-      <p:pic>
-        <p:nvPicPr>
-          <p:cNvPr id="20" name="Picture 19"/>
-          <p:cNvPicPr>
-            <a:picLocks noChangeAspect="1"/>
-          </p:cNvPicPr>
-          <p:nvPr/>
-        </p:nvPicPr>
-        <p:blipFill>
-          <a:blip r:embed="rId17"/>
-          <a:stretch>
-            <a:fillRect/>
-          </a:stretch>
-        </p:blipFill>
-        <p:spPr>
-          <a:xfrm>
-            <a:off x="10961373" y="2938293"/>
-            <a:ext cx="3620325" cy="3213832"/>
-          </a:xfrm>
-          <a:prstGeom prst="rect">
-            <a:avLst/>
-          </a:prstGeom>
-        </p:spPr>
-      </p:pic>
-      <p:pic>
-        <p:nvPicPr>
-          <p:cNvPr id="21" name="Picture 20"/>
-          <p:cNvPicPr>
-            <a:picLocks noChangeAspect="1"/>
-          </p:cNvPicPr>
-          <p:nvPr/>
-        </p:nvPicPr>
-        <p:blipFill>
-          <a:blip r:embed="rId18"/>
-          <a:stretch>
-            <a:fillRect/>
-          </a:stretch>
-        </p:blipFill>
-        <p:spPr>
-          <a:xfrm>
-            <a:off x="10974084" y="3735717"/>
-            <a:ext cx="3620325" cy="3213832"/>
+            <a:off x="2472743" y="1690688"/>
+            <a:ext cx="6344992" cy="5024892"/>
           </a:xfrm>
           <a:prstGeom prst="rect">
             <a:avLst/>
@@ -7738,7 +7133,323 @@
     </p:spTree>
     <p:extLst>
       <p:ext uri="{BB962C8B-B14F-4D97-AF65-F5344CB8AC3E}">
-        <p14:creationId xmlns:p14="http://schemas.microsoft.com/office/powerpoint/2010/main" val="1959521006"/>
+        <p14:creationId xmlns:p14="http://schemas.microsoft.com/office/powerpoint/2010/main" val="405002455"/>
+      </p:ext>
+    </p:extLst>
+  </p:cSld>
+  <p:clrMapOvr>
+    <a:masterClrMapping/>
+  </p:clrMapOvr>
+  <p:timing>
+    <p:tnLst>
+      <p:par>
+        <p:cTn id="1" dur="indefinite" restart="never" nodeType="tmRoot"/>
+      </p:par>
+    </p:tnLst>
+  </p:timing>
+</p:sld>
+</file>
+
+<file path=ppt/slides/slide17.xml><?xml version="1.0" encoding="utf-8"?>
+<p:sld xmlns:a="http://schemas.openxmlformats.org/drawingml/2006/main" xmlns:r="http://schemas.openxmlformats.org/officeDocument/2006/relationships" xmlns:p="http://schemas.openxmlformats.org/presentationml/2006/main">
+  <p:cSld>
+    <p:spTree>
+      <p:nvGrpSpPr>
+        <p:cNvPr id="1" name=""/>
+        <p:cNvGrpSpPr/>
+        <p:nvPr/>
+      </p:nvGrpSpPr>
+      <p:grpSpPr>
+        <a:xfrm>
+          <a:off x="0" y="0"/>
+          <a:ext cx="0" cy="0"/>
+          <a:chOff x="0" y="0"/>
+          <a:chExt cx="0" cy="0"/>
+        </a:xfrm>
+      </p:grpSpPr>
+      <p:sp>
+        <p:nvSpPr>
+          <p:cNvPr id="4" name="Title 1"/>
+          <p:cNvSpPr>
+            <a:spLocks noGrp="1"/>
+          </p:cNvSpPr>
+          <p:nvPr>
+            <p:ph type="title"/>
+          </p:nvPr>
+        </p:nvSpPr>
+        <p:spPr>
+          <a:xfrm>
+            <a:off x="347730" y="365125"/>
+            <a:ext cx="11006070" cy="1325563"/>
+          </a:xfrm>
+        </p:spPr>
+        <p:txBody>
+          <a:bodyPr/>
+          <a:lstStyle/>
+          <a:p>
+            <a:pPr algn="ctr"/>
+            <a:r>
+              <a:rPr lang="en-US" dirty="0" smtClean="0"/>
+              <a:t>Uniform </a:t>
+            </a:r>
+            <a:r>
+              <a:rPr lang="en-US" dirty="0" smtClean="0"/>
+              <a:t>Patch </a:t>
+            </a:r>
+            <a:r>
+              <a:rPr lang="en-US" dirty="0" smtClean="0"/>
+              <a:t>Result – ResNet18, CIFAR10, </a:t>
+            </a:r>
+            <a:r>
+              <a:rPr lang="en-US" dirty="0" smtClean="0"/>
+              <a:t>PS2</a:t>
+            </a:r>
+            <a:br>
+              <a:rPr lang="en-US" dirty="0" smtClean="0"/>
+            </a:br>
+            <a:r>
+              <a:rPr lang="en-US" dirty="0" smtClean="0"/>
+              <a:t>Channel 0 of each layer</a:t>
+            </a:r>
+            <a:endParaRPr lang="en-US" dirty="0"/>
+          </a:p>
+        </p:txBody>
+      </p:sp>
+      <p:pic>
+        <p:nvPicPr>
+          <p:cNvPr id="2" name="Picture 1"/>
+          <p:cNvPicPr>
+            <a:picLocks noChangeAspect="1"/>
+          </p:cNvPicPr>
+          <p:nvPr/>
+        </p:nvPicPr>
+        <p:blipFill>
+          <a:blip r:embed="rId2"/>
+          <a:stretch>
+            <a:fillRect/>
+          </a:stretch>
+        </p:blipFill>
+        <p:spPr>
+          <a:xfrm>
+            <a:off x="2215167" y="1569474"/>
+            <a:ext cx="7607120" cy="5625126"/>
+          </a:xfrm>
+          <a:prstGeom prst="rect">
+            <a:avLst/>
+          </a:prstGeom>
+        </p:spPr>
+      </p:pic>
+    </p:spTree>
+    <p:extLst>
+      <p:ext uri="{BB962C8B-B14F-4D97-AF65-F5344CB8AC3E}">
+        <p14:creationId xmlns:p14="http://schemas.microsoft.com/office/powerpoint/2010/main" val="4196155716"/>
+      </p:ext>
+    </p:extLst>
+  </p:cSld>
+  <p:clrMapOvr>
+    <a:masterClrMapping/>
+  </p:clrMapOvr>
+  <p:timing>
+    <p:tnLst>
+      <p:par>
+        <p:cTn id="1" dur="indefinite" restart="never" nodeType="tmRoot"/>
+      </p:par>
+    </p:tnLst>
+  </p:timing>
+</p:sld>
+</file>
+
+<file path=ppt/slides/slide18.xml><?xml version="1.0" encoding="utf-8"?>
+<p:sld xmlns:a="http://schemas.openxmlformats.org/drawingml/2006/main" xmlns:r="http://schemas.openxmlformats.org/officeDocument/2006/relationships" xmlns:p="http://schemas.openxmlformats.org/presentationml/2006/main">
+  <p:cSld>
+    <p:spTree>
+      <p:nvGrpSpPr>
+        <p:cNvPr id="1" name=""/>
+        <p:cNvGrpSpPr/>
+        <p:nvPr/>
+      </p:nvGrpSpPr>
+      <p:grpSpPr>
+        <a:xfrm>
+          <a:off x="0" y="0"/>
+          <a:ext cx="0" cy="0"/>
+          <a:chOff x="0" y="0"/>
+          <a:chExt cx="0" cy="0"/>
+        </a:xfrm>
+      </p:grpSpPr>
+      <p:sp>
+        <p:nvSpPr>
+          <p:cNvPr id="4" name="Title 1"/>
+          <p:cNvSpPr>
+            <a:spLocks noGrp="1"/>
+          </p:cNvSpPr>
+          <p:nvPr>
+            <p:ph type="title"/>
+          </p:nvPr>
+        </p:nvSpPr>
+        <p:spPr>
+          <a:xfrm>
+            <a:off x="347730" y="365125"/>
+            <a:ext cx="11006070" cy="1325563"/>
+          </a:xfrm>
+        </p:spPr>
+        <p:txBody>
+          <a:bodyPr/>
+          <a:lstStyle/>
+          <a:p>
+            <a:pPr algn="ctr"/>
+            <a:r>
+              <a:rPr lang="en-US" dirty="0" smtClean="0"/>
+              <a:t>Uniform </a:t>
+            </a:r>
+            <a:r>
+              <a:rPr lang="en-US" dirty="0" smtClean="0"/>
+              <a:t>Patch </a:t>
+            </a:r>
+            <a:r>
+              <a:rPr lang="en-US" dirty="0" smtClean="0"/>
+              <a:t>Result – ResNet18, CIFAR10, </a:t>
+            </a:r>
+            <a:r>
+              <a:rPr lang="en-US" dirty="0" smtClean="0"/>
+              <a:t>PS2</a:t>
+            </a:r>
+            <a:br>
+              <a:rPr lang="en-US" dirty="0" smtClean="0"/>
+            </a:br>
+            <a:r>
+              <a:rPr lang="en-US" dirty="0" smtClean="0"/>
+              <a:t>Channel 0 of each layer</a:t>
+            </a:r>
+            <a:endParaRPr lang="en-US" dirty="0"/>
+          </a:p>
+        </p:txBody>
+      </p:sp>
+      <p:pic>
+        <p:nvPicPr>
+          <p:cNvPr id="2" name="Picture 1"/>
+          <p:cNvPicPr>
+            <a:picLocks noChangeAspect="1"/>
+          </p:cNvPicPr>
+          <p:nvPr/>
+        </p:nvPicPr>
+        <p:blipFill>
+          <a:blip r:embed="rId2"/>
+          <a:stretch>
+            <a:fillRect/>
+          </a:stretch>
+        </p:blipFill>
+        <p:spPr>
+          <a:xfrm>
+            <a:off x="2266682" y="1548796"/>
+            <a:ext cx="7349542" cy="5434660"/>
+          </a:xfrm>
+          <a:prstGeom prst="rect">
+            <a:avLst/>
+          </a:prstGeom>
+        </p:spPr>
+      </p:pic>
+    </p:spTree>
+    <p:extLst>
+      <p:ext uri="{BB962C8B-B14F-4D97-AF65-F5344CB8AC3E}">
+        <p14:creationId xmlns:p14="http://schemas.microsoft.com/office/powerpoint/2010/main" val="219217011"/>
+      </p:ext>
+    </p:extLst>
+  </p:cSld>
+  <p:clrMapOvr>
+    <a:masterClrMapping/>
+  </p:clrMapOvr>
+  <p:timing>
+    <p:tnLst>
+      <p:par>
+        <p:cTn id="1" dur="indefinite" restart="never" nodeType="tmRoot"/>
+      </p:par>
+    </p:tnLst>
+  </p:timing>
+</p:sld>
+</file>
+
+<file path=ppt/slides/slide19.xml><?xml version="1.0" encoding="utf-8"?>
+<p:sld xmlns:a="http://schemas.openxmlformats.org/drawingml/2006/main" xmlns:r="http://schemas.openxmlformats.org/officeDocument/2006/relationships" xmlns:p="http://schemas.openxmlformats.org/presentationml/2006/main">
+  <p:cSld>
+    <p:spTree>
+      <p:nvGrpSpPr>
+        <p:cNvPr id="1" name=""/>
+        <p:cNvGrpSpPr/>
+        <p:nvPr/>
+      </p:nvGrpSpPr>
+      <p:grpSpPr>
+        <a:xfrm>
+          <a:off x="0" y="0"/>
+          <a:ext cx="0" cy="0"/>
+          <a:chOff x="0" y="0"/>
+          <a:chExt cx="0" cy="0"/>
+        </a:xfrm>
+      </p:grpSpPr>
+      <p:sp>
+        <p:nvSpPr>
+          <p:cNvPr id="4" name="Title 1"/>
+          <p:cNvSpPr>
+            <a:spLocks noGrp="1"/>
+          </p:cNvSpPr>
+          <p:nvPr>
+            <p:ph type="title"/>
+          </p:nvPr>
+        </p:nvSpPr>
+        <p:spPr>
+          <a:xfrm>
+            <a:off x="838200" y="193675"/>
+            <a:ext cx="10515600" cy="1325563"/>
+          </a:xfrm>
+        </p:spPr>
+        <p:txBody>
+          <a:bodyPr/>
+          <a:lstStyle/>
+          <a:p>
+            <a:pPr algn="ctr"/>
+            <a:r>
+              <a:rPr lang="en-US" smtClean="0"/>
+              <a:t>Uniform Patch </a:t>
+            </a:r>
+            <a:r>
+              <a:rPr lang="en-US" dirty="0" smtClean="0"/>
+              <a:t>Result – ResNet18, CIFAR10</a:t>
+            </a:r>
+            <a:r>
+              <a:rPr lang="en-US" smtClean="0"/>
+              <a:t>, PS2, Layer: 0 </a:t>
+            </a:r>
+            <a:endParaRPr lang="en-US" dirty="0"/>
+          </a:p>
+        </p:txBody>
+      </p:sp>
+      <p:pic>
+        <p:nvPicPr>
+          <p:cNvPr id="3" name="Picture 2"/>
+          <p:cNvPicPr>
+            <a:picLocks noChangeAspect="1"/>
+          </p:cNvPicPr>
+          <p:nvPr/>
+        </p:nvPicPr>
+        <p:blipFill>
+          <a:blip r:embed="rId2"/>
+          <a:stretch>
+            <a:fillRect/>
+          </a:stretch>
+        </p:blipFill>
+        <p:spPr>
+          <a:xfrm>
+            <a:off x="330557" y="1519238"/>
+            <a:ext cx="11530886" cy="11679776"/>
+          </a:xfrm>
+          <a:prstGeom prst="rect">
+            <a:avLst/>
+          </a:prstGeom>
+        </p:spPr>
+      </p:pic>
+    </p:spTree>
+    <p:extLst>
+      <p:ext uri="{BB962C8B-B14F-4D97-AF65-F5344CB8AC3E}">
+        <p14:creationId xmlns:p14="http://schemas.microsoft.com/office/powerpoint/2010/main" val="3039905217"/>
       </p:ext>
     </p:extLst>
   </p:cSld>
@@ -7779,30 +7490,137 @@
             <a:spLocks noGrp="1"/>
           </p:cNvSpPr>
           <p:nvPr>
+            <p:ph type="ctrTitle"/>
+          </p:nvPr>
+        </p:nvSpPr>
+        <p:spPr/>
+        <p:txBody>
+          <a:bodyPr/>
+          <a:lstStyle/>
+          <a:p>
+            <a:r>
+              <a:rPr lang="en-US" dirty="0" smtClean="0"/>
+              <a:t>Uniform Layer</a:t>
+            </a:r>
+            <a:endParaRPr lang="en-US" dirty="0"/>
+          </a:p>
+        </p:txBody>
+      </p:sp>
+      <p:sp>
+        <p:nvSpPr>
+          <p:cNvPr id="4" name="Subtitle 3"/>
+          <p:cNvSpPr>
+            <a:spLocks noGrp="1"/>
+          </p:cNvSpPr>
+          <p:nvPr>
+            <p:ph type="subTitle" idx="1"/>
+          </p:nvPr>
+        </p:nvSpPr>
+        <p:spPr/>
+        <p:txBody>
+          <a:bodyPr/>
+          <a:lstStyle/>
+          <a:p>
+            <a:endParaRPr lang="en-US"/>
+          </a:p>
+        </p:txBody>
+      </p:sp>
+    </p:spTree>
+    <p:extLst>
+      <p:ext uri="{BB962C8B-B14F-4D97-AF65-F5344CB8AC3E}">
+        <p14:creationId xmlns:p14="http://schemas.microsoft.com/office/powerpoint/2010/main" val="3553722660"/>
+      </p:ext>
+    </p:extLst>
+  </p:cSld>
+  <p:clrMapOvr>
+    <a:masterClrMapping/>
+  </p:clrMapOvr>
+  <p:timing>
+    <p:tnLst>
+      <p:par>
+        <p:cTn id="1" dur="indefinite" restart="never" nodeType="tmRoot"/>
+      </p:par>
+    </p:tnLst>
+  </p:timing>
+</p:sld>
+</file>
+
+<file path=ppt/slides/slide20.xml><?xml version="1.0" encoding="utf-8"?>
+<p:sld xmlns:a="http://schemas.openxmlformats.org/drawingml/2006/main" xmlns:r="http://schemas.openxmlformats.org/officeDocument/2006/relationships" xmlns:p="http://schemas.openxmlformats.org/presentationml/2006/main">
+  <p:cSld>
+    <p:spTree>
+      <p:nvGrpSpPr>
+        <p:cNvPr id="1" name=""/>
+        <p:cNvGrpSpPr/>
+        <p:nvPr/>
+      </p:nvGrpSpPr>
+      <p:grpSpPr>
+        <a:xfrm>
+          <a:off x="0" y="0"/>
+          <a:ext cx="0" cy="0"/>
+          <a:chOff x="0" y="0"/>
+          <a:chExt cx="0" cy="0"/>
+        </a:xfrm>
+      </p:grpSpPr>
+      <p:sp>
+        <p:nvSpPr>
+          <p:cNvPr id="4" name="Title 1"/>
+          <p:cNvSpPr>
+            <a:spLocks noGrp="1"/>
+          </p:cNvSpPr>
+          <p:nvPr>
             <p:ph type="title"/>
           </p:nvPr>
         </p:nvSpPr>
         <p:spPr>
           <a:xfrm>
-            <a:off x="461610" y="377658"/>
-            <a:ext cx="10823222" cy="1325563"/>
+            <a:off x="838200" y="193675"/>
+            <a:ext cx="10515600" cy="1325563"/>
           </a:xfrm>
         </p:spPr>
         <p:txBody>
           <a:bodyPr/>
           <a:lstStyle/>
           <a:p>
+            <a:pPr algn="ctr"/>
+            <a:r>
+              <a:rPr lang="en-US" smtClean="0"/>
+              <a:t>Uniform Patch </a:t>
+            </a:r>
             <a:r>
               <a:rPr lang="en-US" dirty="0" smtClean="0"/>
-              <a:t>Uniform Layer Result – ResNet18, CIFAR10, PS2</a:t>
+              <a:t>Result – ResNet18, CIFAR10</a:t>
+            </a:r>
+            <a:r>
+              <a:rPr lang="en-US" smtClean="0"/>
+              <a:t>, PS2, Layer:7 </a:t>
             </a:r>
             <a:endParaRPr lang="en-US" dirty="0"/>
+          </a:p>
+        </p:txBody>
+      </p:sp>
+      <p:sp>
+        <p:nvSpPr>
+          <p:cNvPr id="2" name="Content Placeholder 1"/>
+          <p:cNvSpPr>
+            <a:spLocks noGrp="1"/>
+          </p:cNvSpPr>
+          <p:nvPr>
+            <p:ph idx="1"/>
+          </p:nvPr>
+        </p:nvSpPr>
+        <p:spPr/>
+        <p:txBody>
+          <a:bodyPr/>
+          <a:lstStyle/>
+          <a:p>
+            <a:endParaRPr lang="en-US"/>
           </a:p>
         </p:txBody>
       </p:sp>
       <p:pic>
         <p:nvPicPr>
-          <p:cNvPr id="20" name="Picture 19"/>
+          <p:cNvPr id="3" name="Picture 2"/>
           <p:cNvPicPr>
             <a:picLocks noChangeAspect="1"/>
           </p:cNvPicPr>
@@ -7816,326 +7634,800 @@
         </p:blipFill>
         <p:spPr>
           <a:xfrm>
-            <a:off x="461612" y="2257851"/>
-            <a:ext cx="2862070" cy="2308226"/>
+            <a:off x="0" y="1519238"/>
+            <a:ext cx="12097554" cy="12097554"/>
           </a:xfrm>
           <a:prstGeom prst="rect">
             <a:avLst/>
           </a:prstGeom>
         </p:spPr>
       </p:pic>
+    </p:spTree>
+    <p:extLst>
+      <p:ext uri="{BB962C8B-B14F-4D97-AF65-F5344CB8AC3E}">
+        <p14:creationId xmlns:p14="http://schemas.microsoft.com/office/powerpoint/2010/main" val="1464881896"/>
+      </p:ext>
+    </p:extLst>
+  </p:cSld>
+  <p:clrMapOvr>
+    <a:masterClrMapping/>
+  </p:clrMapOvr>
+  <p:timing>
+    <p:tnLst>
+      <p:par>
+        <p:cTn id="1" dur="indefinite" restart="never" nodeType="tmRoot"/>
+      </p:par>
+    </p:tnLst>
+  </p:timing>
+</p:sld>
+</file>
+
+<file path=ppt/slides/slide21.xml><?xml version="1.0" encoding="utf-8"?>
+<p:sld xmlns:a="http://schemas.openxmlformats.org/drawingml/2006/main" xmlns:r="http://schemas.openxmlformats.org/officeDocument/2006/relationships" xmlns:p="http://schemas.openxmlformats.org/presentationml/2006/main">
+  <p:cSld>
+    <p:spTree>
+      <p:nvGrpSpPr>
+        <p:cNvPr id="1" name=""/>
+        <p:cNvGrpSpPr/>
+        <p:nvPr/>
+      </p:nvGrpSpPr>
+      <p:grpSpPr>
+        <a:xfrm>
+          <a:off x="0" y="0"/>
+          <a:ext cx="0" cy="0"/>
+          <a:chOff x="0" y="0"/>
+          <a:chExt cx="0" cy="0"/>
+        </a:xfrm>
+      </p:grpSpPr>
+      <p:sp>
+        <p:nvSpPr>
+          <p:cNvPr id="4" name="Title 1"/>
+          <p:cNvSpPr>
+            <a:spLocks noGrp="1"/>
+          </p:cNvSpPr>
+          <p:nvPr>
+            <p:ph type="title"/>
+          </p:nvPr>
+        </p:nvSpPr>
+        <p:spPr>
+          <a:xfrm>
+            <a:off x="838200" y="193675"/>
+            <a:ext cx="10515600" cy="1325563"/>
+          </a:xfrm>
+        </p:spPr>
+        <p:txBody>
+          <a:bodyPr/>
+          <a:lstStyle/>
+          <a:p>
+            <a:pPr algn="ctr"/>
+            <a:r>
+              <a:rPr lang="en-US" dirty="0" smtClean="0"/>
+              <a:t>Uniform Patch Result – ResNet18, CIFAR10, PS2, </a:t>
+            </a:r>
+            <a:r>
+              <a:rPr lang="en-US" dirty="0" smtClean="0"/>
+              <a:t>Layer:10 </a:t>
+            </a:r>
+            <a:endParaRPr lang="en-US" dirty="0"/>
+          </a:p>
+        </p:txBody>
+      </p:sp>
       <p:pic>
         <p:nvPicPr>
-          <p:cNvPr id="21" name="Picture 20"/>
+          <p:cNvPr id="5" name="Content Placeholder 4"/>
+          <p:cNvPicPr>
+            <a:picLocks noGrp="1" noChangeAspect="1"/>
+          </p:cNvPicPr>
+          <p:nvPr>
+            <p:ph idx="1"/>
+          </p:nvPr>
+        </p:nvPicPr>
+        <p:blipFill>
+          <a:blip r:embed="rId2"/>
+          <a:stretch>
+            <a:fillRect/>
+          </a:stretch>
+        </p:blipFill>
+        <p:spPr>
+          <a:xfrm>
+            <a:off x="304800" y="1656422"/>
+            <a:ext cx="11582400" cy="11721610"/>
+          </a:xfrm>
+          <a:prstGeom prst="rect">
+            <a:avLst/>
+          </a:prstGeom>
+        </p:spPr>
+      </p:pic>
+    </p:spTree>
+    <p:extLst>
+      <p:ext uri="{BB962C8B-B14F-4D97-AF65-F5344CB8AC3E}">
+        <p14:creationId xmlns:p14="http://schemas.microsoft.com/office/powerpoint/2010/main" val="1122709761"/>
+      </p:ext>
+    </p:extLst>
+  </p:cSld>
+  <p:clrMapOvr>
+    <a:masterClrMapping/>
+  </p:clrMapOvr>
+  <p:timing>
+    <p:tnLst>
+      <p:par>
+        <p:cTn id="1" dur="indefinite" restart="never" nodeType="tmRoot"/>
+      </p:par>
+    </p:tnLst>
+  </p:timing>
+</p:sld>
+</file>
+
+<file path=ppt/slides/slide22.xml><?xml version="1.0" encoding="utf-8"?>
+<p:sld xmlns:a="http://schemas.openxmlformats.org/drawingml/2006/main" xmlns:r="http://schemas.openxmlformats.org/officeDocument/2006/relationships" xmlns:p="http://schemas.openxmlformats.org/presentationml/2006/main">
+  <p:cSld>
+    <p:spTree>
+      <p:nvGrpSpPr>
+        <p:cNvPr id="1" name=""/>
+        <p:cNvGrpSpPr/>
+        <p:nvPr/>
+      </p:nvGrpSpPr>
+      <p:grpSpPr>
+        <a:xfrm>
+          <a:off x="0" y="0"/>
+          <a:ext cx="0" cy="0"/>
+          <a:chOff x="0" y="0"/>
+          <a:chExt cx="0" cy="0"/>
+        </a:xfrm>
+      </p:grpSpPr>
+      <p:sp>
+        <p:nvSpPr>
+          <p:cNvPr id="2" name="Title 1"/>
+          <p:cNvSpPr>
+            <a:spLocks noGrp="1"/>
+          </p:cNvSpPr>
+          <p:nvPr>
+            <p:ph type="ctrTitle"/>
+          </p:nvPr>
+        </p:nvSpPr>
+        <p:spPr/>
+        <p:txBody>
+          <a:bodyPr/>
+          <a:lstStyle/>
+          <a:p>
+            <a:r>
+              <a:rPr lang="en-US" dirty="0" smtClean="0"/>
+              <a:t>Max Granularity</a:t>
+            </a:r>
+            <a:endParaRPr lang="en-US" dirty="0"/>
+          </a:p>
+        </p:txBody>
+      </p:sp>
+      <p:sp>
+        <p:nvSpPr>
+          <p:cNvPr id="3" name="Subtitle 2"/>
+          <p:cNvSpPr>
+            <a:spLocks noGrp="1"/>
+          </p:cNvSpPr>
+          <p:nvPr>
+            <p:ph type="subTitle" idx="1"/>
+          </p:nvPr>
+        </p:nvSpPr>
+        <p:spPr/>
+        <p:txBody>
+          <a:bodyPr/>
+          <a:lstStyle/>
+          <a:p>
+            <a:endParaRPr lang="en-US"/>
+          </a:p>
+        </p:txBody>
+      </p:sp>
+    </p:spTree>
+    <p:extLst>
+      <p:ext uri="{BB962C8B-B14F-4D97-AF65-F5344CB8AC3E}">
+        <p14:creationId xmlns:p14="http://schemas.microsoft.com/office/powerpoint/2010/main" val="204204471"/>
+      </p:ext>
+    </p:extLst>
+  </p:cSld>
+  <p:clrMapOvr>
+    <a:masterClrMapping/>
+  </p:clrMapOvr>
+</p:sld>
+</file>
+
+<file path=ppt/slides/slide23.xml><?xml version="1.0" encoding="utf-8"?>
+<p:sld xmlns:a="http://schemas.openxmlformats.org/drawingml/2006/main" xmlns:r="http://schemas.openxmlformats.org/officeDocument/2006/relationships" xmlns:p="http://schemas.openxmlformats.org/presentationml/2006/main">
+  <p:cSld>
+    <p:spTree>
+      <p:nvGrpSpPr>
+        <p:cNvPr id="1" name=""/>
+        <p:cNvGrpSpPr/>
+        <p:nvPr/>
+      </p:nvGrpSpPr>
+      <p:grpSpPr>
+        <a:xfrm>
+          <a:off x="0" y="0"/>
+          <a:ext cx="0" cy="0"/>
+          <a:chOff x="0" y="0"/>
+          <a:chExt cx="0" cy="0"/>
+        </a:xfrm>
+      </p:grpSpPr>
+      <p:sp>
+        <p:nvSpPr>
+          <p:cNvPr id="2" name="Title 1"/>
+          <p:cNvSpPr>
+            <a:spLocks noGrp="1"/>
+          </p:cNvSpPr>
+          <p:nvPr>
+            <p:ph type="title"/>
+          </p:nvPr>
+        </p:nvSpPr>
+        <p:spPr/>
+        <p:txBody>
+          <a:bodyPr>
+            <a:normAutofit fontScale="90000"/>
+          </a:bodyPr>
+          <a:lstStyle/>
+          <a:p>
+            <a:r>
+              <a:rPr lang="en-US" dirty="0" smtClean="0"/>
+              <a:t>Max Granularity Result </a:t>
+            </a:r>
+            <a:r>
+              <a:rPr lang="en-US" dirty="0"/>
+              <a:t>– ResNet18, CIFAR10, PS2</a:t>
+            </a:r>
+            <a:br>
+              <a:rPr lang="en-US" dirty="0"/>
+            </a:br>
+            <a:r>
+              <a:rPr lang="en-US" dirty="0"/>
+              <a:t>Channel 0 of each layer</a:t>
+            </a:r>
+          </a:p>
+        </p:txBody>
+      </p:sp>
+      <p:pic>
+        <p:nvPicPr>
+          <p:cNvPr id="5" name="Picture 4"/>
           <p:cNvPicPr>
             <a:picLocks noChangeAspect="1"/>
           </p:cNvPicPr>
           <p:nvPr/>
         </p:nvPicPr>
         <p:blipFill>
-          <a:blip r:embed="rId3"/>
+          <a:blip r:embed="rId2"/>
           <a:stretch>
             <a:fillRect/>
           </a:stretch>
         </p:blipFill>
         <p:spPr>
           <a:xfrm>
-            <a:off x="461612" y="2422903"/>
-            <a:ext cx="2862070" cy="2308226"/>
+            <a:off x="2550017" y="1540362"/>
+            <a:ext cx="6654084" cy="5269678"/>
           </a:xfrm>
           <a:prstGeom prst="rect">
             <a:avLst/>
           </a:prstGeom>
         </p:spPr>
       </p:pic>
+    </p:spTree>
+    <p:extLst>
+      <p:ext uri="{BB962C8B-B14F-4D97-AF65-F5344CB8AC3E}">
+        <p14:creationId xmlns:p14="http://schemas.microsoft.com/office/powerpoint/2010/main" val="2877208092"/>
+      </p:ext>
+    </p:extLst>
+  </p:cSld>
+  <p:clrMapOvr>
+    <a:masterClrMapping/>
+  </p:clrMapOvr>
+</p:sld>
+</file>
+
+<file path=ppt/slides/slide24.xml><?xml version="1.0" encoding="utf-8"?>
+<p:sld xmlns:a="http://schemas.openxmlformats.org/drawingml/2006/main" xmlns:r="http://schemas.openxmlformats.org/officeDocument/2006/relationships" xmlns:p="http://schemas.openxmlformats.org/presentationml/2006/main">
+  <p:cSld>
+    <p:spTree>
+      <p:nvGrpSpPr>
+        <p:cNvPr id="1" name=""/>
+        <p:cNvGrpSpPr/>
+        <p:nvPr/>
+      </p:nvGrpSpPr>
+      <p:grpSpPr>
+        <a:xfrm>
+          <a:off x="0" y="0"/>
+          <a:ext cx="0" cy="0"/>
+          <a:chOff x="0" y="0"/>
+          <a:chExt cx="0" cy="0"/>
+        </a:xfrm>
+      </p:grpSpPr>
+      <p:sp>
+        <p:nvSpPr>
+          <p:cNvPr id="2" name="Title 1"/>
+          <p:cNvSpPr>
+            <a:spLocks noGrp="1"/>
+          </p:cNvSpPr>
+          <p:nvPr>
+            <p:ph type="title"/>
+          </p:nvPr>
+        </p:nvSpPr>
+        <p:spPr/>
+        <p:txBody>
+          <a:bodyPr>
+            <a:normAutofit fontScale="90000"/>
+          </a:bodyPr>
+          <a:lstStyle/>
+          <a:p>
+            <a:r>
+              <a:rPr lang="en-US" dirty="0" smtClean="0"/>
+              <a:t>Max Granularity Result </a:t>
+            </a:r>
+            <a:r>
+              <a:rPr lang="en-US" dirty="0"/>
+              <a:t>– ResNet18, CIFAR10, PS2</a:t>
+            </a:r>
+            <a:br>
+              <a:rPr lang="en-US" dirty="0"/>
+            </a:br>
+            <a:r>
+              <a:rPr lang="en-US" dirty="0"/>
+              <a:t>Channel 0 of each layer</a:t>
+            </a:r>
+          </a:p>
+        </p:txBody>
+      </p:sp>
       <p:pic>
         <p:nvPicPr>
-          <p:cNvPr id="22" name="Picture 21"/>
+          <p:cNvPr id="3" name="Picture 2"/>
           <p:cNvPicPr>
             <a:picLocks noChangeAspect="1"/>
           </p:cNvPicPr>
           <p:nvPr/>
         </p:nvPicPr>
         <p:blipFill>
-          <a:blip r:embed="rId4"/>
+          <a:blip r:embed="rId2"/>
           <a:stretch>
             <a:fillRect/>
           </a:stretch>
         </p:blipFill>
         <p:spPr>
           <a:xfrm>
-            <a:off x="461612" y="2593767"/>
-            <a:ext cx="2862070" cy="2308226"/>
+            <a:off x="2665927" y="1588322"/>
+            <a:ext cx="6654084" cy="5269678"/>
           </a:xfrm>
           <a:prstGeom prst="rect">
             <a:avLst/>
           </a:prstGeom>
         </p:spPr>
       </p:pic>
+    </p:spTree>
+    <p:extLst>
+      <p:ext uri="{BB962C8B-B14F-4D97-AF65-F5344CB8AC3E}">
+        <p14:creationId xmlns:p14="http://schemas.microsoft.com/office/powerpoint/2010/main" val="3029492616"/>
+      </p:ext>
+    </p:extLst>
+  </p:cSld>
+  <p:clrMapOvr>
+    <a:masterClrMapping/>
+  </p:clrMapOvr>
+</p:sld>
+</file>
+
+<file path=ppt/slides/slide25.xml><?xml version="1.0" encoding="utf-8"?>
+<p:sld xmlns:a="http://schemas.openxmlformats.org/drawingml/2006/main" xmlns:r="http://schemas.openxmlformats.org/officeDocument/2006/relationships" xmlns:p="http://schemas.openxmlformats.org/presentationml/2006/main">
+  <p:cSld>
+    <p:spTree>
+      <p:nvGrpSpPr>
+        <p:cNvPr id="1" name=""/>
+        <p:cNvGrpSpPr/>
+        <p:nvPr/>
+      </p:nvGrpSpPr>
+      <p:grpSpPr>
+        <a:xfrm>
+          <a:off x="0" y="0"/>
+          <a:ext cx="0" cy="0"/>
+          <a:chOff x="0" y="0"/>
+          <a:chExt cx="0" cy="0"/>
+        </a:xfrm>
+      </p:grpSpPr>
+      <p:sp>
+        <p:nvSpPr>
+          <p:cNvPr id="2" name="Title 1"/>
+          <p:cNvSpPr>
+            <a:spLocks noGrp="1"/>
+          </p:cNvSpPr>
+          <p:nvPr>
+            <p:ph type="title"/>
+          </p:nvPr>
+        </p:nvSpPr>
+        <p:spPr/>
+        <p:txBody>
+          <a:bodyPr>
+            <a:normAutofit fontScale="90000"/>
+          </a:bodyPr>
+          <a:lstStyle/>
+          <a:p>
+            <a:r>
+              <a:rPr lang="en-US" dirty="0" smtClean="0"/>
+              <a:t>Max Granularity Result </a:t>
+            </a:r>
+            <a:r>
+              <a:rPr lang="en-US" dirty="0"/>
+              <a:t>– ResNet18, CIFAR10, PS2</a:t>
+            </a:r>
+            <a:br>
+              <a:rPr lang="en-US" dirty="0"/>
+            </a:br>
+            <a:r>
+              <a:rPr lang="en-US" dirty="0"/>
+              <a:t>Channel 0 of each layer</a:t>
+            </a:r>
+          </a:p>
+        </p:txBody>
+      </p:sp>
       <p:pic>
         <p:nvPicPr>
-          <p:cNvPr id="23" name="Picture 22"/>
+          <p:cNvPr id="3" name="Picture 2"/>
           <p:cNvPicPr>
             <a:picLocks noChangeAspect="1"/>
           </p:cNvPicPr>
           <p:nvPr/>
         </p:nvPicPr>
         <p:blipFill>
-          <a:blip r:embed="rId5"/>
+          <a:blip r:embed="rId2"/>
           <a:stretch>
             <a:fillRect/>
           </a:stretch>
         </p:blipFill>
         <p:spPr>
           <a:xfrm>
-            <a:off x="461610" y="2764631"/>
-            <a:ext cx="2862070" cy="2308226"/>
+            <a:off x="2498501" y="1690688"/>
+            <a:ext cx="6885904" cy="5091818"/>
           </a:xfrm>
           <a:prstGeom prst="rect">
             <a:avLst/>
           </a:prstGeom>
         </p:spPr>
       </p:pic>
+    </p:spTree>
+    <p:extLst>
+      <p:ext uri="{BB962C8B-B14F-4D97-AF65-F5344CB8AC3E}">
+        <p14:creationId xmlns:p14="http://schemas.microsoft.com/office/powerpoint/2010/main" val="3799612092"/>
+      </p:ext>
+    </p:extLst>
+  </p:cSld>
+  <p:clrMapOvr>
+    <a:masterClrMapping/>
+  </p:clrMapOvr>
+</p:sld>
+</file>
+
+<file path=ppt/slides/slide26.xml><?xml version="1.0" encoding="utf-8"?>
+<p:sld xmlns:a="http://schemas.openxmlformats.org/drawingml/2006/main" xmlns:r="http://schemas.openxmlformats.org/officeDocument/2006/relationships" xmlns:p="http://schemas.openxmlformats.org/presentationml/2006/main">
+  <p:cSld>
+    <p:spTree>
+      <p:nvGrpSpPr>
+        <p:cNvPr id="1" name=""/>
+        <p:cNvGrpSpPr/>
+        <p:nvPr/>
+      </p:nvGrpSpPr>
+      <p:grpSpPr>
+        <a:xfrm>
+          <a:off x="0" y="0"/>
+          <a:ext cx="0" cy="0"/>
+          <a:chOff x="0" y="0"/>
+          <a:chExt cx="0" cy="0"/>
+        </a:xfrm>
+      </p:grpSpPr>
+      <p:sp>
+        <p:nvSpPr>
+          <p:cNvPr id="2" name="Title 1"/>
+          <p:cNvSpPr>
+            <a:spLocks noGrp="1"/>
+          </p:cNvSpPr>
+          <p:nvPr>
+            <p:ph type="title"/>
+          </p:nvPr>
+        </p:nvSpPr>
+        <p:spPr/>
+        <p:txBody>
+          <a:bodyPr>
+            <a:normAutofit fontScale="90000"/>
+          </a:bodyPr>
+          <a:lstStyle/>
+          <a:p>
+            <a:r>
+              <a:rPr lang="en-US" dirty="0" smtClean="0"/>
+              <a:t>Max Granularity Result </a:t>
+            </a:r>
+            <a:r>
+              <a:rPr lang="en-US" dirty="0"/>
+              <a:t>– ResNet18, CIFAR10, PS2</a:t>
+            </a:r>
+            <a:br>
+              <a:rPr lang="en-US" dirty="0"/>
+            </a:br>
+            <a:r>
+              <a:rPr lang="en-US" dirty="0"/>
+              <a:t>Channel 0 of each layer</a:t>
+            </a:r>
+          </a:p>
+        </p:txBody>
+      </p:sp>
       <p:pic>
         <p:nvPicPr>
-          <p:cNvPr id="24" name="Picture 23"/>
+          <p:cNvPr id="3" name="Picture 2"/>
           <p:cNvPicPr>
             <a:picLocks noChangeAspect="1"/>
           </p:cNvPicPr>
           <p:nvPr/>
         </p:nvPicPr>
         <p:blipFill>
-          <a:blip r:embed="rId6"/>
+          <a:blip r:embed="rId2"/>
           <a:stretch>
             <a:fillRect/>
           </a:stretch>
         </p:blipFill>
         <p:spPr>
           <a:xfrm>
-            <a:off x="461610" y="2919280"/>
-            <a:ext cx="2862070" cy="2308226"/>
+            <a:off x="2382593" y="1584622"/>
+            <a:ext cx="7426814" cy="5491798"/>
           </a:xfrm>
           <a:prstGeom prst="rect">
             <a:avLst/>
           </a:prstGeom>
         </p:spPr>
       </p:pic>
+    </p:spTree>
+    <p:extLst>
+      <p:ext uri="{BB962C8B-B14F-4D97-AF65-F5344CB8AC3E}">
+        <p14:creationId xmlns:p14="http://schemas.microsoft.com/office/powerpoint/2010/main" val="1218976454"/>
+      </p:ext>
+    </p:extLst>
+  </p:cSld>
+  <p:clrMapOvr>
+    <a:masterClrMapping/>
+  </p:clrMapOvr>
+</p:sld>
+</file>
+
+<file path=ppt/slides/slide27.xml><?xml version="1.0" encoding="utf-8"?>
+<p:sld xmlns:a="http://schemas.openxmlformats.org/drawingml/2006/main" xmlns:r="http://schemas.openxmlformats.org/officeDocument/2006/relationships" xmlns:p="http://schemas.openxmlformats.org/presentationml/2006/main">
+  <p:cSld>
+    <p:spTree>
+      <p:nvGrpSpPr>
+        <p:cNvPr id="1" name=""/>
+        <p:cNvGrpSpPr/>
+        <p:nvPr/>
+      </p:nvGrpSpPr>
+      <p:grpSpPr>
+        <a:xfrm>
+          <a:off x="0" y="0"/>
+          <a:ext cx="0" cy="0"/>
+          <a:chOff x="0" y="0"/>
+          <a:chExt cx="0" cy="0"/>
+        </a:xfrm>
+      </p:grpSpPr>
+      <p:sp>
+        <p:nvSpPr>
+          <p:cNvPr id="4" name="Title 1"/>
+          <p:cNvSpPr>
+            <a:spLocks noGrp="1"/>
+          </p:cNvSpPr>
+          <p:nvPr>
+            <p:ph type="title"/>
+          </p:nvPr>
+        </p:nvSpPr>
+        <p:spPr>
+          <a:xfrm>
+            <a:off x="838200" y="193675"/>
+            <a:ext cx="10515600" cy="1325563"/>
+          </a:xfrm>
+        </p:spPr>
+        <p:txBody>
+          <a:bodyPr/>
+          <a:lstStyle/>
+          <a:p>
+            <a:pPr algn="ctr"/>
+            <a:r>
+              <a:rPr lang="en-US" dirty="0"/>
+              <a:t>Max Granularity Result </a:t>
+            </a:r>
+            <a:r>
+              <a:rPr lang="en-US" dirty="0" smtClean="0"/>
+              <a:t>– ResNet18, CIFAR10, PS2, Layer: 0 </a:t>
+            </a:r>
+            <a:endParaRPr lang="en-US" dirty="0"/>
+          </a:p>
+        </p:txBody>
+      </p:sp>
       <p:pic>
         <p:nvPicPr>
-          <p:cNvPr id="15" name="Picture 14"/>
+          <p:cNvPr id="2" name="Picture 1"/>
           <p:cNvPicPr>
             <a:picLocks noChangeAspect="1"/>
           </p:cNvPicPr>
           <p:nvPr/>
         </p:nvPicPr>
         <p:blipFill>
-          <a:blip r:embed="rId7"/>
+          <a:blip r:embed="rId2"/>
           <a:stretch>
             <a:fillRect/>
           </a:stretch>
         </p:blipFill>
         <p:spPr>
           <a:xfrm>
-            <a:off x="3352435" y="2257851"/>
-            <a:ext cx="2858273" cy="2448548"/>
+            <a:off x="335923" y="1427969"/>
+            <a:ext cx="11520154" cy="11703630"/>
           </a:xfrm>
           <a:prstGeom prst="rect">
             <a:avLst/>
           </a:prstGeom>
         </p:spPr>
       </p:pic>
+    </p:spTree>
+    <p:extLst>
+      <p:ext uri="{BB962C8B-B14F-4D97-AF65-F5344CB8AC3E}">
+        <p14:creationId xmlns:p14="http://schemas.microsoft.com/office/powerpoint/2010/main" val="1634714168"/>
+      </p:ext>
+    </p:extLst>
+  </p:cSld>
+  <p:clrMapOvr>
+    <a:masterClrMapping/>
+  </p:clrMapOvr>
+  <p:timing>
+    <p:tnLst>
+      <p:par>
+        <p:cTn id="1" dur="indefinite" restart="never" nodeType="tmRoot"/>
+      </p:par>
+    </p:tnLst>
+  </p:timing>
+</p:sld>
+</file>
+
+<file path=ppt/slides/slide28.xml><?xml version="1.0" encoding="utf-8"?>
+<p:sld xmlns:a="http://schemas.openxmlformats.org/drawingml/2006/main" xmlns:r="http://schemas.openxmlformats.org/officeDocument/2006/relationships" xmlns:p="http://schemas.openxmlformats.org/presentationml/2006/main">
+  <p:cSld>
+    <p:spTree>
+      <p:nvGrpSpPr>
+        <p:cNvPr id="1" name=""/>
+        <p:cNvGrpSpPr/>
+        <p:nvPr/>
+      </p:nvGrpSpPr>
+      <p:grpSpPr>
+        <a:xfrm>
+          <a:off x="0" y="0"/>
+          <a:ext cx="0" cy="0"/>
+          <a:chOff x="0" y="0"/>
+          <a:chExt cx="0" cy="0"/>
+        </a:xfrm>
+      </p:grpSpPr>
+      <p:sp>
+        <p:nvSpPr>
+          <p:cNvPr id="4" name="Title 1"/>
+          <p:cNvSpPr>
+            <a:spLocks noGrp="1"/>
+          </p:cNvSpPr>
+          <p:nvPr>
+            <p:ph type="title"/>
+          </p:nvPr>
+        </p:nvSpPr>
+        <p:spPr>
+          <a:xfrm>
+            <a:off x="838200" y="193675"/>
+            <a:ext cx="10515600" cy="1325563"/>
+          </a:xfrm>
+        </p:spPr>
+        <p:txBody>
+          <a:bodyPr/>
+          <a:lstStyle/>
+          <a:p>
+            <a:pPr algn="ctr"/>
+            <a:r>
+              <a:rPr lang="en-US" dirty="0"/>
+              <a:t>Max Granularity Result </a:t>
+            </a:r>
+            <a:r>
+              <a:rPr lang="en-US" dirty="0" smtClean="0"/>
+              <a:t>– ResNet18, CIFAR10, PS2, Layer:7 </a:t>
+            </a:r>
+            <a:endParaRPr lang="en-US" dirty="0"/>
+          </a:p>
+        </p:txBody>
+      </p:sp>
       <p:pic>
         <p:nvPicPr>
-          <p:cNvPr id="14" name="Picture 13"/>
+          <p:cNvPr id="5" name="Picture 4"/>
           <p:cNvPicPr>
             <a:picLocks noChangeAspect="1"/>
           </p:cNvPicPr>
           <p:nvPr/>
         </p:nvPicPr>
         <p:blipFill>
-          <a:blip r:embed="rId8"/>
+          <a:blip r:embed="rId2"/>
           <a:stretch>
             <a:fillRect/>
           </a:stretch>
         </p:blipFill>
         <p:spPr>
           <a:xfrm>
-            <a:off x="3354335" y="2434163"/>
-            <a:ext cx="2858273" cy="2448548"/>
+            <a:off x="0" y="1398431"/>
+            <a:ext cx="11891492" cy="11891492"/>
           </a:xfrm>
           <a:prstGeom prst="rect">
             <a:avLst/>
           </a:prstGeom>
         </p:spPr>
       </p:pic>
-      <p:pic>
-        <p:nvPicPr>
-          <p:cNvPr id="13" name="Picture 12"/>
-          <p:cNvPicPr>
-            <a:picLocks noChangeAspect="1"/>
-          </p:cNvPicPr>
-          <p:nvPr/>
-        </p:nvPicPr>
-        <p:blipFill>
-          <a:blip r:embed="rId9"/>
-          <a:stretch>
-            <a:fillRect/>
-          </a:stretch>
-        </p:blipFill>
+    </p:spTree>
+    <p:extLst>
+      <p:ext uri="{BB962C8B-B14F-4D97-AF65-F5344CB8AC3E}">
+        <p14:creationId xmlns:p14="http://schemas.microsoft.com/office/powerpoint/2010/main" val="226136098"/>
+      </p:ext>
+    </p:extLst>
+  </p:cSld>
+  <p:clrMapOvr>
+    <a:masterClrMapping/>
+  </p:clrMapOvr>
+  <p:timing>
+    <p:tnLst>
+      <p:par>
+        <p:cTn id="1" dur="indefinite" restart="never" nodeType="tmRoot"/>
+      </p:par>
+    </p:tnLst>
+  </p:timing>
+</p:sld>
+</file>
+
+<file path=ppt/slides/slide29.xml><?xml version="1.0" encoding="utf-8"?>
+<p:sld xmlns:a="http://schemas.openxmlformats.org/drawingml/2006/main" xmlns:r="http://schemas.openxmlformats.org/officeDocument/2006/relationships" xmlns:p="http://schemas.openxmlformats.org/presentationml/2006/main">
+  <p:cSld>
+    <p:spTree>
+      <p:nvGrpSpPr>
+        <p:cNvPr id="1" name=""/>
+        <p:cNvGrpSpPr/>
+        <p:nvPr/>
+      </p:nvGrpSpPr>
+      <p:grpSpPr>
+        <a:xfrm>
+          <a:off x="0" y="0"/>
+          <a:ext cx="0" cy="0"/>
+          <a:chOff x="0" y="0"/>
+          <a:chExt cx="0" cy="0"/>
+        </a:xfrm>
+      </p:grpSpPr>
+      <p:sp>
+        <p:nvSpPr>
+          <p:cNvPr id="4" name="Title 1"/>
+          <p:cNvSpPr>
+            <a:spLocks noGrp="1"/>
+          </p:cNvSpPr>
+          <p:nvPr>
+            <p:ph type="title"/>
+          </p:nvPr>
+        </p:nvSpPr>
         <p:spPr>
           <a:xfrm>
-            <a:off x="3352434" y="2611762"/>
-            <a:ext cx="2858273" cy="2448548"/>
+            <a:off x="838200" y="193675"/>
+            <a:ext cx="10515600" cy="1325563"/>
           </a:xfrm>
-          <a:prstGeom prst="rect">
-            <a:avLst/>
-          </a:prstGeom>
         </p:spPr>
-      </p:pic>
-      <p:pic>
-        <p:nvPicPr>
-          <p:cNvPr id="4" name="Picture 3"/>
-          <p:cNvPicPr>
-            <a:picLocks noChangeAspect="1"/>
-          </p:cNvPicPr>
-          <p:nvPr/>
-        </p:nvPicPr>
-        <p:blipFill>
-          <a:blip r:embed="rId10"/>
-          <a:stretch>
-            <a:fillRect/>
-          </a:stretch>
-        </p:blipFill>
-        <p:spPr>
-          <a:xfrm>
-            <a:off x="3347927" y="2788325"/>
-            <a:ext cx="2858273" cy="2448548"/>
-          </a:xfrm>
-          <a:prstGeom prst="rect">
-            <a:avLst/>
-          </a:prstGeom>
-        </p:spPr>
-      </p:pic>
-      <p:pic>
-        <p:nvPicPr>
-          <p:cNvPr id="12" name="Picture 11"/>
-          <p:cNvPicPr>
-            <a:picLocks noChangeAspect="1"/>
-          </p:cNvPicPr>
-          <p:nvPr/>
-        </p:nvPicPr>
-        <p:blipFill>
-          <a:blip r:embed="rId11"/>
-          <a:stretch>
-            <a:fillRect/>
-          </a:stretch>
-        </p:blipFill>
-        <p:spPr>
-          <a:xfrm>
-            <a:off x="6210227" y="2224748"/>
-            <a:ext cx="2641106" cy="2476810"/>
-          </a:xfrm>
-          <a:prstGeom prst="rect">
-            <a:avLst/>
-          </a:prstGeom>
-        </p:spPr>
-      </p:pic>
-      <p:pic>
-        <p:nvPicPr>
-          <p:cNvPr id="11" name="Picture 10"/>
-          <p:cNvPicPr>
-            <a:picLocks noChangeAspect="1"/>
-          </p:cNvPicPr>
-          <p:nvPr/>
-        </p:nvPicPr>
-        <p:blipFill>
-          <a:blip r:embed="rId12"/>
-          <a:stretch>
-            <a:fillRect/>
-          </a:stretch>
-        </p:blipFill>
-        <p:spPr>
-          <a:xfrm>
-            <a:off x="6245301" y="2399978"/>
-            <a:ext cx="2650373" cy="2476810"/>
-          </a:xfrm>
-          <a:prstGeom prst="rect">
-            <a:avLst/>
-          </a:prstGeom>
-        </p:spPr>
-      </p:pic>
-      <p:pic>
-        <p:nvPicPr>
-          <p:cNvPr id="10" name="Picture 9"/>
-          <p:cNvPicPr>
-            <a:picLocks noChangeAspect="1"/>
-          </p:cNvPicPr>
-          <p:nvPr/>
-        </p:nvPicPr>
-        <p:blipFill>
-          <a:blip r:embed="rId13"/>
-          <a:stretch>
-            <a:fillRect/>
-          </a:stretch>
-        </p:blipFill>
-        <p:spPr>
-          <a:xfrm>
-            <a:off x="6245301" y="2570062"/>
-            <a:ext cx="2650373" cy="2476810"/>
-          </a:xfrm>
-          <a:prstGeom prst="rect">
-            <a:avLst/>
-          </a:prstGeom>
-        </p:spPr>
-      </p:pic>
-      <p:pic>
-        <p:nvPicPr>
-          <p:cNvPr id="9" name="Picture 8"/>
-          <p:cNvPicPr>
-            <a:picLocks noChangeAspect="1"/>
-          </p:cNvPicPr>
-          <p:nvPr/>
-        </p:nvPicPr>
-        <p:blipFill>
-          <a:blip r:embed="rId14"/>
-          <a:stretch>
-            <a:fillRect/>
-          </a:stretch>
-        </p:blipFill>
-        <p:spPr>
-          <a:xfrm>
-            <a:off x="6239460" y="2750696"/>
-            <a:ext cx="2650373" cy="2476810"/>
-          </a:xfrm>
-          <a:prstGeom prst="rect">
-            <a:avLst/>
-          </a:prstGeom>
-        </p:spPr>
-      </p:pic>
-      <p:pic>
-        <p:nvPicPr>
-          <p:cNvPr id="8" name="Picture 7"/>
-          <p:cNvPicPr>
-            <a:picLocks noChangeAspect="1"/>
-          </p:cNvPicPr>
-          <p:nvPr/>
-        </p:nvPicPr>
-        <p:blipFill>
-          <a:blip r:embed="rId15"/>
-          <a:stretch>
-            <a:fillRect/>
-          </a:stretch>
-        </p:blipFill>
-        <p:spPr>
-          <a:xfrm>
-            <a:off x="8876156" y="2267810"/>
-            <a:ext cx="2861722" cy="2438987"/>
-          </a:xfrm>
-          <a:prstGeom prst="rect">
-            <a:avLst/>
-          </a:prstGeom>
-        </p:spPr>
-      </p:pic>
+        <p:txBody>
+          <a:bodyPr/>
+          <a:lstStyle/>
+          <a:p>
+            <a:pPr algn="ctr"/>
+            <a:r>
+              <a:rPr lang="en-US" dirty="0"/>
+              <a:t>Max Granularity Result </a:t>
+            </a:r>
+            <a:r>
+              <a:rPr lang="en-US" dirty="0" smtClean="0"/>
+              <a:t>– ResNet18, CIFAR10, PS2, </a:t>
+            </a:r>
+            <a:r>
+              <a:rPr lang="en-US" dirty="0" smtClean="0"/>
+              <a:t>Layer:10 </a:t>
+            </a:r>
+            <a:endParaRPr lang="en-US" dirty="0"/>
+          </a:p>
+        </p:txBody>
+      </p:sp>
       <p:pic>
         <p:nvPicPr>
           <p:cNvPr id="7" name="Picture 6"/>
@@ -8145,63 +8437,15 @@
           <p:nvPr/>
         </p:nvPicPr>
         <p:blipFill>
-          <a:blip r:embed="rId16"/>
+          <a:blip r:embed="rId2"/>
           <a:stretch>
             <a:fillRect/>
           </a:stretch>
         </p:blipFill>
         <p:spPr>
           <a:xfrm>
-            <a:off x="8876156" y="2448265"/>
-            <a:ext cx="2861722" cy="2438987"/>
-          </a:xfrm>
-          <a:prstGeom prst="rect">
-            <a:avLst/>
-          </a:prstGeom>
-        </p:spPr>
-      </p:pic>
-      <p:pic>
-        <p:nvPicPr>
-          <p:cNvPr id="6" name="Picture 5"/>
-          <p:cNvPicPr>
-            <a:picLocks noChangeAspect="1"/>
-          </p:cNvPicPr>
-          <p:nvPr/>
-        </p:nvPicPr>
-        <p:blipFill>
-          <a:blip r:embed="rId17"/>
-          <a:stretch>
-            <a:fillRect/>
-          </a:stretch>
-        </p:blipFill>
-        <p:spPr>
-          <a:xfrm>
-            <a:off x="8876156" y="2628720"/>
-            <a:ext cx="2861722" cy="2438987"/>
-          </a:xfrm>
-          <a:prstGeom prst="rect">
-            <a:avLst/>
-          </a:prstGeom>
-        </p:spPr>
-      </p:pic>
-      <p:pic>
-        <p:nvPicPr>
-          <p:cNvPr id="5" name="Picture 4"/>
-          <p:cNvPicPr>
-            <a:picLocks noChangeAspect="1"/>
-          </p:cNvPicPr>
-          <p:nvPr/>
-        </p:nvPicPr>
-        <p:blipFill>
-          <a:blip r:embed="rId18"/>
-          <a:stretch>
-            <a:fillRect/>
-          </a:stretch>
-        </p:blipFill>
-        <p:spPr>
-          <a:xfrm>
-            <a:off x="8876156" y="2809175"/>
-            <a:ext cx="2861722" cy="2438987"/>
+            <a:off x="558621" y="1691843"/>
+            <a:ext cx="11074758" cy="11207866"/>
           </a:xfrm>
           <a:prstGeom prst="rect">
             <a:avLst/>
@@ -8211,7 +8455,7 @@
     </p:spTree>
     <p:extLst>
       <p:ext uri="{BB962C8B-B14F-4D97-AF65-F5344CB8AC3E}">
-        <p14:creationId xmlns:p14="http://schemas.microsoft.com/office/powerpoint/2010/main" val="3865082810"/>
+        <p14:creationId xmlns:p14="http://schemas.microsoft.com/office/powerpoint/2010/main" val="695994253"/>
       </p:ext>
     </p:extLst>
   </p:cSld>
@@ -8221,795 +8465,7 @@
   <p:timing>
     <p:tnLst>
       <p:par>
-        <p:cTn id="1" dur="indefinite" restart="never" nodeType="tmRoot">
-          <p:childTnLst>
-            <p:seq concurrent="1" nextAc="seek">
-              <p:cTn id="2" dur="indefinite" nodeType="mainSeq">
-                <p:childTnLst>
-                  <p:par>
-                    <p:cTn id="3" fill="hold">
-                      <p:stCondLst>
-                        <p:cond delay="indefinite"/>
-                      </p:stCondLst>
-                      <p:childTnLst>
-                        <p:par>
-                          <p:cTn id="4" fill="hold">
-                            <p:stCondLst>
-                              <p:cond delay="0"/>
-                            </p:stCondLst>
-                            <p:childTnLst>
-                              <p:par>
-                                <p:cTn id="5" presetID="1" presetClass="entr" presetSubtype="0" fill="hold" nodeType="clickEffect">
-                                  <p:stCondLst>
-                                    <p:cond delay="0"/>
-                                  </p:stCondLst>
-                                  <p:childTnLst>
-                                    <p:set>
-                                      <p:cBhvr>
-                                        <p:cTn id="6" dur="1" fill="hold">
-                                          <p:stCondLst>
-                                            <p:cond delay="0"/>
-                                          </p:stCondLst>
-                                        </p:cTn>
-                                        <p:tgtEl>
-                                          <p:spTgt spid="20"/>
-                                        </p:tgtEl>
-                                        <p:attrNameLst>
-                                          <p:attrName>style.visibility</p:attrName>
-                                        </p:attrNameLst>
-                                      </p:cBhvr>
-                                      <p:to>
-                                        <p:strVal val="visible"/>
-                                      </p:to>
-                                    </p:set>
-                                  </p:childTnLst>
-                                </p:cTn>
-                              </p:par>
-                            </p:childTnLst>
-                          </p:cTn>
-                        </p:par>
-                      </p:childTnLst>
-                    </p:cTn>
-                  </p:par>
-                  <p:par>
-                    <p:cTn id="7" fill="hold">
-                      <p:stCondLst>
-                        <p:cond delay="indefinite"/>
-                      </p:stCondLst>
-                      <p:childTnLst>
-                        <p:par>
-                          <p:cTn id="8" fill="hold">
-                            <p:stCondLst>
-                              <p:cond delay="0"/>
-                            </p:stCondLst>
-                            <p:childTnLst>
-                              <p:par>
-                                <p:cTn id="9" presetID="1" presetClass="entr" presetSubtype="0" fill="hold" nodeType="clickEffect">
-                                  <p:stCondLst>
-                                    <p:cond delay="0"/>
-                                  </p:stCondLst>
-                                  <p:childTnLst>
-                                    <p:set>
-                                      <p:cBhvr>
-                                        <p:cTn id="10" dur="1" fill="hold">
-                                          <p:stCondLst>
-                                            <p:cond delay="0"/>
-                                          </p:stCondLst>
-                                        </p:cTn>
-                                        <p:tgtEl>
-                                          <p:spTgt spid="21"/>
-                                        </p:tgtEl>
-                                        <p:attrNameLst>
-                                          <p:attrName>style.visibility</p:attrName>
-                                        </p:attrNameLst>
-                                      </p:cBhvr>
-                                      <p:to>
-                                        <p:strVal val="visible"/>
-                                      </p:to>
-                                    </p:set>
-                                  </p:childTnLst>
-                                </p:cTn>
-                              </p:par>
-                            </p:childTnLst>
-                          </p:cTn>
-                        </p:par>
-                      </p:childTnLst>
-                    </p:cTn>
-                  </p:par>
-                  <p:par>
-                    <p:cTn id="11" fill="hold">
-                      <p:stCondLst>
-                        <p:cond delay="indefinite"/>
-                      </p:stCondLst>
-                      <p:childTnLst>
-                        <p:par>
-                          <p:cTn id="12" fill="hold">
-                            <p:stCondLst>
-                              <p:cond delay="0"/>
-                            </p:stCondLst>
-                            <p:childTnLst>
-                              <p:par>
-                                <p:cTn id="13" presetID="1" presetClass="entr" presetSubtype="0" fill="hold" nodeType="clickEffect">
-                                  <p:stCondLst>
-                                    <p:cond delay="0"/>
-                                  </p:stCondLst>
-                                  <p:childTnLst>
-                                    <p:set>
-                                      <p:cBhvr>
-                                        <p:cTn id="14" dur="1" fill="hold">
-                                          <p:stCondLst>
-                                            <p:cond delay="0"/>
-                                          </p:stCondLst>
-                                        </p:cTn>
-                                        <p:tgtEl>
-                                          <p:spTgt spid="22"/>
-                                        </p:tgtEl>
-                                        <p:attrNameLst>
-                                          <p:attrName>style.visibility</p:attrName>
-                                        </p:attrNameLst>
-                                      </p:cBhvr>
-                                      <p:to>
-                                        <p:strVal val="visible"/>
-                                      </p:to>
-                                    </p:set>
-                                  </p:childTnLst>
-                                </p:cTn>
-                              </p:par>
-                            </p:childTnLst>
-                          </p:cTn>
-                        </p:par>
-                      </p:childTnLst>
-                    </p:cTn>
-                  </p:par>
-                  <p:par>
-                    <p:cTn id="15" fill="hold">
-                      <p:stCondLst>
-                        <p:cond delay="indefinite"/>
-                      </p:stCondLst>
-                      <p:childTnLst>
-                        <p:par>
-                          <p:cTn id="16" fill="hold">
-                            <p:stCondLst>
-                              <p:cond delay="0"/>
-                            </p:stCondLst>
-                            <p:childTnLst>
-                              <p:par>
-                                <p:cTn id="17" presetID="1" presetClass="entr" presetSubtype="0" fill="hold" nodeType="clickEffect">
-                                  <p:stCondLst>
-                                    <p:cond delay="0"/>
-                                  </p:stCondLst>
-                                  <p:childTnLst>
-                                    <p:set>
-                                      <p:cBhvr>
-                                        <p:cTn id="18" dur="1" fill="hold">
-                                          <p:stCondLst>
-                                            <p:cond delay="0"/>
-                                          </p:stCondLst>
-                                        </p:cTn>
-                                        <p:tgtEl>
-                                          <p:spTgt spid="23"/>
-                                        </p:tgtEl>
-                                        <p:attrNameLst>
-                                          <p:attrName>style.visibility</p:attrName>
-                                        </p:attrNameLst>
-                                      </p:cBhvr>
-                                      <p:to>
-                                        <p:strVal val="visible"/>
-                                      </p:to>
-                                    </p:set>
-                                  </p:childTnLst>
-                                </p:cTn>
-                              </p:par>
-                            </p:childTnLst>
-                          </p:cTn>
-                        </p:par>
-                      </p:childTnLst>
-                    </p:cTn>
-                  </p:par>
-                  <p:par>
-                    <p:cTn id="19" fill="hold">
-                      <p:stCondLst>
-                        <p:cond delay="indefinite"/>
-                      </p:stCondLst>
-                      <p:childTnLst>
-                        <p:par>
-                          <p:cTn id="20" fill="hold">
-                            <p:stCondLst>
-                              <p:cond delay="0"/>
-                            </p:stCondLst>
-                            <p:childTnLst>
-                              <p:par>
-                                <p:cTn id="21" presetID="1" presetClass="entr" presetSubtype="0" fill="hold" nodeType="clickEffect">
-                                  <p:stCondLst>
-                                    <p:cond delay="0"/>
-                                  </p:stCondLst>
-                                  <p:childTnLst>
-                                    <p:set>
-                                      <p:cBhvr>
-                                        <p:cTn id="22" dur="1" fill="hold">
-                                          <p:stCondLst>
-                                            <p:cond delay="0"/>
-                                          </p:stCondLst>
-                                        </p:cTn>
-                                        <p:tgtEl>
-                                          <p:spTgt spid="24"/>
-                                        </p:tgtEl>
-                                        <p:attrNameLst>
-                                          <p:attrName>style.visibility</p:attrName>
-                                        </p:attrNameLst>
-                                      </p:cBhvr>
-                                      <p:to>
-                                        <p:strVal val="visible"/>
-                                      </p:to>
-                                    </p:set>
-                                  </p:childTnLst>
-                                </p:cTn>
-                              </p:par>
-                            </p:childTnLst>
-                          </p:cTn>
-                        </p:par>
-                      </p:childTnLst>
-                    </p:cTn>
-                  </p:par>
-                  <p:par>
-                    <p:cTn id="23" fill="hold">
-                      <p:stCondLst>
-                        <p:cond delay="indefinite"/>
-                      </p:stCondLst>
-                      <p:childTnLst>
-                        <p:par>
-                          <p:cTn id="24" fill="hold">
-                            <p:stCondLst>
-                              <p:cond delay="0"/>
-                            </p:stCondLst>
-                            <p:childTnLst>
-                              <p:par>
-                                <p:cTn id="25" presetID="1" presetClass="entr" presetSubtype="0" fill="hold" nodeType="clickEffect">
-                                  <p:stCondLst>
-                                    <p:cond delay="0"/>
-                                  </p:stCondLst>
-                                  <p:childTnLst>
-                                    <p:set>
-                                      <p:cBhvr>
-                                        <p:cTn id="26" dur="1" fill="hold">
-                                          <p:stCondLst>
-                                            <p:cond delay="0"/>
-                                          </p:stCondLst>
-                                        </p:cTn>
-                                        <p:tgtEl>
-                                          <p:spTgt spid="15"/>
-                                        </p:tgtEl>
-                                        <p:attrNameLst>
-                                          <p:attrName>style.visibility</p:attrName>
-                                        </p:attrNameLst>
-                                      </p:cBhvr>
-                                      <p:to>
-                                        <p:strVal val="visible"/>
-                                      </p:to>
-                                    </p:set>
-                                  </p:childTnLst>
-                                </p:cTn>
-                              </p:par>
-                            </p:childTnLst>
-                          </p:cTn>
-                        </p:par>
-                      </p:childTnLst>
-                    </p:cTn>
-                  </p:par>
-                  <p:par>
-                    <p:cTn id="27" fill="hold">
-                      <p:stCondLst>
-                        <p:cond delay="indefinite"/>
-                      </p:stCondLst>
-                      <p:childTnLst>
-                        <p:par>
-                          <p:cTn id="28" fill="hold">
-                            <p:stCondLst>
-                              <p:cond delay="0"/>
-                            </p:stCondLst>
-                            <p:childTnLst>
-                              <p:par>
-                                <p:cTn id="29" presetID="1" presetClass="entr" presetSubtype="0" fill="hold" nodeType="clickEffect">
-                                  <p:stCondLst>
-                                    <p:cond delay="0"/>
-                                  </p:stCondLst>
-                                  <p:childTnLst>
-                                    <p:set>
-                                      <p:cBhvr>
-                                        <p:cTn id="30" dur="1" fill="hold">
-                                          <p:stCondLst>
-                                            <p:cond delay="0"/>
-                                          </p:stCondLst>
-                                        </p:cTn>
-                                        <p:tgtEl>
-                                          <p:spTgt spid="14"/>
-                                        </p:tgtEl>
-                                        <p:attrNameLst>
-                                          <p:attrName>style.visibility</p:attrName>
-                                        </p:attrNameLst>
-                                      </p:cBhvr>
-                                      <p:to>
-                                        <p:strVal val="visible"/>
-                                      </p:to>
-                                    </p:set>
-                                  </p:childTnLst>
-                                </p:cTn>
-                              </p:par>
-                            </p:childTnLst>
-                          </p:cTn>
-                        </p:par>
-                      </p:childTnLst>
-                    </p:cTn>
-                  </p:par>
-                  <p:par>
-                    <p:cTn id="31" fill="hold">
-                      <p:stCondLst>
-                        <p:cond delay="indefinite"/>
-                      </p:stCondLst>
-                      <p:childTnLst>
-                        <p:par>
-                          <p:cTn id="32" fill="hold">
-                            <p:stCondLst>
-                              <p:cond delay="0"/>
-                            </p:stCondLst>
-                            <p:childTnLst>
-                              <p:par>
-                                <p:cTn id="33" presetID="1" presetClass="entr" presetSubtype="0" fill="hold" nodeType="clickEffect">
-                                  <p:stCondLst>
-                                    <p:cond delay="0"/>
-                                  </p:stCondLst>
-                                  <p:childTnLst>
-                                    <p:set>
-                                      <p:cBhvr>
-                                        <p:cTn id="34" dur="1" fill="hold">
-                                          <p:stCondLst>
-                                            <p:cond delay="0"/>
-                                          </p:stCondLst>
-                                        </p:cTn>
-                                        <p:tgtEl>
-                                          <p:spTgt spid="13"/>
-                                        </p:tgtEl>
-                                        <p:attrNameLst>
-                                          <p:attrName>style.visibility</p:attrName>
-                                        </p:attrNameLst>
-                                      </p:cBhvr>
-                                      <p:to>
-                                        <p:strVal val="visible"/>
-                                      </p:to>
-                                    </p:set>
-                                  </p:childTnLst>
-                                </p:cTn>
-                              </p:par>
-                            </p:childTnLst>
-                          </p:cTn>
-                        </p:par>
-                      </p:childTnLst>
-                    </p:cTn>
-                  </p:par>
-                  <p:par>
-                    <p:cTn id="35" fill="hold">
-                      <p:stCondLst>
-                        <p:cond delay="indefinite"/>
-                      </p:stCondLst>
-                      <p:childTnLst>
-                        <p:par>
-                          <p:cTn id="36" fill="hold">
-                            <p:stCondLst>
-                              <p:cond delay="0"/>
-                            </p:stCondLst>
-                            <p:childTnLst>
-                              <p:par>
-                                <p:cTn id="37" presetID="1" presetClass="entr" presetSubtype="0" fill="hold" nodeType="clickEffect">
-                                  <p:stCondLst>
-                                    <p:cond delay="0"/>
-                                  </p:stCondLst>
-                                  <p:childTnLst>
-                                    <p:set>
-                                      <p:cBhvr>
-                                        <p:cTn id="38" dur="1" fill="hold">
-                                          <p:stCondLst>
-                                            <p:cond delay="0"/>
-                                          </p:stCondLst>
-                                        </p:cTn>
-                                        <p:tgtEl>
-                                          <p:spTgt spid="4"/>
-                                        </p:tgtEl>
-                                        <p:attrNameLst>
-                                          <p:attrName>style.visibility</p:attrName>
-                                        </p:attrNameLst>
-                                      </p:cBhvr>
-                                      <p:to>
-                                        <p:strVal val="visible"/>
-                                      </p:to>
-                                    </p:set>
-                                  </p:childTnLst>
-                                </p:cTn>
-                              </p:par>
-                            </p:childTnLst>
-                          </p:cTn>
-                        </p:par>
-                      </p:childTnLst>
-                    </p:cTn>
-                  </p:par>
-                  <p:par>
-                    <p:cTn id="39" fill="hold">
-                      <p:stCondLst>
-                        <p:cond delay="indefinite"/>
-                      </p:stCondLst>
-                      <p:childTnLst>
-                        <p:par>
-                          <p:cTn id="40" fill="hold">
-                            <p:stCondLst>
-                              <p:cond delay="0"/>
-                            </p:stCondLst>
-                            <p:childTnLst>
-                              <p:par>
-                                <p:cTn id="41" presetID="1" presetClass="entr" presetSubtype="0" fill="hold" nodeType="clickEffect">
-                                  <p:stCondLst>
-                                    <p:cond delay="0"/>
-                                  </p:stCondLst>
-                                  <p:childTnLst>
-                                    <p:set>
-                                      <p:cBhvr>
-                                        <p:cTn id="42" dur="1" fill="hold">
-                                          <p:stCondLst>
-                                            <p:cond delay="0"/>
-                                          </p:stCondLst>
-                                        </p:cTn>
-                                        <p:tgtEl>
-                                          <p:spTgt spid="12"/>
-                                        </p:tgtEl>
-                                        <p:attrNameLst>
-                                          <p:attrName>style.visibility</p:attrName>
-                                        </p:attrNameLst>
-                                      </p:cBhvr>
-                                      <p:to>
-                                        <p:strVal val="visible"/>
-                                      </p:to>
-                                    </p:set>
-                                  </p:childTnLst>
-                                </p:cTn>
-                              </p:par>
-                            </p:childTnLst>
-                          </p:cTn>
-                        </p:par>
-                      </p:childTnLst>
-                    </p:cTn>
-                  </p:par>
-                  <p:par>
-                    <p:cTn id="43" fill="hold">
-                      <p:stCondLst>
-                        <p:cond delay="indefinite"/>
-                      </p:stCondLst>
-                      <p:childTnLst>
-                        <p:par>
-                          <p:cTn id="44" fill="hold">
-                            <p:stCondLst>
-                              <p:cond delay="0"/>
-                            </p:stCondLst>
-                            <p:childTnLst>
-                              <p:par>
-                                <p:cTn id="45" presetID="1" presetClass="entr" presetSubtype="0" fill="hold" nodeType="clickEffect">
-                                  <p:stCondLst>
-                                    <p:cond delay="0"/>
-                                  </p:stCondLst>
-                                  <p:childTnLst>
-                                    <p:set>
-                                      <p:cBhvr>
-                                        <p:cTn id="46" dur="1" fill="hold">
-                                          <p:stCondLst>
-                                            <p:cond delay="0"/>
-                                          </p:stCondLst>
-                                        </p:cTn>
-                                        <p:tgtEl>
-                                          <p:spTgt spid="11"/>
-                                        </p:tgtEl>
-                                        <p:attrNameLst>
-                                          <p:attrName>style.visibility</p:attrName>
-                                        </p:attrNameLst>
-                                      </p:cBhvr>
-                                      <p:to>
-                                        <p:strVal val="visible"/>
-                                      </p:to>
-                                    </p:set>
-                                  </p:childTnLst>
-                                </p:cTn>
-                              </p:par>
-                            </p:childTnLst>
-                          </p:cTn>
-                        </p:par>
-                      </p:childTnLst>
-                    </p:cTn>
-                  </p:par>
-                  <p:par>
-                    <p:cTn id="47" fill="hold">
-                      <p:stCondLst>
-                        <p:cond delay="indefinite"/>
-                      </p:stCondLst>
-                      <p:childTnLst>
-                        <p:par>
-                          <p:cTn id="48" fill="hold">
-                            <p:stCondLst>
-                              <p:cond delay="0"/>
-                            </p:stCondLst>
-                            <p:childTnLst>
-                              <p:par>
-                                <p:cTn id="49" presetID="1" presetClass="entr" presetSubtype="0" fill="hold" nodeType="clickEffect">
-                                  <p:stCondLst>
-                                    <p:cond delay="0"/>
-                                  </p:stCondLst>
-                                  <p:childTnLst>
-                                    <p:set>
-                                      <p:cBhvr>
-                                        <p:cTn id="50" dur="1" fill="hold">
-                                          <p:stCondLst>
-                                            <p:cond delay="0"/>
-                                          </p:stCondLst>
-                                        </p:cTn>
-                                        <p:tgtEl>
-                                          <p:spTgt spid="10"/>
-                                        </p:tgtEl>
-                                        <p:attrNameLst>
-                                          <p:attrName>style.visibility</p:attrName>
-                                        </p:attrNameLst>
-                                      </p:cBhvr>
-                                      <p:to>
-                                        <p:strVal val="visible"/>
-                                      </p:to>
-                                    </p:set>
-                                  </p:childTnLst>
-                                </p:cTn>
-                              </p:par>
-                            </p:childTnLst>
-                          </p:cTn>
-                        </p:par>
-                      </p:childTnLst>
-                    </p:cTn>
-                  </p:par>
-                  <p:par>
-                    <p:cTn id="51" fill="hold">
-                      <p:stCondLst>
-                        <p:cond delay="indefinite"/>
-                      </p:stCondLst>
-                      <p:childTnLst>
-                        <p:par>
-                          <p:cTn id="52" fill="hold">
-                            <p:stCondLst>
-                              <p:cond delay="0"/>
-                            </p:stCondLst>
-                            <p:childTnLst>
-                              <p:par>
-                                <p:cTn id="53" presetID="1" presetClass="entr" presetSubtype="0" fill="hold" nodeType="clickEffect">
-                                  <p:stCondLst>
-                                    <p:cond delay="0"/>
-                                  </p:stCondLst>
-                                  <p:childTnLst>
-                                    <p:set>
-                                      <p:cBhvr>
-                                        <p:cTn id="54" dur="1" fill="hold">
-                                          <p:stCondLst>
-                                            <p:cond delay="0"/>
-                                          </p:stCondLst>
-                                        </p:cTn>
-                                        <p:tgtEl>
-                                          <p:spTgt spid="9"/>
-                                        </p:tgtEl>
-                                        <p:attrNameLst>
-                                          <p:attrName>style.visibility</p:attrName>
-                                        </p:attrNameLst>
-                                      </p:cBhvr>
-                                      <p:to>
-                                        <p:strVal val="visible"/>
-                                      </p:to>
-                                    </p:set>
-                                  </p:childTnLst>
-                                </p:cTn>
-                              </p:par>
-                            </p:childTnLst>
-                          </p:cTn>
-                        </p:par>
-                      </p:childTnLst>
-                    </p:cTn>
-                  </p:par>
-                  <p:par>
-                    <p:cTn id="55" fill="hold">
-                      <p:stCondLst>
-                        <p:cond delay="indefinite"/>
-                      </p:stCondLst>
-                      <p:childTnLst>
-                        <p:par>
-                          <p:cTn id="56" fill="hold">
-                            <p:stCondLst>
-                              <p:cond delay="0"/>
-                            </p:stCondLst>
-                            <p:childTnLst>
-                              <p:par>
-                                <p:cTn id="57" presetID="1" presetClass="entr" presetSubtype="0" fill="hold" nodeType="clickEffect">
-                                  <p:stCondLst>
-                                    <p:cond delay="0"/>
-                                  </p:stCondLst>
-                                  <p:childTnLst>
-                                    <p:set>
-                                      <p:cBhvr>
-                                        <p:cTn id="58" dur="1" fill="hold">
-                                          <p:stCondLst>
-                                            <p:cond delay="0"/>
-                                          </p:stCondLst>
-                                        </p:cTn>
-                                        <p:tgtEl>
-                                          <p:spTgt spid="8"/>
-                                        </p:tgtEl>
-                                        <p:attrNameLst>
-                                          <p:attrName>style.visibility</p:attrName>
-                                        </p:attrNameLst>
-                                      </p:cBhvr>
-                                      <p:to>
-                                        <p:strVal val="visible"/>
-                                      </p:to>
-                                    </p:set>
-                                  </p:childTnLst>
-                                </p:cTn>
-                              </p:par>
-                            </p:childTnLst>
-                          </p:cTn>
-                        </p:par>
-                      </p:childTnLst>
-                    </p:cTn>
-                  </p:par>
-                  <p:par>
-                    <p:cTn id="59" fill="hold">
-                      <p:stCondLst>
-                        <p:cond delay="indefinite"/>
-                      </p:stCondLst>
-                      <p:childTnLst>
-                        <p:par>
-                          <p:cTn id="60" fill="hold">
-                            <p:stCondLst>
-                              <p:cond delay="0"/>
-                            </p:stCondLst>
-                            <p:childTnLst>
-                              <p:par>
-                                <p:cTn id="61" presetID="1" presetClass="entr" presetSubtype="0" fill="hold" nodeType="clickEffect">
-                                  <p:stCondLst>
-                                    <p:cond delay="0"/>
-                                  </p:stCondLst>
-                                  <p:childTnLst>
-                                    <p:set>
-                                      <p:cBhvr>
-                                        <p:cTn id="62" dur="1" fill="hold">
-                                          <p:stCondLst>
-                                            <p:cond delay="0"/>
-                                          </p:stCondLst>
-                                        </p:cTn>
-                                        <p:tgtEl>
-                                          <p:spTgt spid="7"/>
-                                        </p:tgtEl>
-                                        <p:attrNameLst>
-                                          <p:attrName>style.visibility</p:attrName>
-                                        </p:attrNameLst>
-                                      </p:cBhvr>
-                                      <p:to>
-                                        <p:strVal val="visible"/>
-                                      </p:to>
-                                    </p:set>
-                                  </p:childTnLst>
-                                </p:cTn>
-                              </p:par>
-                            </p:childTnLst>
-                          </p:cTn>
-                        </p:par>
-                      </p:childTnLst>
-                    </p:cTn>
-                  </p:par>
-                  <p:par>
-                    <p:cTn id="63" fill="hold">
-                      <p:stCondLst>
-                        <p:cond delay="indefinite"/>
-                      </p:stCondLst>
-                      <p:childTnLst>
-                        <p:par>
-                          <p:cTn id="64" fill="hold">
-                            <p:stCondLst>
-                              <p:cond delay="0"/>
-                            </p:stCondLst>
-                            <p:childTnLst>
-                              <p:par>
-                                <p:cTn id="65" presetID="1" presetClass="entr" presetSubtype="0" fill="hold" nodeType="clickEffect">
-                                  <p:stCondLst>
-                                    <p:cond delay="0"/>
-                                  </p:stCondLst>
-                                  <p:childTnLst>
-                                    <p:set>
-                                      <p:cBhvr>
-                                        <p:cTn id="66" dur="1" fill="hold">
-                                          <p:stCondLst>
-                                            <p:cond delay="0"/>
-                                          </p:stCondLst>
-                                        </p:cTn>
-                                        <p:tgtEl>
-                                          <p:spTgt spid="6"/>
-                                        </p:tgtEl>
-                                        <p:attrNameLst>
-                                          <p:attrName>style.visibility</p:attrName>
-                                        </p:attrNameLst>
-                                      </p:cBhvr>
-                                      <p:to>
-                                        <p:strVal val="visible"/>
-                                      </p:to>
-                                    </p:set>
-                                  </p:childTnLst>
-                                </p:cTn>
-                              </p:par>
-                            </p:childTnLst>
-                          </p:cTn>
-                        </p:par>
-                      </p:childTnLst>
-                    </p:cTn>
-                  </p:par>
-                  <p:par>
-                    <p:cTn id="67" fill="hold">
-                      <p:stCondLst>
-                        <p:cond delay="indefinite"/>
-                      </p:stCondLst>
-                      <p:childTnLst>
-                        <p:par>
-                          <p:cTn id="68" fill="hold">
-                            <p:stCondLst>
-                              <p:cond delay="0"/>
-                            </p:stCondLst>
-                            <p:childTnLst>
-                              <p:par>
-                                <p:cTn id="69" presetID="1" presetClass="entr" presetSubtype="0" fill="hold" nodeType="clickEffect">
-                                  <p:stCondLst>
-                                    <p:cond delay="0"/>
-                                  </p:stCondLst>
-                                  <p:childTnLst>
-                                    <p:set>
-                                      <p:cBhvr>
-                                        <p:cTn id="70" dur="1" fill="hold">
-                                          <p:stCondLst>
-                                            <p:cond delay="0"/>
-                                          </p:stCondLst>
-                                        </p:cTn>
-                                        <p:tgtEl>
-                                          <p:spTgt spid="5"/>
-                                        </p:tgtEl>
-                                        <p:attrNameLst>
-                                          <p:attrName>style.visibility</p:attrName>
-                                        </p:attrNameLst>
-                                      </p:cBhvr>
-                                      <p:to>
-                                        <p:strVal val="visible"/>
-                                      </p:to>
-                                    </p:set>
-                                  </p:childTnLst>
-                                </p:cTn>
-                              </p:par>
-                            </p:childTnLst>
-                          </p:cTn>
-                        </p:par>
-                      </p:childTnLst>
-                    </p:cTn>
-                  </p:par>
-                </p:childTnLst>
-              </p:cTn>
-              <p:prevCondLst>
-                <p:cond evt="onPrev" delay="0">
-                  <p:tgtEl>
-                    <p:sldTgt/>
-                  </p:tgtEl>
-                </p:cond>
-              </p:prevCondLst>
-              <p:nextCondLst>
-                <p:cond evt="onNext" delay="0">
-                  <p:tgtEl>
-                    <p:sldTgt/>
-                  </p:tgtEl>
-                </p:cond>
-              </p:nextCondLst>
-            </p:seq>
-          </p:childTnLst>
-        </p:cTn>
+        <p:cTn id="1" dur="indefinite" restart="never" nodeType="tmRoot"/>
       </p:par>
     </p:tnLst>
   </p:timing>
@@ -9045,17 +8501,29 @@
         </p:nvSpPr>
         <p:spPr>
           <a:xfrm>
-            <a:off x="461610" y="377658"/>
-            <a:ext cx="10823222" cy="1325563"/>
+            <a:off x="444382" y="130882"/>
+            <a:ext cx="10823222" cy="1597397"/>
           </a:xfrm>
         </p:spPr>
         <p:txBody>
           <a:bodyPr/>
           <a:lstStyle/>
           <a:p>
+            <a:pPr algn="ctr"/>
             <a:r>
               <a:rPr lang="en-US" dirty="0" smtClean="0"/>
-              <a:t>Uniform Layer Result – ResNet18, CIFAR10, PS2</a:t>
+              <a:t>Uniform Layer Result – ResNet18, CIFAR10, </a:t>
+            </a:r>
+            <a:r>
+              <a:rPr lang="en-US" dirty="0" smtClean="0"/>
+              <a:t>PS2</a:t>
+            </a:r>
+            <a:br>
+              <a:rPr lang="en-US" dirty="0" smtClean="0"/>
+            </a:br>
+            <a:r>
+              <a:rPr lang="en-US" dirty="0" smtClean="0"/>
+              <a:t>separate layers</a:t>
             </a:r>
             <a:endParaRPr lang="en-US" dirty="0"/>
           </a:p>
@@ -10277,6 +9745,806 @@
 </p:sld>
 </file>
 
+<file path=ppt/slides/slide30.xml><?xml version="1.0" encoding="utf-8"?>
+<p:sld xmlns:a="http://schemas.openxmlformats.org/drawingml/2006/main" xmlns:r="http://schemas.openxmlformats.org/officeDocument/2006/relationships" xmlns:p="http://schemas.openxmlformats.org/presentationml/2006/main">
+  <p:cSld>
+    <p:spTree>
+      <p:nvGrpSpPr>
+        <p:cNvPr id="1" name=""/>
+        <p:cNvGrpSpPr/>
+        <p:nvPr/>
+      </p:nvGrpSpPr>
+      <p:grpSpPr>
+        <a:xfrm>
+          <a:off x="0" y="0"/>
+          <a:ext cx="0" cy="0"/>
+          <a:chOff x="0" y="0"/>
+          <a:chExt cx="0" cy="0"/>
+        </a:xfrm>
+      </p:grpSpPr>
+      <p:sp>
+        <p:nvSpPr>
+          <p:cNvPr id="2" name="Title 1"/>
+          <p:cNvSpPr>
+            <a:spLocks noGrp="1"/>
+          </p:cNvSpPr>
+          <p:nvPr>
+            <p:ph type="ctrTitle"/>
+          </p:nvPr>
+        </p:nvSpPr>
+        <p:spPr/>
+        <p:txBody>
+          <a:bodyPr/>
+          <a:lstStyle/>
+          <a:p>
+            <a:r>
+              <a:rPr lang="en-US" dirty="0" smtClean="0"/>
+              <a:t>% of saved operations per layer in the final mask</a:t>
+            </a:r>
+            <a:endParaRPr lang="en-US" dirty="0"/>
+          </a:p>
+        </p:txBody>
+      </p:sp>
+      <p:sp>
+        <p:nvSpPr>
+          <p:cNvPr id="3" name="Subtitle 2"/>
+          <p:cNvSpPr>
+            <a:spLocks noGrp="1"/>
+          </p:cNvSpPr>
+          <p:nvPr>
+            <p:ph type="subTitle" idx="1"/>
+          </p:nvPr>
+        </p:nvSpPr>
+        <p:spPr/>
+        <p:txBody>
+          <a:bodyPr/>
+          <a:lstStyle/>
+          <a:p>
+            <a:endParaRPr lang="en-US"/>
+          </a:p>
+        </p:txBody>
+      </p:sp>
+    </p:spTree>
+    <p:extLst>
+      <p:ext uri="{BB962C8B-B14F-4D97-AF65-F5344CB8AC3E}">
+        <p14:creationId xmlns:p14="http://schemas.microsoft.com/office/powerpoint/2010/main" val="2917266992"/>
+      </p:ext>
+    </p:extLst>
+  </p:cSld>
+  <p:clrMapOvr>
+    <a:masterClrMapping/>
+  </p:clrMapOvr>
+</p:sld>
+</file>
+
+<file path=ppt/slides/slide31.xml><?xml version="1.0" encoding="utf-8"?>
+<p:sld xmlns:a="http://schemas.openxmlformats.org/drawingml/2006/main" xmlns:r="http://schemas.openxmlformats.org/officeDocument/2006/relationships" xmlns:p="http://schemas.openxmlformats.org/presentationml/2006/main">
+  <p:cSld>
+    <p:spTree>
+      <p:nvGrpSpPr>
+        <p:cNvPr id="1" name=""/>
+        <p:cNvGrpSpPr/>
+        <p:nvPr/>
+      </p:nvGrpSpPr>
+      <p:grpSpPr>
+        <a:xfrm>
+          <a:off x="0" y="0"/>
+          <a:ext cx="0" cy="0"/>
+          <a:chOff x="0" y="0"/>
+          <a:chExt cx="0" cy="0"/>
+        </a:xfrm>
+      </p:grpSpPr>
+      <p:sp>
+        <p:nvSpPr>
+          <p:cNvPr id="2" name="Title 1"/>
+          <p:cNvSpPr>
+            <a:spLocks noGrp="1"/>
+          </p:cNvSpPr>
+          <p:nvPr>
+            <p:ph type="title"/>
+          </p:nvPr>
+        </p:nvSpPr>
+        <p:spPr/>
+        <p:txBody>
+          <a:bodyPr/>
+          <a:lstStyle/>
+          <a:p>
+            <a:endParaRPr lang="en-US"/>
+          </a:p>
+        </p:txBody>
+      </p:sp>
+      <p:graphicFrame>
+        <p:nvGraphicFramePr>
+          <p:cNvPr id="4" name="Content Placeholder 3"/>
+          <p:cNvGraphicFramePr>
+            <a:graphicFrameLocks noGrp="1"/>
+          </p:cNvGraphicFramePr>
+          <p:nvPr>
+            <p:ph idx="1"/>
+            <p:extLst>
+              <p:ext uri="{D42A27DB-BD31-4B8C-83A1-F6EECF244321}">
+                <p14:modId xmlns:p14="http://schemas.microsoft.com/office/powerpoint/2010/main" val="3040925367"/>
+              </p:ext>
+            </p:extLst>
+          </p:nvPr>
+        </p:nvGraphicFramePr>
+        <p:xfrm>
+          <a:off x="838200" y="365125"/>
+          <a:ext cx="10515600" cy="5811838"/>
+        </p:xfrm>
+        <a:graphic>
+          <a:graphicData uri="http://schemas.openxmlformats.org/drawingml/2006/chart">
+            <c:chart xmlns:c="http://schemas.openxmlformats.org/drawingml/2006/chart" xmlns:r="http://schemas.openxmlformats.org/officeDocument/2006/relationships" r:id="rId2"/>
+          </a:graphicData>
+        </a:graphic>
+      </p:graphicFrame>
+    </p:spTree>
+    <p:extLst>
+      <p:ext uri="{BB962C8B-B14F-4D97-AF65-F5344CB8AC3E}">
+        <p14:creationId xmlns:p14="http://schemas.microsoft.com/office/powerpoint/2010/main" val="4000903643"/>
+      </p:ext>
+    </p:extLst>
+  </p:cSld>
+  <p:clrMapOvr>
+    <a:masterClrMapping/>
+  </p:clrMapOvr>
+  <p:timing>
+    <p:tnLst>
+      <p:par>
+        <p:cTn id="1" dur="indefinite" restart="never" nodeType="tmRoot"/>
+      </p:par>
+    </p:tnLst>
+  </p:timing>
+</p:sld>
+</file>
+
+<file path=ppt/slides/slide32.xml><?xml version="1.0" encoding="utf-8"?>
+<p:sld xmlns:a="http://schemas.openxmlformats.org/drawingml/2006/main" xmlns:r="http://schemas.openxmlformats.org/officeDocument/2006/relationships" xmlns:p="http://schemas.openxmlformats.org/presentationml/2006/main">
+  <p:cSld>
+    <p:spTree>
+      <p:nvGrpSpPr>
+        <p:cNvPr id="1" name=""/>
+        <p:cNvGrpSpPr/>
+        <p:nvPr/>
+      </p:nvGrpSpPr>
+      <p:grpSpPr>
+        <a:xfrm>
+          <a:off x="0" y="0"/>
+          <a:ext cx="0" cy="0"/>
+          <a:chOff x="0" y="0"/>
+          <a:chExt cx="0" cy="0"/>
+        </a:xfrm>
+      </p:grpSpPr>
+      <p:sp>
+        <p:nvSpPr>
+          <p:cNvPr id="2" name="Title 1"/>
+          <p:cNvSpPr>
+            <a:spLocks noGrp="1"/>
+          </p:cNvSpPr>
+          <p:nvPr>
+            <p:ph type="title"/>
+          </p:nvPr>
+        </p:nvSpPr>
+        <p:spPr/>
+        <p:txBody>
+          <a:bodyPr/>
+          <a:lstStyle/>
+          <a:p>
+            <a:endParaRPr lang="en-US"/>
+          </a:p>
+        </p:txBody>
+      </p:sp>
+      <p:graphicFrame>
+        <p:nvGraphicFramePr>
+          <p:cNvPr id="4" name="Content Placeholder 3"/>
+          <p:cNvGraphicFramePr>
+            <a:graphicFrameLocks noGrp="1"/>
+          </p:cNvGraphicFramePr>
+          <p:nvPr>
+            <p:ph idx="1"/>
+            <p:extLst>
+              <p:ext uri="{D42A27DB-BD31-4B8C-83A1-F6EECF244321}">
+                <p14:modId xmlns:p14="http://schemas.microsoft.com/office/powerpoint/2010/main" val="809505562"/>
+              </p:ext>
+            </p:extLst>
+          </p:nvPr>
+        </p:nvGraphicFramePr>
+        <p:xfrm>
+          <a:off x="838200" y="365125"/>
+          <a:ext cx="10515600" cy="5811838"/>
+        </p:xfrm>
+        <a:graphic>
+          <a:graphicData uri="http://schemas.openxmlformats.org/drawingml/2006/chart">
+            <c:chart xmlns:c="http://schemas.openxmlformats.org/drawingml/2006/chart" xmlns:r="http://schemas.openxmlformats.org/officeDocument/2006/relationships" r:id="rId2"/>
+          </a:graphicData>
+        </a:graphic>
+      </p:graphicFrame>
+    </p:spTree>
+    <p:extLst>
+      <p:ext uri="{BB962C8B-B14F-4D97-AF65-F5344CB8AC3E}">
+        <p14:creationId xmlns:p14="http://schemas.microsoft.com/office/powerpoint/2010/main" val="4215960480"/>
+      </p:ext>
+    </p:extLst>
+  </p:cSld>
+  <p:clrMapOvr>
+    <a:masterClrMapping/>
+  </p:clrMapOvr>
+  <p:timing>
+    <p:tnLst>
+      <p:par>
+        <p:cTn id="1" dur="indefinite" restart="never" nodeType="tmRoot"/>
+      </p:par>
+    </p:tnLst>
+  </p:timing>
+</p:sld>
+</file>
+
+<file path=ppt/slides/slide33.xml><?xml version="1.0" encoding="utf-8"?>
+<p:sld xmlns:a="http://schemas.openxmlformats.org/drawingml/2006/main" xmlns:r="http://schemas.openxmlformats.org/officeDocument/2006/relationships" xmlns:p="http://schemas.openxmlformats.org/presentationml/2006/main">
+  <p:cSld>
+    <p:spTree>
+      <p:nvGrpSpPr>
+        <p:cNvPr id="1" name=""/>
+        <p:cNvGrpSpPr/>
+        <p:nvPr/>
+      </p:nvGrpSpPr>
+      <p:grpSpPr>
+        <a:xfrm>
+          <a:off x="0" y="0"/>
+          <a:ext cx="0" cy="0"/>
+          <a:chOff x="0" y="0"/>
+          <a:chExt cx="0" cy="0"/>
+        </a:xfrm>
+      </p:grpSpPr>
+      <p:graphicFrame>
+        <p:nvGraphicFramePr>
+          <p:cNvPr id="4" name="Content Placeholder 3"/>
+          <p:cNvGraphicFramePr>
+            <a:graphicFrameLocks noGrp="1"/>
+          </p:cNvGraphicFramePr>
+          <p:nvPr>
+            <p:ph idx="1"/>
+            <p:extLst>
+              <p:ext uri="{D42A27DB-BD31-4B8C-83A1-F6EECF244321}">
+                <p14:modId xmlns:p14="http://schemas.microsoft.com/office/powerpoint/2010/main" val="3285679457"/>
+              </p:ext>
+            </p:extLst>
+          </p:nvPr>
+        </p:nvGraphicFramePr>
+        <p:xfrm>
+          <a:off x="838200" y="592428"/>
+          <a:ext cx="10515600" cy="5584535"/>
+        </p:xfrm>
+        <a:graphic>
+          <a:graphicData uri="http://schemas.openxmlformats.org/drawingml/2006/chart">
+            <c:chart xmlns:c="http://schemas.openxmlformats.org/drawingml/2006/chart" xmlns:r="http://schemas.openxmlformats.org/officeDocument/2006/relationships" r:id="rId2"/>
+          </a:graphicData>
+        </a:graphic>
+      </p:graphicFrame>
+    </p:spTree>
+    <p:extLst>
+      <p:ext uri="{BB962C8B-B14F-4D97-AF65-F5344CB8AC3E}">
+        <p14:creationId xmlns:p14="http://schemas.microsoft.com/office/powerpoint/2010/main" val="3491291647"/>
+      </p:ext>
+    </p:extLst>
+  </p:cSld>
+  <p:clrMapOvr>
+    <a:masterClrMapping/>
+  </p:clrMapOvr>
+  <p:timing>
+    <p:tnLst>
+      <p:par>
+        <p:cTn id="1" dur="indefinite" restart="never" nodeType="tmRoot"/>
+      </p:par>
+    </p:tnLst>
+  </p:timing>
+</p:sld>
+</file>
+
+<file path=ppt/slides/slide34.xml><?xml version="1.0" encoding="utf-8"?>
+<p:sld xmlns:a="http://schemas.openxmlformats.org/drawingml/2006/main" xmlns:r="http://schemas.openxmlformats.org/officeDocument/2006/relationships" xmlns:p="http://schemas.openxmlformats.org/presentationml/2006/main">
+  <p:cSld>
+    <p:spTree>
+      <p:nvGrpSpPr>
+        <p:cNvPr id="1" name=""/>
+        <p:cNvGrpSpPr/>
+        <p:nvPr/>
+      </p:nvGrpSpPr>
+      <p:grpSpPr>
+        <a:xfrm>
+          <a:off x="0" y="0"/>
+          <a:ext cx="0" cy="0"/>
+          <a:chOff x="0" y="0"/>
+          <a:chExt cx="0" cy="0"/>
+        </a:xfrm>
+      </p:grpSpPr>
+      <p:sp>
+        <p:nvSpPr>
+          <p:cNvPr id="2" name="Title 1"/>
+          <p:cNvSpPr>
+            <a:spLocks noGrp="1"/>
+          </p:cNvSpPr>
+          <p:nvPr>
+            <p:ph type="ctrTitle"/>
+          </p:nvPr>
+        </p:nvSpPr>
+        <p:spPr/>
+        <p:txBody>
+          <a:bodyPr/>
+          <a:lstStyle/>
+          <a:p>
+            <a:r>
+              <a:rPr lang="en-US" dirty="0" smtClean="0"/>
+              <a:t>General results</a:t>
+            </a:r>
+            <a:endParaRPr lang="en-US" dirty="0"/>
+          </a:p>
+        </p:txBody>
+      </p:sp>
+      <p:sp>
+        <p:nvSpPr>
+          <p:cNvPr id="3" name="Subtitle 2"/>
+          <p:cNvSpPr>
+            <a:spLocks noGrp="1"/>
+          </p:cNvSpPr>
+          <p:nvPr>
+            <p:ph type="subTitle" idx="1"/>
+          </p:nvPr>
+        </p:nvSpPr>
+        <p:spPr/>
+        <p:txBody>
+          <a:bodyPr/>
+          <a:lstStyle/>
+          <a:p>
+            <a:endParaRPr lang="en-US"/>
+          </a:p>
+        </p:txBody>
+      </p:sp>
+    </p:spTree>
+    <p:extLst>
+      <p:ext uri="{BB962C8B-B14F-4D97-AF65-F5344CB8AC3E}">
+        <p14:creationId xmlns:p14="http://schemas.microsoft.com/office/powerpoint/2010/main" val="4061631039"/>
+      </p:ext>
+    </p:extLst>
+  </p:cSld>
+  <p:clrMapOvr>
+    <a:masterClrMapping/>
+  </p:clrMapOvr>
+</p:sld>
+</file>
+
+<file path=ppt/slides/slide35.xml><?xml version="1.0" encoding="utf-8"?>
+<p:sld xmlns:a="http://schemas.openxmlformats.org/drawingml/2006/main" xmlns:r="http://schemas.openxmlformats.org/officeDocument/2006/relationships" xmlns:p="http://schemas.openxmlformats.org/presentationml/2006/main">
+  <p:cSld>
+    <p:spTree>
+      <p:nvGrpSpPr>
+        <p:cNvPr id="1" name=""/>
+        <p:cNvGrpSpPr/>
+        <p:nvPr/>
+      </p:nvGrpSpPr>
+      <p:grpSpPr>
+        <a:xfrm>
+          <a:off x="0" y="0"/>
+          <a:ext cx="0" cy="0"/>
+          <a:chOff x="0" y="0"/>
+          <a:chExt cx="0" cy="0"/>
+        </a:xfrm>
+      </p:grpSpPr>
+      <p:sp>
+        <p:nvSpPr>
+          <p:cNvPr id="2" name="Title 1"/>
+          <p:cNvSpPr>
+            <a:spLocks noGrp="1"/>
+          </p:cNvSpPr>
+          <p:nvPr>
+            <p:ph type="title"/>
+          </p:nvPr>
+        </p:nvSpPr>
+        <p:spPr/>
+        <p:txBody>
+          <a:bodyPr/>
+          <a:lstStyle/>
+          <a:p>
+            <a:pPr algn="ctr"/>
+            <a:r>
+              <a:rPr lang="en-US" dirty="0" smtClean="0"/>
+              <a:t>% of </a:t>
+            </a:r>
+            <a:r>
+              <a:rPr lang="en-US" dirty="0" smtClean="0"/>
+              <a:t>Zeros in masks</a:t>
+            </a:r>
+            <a:endParaRPr lang="en-US" dirty="0"/>
+          </a:p>
+        </p:txBody>
+      </p:sp>
+      <p:pic>
+        <p:nvPicPr>
+          <p:cNvPr id="4" name="Picture 3"/>
+          <p:cNvPicPr>
+            <a:picLocks noChangeAspect="1"/>
+          </p:cNvPicPr>
+          <p:nvPr/>
+        </p:nvPicPr>
+        <p:blipFill>
+          <a:blip r:embed="rId2"/>
+          <a:stretch>
+            <a:fillRect/>
+          </a:stretch>
+        </p:blipFill>
+        <p:spPr>
+          <a:xfrm>
+            <a:off x="659293" y="2314248"/>
+            <a:ext cx="5004940" cy="3531405"/>
+          </a:xfrm>
+          <a:prstGeom prst="rect">
+            <a:avLst/>
+          </a:prstGeom>
+        </p:spPr>
+      </p:pic>
+      <p:sp>
+        <p:nvSpPr>
+          <p:cNvPr id="5" name="TextBox 4"/>
+          <p:cNvSpPr txBox="1"/>
+          <p:nvPr/>
+        </p:nvSpPr>
+        <p:spPr>
+          <a:xfrm>
+            <a:off x="953037" y="1390918"/>
+            <a:ext cx="4417453" cy="923330"/>
+          </a:xfrm>
+          <a:prstGeom prst="rect">
+            <a:avLst/>
+          </a:prstGeom>
+          <a:noFill/>
+        </p:spPr>
+        <p:txBody>
+          <a:bodyPr wrap="square" rtlCol="0">
+            <a:spAutoFit/>
+          </a:bodyPr>
+          <a:lstStyle/>
+          <a:p>
+            <a:pPr algn="ctr"/>
+            <a:r>
+              <a:rPr lang="en-US" b="1" dirty="0" smtClean="0"/>
+              <a:t>Max Granularity</a:t>
+            </a:r>
+          </a:p>
+          <a:p>
+            <a:pPr algn="ctr"/>
+            <a:r>
+              <a:rPr lang="en-US" dirty="0" smtClean="0"/>
+              <a:t>operations saved: </a:t>
+            </a:r>
+            <a:r>
+              <a:rPr lang="en-US" b="1" dirty="0" smtClean="0"/>
+              <a:t>23.243%</a:t>
+            </a:r>
+          </a:p>
+          <a:p>
+            <a:pPr algn="ctr"/>
+            <a:r>
+              <a:rPr lang="en-US" dirty="0" smtClean="0"/>
+              <a:t>with accuracy of: </a:t>
+            </a:r>
+            <a:r>
+              <a:rPr lang="en-US" b="1" dirty="0" smtClean="0"/>
+              <a:t>90.1%</a:t>
+            </a:r>
+            <a:endParaRPr lang="en-US" b="1" dirty="0"/>
+          </a:p>
+        </p:txBody>
+      </p:sp>
+      <p:pic>
+        <p:nvPicPr>
+          <p:cNvPr id="6" name="Picture 5"/>
+          <p:cNvPicPr>
+            <a:picLocks noChangeAspect="1"/>
+          </p:cNvPicPr>
+          <p:nvPr/>
+        </p:nvPicPr>
+        <p:blipFill>
+          <a:blip r:embed="rId3"/>
+          <a:stretch>
+            <a:fillRect/>
+          </a:stretch>
+        </p:blipFill>
+        <p:spPr>
+          <a:xfrm>
+            <a:off x="6153418" y="2314247"/>
+            <a:ext cx="5004940" cy="3531405"/>
+          </a:xfrm>
+          <a:prstGeom prst="rect">
+            <a:avLst/>
+          </a:prstGeom>
+        </p:spPr>
+      </p:pic>
+      <p:sp>
+        <p:nvSpPr>
+          <p:cNvPr id="7" name="TextBox 6"/>
+          <p:cNvSpPr txBox="1"/>
+          <p:nvPr/>
+        </p:nvSpPr>
+        <p:spPr>
+          <a:xfrm>
+            <a:off x="6447161" y="1390918"/>
+            <a:ext cx="4417453" cy="923330"/>
+          </a:xfrm>
+          <a:prstGeom prst="rect">
+            <a:avLst/>
+          </a:prstGeom>
+          <a:noFill/>
+        </p:spPr>
+        <p:txBody>
+          <a:bodyPr wrap="square" rtlCol="0">
+            <a:spAutoFit/>
+          </a:bodyPr>
+          <a:lstStyle/>
+          <a:p>
+            <a:pPr algn="ctr"/>
+            <a:r>
+              <a:rPr lang="en-US" b="1" dirty="0" smtClean="0"/>
+              <a:t>Uniform Patch</a:t>
+            </a:r>
+          </a:p>
+          <a:p>
+            <a:pPr algn="ctr"/>
+            <a:r>
+              <a:rPr lang="en-US" dirty="0" smtClean="0"/>
+              <a:t>operations saved: </a:t>
+            </a:r>
+            <a:r>
+              <a:rPr lang="en-US" b="1" dirty="0" smtClean="0"/>
+              <a:t>25.322%</a:t>
+            </a:r>
+          </a:p>
+          <a:p>
+            <a:pPr algn="ctr"/>
+            <a:r>
+              <a:rPr lang="en-US" dirty="0" smtClean="0"/>
+              <a:t>with accuracy of: </a:t>
+            </a:r>
+            <a:r>
+              <a:rPr lang="en-US" b="1" dirty="0" smtClean="0"/>
+              <a:t>90.5%</a:t>
+            </a:r>
+          </a:p>
+        </p:txBody>
+      </p:sp>
+    </p:spTree>
+    <p:extLst>
+      <p:ext uri="{BB962C8B-B14F-4D97-AF65-F5344CB8AC3E}">
+        <p14:creationId xmlns:p14="http://schemas.microsoft.com/office/powerpoint/2010/main" val="4217641498"/>
+      </p:ext>
+    </p:extLst>
+  </p:cSld>
+  <p:clrMapOvr>
+    <a:masterClrMapping/>
+  </p:clrMapOvr>
+  <p:timing>
+    <p:tnLst>
+      <p:par>
+        <p:cTn id="1" dur="indefinite" restart="never" nodeType="tmRoot"/>
+      </p:par>
+    </p:tnLst>
+  </p:timing>
+</p:sld>
+</file>
+
+<file path=ppt/slides/slide36.xml><?xml version="1.0" encoding="utf-8"?>
+<p:sld xmlns:a="http://schemas.openxmlformats.org/drawingml/2006/main" xmlns:r="http://schemas.openxmlformats.org/officeDocument/2006/relationships" xmlns:p="http://schemas.openxmlformats.org/presentationml/2006/main">
+  <p:cSld>
+    <p:spTree>
+      <p:nvGrpSpPr>
+        <p:cNvPr id="1" name=""/>
+        <p:cNvGrpSpPr/>
+        <p:nvPr/>
+      </p:nvGrpSpPr>
+      <p:grpSpPr>
+        <a:xfrm>
+          <a:off x="0" y="0"/>
+          <a:ext cx="0" cy="0"/>
+          <a:chOff x="0" y="0"/>
+          <a:chExt cx="0" cy="0"/>
+        </a:xfrm>
+      </p:grpSpPr>
+      <p:sp>
+        <p:nvSpPr>
+          <p:cNvPr id="2" name="Title 1"/>
+          <p:cNvSpPr>
+            <a:spLocks noGrp="1"/>
+          </p:cNvSpPr>
+          <p:nvPr>
+            <p:ph type="title"/>
+          </p:nvPr>
+        </p:nvSpPr>
+        <p:spPr/>
+        <p:txBody>
+          <a:bodyPr/>
+          <a:lstStyle/>
+          <a:p>
+            <a:pPr algn="ctr"/>
+            <a:r>
+              <a:rPr lang="en-US" dirty="0" smtClean="0"/>
+              <a:t>% of Zeros</a:t>
+            </a:r>
+            <a:endParaRPr lang="en-US" dirty="0"/>
+          </a:p>
+        </p:txBody>
+      </p:sp>
+      <p:sp>
+        <p:nvSpPr>
+          <p:cNvPr id="5" name="TextBox 4"/>
+          <p:cNvSpPr txBox="1"/>
+          <p:nvPr/>
+        </p:nvSpPr>
+        <p:spPr>
+          <a:xfrm>
+            <a:off x="953037" y="1390918"/>
+            <a:ext cx="4417453" cy="923330"/>
+          </a:xfrm>
+          <a:prstGeom prst="rect">
+            <a:avLst/>
+          </a:prstGeom>
+          <a:noFill/>
+        </p:spPr>
+        <p:txBody>
+          <a:bodyPr wrap="square" rtlCol="0">
+            <a:spAutoFit/>
+          </a:bodyPr>
+          <a:lstStyle/>
+          <a:p>
+            <a:pPr algn="ctr"/>
+            <a:r>
+              <a:rPr lang="en-US" b="1" dirty="0" smtClean="0"/>
+              <a:t>Uniform Filters</a:t>
+            </a:r>
+          </a:p>
+          <a:p>
+            <a:pPr algn="ctr"/>
+            <a:r>
+              <a:rPr lang="en-US" dirty="0" smtClean="0"/>
+              <a:t>operations saved: </a:t>
+            </a:r>
+            <a:r>
+              <a:rPr lang="en-US" b="1" dirty="0" smtClean="0"/>
+              <a:t>23.712%</a:t>
+            </a:r>
+          </a:p>
+          <a:p>
+            <a:pPr algn="ctr"/>
+            <a:r>
+              <a:rPr lang="en-US" dirty="0" smtClean="0"/>
+              <a:t>with accuracy of: </a:t>
+            </a:r>
+            <a:r>
+              <a:rPr lang="en-US" b="1" dirty="0" smtClean="0"/>
+              <a:t>90.1%</a:t>
+            </a:r>
+            <a:endParaRPr lang="en-US" b="1" dirty="0"/>
+          </a:p>
+        </p:txBody>
+      </p:sp>
+      <p:sp>
+        <p:nvSpPr>
+          <p:cNvPr id="7" name="TextBox 6"/>
+          <p:cNvSpPr txBox="1"/>
+          <p:nvPr/>
+        </p:nvSpPr>
+        <p:spPr>
+          <a:xfrm>
+            <a:off x="6447161" y="1390918"/>
+            <a:ext cx="4417453" cy="923330"/>
+          </a:xfrm>
+          <a:prstGeom prst="rect">
+            <a:avLst/>
+          </a:prstGeom>
+          <a:noFill/>
+        </p:spPr>
+        <p:txBody>
+          <a:bodyPr wrap="square" rtlCol="0">
+            <a:spAutoFit/>
+          </a:bodyPr>
+          <a:lstStyle/>
+          <a:p>
+            <a:pPr algn="ctr"/>
+            <a:r>
+              <a:rPr lang="en-US" b="1" dirty="0" smtClean="0"/>
+              <a:t>Uniform Layer</a:t>
+            </a:r>
+          </a:p>
+          <a:p>
+            <a:pPr algn="ctr"/>
+            <a:r>
+              <a:rPr lang="en-US" dirty="0" smtClean="0"/>
+              <a:t>operations saved: </a:t>
+            </a:r>
+            <a:r>
+              <a:rPr lang="en-US" b="1" dirty="0" smtClean="0"/>
+              <a:t>23.669%</a:t>
+            </a:r>
+          </a:p>
+          <a:p>
+            <a:pPr algn="ctr"/>
+            <a:r>
+              <a:rPr lang="en-US" dirty="0" smtClean="0"/>
+              <a:t>with accuracy of: </a:t>
+            </a:r>
+            <a:r>
+              <a:rPr lang="en-US" b="1" dirty="0" smtClean="0"/>
+              <a:t>90.1%</a:t>
+            </a:r>
+          </a:p>
+        </p:txBody>
+      </p:sp>
+      <p:pic>
+        <p:nvPicPr>
+          <p:cNvPr id="3" name="Picture 2"/>
+          <p:cNvPicPr>
+            <a:picLocks noChangeAspect="1"/>
+          </p:cNvPicPr>
+          <p:nvPr/>
+        </p:nvPicPr>
+        <p:blipFill>
+          <a:blip r:embed="rId2"/>
+          <a:stretch>
+            <a:fillRect/>
+          </a:stretch>
+        </p:blipFill>
+        <p:spPr>
+          <a:xfrm>
+            <a:off x="659293" y="2314246"/>
+            <a:ext cx="5004940" cy="3531405"/>
+          </a:xfrm>
+          <a:prstGeom prst="rect">
+            <a:avLst/>
+          </a:prstGeom>
+        </p:spPr>
+      </p:pic>
+      <p:pic>
+        <p:nvPicPr>
+          <p:cNvPr id="8" name="Picture 7"/>
+          <p:cNvPicPr>
+            <a:picLocks noChangeAspect="1"/>
+          </p:cNvPicPr>
+          <p:nvPr/>
+        </p:nvPicPr>
+        <p:blipFill>
+          <a:blip r:embed="rId2"/>
+          <a:stretch>
+            <a:fillRect/>
+          </a:stretch>
+        </p:blipFill>
+        <p:spPr>
+          <a:xfrm>
+            <a:off x="6153417" y="2314246"/>
+            <a:ext cx="5004940" cy="3531405"/>
+          </a:xfrm>
+          <a:prstGeom prst="rect">
+            <a:avLst/>
+          </a:prstGeom>
+        </p:spPr>
+      </p:pic>
+    </p:spTree>
+    <p:extLst>
+      <p:ext uri="{BB962C8B-B14F-4D97-AF65-F5344CB8AC3E}">
+        <p14:creationId xmlns:p14="http://schemas.microsoft.com/office/powerpoint/2010/main" val="3814312812"/>
+      </p:ext>
+    </p:extLst>
+  </p:cSld>
+  <p:clrMapOvr>
+    <a:masterClrMapping/>
+  </p:clrMapOvr>
+  <p:timing>
+    <p:tnLst>
+      <p:par>
+        <p:cTn id="1" dur="indefinite" restart="never" nodeType="tmRoot"/>
+      </p:par>
+    </p:tnLst>
+  </p:timing>
+</p:sld>
+</file>
+
 <file path=ppt/slides/slide4.xml><?xml version="1.0" encoding="utf-8"?>
 <p:sld xmlns:a="http://schemas.openxmlformats.org/drawingml/2006/main" xmlns:r="http://schemas.openxmlformats.org/officeDocument/2006/relationships" xmlns:p="http://schemas.openxmlformats.org/presentationml/2006/main">
   <p:cSld>
@@ -10324,7 +10592,7 @@
       </p:sp>
       <p:pic>
         <p:nvPicPr>
-          <p:cNvPr id="4" name="Picture 3"/>
+          <p:cNvPr id="3" name="Picture 2"/>
           <p:cNvPicPr>
             <a:picLocks noChangeAspect="1"/>
           </p:cNvPicPr>
@@ -10338,8 +10606,8 @@
         </p:blipFill>
         <p:spPr>
           <a:xfrm>
-            <a:off x="1339403" y="840819"/>
-            <a:ext cx="8696179" cy="6017181"/>
+            <a:off x="2163651" y="896587"/>
+            <a:ext cx="7143482" cy="5657254"/>
           </a:xfrm>
           <a:prstGeom prst="rect">
             <a:avLst/>
@@ -10413,7 +10681,7 @@
       </p:sp>
       <p:pic>
         <p:nvPicPr>
-          <p:cNvPr id="3" name="Picture 2"/>
+          <p:cNvPr id="4" name="Picture 3"/>
           <p:cNvPicPr>
             <a:picLocks noChangeAspect="1"/>
           </p:cNvPicPr>
@@ -10427,8 +10695,8 @@
         </p:blipFill>
         <p:spPr>
           <a:xfrm>
-            <a:off x="1282985" y="798491"/>
-            <a:ext cx="8757352" cy="6059509"/>
+            <a:off x="1996225" y="819325"/>
+            <a:ext cx="7573688" cy="5997954"/>
           </a:xfrm>
           <a:prstGeom prst="rect">
             <a:avLst/>
@@ -10502,7 +10770,7 @@
       </p:sp>
       <p:pic>
         <p:nvPicPr>
-          <p:cNvPr id="4" name="Picture 3"/>
+          <p:cNvPr id="6" name="Picture 5"/>
           <p:cNvPicPr>
             <a:picLocks noChangeAspect="1"/>
           </p:cNvPicPr>
@@ -10516,8 +10784,8 @@
         </p:blipFill>
         <p:spPr>
           <a:xfrm>
-            <a:off x="1404730" y="818895"/>
-            <a:ext cx="8708033" cy="6039105"/>
+            <a:off x="1987826" y="1042980"/>
+            <a:ext cx="7421216" cy="5487658"/>
           </a:xfrm>
           <a:prstGeom prst="rect">
             <a:avLst/>
@@ -10527,7 +10795,7 @@
     </p:spTree>
     <p:extLst>
       <p:ext uri="{BB962C8B-B14F-4D97-AF65-F5344CB8AC3E}">
-        <p14:creationId xmlns:p14="http://schemas.microsoft.com/office/powerpoint/2010/main" val="4027210829"/>
+        <p14:creationId xmlns:p14="http://schemas.microsoft.com/office/powerpoint/2010/main" val="3148394210"/>
       </p:ext>
     </p:extLst>
   </p:cSld>
@@ -10591,7 +10859,7 @@
       </p:sp>
       <p:pic>
         <p:nvPicPr>
-          <p:cNvPr id="5" name="Picture 4"/>
+          <p:cNvPr id="4" name="Picture 3"/>
           <p:cNvPicPr>
             <a:picLocks noChangeAspect="1"/>
           </p:cNvPicPr>
@@ -10605,8 +10873,8 @@
         </p:blipFill>
         <p:spPr>
           <a:xfrm>
-            <a:off x="1938829" y="766600"/>
-            <a:ext cx="8260822" cy="6091400"/>
+            <a:off x="1791552" y="821574"/>
+            <a:ext cx="8163338" cy="6036426"/>
           </a:xfrm>
           <a:prstGeom prst="rect">
             <a:avLst/>
@@ -10616,7 +10884,7 @@
     </p:spTree>
     <p:extLst>
       <p:ext uri="{BB962C8B-B14F-4D97-AF65-F5344CB8AC3E}">
-        <p14:creationId xmlns:p14="http://schemas.microsoft.com/office/powerpoint/2010/main" val="3148394210"/>
+        <p14:creationId xmlns:p14="http://schemas.microsoft.com/office/powerpoint/2010/main" val="2382440885"/>
       </p:ext>
     </p:extLst>
   </p:cSld>
@@ -10657,7 +10925,7 @@
             <a:spLocks noGrp="1"/>
           </p:cNvSpPr>
           <p:nvPr>
-            <p:ph type="title"/>
+            <p:ph type="ctrTitle"/>
           </p:nvPr>
         </p:nvSpPr>
         <p:spPr/>
@@ -10665,39 +10933,37 @@
           <a:bodyPr/>
           <a:lstStyle/>
           <a:p>
-            <a:endParaRPr lang="en-US"/>
+            <a:r>
+              <a:rPr lang="en-US" dirty="0" smtClean="0"/>
+              <a:t>Uniform Filters</a:t>
+            </a:r>
+            <a:endParaRPr lang="en-US" dirty="0"/>
           </a:p>
         </p:txBody>
       </p:sp>
-      <p:graphicFrame>
-        <p:nvGraphicFramePr>
-          <p:cNvPr id="4" name="Content Placeholder 3"/>
-          <p:cNvGraphicFramePr>
-            <a:graphicFrameLocks noGrp="1"/>
-          </p:cNvGraphicFramePr>
+      <p:sp>
+        <p:nvSpPr>
+          <p:cNvPr id="4" name="Subtitle 3"/>
+          <p:cNvSpPr>
+            <a:spLocks noGrp="1"/>
+          </p:cNvSpPr>
           <p:nvPr>
-            <p:ph idx="1"/>
-            <p:extLst>
-              <p:ext uri="{D42A27DB-BD31-4B8C-83A1-F6EECF244321}">
-                <p14:modId xmlns:p14="http://schemas.microsoft.com/office/powerpoint/2010/main" val="3040925367"/>
-              </p:ext>
-            </p:extLst>
+            <p:ph type="subTitle" idx="1"/>
           </p:nvPr>
-        </p:nvGraphicFramePr>
-        <p:xfrm>
-          <a:off x="838200" y="365125"/>
-          <a:ext cx="10515600" cy="5811838"/>
-        </p:xfrm>
-        <a:graphic>
-          <a:graphicData uri="http://schemas.openxmlformats.org/drawingml/2006/chart">
-            <c:chart xmlns:c="http://schemas.openxmlformats.org/drawingml/2006/chart" xmlns:r="http://schemas.openxmlformats.org/officeDocument/2006/relationships" r:id="rId2"/>
-          </a:graphicData>
-        </a:graphic>
-      </p:graphicFrame>
+        </p:nvSpPr>
+        <p:spPr/>
+        <p:txBody>
+          <a:bodyPr/>
+          <a:lstStyle/>
+          <a:p>
+            <a:endParaRPr lang="en-US"/>
+          </a:p>
+        </p:txBody>
+      </p:sp>
     </p:spTree>
     <p:extLst>
       <p:ext uri="{BB962C8B-B14F-4D97-AF65-F5344CB8AC3E}">
-        <p14:creationId xmlns:p14="http://schemas.microsoft.com/office/powerpoint/2010/main" val="4000903643"/>
+        <p14:creationId xmlns:p14="http://schemas.microsoft.com/office/powerpoint/2010/main" val="3872951111"/>
       </p:ext>
     </p:extLst>
   </p:cSld>
@@ -10733,7 +10999,7 @@
       </p:grpSpPr>
       <p:sp>
         <p:nvSpPr>
-          <p:cNvPr id="2" name="Title 1"/>
+          <p:cNvPr id="4" name="Title 1"/>
           <p:cNvSpPr>
             <a:spLocks noGrp="1"/>
           </p:cNvSpPr>
@@ -10741,44 +11007,436 @@
             <p:ph type="title"/>
           </p:nvPr>
         </p:nvSpPr>
-        <p:spPr/>
+        <p:spPr>
+          <a:xfrm>
+            <a:off x="347730" y="365125"/>
+            <a:ext cx="11006070" cy="1325563"/>
+          </a:xfrm>
+        </p:spPr>
         <p:txBody>
           <a:bodyPr/>
           <a:lstStyle/>
           <a:p>
-            <a:endParaRPr lang="en-US"/>
+            <a:r>
+              <a:rPr lang="en-US" dirty="0" smtClean="0"/>
+              <a:t>Uniform Filters Result – ResNet18, CIFAR10, PS2</a:t>
+            </a:r>
+            <a:endParaRPr lang="en-US" dirty="0"/>
           </a:p>
         </p:txBody>
       </p:sp>
-      <p:graphicFrame>
-        <p:nvGraphicFramePr>
-          <p:cNvPr id="4" name="Content Placeholder 3"/>
-          <p:cNvGraphicFramePr>
-            <a:graphicFrameLocks noGrp="1"/>
-          </p:cNvGraphicFramePr>
-          <p:nvPr>
-            <p:ph idx="1"/>
-            <p:extLst>
-              <p:ext uri="{D42A27DB-BD31-4B8C-83A1-F6EECF244321}">
-                <p14:modId xmlns:p14="http://schemas.microsoft.com/office/powerpoint/2010/main" val="809505562"/>
-              </p:ext>
-            </p:extLst>
-          </p:nvPr>
-        </p:nvGraphicFramePr>
-        <p:xfrm>
-          <a:off x="838200" y="365125"/>
-          <a:ext cx="10515600" cy="5811838"/>
-        </p:xfrm>
-        <a:graphic>
-          <a:graphicData uri="http://schemas.openxmlformats.org/drawingml/2006/chart">
-            <c:chart xmlns:c="http://schemas.openxmlformats.org/drawingml/2006/chart" xmlns:r="http://schemas.openxmlformats.org/officeDocument/2006/relationships" r:id="rId2"/>
-          </a:graphicData>
-        </a:graphic>
-      </p:graphicFrame>
+      <p:pic>
+        <p:nvPicPr>
+          <p:cNvPr id="5" name="Picture 4"/>
+          <p:cNvPicPr>
+            <a:picLocks noChangeAspect="1"/>
+          </p:cNvPicPr>
+          <p:nvPr/>
+        </p:nvPicPr>
+        <p:blipFill>
+          <a:blip r:embed="rId2"/>
+          <a:stretch>
+            <a:fillRect/>
+          </a:stretch>
+        </p:blipFill>
+        <p:spPr>
+          <a:xfrm>
+            <a:off x="0" y="1371323"/>
+            <a:ext cx="3620325" cy="3213832"/>
+          </a:xfrm>
+          <a:prstGeom prst="rect">
+            <a:avLst/>
+          </a:prstGeom>
+        </p:spPr>
+      </p:pic>
+      <p:pic>
+        <p:nvPicPr>
+          <p:cNvPr id="6" name="Picture 5"/>
+          <p:cNvPicPr>
+            <a:picLocks noChangeAspect="1"/>
+          </p:cNvPicPr>
+          <p:nvPr/>
+        </p:nvPicPr>
+        <p:blipFill>
+          <a:blip r:embed="rId3"/>
+          <a:stretch>
+            <a:fillRect/>
+          </a:stretch>
+        </p:blipFill>
+        <p:spPr>
+          <a:xfrm>
+            <a:off x="-1" y="2079661"/>
+            <a:ext cx="3620325" cy="3213832"/>
+          </a:xfrm>
+          <a:prstGeom prst="rect">
+            <a:avLst/>
+          </a:prstGeom>
+        </p:spPr>
+      </p:pic>
+      <p:pic>
+        <p:nvPicPr>
+          <p:cNvPr id="7" name="Picture 6"/>
+          <p:cNvPicPr>
+            <a:picLocks noChangeAspect="1"/>
+          </p:cNvPicPr>
+          <p:nvPr/>
+        </p:nvPicPr>
+        <p:blipFill>
+          <a:blip r:embed="rId4"/>
+          <a:stretch>
+            <a:fillRect/>
+          </a:stretch>
+        </p:blipFill>
+        <p:spPr>
+          <a:xfrm>
+            <a:off x="-2" y="2787999"/>
+            <a:ext cx="3620325" cy="3213832"/>
+          </a:xfrm>
+          <a:prstGeom prst="rect">
+            <a:avLst/>
+          </a:prstGeom>
+        </p:spPr>
+      </p:pic>
+      <p:pic>
+        <p:nvPicPr>
+          <p:cNvPr id="8" name="Picture 7"/>
+          <p:cNvPicPr>
+            <a:picLocks noChangeAspect="1"/>
+          </p:cNvPicPr>
+          <p:nvPr/>
+        </p:nvPicPr>
+        <p:blipFill>
+          <a:blip r:embed="rId5"/>
+          <a:stretch>
+            <a:fillRect/>
+          </a:stretch>
+        </p:blipFill>
+        <p:spPr>
+          <a:xfrm>
+            <a:off x="-3" y="3496337"/>
+            <a:ext cx="3620325" cy="3213832"/>
+          </a:xfrm>
+          <a:prstGeom prst="rect">
+            <a:avLst/>
+          </a:prstGeom>
+        </p:spPr>
+      </p:pic>
+      <p:pic>
+        <p:nvPicPr>
+          <p:cNvPr id="9" name="Picture 8"/>
+          <p:cNvPicPr>
+            <a:picLocks noChangeAspect="1"/>
+          </p:cNvPicPr>
+          <p:nvPr/>
+        </p:nvPicPr>
+        <p:blipFill>
+          <a:blip r:embed="rId6"/>
+          <a:stretch>
+            <a:fillRect/>
+          </a:stretch>
+        </p:blipFill>
+        <p:spPr>
+          <a:xfrm>
+            <a:off x="-4" y="4075550"/>
+            <a:ext cx="3620325" cy="3213832"/>
+          </a:xfrm>
+          <a:prstGeom prst="rect">
+            <a:avLst/>
+          </a:prstGeom>
+        </p:spPr>
+      </p:pic>
+      <p:pic>
+        <p:nvPicPr>
+          <p:cNvPr id="10" name="Picture 9"/>
+          <p:cNvPicPr>
+            <a:picLocks noChangeAspect="1"/>
+          </p:cNvPicPr>
+          <p:nvPr/>
+        </p:nvPicPr>
+        <p:blipFill>
+          <a:blip r:embed="rId7"/>
+          <a:stretch>
+            <a:fillRect/>
+          </a:stretch>
+        </p:blipFill>
+        <p:spPr>
+          <a:xfrm>
+            <a:off x="3620321" y="1310208"/>
+            <a:ext cx="3671136" cy="3213832"/>
+          </a:xfrm>
+          <a:prstGeom prst="rect">
+            <a:avLst/>
+          </a:prstGeom>
+        </p:spPr>
+      </p:pic>
+      <p:pic>
+        <p:nvPicPr>
+          <p:cNvPr id="11" name="Picture 10"/>
+          <p:cNvPicPr>
+            <a:picLocks noChangeAspect="1"/>
+          </p:cNvPicPr>
+          <p:nvPr/>
+        </p:nvPicPr>
+        <p:blipFill>
+          <a:blip r:embed="rId8"/>
+          <a:stretch>
+            <a:fillRect/>
+          </a:stretch>
+        </p:blipFill>
+        <p:spPr>
+          <a:xfrm>
+            <a:off x="3620321" y="1908295"/>
+            <a:ext cx="3671136" cy="3213832"/>
+          </a:xfrm>
+          <a:prstGeom prst="rect">
+            <a:avLst/>
+          </a:prstGeom>
+        </p:spPr>
+      </p:pic>
+      <p:pic>
+        <p:nvPicPr>
+          <p:cNvPr id="12" name="Picture 11"/>
+          <p:cNvPicPr>
+            <a:picLocks noChangeAspect="1"/>
+          </p:cNvPicPr>
+          <p:nvPr/>
+        </p:nvPicPr>
+        <p:blipFill>
+          <a:blip r:embed="rId9"/>
+          <a:stretch>
+            <a:fillRect/>
+          </a:stretch>
+        </p:blipFill>
+        <p:spPr>
+          <a:xfrm>
+            <a:off x="3620321" y="2635771"/>
+            <a:ext cx="3671136" cy="3213832"/>
+          </a:xfrm>
+          <a:prstGeom prst="rect">
+            <a:avLst/>
+          </a:prstGeom>
+        </p:spPr>
+      </p:pic>
+      <p:pic>
+        <p:nvPicPr>
+          <p:cNvPr id="13" name="Picture 12"/>
+          <p:cNvPicPr>
+            <a:picLocks noChangeAspect="1"/>
+          </p:cNvPicPr>
+          <p:nvPr/>
+        </p:nvPicPr>
+        <p:blipFill>
+          <a:blip r:embed="rId10"/>
+          <a:stretch>
+            <a:fillRect/>
+          </a:stretch>
+        </p:blipFill>
+        <p:spPr>
+          <a:xfrm>
+            <a:off x="3719520" y="3280862"/>
+            <a:ext cx="3671136" cy="3213832"/>
+          </a:xfrm>
+          <a:prstGeom prst="rect">
+            <a:avLst/>
+          </a:prstGeom>
+        </p:spPr>
+      </p:pic>
+      <p:pic>
+        <p:nvPicPr>
+          <p:cNvPr id="14" name="Picture 13"/>
+          <p:cNvPicPr>
+            <a:picLocks noChangeAspect="1"/>
+          </p:cNvPicPr>
+          <p:nvPr/>
+        </p:nvPicPr>
+        <p:blipFill>
+          <a:blip r:embed="rId11"/>
+          <a:stretch>
+            <a:fillRect/>
+          </a:stretch>
+        </p:blipFill>
+        <p:spPr>
+          <a:xfrm>
+            <a:off x="7240642" y="1340766"/>
+            <a:ext cx="3620325" cy="3213832"/>
+          </a:xfrm>
+          <a:prstGeom prst="rect">
+            <a:avLst/>
+          </a:prstGeom>
+        </p:spPr>
+      </p:pic>
+      <p:pic>
+        <p:nvPicPr>
+          <p:cNvPr id="15" name="Picture 14"/>
+          <p:cNvPicPr>
+            <a:picLocks noChangeAspect="1"/>
+          </p:cNvPicPr>
+          <p:nvPr/>
+        </p:nvPicPr>
+        <p:blipFill>
+          <a:blip r:embed="rId12"/>
+          <a:stretch>
+            <a:fillRect/>
+          </a:stretch>
+        </p:blipFill>
+        <p:spPr>
+          <a:xfrm>
+            <a:off x="7278746" y="1914927"/>
+            <a:ext cx="3633028" cy="3213832"/>
+          </a:xfrm>
+          <a:prstGeom prst="rect">
+            <a:avLst/>
+          </a:prstGeom>
+        </p:spPr>
+      </p:pic>
+      <p:pic>
+        <p:nvPicPr>
+          <p:cNvPr id="16" name="Picture 15"/>
+          <p:cNvPicPr>
+            <a:picLocks noChangeAspect="1"/>
+          </p:cNvPicPr>
+          <p:nvPr/>
+        </p:nvPicPr>
+        <p:blipFill>
+          <a:blip r:embed="rId13"/>
+          <a:stretch>
+            <a:fillRect/>
+          </a:stretch>
+        </p:blipFill>
+        <p:spPr>
+          <a:xfrm>
+            <a:off x="7291457" y="2560018"/>
+            <a:ext cx="3633028" cy="3213832"/>
+          </a:xfrm>
+          <a:prstGeom prst="rect">
+            <a:avLst/>
+          </a:prstGeom>
+        </p:spPr>
+      </p:pic>
+      <p:pic>
+        <p:nvPicPr>
+          <p:cNvPr id="17" name="Picture 16"/>
+          <p:cNvPicPr>
+            <a:picLocks noChangeAspect="1"/>
+          </p:cNvPicPr>
+          <p:nvPr/>
+        </p:nvPicPr>
+        <p:blipFill>
+          <a:blip r:embed="rId14"/>
+          <a:stretch>
+            <a:fillRect/>
+          </a:stretch>
+        </p:blipFill>
+        <p:spPr>
+          <a:xfrm>
+            <a:off x="7241858" y="3428627"/>
+            <a:ext cx="3633028" cy="3213832"/>
+          </a:xfrm>
+          <a:prstGeom prst="rect">
+            <a:avLst/>
+          </a:prstGeom>
+        </p:spPr>
+      </p:pic>
+      <p:pic>
+        <p:nvPicPr>
+          <p:cNvPr id="18" name="Picture 17"/>
+          <p:cNvPicPr>
+            <a:picLocks noChangeAspect="1"/>
+          </p:cNvPicPr>
+          <p:nvPr/>
+        </p:nvPicPr>
+        <p:blipFill>
+          <a:blip r:embed="rId15"/>
+          <a:stretch>
+            <a:fillRect/>
+          </a:stretch>
+        </p:blipFill>
+        <p:spPr>
+          <a:xfrm>
+            <a:off x="10822070" y="1321987"/>
+            <a:ext cx="3620325" cy="3213832"/>
+          </a:xfrm>
+          <a:prstGeom prst="rect">
+            <a:avLst/>
+          </a:prstGeom>
+        </p:spPr>
+      </p:pic>
+      <p:pic>
+        <p:nvPicPr>
+          <p:cNvPr id="19" name="Picture 18"/>
+          <p:cNvPicPr>
+            <a:picLocks noChangeAspect="1"/>
+          </p:cNvPicPr>
+          <p:nvPr/>
+        </p:nvPicPr>
+        <p:blipFill>
+          <a:blip r:embed="rId16"/>
+          <a:stretch>
+            <a:fillRect/>
+          </a:stretch>
+        </p:blipFill>
+        <p:spPr>
+          <a:xfrm>
+            <a:off x="10961373" y="2079661"/>
+            <a:ext cx="3620325" cy="3213832"/>
+          </a:xfrm>
+          <a:prstGeom prst="rect">
+            <a:avLst/>
+          </a:prstGeom>
+        </p:spPr>
+      </p:pic>
+      <p:pic>
+        <p:nvPicPr>
+          <p:cNvPr id="20" name="Picture 19"/>
+          <p:cNvPicPr>
+            <a:picLocks noChangeAspect="1"/>
+          </p:cNvPicPr>
+          <p:nvPr/>
+        </p:nvPicPr>
+        <p:blipFill>
+          <a:blip r:embed="rId17"/>
+          <a:stretch>
+            <a:fillRect/>
+          </a:stretch>
+        </p:blipFill>
+        <p:spPr>
+          <a:xfrm>
+            <a:off x="10961373" y="2938293"/>
+            <a:ext cx="3620325" cy="3213832"/>
+          </a:xfrm>
+          <a:prstGeom prst="rect">
+            <a:avLst/>
+          </a:prstGeom>
+        </p:spPr>
+      </p:pic>
+      <p:pic>
+        <p:nvPicPr>
+          <p:cNvPr id="21" name="Picture 20"/>
+          <p:cNvPicPr>
+            <a:picLocks noChangeAspect="1"/>
+          </p:cNvPicPr>
+          <p:nvPr/>
+        </p:nvPicPr>
+        <p:blipFill>
+          <a:blip r:embed="rId18"/>
+          <a:stretch>
+            <a:fillRect/>
+          </a:stretch>
+        </p:blipFill>
+        <p:spPr>
+          <a:xfrm>
+            <a:off x="10974084" y="3735717"/>
+            <a:ext cx="3620325" cy="3213832"/>
+          </a:xfrm>
+          <a:prstGeom prst="rect">
+            <a:avLst/>
+          </a:prstGeom>
+        </p:spPr>
+      </p:pic>
     </p:spTree>
     <p:extLst>
       <p:ext uri="{BB962C8B-B14F-4D97-AF65-F5344CB8AC3E}">
-        <p14:creationId xmlns:p14="http://schemas.microsoft.com/office/powerpoint/2010/main" val="4215960480"/>
+        <p14:creationId xmlns:p14="http://schemas.microsoft.com/office/powerpoint/2010/main" val="1959521006"/>
       </p:ext>
     </p:extLst>
   </p:cSld>
